--- a/teach/spring_21/behavior_modeling/week5.pptx
+++ b/teach/spring_21/behavior_modeling/week5.pptx
@@ -4,6 +4,9 @@
   <p:sldMasterIdLst>
     <p:sldMasterId id="2147483648" r:id="rId1"/>
   </p:sldMasterIdLst>
+  <p:notesMasterIdLst>
+    <p:notesMasterId r:id="rId40"/>
+  </p:notesMasterIdLst>
   <p:sldIdLst>
     <p:sldId id="256" r:id="rId2"/>
     <p:sldId id="257" r:id="rId3"/>
@@ -13,7 +16,7 @@
     <p:sldId id="261" r:id="rId7"/>
     <p:sldId id="263" r:id="rId8"/>
     <p:sldId id="264" r:id="rId9"/>
-    <p:sldId id="262" r:id="rId10"/>
+    <p:sldId id="285" r:id="rId10"/>
     <p:sldId id="265" r:id="rId11"/>
     <p:sldId id="267" r:id="rId12"/>
     <p:sldId id="266" r:id="rId13"/>
@@ -22,7 +25,7 @@
     <p:sldId id="271" r:id="rId16"/>
     <p:sldId id="270" r:id="rId17"/>
     <p:sldId id="272" r:id="rId18"/>
-    <p:sldId id="273" r:id="rId19"/>
+    <p:sldId id="286" r:id="rId19"/>
     <p:sldId id="274" r:id="rId20"/>
     <p:sldId id="275" r:id="rId21"/>
     <p:sldId id="276" r:id="rId22"/>
@@ -33,6 +36,16 @@
     <p:sldId id="282" r:id="rId27"/>
     <p:sldId id="283" r:id="rId28"/>
     <p:sldId id="284" r:id="rId29"/>
+    <p:sldId id="1057" r:id="rId30"/>
+    <p:sldId id="1042" r:id="rId31"/>
+    <p:sldId id="1041" r:id="rId32"/>
+    <p:sldId id="1140" r:id="rId33"/>
+    <p:sldId id="1053" r:id="rId34"/>
+    <p:sldId id="1152" r:id="rId35"/>
+    <p:sldId id="1156" r:id="rId36"/>
+    <p:sldId id="1153" r:id="rId37"/>
+    <p:sldId id="1157" r:id="rId38"/>
+    <p:sldId id="1154" r:id="rId39"/>
   </p:sldIdLst>
   <p:sldSz cx="12192000" cy="6858000"/>
   <p:notesSz cx="6858000" cy="9144000"/>
@@ -131,822 +144,27 @@
       </a:defRPr>
     </a:lvl9pPr>
   </p:defaultTextStyle>
+  <p:extLst>
+    <p:ext uri="{EFAFB233-063F-42B5-8137-9DF3F51BA10A}">
+      <p15:sldGuideLst xmlns:p15="http://schemas.microsoft.com/office/powerpoint/2012/main"/>
+    </p:ext>
+  </p:extLst>
 </p:presentation>
 </file>
 
-<file path=ppt/ink/ink1.xml><?xml version="1.0" encoding="utf-8"?>
-<inkml:ink xmlns:inkml="http://www.w3.org/2003/InkML">
-  <inkml:definitions>
-    <inkml:context xml:id="ctx0">
-      <inkml:inkSource xml:id="inkSrc0">
-        <inkml:traceFormat>
-          <inkml:channel name="X" type="integer" min="-2.14748E9" max="2.14748E9" units="cm"/>
-          <inkml:channel name="Y" type="integer" min="-2.14748E9" max="2.14748E9" units="cm"/>
-          <inkml:channel name="F" type="integer" max="32767" units="dev"/>
-        </inkml:traceFormat>
-        <inkml:channelProperties>
-          <inkml:channelProperty channel="X" name="resolution" value="1000" units="1/cm"/>
-          <inkml:channelProperty channel="Y" name="resolution" value="1000" units="1/cm"/>
-          <inkml:channelProperty channel="F" name="resolution" value="0" units="1/dev"/>
-        </inkml:channelProperties>
-      </inkml:inkSource>
-      <inkml:timestamp xml:id="ts0" timeString="2021-02-10T01:05:02.289"/>
-    </inkml:context>
-    <inkml:brush xml:id="br0">
-      <inkml:brushProperty name="width" value="0.1" units="cm"/>
-      <inkml:brushProperty name="height" value="0.6" units="cm"/>
-      <inkml:brushProperty name="color" value="#849398"/>
-      <inkml:brushProperty name="inkEffects" value="pencil"/>
-    </inkml:brush>
-  </inkml:definitions>
-  <inkml:trace contextRef="#ctx0" brushRef="#br0">1 6250 16383,'81'-28'0,"0"-1"0,0 1 0,0-1 0,0 1 0,0 0 0,-1-1 0,7-1 0,2 0 0,-1 0 0,-4-1 0,-8-2 0,-11-1 0,3-17 0,-13-3 0,-4 2 0,11-3 0,-2-1 0,-12 8 0,0-3 0,-2 2 0,12-15 0,-1 2 0,-1 3 0,2 0 0,-8 9 0,3-2 0,-2 4 0,6-5 0,1 1 0,-2 2 0,4-3 0,-5 2 0,-2 1 0,3-4 0,1 1 0,10-8 0,4-3 0,-2 1 0,-3 4 0,0 1 0,2-2 0,3-4 0,-8 7 0,3-2 0,3-3 0,0-1 0,1 0 0,-2 0 0,1-2 0,0 0 0,-1 0 0,1-1 0,0 0 0,0-1 0,2-1 0,1-2 0,0 1 0,0-1 0,-1 0 0,-1 1 0,-3 2 0,-1-1 0,-1 1 0,0-1 0,-1 3 0,-1 0 0,5-4 0,-2 2 0,0 1 0,-1 1 0,1 0 0,-1 1 0,0 0 0,0 1 0,-1 1 0,-4 3 0,2-2 0,-3 3 0,-2 1 0,1 0 0,-3 2 0,-1 0 0,0 0 0,-1 1 0,12-13 0,-1 1 0,-5 4 0,2-7 0,-3 3 0,0 3 0,-3 2 0,-12 13 0,-1-2 0,13-19 0,2-5 0,-16 19 0,0-1 0,1-2 0,2-6 0,0-2 0,1 0 0,2-7 0,-1 0 0,-3 6 0,-3 1 0,-3 6 0,-1 0 0,-6 12 0,-19 25 0,-9 19 0,-2 4 0</inkml:trace>
-</inkml:ink>
+<file path=ppt/commentAuthors.xml><?xml version="1.0" encoding="utf-8"?>
+<p:cmAuthorLst xmlns:a="http://schemas.openxmlformats.org/drawingml/2006/main" xmlns:r="http://schemas.openxmlformats.org/officeDocument/2006/relationships" xmlns:p="http://schemas.openxmlformats.org/presentationml/2006/main">
+  <p:cmAuthor id="1" name="Lin, Beiyu" initials="LB" lastIdx="2" clrIdx="0">
+    <p:extLst>
+      <p:ext uri="{19B8F6BF-5375-455C-9EA6-DF929625EA0E}">
+        <p15:presenceInfo xmlns:p15="http://schemas.microsoft.com/office/powerpoint/2012/main" userId="S::beiyu.lin@wsu.edu::8c805682-b34c-4065-b851-21ebf6838f13" providerId="AD"/>
+      </p:ext>
+    </p:extLst>
+  </p:cmAuthor>
+</p:cmAuthorLst>
 </file>
 
-<file path=ppt/ink/ink10.xml><?xml version="1.0" encoding="utf-8"?>
-<inkml:ink xmlns:inkml="http://www.w3.org/2003/InkML">
-  <inkml:definitions>
-    <inkml:context xml:id="ctx0">
-      <inkml:inkSource xml:id="inkSrc0">
-        <inkml:traceFormat>
-          <inkml:channel name="X" type="integer" min="-2.14748E9" max="2.14748E9" units="cm"/>
-          <inkml:channel name="Y" type="integer" min="-2.14748E9" max="2.14748E9" units="cm"/>
-          <inkml:channel name="F" type="integer" max="32767" units="dev"/>
-        </inkml:traceFormat>
-        <inkml:channelProperties>
-          <inkml:channelProperty channel="X" name="resolution" value="1000" units="1/cm"/>
-          <inkml:channelProperty channel="Y" name="resolution" value="1000" units="1/cm"/>
-          <inkml:channelProperty channel="F" name="resolution" value="0" units="1/dev"/>
-        </inkml:channelProperties>
-      </inkml:inkSource>
-      <inkml:timestamp xml:id="ts0" timeString="2021-02-10T01:05:16.635"/>
-    </inkml:context>
-    <inkml:brush xml:id="br0">
-      <inkml:brushProperty name="width" value="0.1" units="cm"/>
-      <inkml:brushProperty name="height" value="0.6" units="cm"/>
-      <inkml:brushProperty name="color" value="#849398"/>
-      <inkml:brushProperty name="inkEffects" value="pencil"/>
-    </inkml:brush>
-  </inkml:definitions>
-  <inkml:trace contextRef="#ctx0" brushRef="#br0">1 0 16383,'38'8'0,"-9"-1"0,3 14 0,-7 7 0,1 7 0,0 8 0,-15-17 0,-1 7 0,-8-18 0,-1 5 0,0-11 0,-3 10 0,2-6 0,-3 0 0,2-7 0,12-16 0,3-1 0,38-15 0,-32 16 0,16-2 0</inkml:trace>
-</inkml:ink>
-</file>
-
-<file path=ppt/ink/ink11.xml><?xml version="1.0" encoding="utf-8"?>
-<inkml:ink xmlns:inkml="http://www.w3.org/2003/InkML">
-  <inkml:definitions>
-    <inkml:context xml:id="ctx0">
-      <inkml:inkSource xml:id="inkSrc0">
-        <inkml:traceFormat>
-          <inkml:channel name="X" type="integer" min="-2.14748E9" max="2.14748E9" units="cm"/>
-          <inkml:channel name="Y" type="integer" min="-2.14748E9" max="2.14748E9" units="cm"/>
-          <inkml:channel name="F" type="integer" max="32767" units="dev"/>
-        </inkml:traceFormat>
-        <inkml:channelProperties>
-          <inkml:channelProperty channel="X" name="resolution" value="1000" units="1/cm"/>
-          <inkml:channelProperty channel="Y" name="resolution" value="1000" units="1/cm"/>
-          <inkml:channelProperty channel="F" name="resolution" value="0" units="1/dev"/>
-        </inkml:channelProperties>
-      </inkml:inkSource>
-      <inkml:timestamp xml:id="ts0" timeString="2021-02-10T01:05:18.121"/>
-    </inkml:context>
-    <inkml:brush xml:id="br0">
-      <inkml:brushProperty name="width" value="0.1" units="cm"/>
-      <inkml:brushProperty name="height" value="0.6" units="cm"/>
-      <inkml:brushProperty name="color" value="#849398"/>
-      <inkml:brushProperty name="inkEffects" value="pencil"/>
-    </inkml:brush>
-  </inkml:definitions>
-  <inkml:trace contextRef="#ctx0" brushRef="#br0">327 33 16383,'-54'-14'0,"2"2"0,33 8 0,-3 1 0,11 3 0,0 1 0,-4 10 0,1 0 0,-27 37 0,13-10 0,-15 42 0,27-33 0,17 27 0,9-45 0,17 9 0,-13-33 0,16-3 0,-1-12 0,16-11 0,19-25 0,-20 3 0,2-3 0,-32 20 0,-6 4 0,-3 3 0,1 0 0,-3 7 0,-2 12 0,1 20 0,0 1 0,13 37 0,-4-26 0,7 13 0,-6-20 0,4-5 0,18 1 0,-8-8 0,13-7 0,13-3 0,-14-9 0,5-5 0,-28-11 0,-16-2 0,-1 7 0,1 8 0</inkml:trace>
-</inkml:ink>
-</file>
-
-<file path=ppt/ink/ink12.xml><?xml version="1.0" encoding="utf-8"?>
-<inkml:ink xmlns:inkml="http://www.w3.org/2003/InkML">
-  <inkml:definitions>
-    <inkml:context xml:id="ctx0">
-      <inkml:inkSource xml:id="inkSrc0">
-        <inkml:traceFormat>
-          <inkml:channel name="X" type="integer" min="-2.14748E9" max="2.14748E9" units="cm"/>
-          <inkml:channel name="Y" type="integer" min="-2.14748E9" max="2.14748E9" units="cm"/>
-          <inkml:channel name="F" type="integer" max="32767" units="dev"/>
-        </inkml:traceFormat>
-        <inkml:channelProperties>
-          <inkml:channelProperty channel="X" name="resolution" value="1000" units="1/cm"/>
-          <inkml:channelProperty channel="Y" name="resolution" value="1000" units="1/cm"/>
-          <inkml:channelProperty channel="F" name="resolution" value="0" units="1/dev"/>
-        </inkml:channelProperties>
-      </inkml:inkSource>
-      <inkml:timestamp xml:id="ts0" timeString="2021-02-10T01:05:18.681"/>
-    </inkml:context>
-    <inkml:brush xml:id="br0">
-      <inkml:brushProperty name="width" value="0.1" units="cm"/>
-      <inkml:brushProperty name="height" value="0.6" units="cm"/>
-      <inkml:brushProperty name="color" value="#849398"/>
-      <inkml:brushProperty name="inkEffects" value="pencil"/>
-    </inkml:brush>
-  </inkml:definitions>
-  <inkml:trace contextRef="#ctx0" brushRef="#br0">1 1 16383,'12'95'0,"3"-13"0,5-28 0,-3-18 0,-5-11 0,-3-14 0,-3-4 0,3-6 0,-5-1 0,1 0 0</inkml:trace>
-</inkml:ink>
-</file>
-
-<file path=ppt/ink/ink13.xml><?xml version="1.0" encoding="utf-8"?>
-<inkml:ink xmlns:inkml="http://www.w3.org/2003/InkML">
-  <inkml:definitions>
-    <inkml:context xml:id="ctx0">
-      <inkml:inkSource xml:id="inkSrc0">
-        <inkml:traceFormat>
-          <inkml:channel name="X" type="integer" min="-2.14748E9" max="2.14748E9" units="cm"/>
-          <inkml:channel name="Y" type="integer" min="-2.14748E9" max="2.14748E9" units="cm"/>
-          <inkml:channel name="F" type="integer" max="32767" units="dev"/>
-        </inkml:traceFormat>
-        <inkml:channelProperties>
-          <inkml:channelProperty channel="X" name="resolution" value="1000" units="1/cm"/>
-          <inkml:channelProperty channel="Y" name="resolution" value="1000" units="1/cm"/>
-          <inkml:channelProperty channel="F" name="resolution" value="0" units="1/dev"/>
-        </inkml:channelProperties>
-      </inkml:inkSource>
-      <inkml:timestamp xml:id="ts0" timeString="2021-02-10T01:05:19.257"/>
-    </inkml:context>
-    <inkml:brush xml:id="br0">
-      <inkml:brushProperty name="width" value="0.1" units="cm"/>
-      <inkml:brushProperty name="height" value="0.6" units="cm"/>
-      <inkml:brushProperty name="color" value="#849398"/>
-      <inkml:brushProperty name="inkEffects" value="pencil"/>
-    </inkml:brush>
-  </inkml:definitions>
-  <inkml:trace contextRef="#ctx0" brushRef="#br0">0 1 16383,'42'25'0,"8"3"0,2 1 0,24 14 0,-42-25 0,9 7 0</inkml:trace>
-</inkml:ink>
-</file>
-
-<file path=ppt/ink/ink14.xml><?xml version="1.0" encoding="utf-8"?>
-<inkml:ink xmlns:inkml="http://www.w3.org/2003/InkML">
-  <inkml:definitions>
-    <inkml:context xml:id="ctx0">
-      <inkml:inkSource xml:id="inkSrc0">
-        <inkml:traceFormat>
-          <inkml:channel name="X" type="integer" min="-2.14748E9" max="2.14748E9" units="cm"/>
-          <inkml:channel name="Y" type="integer" min="-2.14748E9" max="2.14748E9" units="cm"/>
-          <inkml:channel name="F" type="integer" max="32767" units="dev"/>
-        </inkml:traceFormat>
-        <inkml:channelProperties>
-          <inkml:channelProperty channel="X" name="resolution" value="1000" units="1/cm"/>
-          <inkml:channelProperty channel="Y" name="resolution" value="1000" units="1/cm"/>
-          <inkml:channelProperty channel="F" name="resolution" value="0" units="1/dev"/>
-        </inkml:channelProperties>
-      </inkml:inkSource>
-      <inkml:timestamp xml:id="ts0" timeString="2021-02-10T01:05:20.533"/>
-    </inkml:context>
-    <inkml:brush xml:id="br0">
-      <inkml:brushProperty name="width" value="0.1" units="cm"/>
-      <inkml:brushProperty name="height" value="0.6" units="cm"/>
-      <inkml:brushProperty name="color" value="#849398"/>
-      <inkml:brushProperty name="inkEffects" value="pencil"/>
-    </inkml:brush>
-  </inkml:definitions>
-  <inkml:trace contextRef="#ctx0" brushRef="#br0">0 7 16383,'1'15'0,"-1"5"0,1 3 0,3 22 0,1 4 0,4 9 0,0-1 0,-1-15 0,-1-8 0,-5-26 0,1-15 0,-2-20 0,3-9 0,-3-1 0,3 4 0,-3 5 0,9-3 0,6 1 0,20-17 0,4 10 0,4 6 0,-10 17 0,-11 19 0,-1 14 0,29 57 0,-13-14 0,11 25 0,-30-39 0,-13-22 0,-3-10 0,0-9 0</inkml:trace>
-</inkml:ink>
-</file>
-
-<file path=ppt/ink/ink15.xml><?xml version="1.0" encoding="utf-8"?>
-<inkml:ink xmlns:inkml="http://www.w3.org/2003/InkML">
-  <inkml:definitions>
-    <inkml:context xml:id="ctx0">
-      <inkml:inkSource xml:id="inkSrc0">
-        <inkml:traceFormat>
-          <inkml:channel name="X" type="integer" min="-2.14748E9" max="2.14748E9" units="cm"/>
-          <inkml:channel name="Y" type="integer" min="-2.14748E9" max="2.14748E9" units="cm"/>
-          <inkml:channel name="F" type="integer" max="32767" units="dev"/>
-        </inkml:traceFormat>
-        <inkml:channelProperties>
-          <inkml:channelProperty channel="X" name="resolution" value="1000" units="1/cm"/>
-          <inkml:channelProperty channel="Y" name="resolution" value="1000" units="1/cm"/>
-          <inkml:channelProperty channel="F" name="resolution" value="0" units="1/dev"/>
-        </inkml:channelProperties>
-      </inkml:inkSource>
-      <inkml:timestamp xml:id="ts0" timeString="2021-02-10T01:05:21.967"/>
-    </inkml:context>
-    <inkml:brush xml:id="br0">
-      <inkml:brushProperty name="width" value="0.1" units="cm"/>
-      <inkml:brushProperty name="height" value="0.6" units="cm"/>
-      <inkml:brushProperty name="color" value="#849398"/>
-      <inkml:brushProperty name="inkEffects" value="pencil"/>
-    </inkml:brush>
-  </inkml:definitions>
-  <inkml:trace contextRef="#ctx0" brushRef="#br0">470 51 16383,'-27'-18'0,"-8"1"0,14 11 0,-7 0 0,10 4 0,-5 1 0,6 1 0,-10 5 0,5 1 0,-31 21 0,22-7 0,-36 37 0,23 10 0,8-3 0,16-6 0,21-40 0,16-12 0,29-11 0,-1 0 0,12-6 0,0-8 0,-24 1 0,7-5 0,-18-6 0,-11 0 0,3-13 0,-7 12 0,-2 10 0,3 38 0,4 8 0,24 37 0,-4-17 0,14 5 0,17-5 0,-27-27 0,10 4 0,-35-31 0,-10-10 0,-1 3 0,2 2 0</inkml:trace>
-</inkml:ink>
-</file>
-
-<file path=ppt/ink/ink16.xml><?xml version="1.0" encoding="utf-8"?>
-<inkml:ink xmlns:inkml="http://www.w3.org/2003/InkML">
-  <inkml:definitions>
-    <inkml:context xml:id="ctx0">
-      <inkml:inkSource xml:id="inkSrc0">
-        <inkml:traceFormat>
-          <inkml:channel name="X" type="integer" min="-2.14748E9" max="2.14748E9" units="cm"/>
-          <inkml:channel name="Y" type="integer" min="-2.14748E9" max="2.14748E9" units="cm"/>
-          <inkml:channel name="F" type="integer" max="32767" units="dev"/>
-        </inkml:traceFormat>
-        <inkml:channelProperties>
-          <inkml:channelProperty channel="X" name="resolution" value="1000" units="1/cm"/>
-          <inkml:channelProperty channel="Y" name="resolution" value="1000" units="1/cm"/>
-          <inkml:channelProperty channel="F" name="resolution" value="0" units="1/dev"/>
-        </inkml:channelProperties>
-      </inkml:inkSource>
-      <inkml:timestamp xml:id="ts0" timeString="2021-02-10T01:05:22.661"/>
-    </inkml:context>
-    <inkml:brush xml:id="br0">
-      <inkml:brushProperty name="width" value="0.1" units="cm"/>
-      <inkml:brushProperty name="height" value="0.6" units="cm"/>
-      <inkml:brushProperty name="color" value="#849398"/>
-      <inkml:brushProperty name="inkEffects" value="pencil"/>
-    </inkml:brush>
-  </inkml:definitions>
-  <inkml:trace contextRef="#ctx0" brushRef="#br0">1 123 16383,'32'0'0,"13"0"0,5-3 0,5-2 0,-2 0 0,3-2 0,40-4 0,3-2 0,-19 2 0,-4 0 0,-11 2 0,-6 0 0,24-3 0,-62 7 0,-8 2 0,-5-3 0,-18 3 0,-19-2 0,13 2 0,-8 2 0</inkml:trace>
-</inkml:ink>
-</file>
-
-<file path=ppt/ink/ink17.xml><?xml version="1.0" encoding="utf-8"?>
-<inkml:ink xmlns:inkml="http://www.w3.org/2003/InkML">
-  <inkml:definitions>
-    <inkml:context xml:id="ctx0">
-      <inkml:inkSource xml:id="inkSrc0">
-        <inkml:traceFormat>
-          <inkml:channel name="X" type="integer" min="-2.14748E9" max="2.14748E9" units="cm"/>
-          <inkml:channel name="Y" type="integer" min="-2.14748E9" max="2.14748E9" units="cm"/>
-          <inkml:channel name="F" type="integer" max="32767" units="dev"/>
-        </inkml:traceFormat>
-        <inkml:channelProperties>
-          <inkml:channelProperty channel="X" name="resolution" value="1000" units="1/cm"/>
-          <inkml:channelProperty channel="Y" name="resolution" value="1000" units="1/cm"/>
-          <inkml:channelProperty channel="F" name="resolution" value="0" units="1/dev"/>
-        </inkml:channelProperties>
-      </inkml:inkSource>
-      <inkml:timestamp xml:id="ts0" timeString="2021-02-10T01:05:23.228"/>
-    </inkml:context>
-    <inkml:brush xml:id="br0">
-      <inkml:brushProperty name="width" value="0.1" units="cm"/>
-      <inkml:brushProperty name="height" value="0.6" units="cm"/>
-      <inkml:brushProperty name="color" value="#849398"/>
-      <inkml:brushProperty name="inkEffects" value="pencil"/>
-    </inkml:brush>
-  </inkml:definitions>
-  <inkml:trace contextRef="#ctx0" brushRef="#br0">1 1 16383,'20'40'0,"7"5"0,8 5 0,5 6 0,-2-6 0,2 0 0,6 8 0,-1-3 0,14 12 0,-27-38 0,-15-14 0,7 3 0,-12-10 0,-2-6 0,-8-5 0,5-14 0,-5 11 0,5-8 0</inkml:trace>
-</inkml:ink>
-</file>
-
-<file path=ppt/ink/ink18.xml><?xml version="1.0" encoding="utf-8"?>
-<inkml:ink xmlns:inkml="http://www.w3.org/2003/InkML">
-  <inkml:definitions>
-    <inkml:context xml:id="ctx0">
-      <inkml:inkSource xml:id="inkSrc0">
-        <inkml:traceFormat>
-          <inkml:channel name="X" type="integer" min="-2.14748E9" max="2.14748E9" units="cm"/>
-          <inkml:channel name="Y" type="integer" min="-2.14748E9" max="2.14748E9" units="cm"/>
-          <inkml:channel name="F" type="integer" max="32767" units="dev"/>
-        </inkml:traceFormat>
-        <inkml:channelProperties>
-          <inkml:channelProperty channel="X" name="resolution" value="1000" units="1/cm"/>
-          <inkml:channelProperty channel="Y" name="resolution" value="1000" units="1/cm"/>
-          <inkml:channelProperty channel="F" name="resolution" value="0" units="1/dev"/>
-        </inkml:channelProperties>
-      </inkml:inkSource>
-      <inkml:timestamp xml:id="ts0" timeString="2021-02-10T01:05:24.001"/>
-    </inkml:context>
-    <inkml:brush xml:id="br0">
-      <inkml:brushProperty name="width" value="0.1" units="cm"/>
-      <inkml:brushProperty name="height" value="0.6" units="cm"/>
-      <inkml:brushProperty name="color" value="#849398"/>
-      <inkml:brushProperty name="inkEffects" value="pencil"/>
-    </inkml:brush>
-  </inkml:definitions>
-  <inkml:trace contextRef="#ctx0" brushRef="#br0">0 58 16383,'58'50'0,"-23"-20"0,9 8 0,2 3 0,11 14 0,7 10 0,-25-25 0,-15-12 0,-25-37 0,0-2 0,-2-14 0,0-38 0,1 5 0,1-18 0,3 25 0,7 11 0,0 14 0,7-1 0,6 18 0,26 3 0,-18 4 0,11 1 0,-36 1 0,-2 0 0</inkml:trace>
-</inkml:ink>
-</file>
-
-<file path=ppt/ink/ink19.xml><?xml version="1.0" encoding="utf-8"?>
-<inkml:ink xmlns:inkml="http://www.w3.org/2003/InkML">
-  <inkml:definitions>
-    <inkml:context xml:id="ctx0">
-      <inkml:inkSource xml:id="inkSrc0">
-        <inkml:traceFormat>
-          <inkml:channel name="X" type="integer" min="-2.14748E9" max="2.14748E9" units="cm"/>
-          <inkml:channel name="Y" type="integer" min="-2.14748E9" max="2.14748E9" units="cm"/>
-          <inkml:channel name="F" type="integer" max="32767" units="dev"/>
-        </inkml:traceFormat>
-        <inkml:channelProperties>
-          <inkml:channelProperty channel="X" name="resolution" value="1000" units="1/cm"/>
-          <inkml:channelProperty channel="Y" name="resolution" value="1000" units="1/cm"/>
-          <inkml:channelProperty channel="F" name="resolution" value="0" units="1/dev"/>
-        </inkml:channelProperties>
-      </inkml:inkSource>
-      <inkml:timestamp xml:id="ts0" timeString="2021-02-10T01:05:26.202"/>
-    </inkml:context>
-    <inkml:brush xml:id="br0">
-      <inkml:brushProperty name="width" value="0.1" units="cm"/>
-      <inkml:brushProperty name="height" value="0.6" units="cm"/>
-      <inkml:brushProperty name="color" value="#849398"/>
-      <inkml:brushProperty name="inkEffects" value="pencil"/>
-    </inkml:brush>
-  </inkml:definitions>
-  <inkml:trace contextRef="#ctx0" brushRef="#br0">0 371 16383,'77'1'0,"2"-8"0,-1-4 0,-8-1 0,-1-2 0,-5-4 0,-22-6 0,-12 4 0,-4-9 0,-8-7 0,-7 7 0,-2-8 0,-14 19 0,-2 0 0,-18-1 0,13 9 0,-8 0 0,15 11 0,-9 11 0,-12 14 0,-6 10 0,2-1 0,9-6 0,6-2 0,7-4 0,-1 9 0,5-12 0,6 4 0,10-3 0,7 0 0,33 1 0,17-9 0,20-5 0,2-10 0,-26-4 0,-9-6 0,22-9 0,-27-1 0,17-2 0,-30-7 0,-11-10 0,-9-21 0,-13 8 0,-29-1 0,-24 20 0,7 11 0,-5 7 0,22 14 0,1 10 0,-3 18 0,-1 10 0,-2 28 0,12 4 0,10-7 0,5-13 0,10-28 0,12-5 0,10-1 0,55 13 0,-36-14 0,2-1 0,7 1 0,0-2 0,33 1 0,-42-8 0,1-5 0,-10-1 0,-2 0 0,-7 0 0,-24 2 0,-5 0 0,-52-4 0,36 4 0,-37-3 0</inkml:trace>
-</inkml:ink>
-</file>
-
-<file path=ppt/ink/ink2.xml><?xml version="1.0" encoding="utf-8"?>
-<inkml:ink xmlns:inkml="http://www.w3.org/2003/InkML">
-  <inkml:definitions>
-    <inkml:context xml:id="ctx0">
-      <inkml:inkSource xml:id="inkSrc0">
-        <inkml:traceFormat>
-          <inkml:channel name="X" type="integer" min="-2.14748E9" max="2.14748E9" units="cm"/>
-          <inkml:channel name="Y" type="integer" min="-2.14748E9" max="2.14748E9" units="cm"/>
-          <inkml:channel name="F" type="integer" max="32767" units="dev"/>
-        </inkml:traceFormat>
-        <inkml:channelProperties>
-          <inkml:channelProperty channel="X" name="resolution" value="1000" units="1/cm"/>
-          <inkml:channelProperty channel="Y" name="resolution" value="1000" units="1/cm"/>
-          <inkml:channelProperty channel="F" name="resolution" value="0" units="1/dev"/>
-        </inkml:channelProperties>
-      </inkml:inkSource>
-      <inkml:timestamp xml:id="ts0" timeString="2021-02-10T01:05:05.751"/>
-    </inkml:context>
-    <inkml:brush xml:id="br0">
-      <inkml:brushProperty name="width" value="0.1" units="cm"/>
-      <inkml:brushProperty name="height" value="0.6" units="cm"/>
-      <inkml:brushProperty name="color" value="#849398"/>
-      <inkml:brushProperty name="inkEffects" value="pencil"/>
-    </inkml:brush>
-  </inkml:definitions>
-  <inkml:trace contextRef="#ctx0" brushRef="#br0">2393 6609 16383,'-76'-47'0,"11"9"0,-4-3 0,15 9 0,-2-1 0,-17-10 0,-1-1 0,14 9 0,3 0 0,4 1 0,0 1 0,-1 0 0,0-1 0,-9-6 0,1 0 0,3 1 0,-2-2 0,2-2 0,-4-4 0,4 2 0,-9-9 0,-1-5 0,12 6 0,-6-8 0,0-4 0,5 2 0,-6-10 0,5 0 0,-1-6 0,15 17 0,-1-4 0,0-3 0,2-1 0,2 0 0,2-1 0,1-1 0,1 0 0,4-1 0,2 1 0,-1-15 0,4-1 0,4 2 0,1 1 0,-3-14 0,3 3 0,6 2 0,7 11 0,4 2 0,3 4 0,5-15 0,4 4 0,6 1 0,2 2 0,0 9 0,5 1 0,10-6 0,7-4 0,0 8 0,4-6 0,6-11 0,-11 24 0,4-9 0,3-5 0,1-3 0,1 0 0,-1 3 0,-2 5 0,4-6 0,-3 5 0,1 2 0,1-3 0,3-5 0,-6 12 0,3-7 0,2-3 0,0-1 0,1 1 0,-1 3 0,-3 5 0,-1 9 0,9-13 0,-2 11 0,-1 3 0,1-2 0,5-7 0,1 0 0,0 1 0,-1 5 0,2 0 0,-1 5 0,0 4 0,16-15 0,1 12 0,-14 29 0,1 8 0,-5 4 0,5 6 0,7 6 0,8 5 0,1 1 0,-6-1 0,0 2 0,8 0 0,-3-1 0,8 1 0,4-1 0,2 0 0,-2 0 0,4-1 0,-1 1 0,1 0 0,3-1 0,5 1 0,-10 0 0,3 0 0,4 1 0,1-1 0,0 0 0,0 0 0,-2 1 0,-4 0 0,0-1 0,-1 1 0,0 0 0,1 0 0,1 0 0,2 1 0,0-1 0,3 1 0,1 0 0,2 1 0,-2-1 0,-2 1 0,-4-1 0,-5 1 0,12-1 0,-6 1 0,-3 0 0,-2 0 0,2 0 0,2 1 0,-1 0 0,1 0 0,-1 0 0,0 0 0,0 1 0,-1 1 0,0-1 0,0 1 0,0-1 0,-2 0 0,-2-1 0,1 1 0,3 0 0,4 0 0,-4 0 0,5 0 0,4 1 0,1 0 0,0-1 0,-1 1 0,-4-1 0,5-1 0,-3 1 0,-1-1 0,0 0 0,0 0 0,3 0 0,-8 0 0,1-1 0,2 1 0,0-1 0,-2 1 0,-1 0 0,-3-1 0,14 1 0,-2 0 0,-3-1 0,0 1 0,1 0 0,2 0 0,2-1 0,-1 1 0,-2 0 0,-5 1 0,3 0 0,-4 0 0,-3 1 0,-1-1 0,-9 1 0,-1-1 0,-1 0 0,0 2 0,25 1 0,-2 0 0,-1 2 0,-10-1 0,-2 1 0,-1 0 0,-5 2 0,-1 1 0,-2 0 0,-6 0 0,-3 0 0,-1 1 0,30 6 0,-4 1 0,-18-3 0,-3-1 0,-8 0 0,-1 0 0,-5-4 0,-1-1 0,37 4 0,-24-6 0,3 1 0,-13-1 0,-1 1 0,4-2 0,-2 1 0,20 3 0,-23-2 0,-14-1 0,-21-4 0,-5 0 0,-19-2 0</inkml:trace>
-</inkml:ink>
-</file>
-
-<file path=ppt/ink/ink20.xml><?xml version="1.0" encoding="utf-8"?>
-<inkml:ink xmlns:inkml="http://www.w3.org/2003/InkML">
-  <inkml:definitions>
-    <inkml:context xml:id="ctx0">
-      <inkml:inkSource xml:id="inkSrc0">
-        <inkml:traceFormat>
-          <inkml:channel name="X" type="integer" min="-2.14748E9" max="2.14748E9" units="cm"/>
-          <inkml:channel name="Y" type="integer" min="-2.14748E9" max="2.14748E9" units="cm"/>
-          <inkml:channel name="F" type="integer" max="32767" units="dev"/>
-        </inkml:traceFormat>
-        <inkml:channelProperties>
-          <inkml:channelProperty channel="X" name="resolution" value="1000" units="1/cm"/>
-          <inkml:channelProperty channel="Y" name="resolution" value="1000" units="1/cm"/>
-          <inkml:channelProperty channel="F" name="resolution" value="0" units="1/dev"/>
-        </inkml:channelProperties>
-      </inkml:inkSource>
-      <inkml:timestamp xml:id="ts0" timeString="2021-02-10T01:05:27.684"/>
-    </inkml:context>
-    <inkml:brush xml:id="br0">
-      <inkml:brushProperty name="width" value="0.1" units="cm"/>
-      <inkml:brushProperty name="height" value="0.6" units="cm"/>
-      <inkml:brushProperty name="color" value="#849398"/>
-      <inkml:brushProperty name="inkEffects" value="pencil"/>
-    </inkml:brush>
-  </inkml:definitions>
-  <inkml:trace contextRef="#ctx0" brushRef="#br0">197 0 16383,'-84'1'0,"17"2"0,64 8 0,-1 15 0,-1 12 0,3 20 0,2 9 0,1-10 0,0 4 0,-1 12 0,0 8 0,1-5 0,0 0 0,1-3 0,-3 25 0,1-6 0,-1 2 0,1-36 0,-1-2 0,1 7 0,1 10 0,1-10 0,-8-28 0,3-6 0,-13-58 0,12 16 0,-5-20 0</inkml:trace>
-</inkml:ink>
-</file>
-
-<file path=ppt/ink/ink21.xml><?xml version="1.0" encoding="utf-8"?>
-<inkml:ink xmlns:inkml="http://www.w3.org/2003/InkML">
-  <inkml:definitions>
-    <inkml:context xml:id="ctx0">
-      <inkml:inkSource xml:id="inkSrc0">
-        <inkml:traceFormat>
-          <inkml:channel name="X" type="integer" min="-2.14748E9" max="2.14748E9" units="cm"/>
-          <inkml:channel name="Y" type="integer" min="-2.14748E9" max="2.14748E9" units="cm"/>
-          <inkml:channel name="F" type="integer" max="32767" units="dev"/>
-        </inkml:traceFormat>
-        <inkml:channelProperties>
-          <inkml:channelProperty channel="X" name="resolution" value="1000" units="1/cm"/>
-          <inkml:channelProperty channel="Y" name="resolution" value="1000" units="1/cm"/>
-          <inkml:channelProperty channel="F" name="resolution" value="0" units="1/dev"/>
-        </inkml:channelProperties>
-      </inkml:inkSource>
-      <inkml:timestamp xml:id="ts0" timeString="2021-02-10T01:05:28.317"/>
-    </inkml:context>
-    <inkml:brush xml:id="br0">
-      <inkml:brushProperty name="width" value="0.1" units="cm"/>
-      <inkml:brushProperty name="height" value="0.6" units="cm"/>
-      <inkml:brushProperty name="color" value="#849398"/>
-      <inkml:brushProperty name="inkEffects" value="pencil"/>
-    </inkml:brush>
-  </inkml:definitions>
-  <inkml:trace contextRef="#ctx0" brushRef="#br0">0 80 16383,'3'-8'0,"31"-6"0,4 8 0,59-6 0,-20 5 0,6 1 0,-5 1 0,-1-1 0,-3 1 0,-7 0 0,2-1 0,-67 6 0</inkml:trace>
-</inkml:ink>
-</file>
-
-<file path=ppt/ink/ink22.xml><?xml version="1.0" encoding="utf-8"?>
-<inkml:ink xmlns:inkml="http://www.w3.org/2003/InkML">
-  <inkml:definitions>
-    <inkml:context xml:id="ctx0">
-      <inkml:inkSource xml:id="inkSrc0">
-        <inkml:traceFormat>
-          <inkml:channel name="X" type="integer" min="-2.14748E9" max="2.14748E9" units="cm"/>
-          <inkml:channel name="Y" type="integer" min="-2.14748E9" max="2.14748E9" units="cm"/>
-          <inkml:channel name="F" type="integer" max="32767" units="dev"/>
-        </inkml:traceFormat>
-        <inkml:channelProperties>
-          <inkml:channelProperty channel="X" name="resolution" value="1000" units="1/cm"/>
-          <inkml:channelProperty channel="Y" name="resolution" value="1000" units="1/cm"/>
-          <inkml:channelProperty channel="F" name="resolution" value="0" units="1/dev"/>
-        </inkml:channelProperties>
-      </inkml:inkSource>
-      <inkml:timestamp xml:id="ts0" timeString="2021-02-10T01:05:29.101"/>
-    </inkml:context>
-    <inkml:brush xml:id="br0">
-      <inkml:brushProperty name="width" value="0.1" units="cm"/>
-      <inkml:brushProperty name="height" value="0.6" units="cm"/>
-      <inkml:brushProperty name="color" value="#849398"/>
-      <inkml:brushProperty name="inkEffects" value="pencil"/>
-    </inkml:brush>
-  </inkml:definitions>
-  <inkml:trace contextRef="#ctx0" brushRef="#br0">36 66 16383,'-14'24'0,"2"6"0,6-3 0,3-2 0,4-5 0,9-6 0,4-4 0,21 2 0,-8-9 0,14-7 0,-25-4 0,-2-11 0,-14-4 0,-2-3 0,0-18 0,0 20 0,3-9 0,-1 27 0,0-2 0,-12 0 0,-8-2 0,-4 1 0,3 2 0,10 5 0,7 3 0,4 1 0,1 1 0</inkml:trace>
-</inkml:ink>
-</file>
-
-<file path=ppt/ink/ink23.xml><?xml version="1.0" encoding="utf-8"?>
-<inkml:ink xmlns:inkml="http://www.w3.org/2003/InkML">
-  <inkml:definitions>
-    <inkml:context xml:id="ctx0">
-      <inkml:inkSource xml:id="inkSrc0">
-        <inkml:traceFormat>
-          <inkml:channel name="X" type="integer" min="-2.14748E9" max="2.14748E9" units="cm"/>
-          <inkml:channel name="Y" type="integer" min="-2.14748E9" max="2.14748E9" units="cm"/>
-          <inkml:channel name="F" type="integer" max="32767" units="dev"/>
-        </inkml:traceFormat>
-        <inkml:channelProperties>
-          <inkml:channelProperty channel="X" name="resolution" value="1000" units="1/cm"/>
-          <inkml:channelProperty channel="Y" name="resolution" value="1000" units="1/cm"/>
-          <inkml:channelProperty channel="F" name="resolution" value="0" units="1/dev"/>
-        </inkml:channelProperties>
-      </inkml:inkSource>
-      <inkml:timestamp xml:id="ts0" timeString="2021-02-10T01:05:30.150"/>
-    </inkml:context>
-    <inkml:brush xml:id="br0">
-      <inkml:brushProperty name="width" value="0.1" units="cm"/>
-      <inkml:brushProperty name="height" value="0.6" units="cm"/>
-      <inkml:brushProperty name="color" value="#849398"/>
-      <inkml:brushProperty name="inkEffects" value="pencil"/>
-    </inkml:brush>
-  </inkml:definitions>
-  <inkml:trace contextRef="#ctx0" brushRef="#br0">0 185 16383,'16'13'0,"3"1"0,8 10 0,-3 15 0,-9-16 0,-10 20 0,-9-26 0,-4 13 0,2-7 0,1-5 0,3-6 0,2-13 0,3-12 0,2-10 0,9-56 0,-7 23 0,-2 5 0,0 1 0,-7-3 0,-1-10 0,2 37 0,21 0 0,10 28 0,46 1 0,14 1 0,-32-3 0,-1 0 0,22 2 0,-6 0 0,-15-3 0</inkml:trace>
-</inkml:ink>
-</file>
-
-<file path=ppt/ink/ink24.xml><?xml version="1.0" encoding="utf-8"?>
-<inkml:ink xmlns:inkml="http://www.w3.org/2003/InkML">
-  <inkml:definitions>
-    <inkml:context xml:id="ctx0">
-      <inkml:inkSource xml:id="inkSrc0">
-        <inkml:traceFormat>
-          <inkml:channel name="X" type="integer" min="-2.14748E9" max="2.14748E9" units="cm"/>
-          <inkml:channel name="Y" type="integer" min="-2.14748E9" max="2.14748E9" units="cm"/>
-          <inkml:channel name="F" type="integer" max="32767" units="dev"/>
-        </inkml:traceFormat>
-        <inkml:channelProperties>
-          <inkml:channelProperty channel="X" name="resolution" value="1000" units="1/cm"/>
-          <inkml:channelProperty channel="Y" name="resolution" value="1000" units="1/cm"/>
-          <inkml:channelProperty channel="F" name="resolution" value="0" units="1/dev"/>
-        </inkml:channelProperties>
-      </inkml:inkSource>
-      <inkml:timestamp xml:id="ts0" timeString="2021-02-10T01:05:31.390"/>
-    </inkml:context>
-    <inkml:brush xml:id="br0">
-      <inkml:brushProperty name="width" value="0.1" units="cm"/>
-      <inkml:brushProperty name="height" value="0.6" units="cm"/>
-      <inkml:brushProperty name="color" value="#849398"/>
-      <inkml:brushProperty name="inkEffects" value="pencil"/>
-    </inkml:brush>
-  </inkml:definitions>
-  <inkml:trace contextRef="#ctx0" brushRef="#br0">8 1 16383,'-1'32'0,"1"-2"0,-2 7 0,0 1 0,1 4 0,-1-1 0,2-9 0,0-8 0,1-12 0,0-8 0,17-37 0,-2-9 0,9-15 0,-3 0 0,-12 29 0,5-8 0,-10 24 0,2 0 0,14 8 0,-4 2 0,15-1 0,4 4 0,-1 15 0,14 30 0,-17 5 0,-7 7 0,-12-8 0,-8-26 0,2 0 0,13-16 0,-3-7 0,41-1 0,-24-9 0,14-6 0,-30-3 0,6-30 0,-16 33 0,7-20 0</inkml:trace>
-</inkml:ink>
-</file>
-
-<file path=ppt/ink/ink25.xml><?xml version="1.0" encoding="utf-8"?>
-<inkml:ink xmlns:inkml="http://www.w3.org/2003/InkML">
-  <inkml:definitions>
-    <inkml:context xml:id="ctx0">
-      <inkml:inkSource xml:id="inkSrc0">
-        <inkml:traceFormat>
-          <inkml:channel name="X" type="integer" min="-2.14748E9" max="2.14748E9" units="cm"/>
-          <inkml:channel name="Y" type="integer" min="-2.14748E9" max="2.14748E9" units="cm"/>
-          <inkml:channel name="F" type="integer" max="32767" units="dev"/>
-        </inkml:traceFormat>
-        <inkml:channelProperties>
-          <inkml:channelProperty channel="X" name="resolution" value="1000" units="1/cm"/>
-          <inkml:channelProperty channel="Y" name="resolution" value="1000" units="1/cm"/>
-          <inkml:channelProperty channel="F" name="resolution" value="0" units="1/dev"/>
-        </inkml:channelProperties>
-      </inkml:inkSource>
-      <inkml:timestamp xml:id="ts0" timeString="2021-02-10T01:05:32.211"/>
-    </inkml:context>
-    <inkml:brush xml:id="br0">
-      <inkml:brushProperty name="width" value="0.1" units="cm"/>
-      <inkml:brushProperty name="height" value="0.6" units="cm"/>
-      <inkml:brushProperty name="color" value="#849398"/>
-      <inkml:brushProperty name="inkEffects" value="pencil"/>
-    </inkml:brush>
-  </inkml:definitions>
-  <inkml:trace contextRef="#ctx0" brushRef="#br0">39 128 16383,'-7'52'0,"6"-11"0,5-20 0,6-11 0,2-7 0,-2-2 0,18-6 0,-11 0 0,15-7 0,-7 1 0,9-14 0,-11 7 0,-2-26 0,-76-10 0,31 18 0,-55-5 0,61 38 0,0 2 0,10 1 0,-1 0 0,-2 5 0,-2 4 0,7 4 0,1 3 0,11-2 0,9-5 0,-5-3 0,3-5 0</inkml:trace>
-</inkml:ink>
-</file>
-
-<file path=ppt/ink/ink26.xml><?xml version="1.0" encoding="utf-8"?>
-<inkml:ink xmlns:inkml="http://www.w3.org/2003/InkML">
-  <inkml:definitions>
-    <inkml:context xml:id="ctx0">
-      <inkml:inkSource xml:id="inkSrc0">
-        <inkml:traceFormat>
-          <inkml:channel name="X" type="integer" min="-2.14748E9" max="2.14748E9" units="cm"/>
-          <inkml:channel name="Y" type="integer" min="-2.14748E9" max="2.14748E9" units="cm"/>
-          <inkml:channel name="F" type="integer" max="32767" units="dev"/>
-        </inkml:traceFormat>
-        <inkml:channelProperties>
-          <inkml:channelProperty channel="X" name="resolution" value="1000" units="1/cm"/>
-          <inkml:channelProperty channel="Y" name="resolution" value="1000" units="1/cm"/>
-          <inkml:channelProperty channel="F" name="resolution" value="0" units="1/dev"/>
-        </inkml:channelProperties>
-      </inkml:inkSource>
-      <inkml:timestamp xml:id="ts0" timeString="2021-02-10T01:05:34.971"/>
-    </inkml:context>
-    <inkml:brush xml:id="br0">
-      <inkml:brushProperty name="width" value="0.1" units="cm"/>
-      <inkml:brushProperty name="height" value="0.6" units="cm"/>
-      <inkml:brushProperty name="color" value="#849398"/>
-      <inkml:brushProperty name="inkEffects" value="pencil"/>
-    </inkml:brush>
-  </inkml:definitions>
-  <inkml:trace contextRef="#ctx0" brushRef="#br0">353 299 16383,'-16'-3'0,"3"-1"0,-4 2 0,-13 1 0,9 5 0,-14 0 0,14 11 0,-1 2 0,0 7 0,3-3 0,1 1 0,3-3 0,-7 9 0,-7 26 0,4-1 0,4 15 0,15-28 0,8-14 0,12-6 0,16-10 0,14-4 0,19-23 0,4-19 0,3-18 0,-17 3 0,-9-33 0,-30 13 0,-4-5 0,-11 25 0,1-1 0,0-5 0,0-13 0,0 10 0,0 33 0,-1 13 0,-1 19 0,-3 7 0,-4 15 0,-3 10 0,-1 7 0,6 4 0,3 6 0,1 0 0,2 1 0,1 8 0,3-1 0,2-6 0,6-5 0,29 23 0,-13-33 0,20 3 0,-29-35 0,19 1 0,-20-8 0,43-1 0,0-14 0,17-12 0,5-29 0,-30-16 0,-17-1 0,-23 12 0,-20 18 0,-3 18 0,1 5 0,-1 7 0,-13 5 0,10 1 0,-9 3 0,0 4 0,-17 10 0,5 0 0,-6 7 0,15 7 0,11-8 0,-11 21 0,17-12 0,1 6 0,13-8 0,14-4 0,18-5 0,8-2 0,9-3 0,7-5 0,-14-2 0,2-2 0,-15-2 0,-11 1 0,4-1 0,-9 1 0,-1 0 0,1-1 0,-11 1 0,4-2 0,-11 1 0,0-1 0</inkml:trace>
-</inkml:ink>
-</file>
-
-<file path=ppt/ink/ink27.xml><?xml version="1.0" encoding="utf-8"?>
-<inkml:ink xmlns:inkml="http://www.w3.org/2003/InkML">
-  <inkml:definitions>
-    <inkml:context xml:id="ctx0">
-      <inkml:inkSource xml:id="inkSrc0">
-        <inkml:traceFormat>
-          <inkml:channel name="X" type="integer" min="-2.14748E9" max="2.14748E9" units="cm"/>
-          <inkml:channel name="Y" type="integer" min="-2.14748E9" max="2.14748E9" units="cm"/>
-          <inkml:channel name="F" type="integer" max="32767" units="dev"/>
-        </inkml:traceFormat>
-        <inkml:channelProperties>
-          <inkml:channelProperty channel="X" name="resolution" value="1000" units="1/cm"/>
-          <inkml:channelProperty channel="Y" name="resolution" value="1000" units="1/cm"/>
-          <inkml:channelProperty channel="F" name="resolution" value="0" units="1/dev"/>
-        </inkml:channelProperties>
-      </inkml:inkSource>
-      <inkml:timestamp xml:id="ts0" timeString="2021-02-10T01:05:37.292"/>
-    </inkml:context>
-    <inkml:brush xml:id="br0">
-      <inkml:brushProperty name="width" value="0.1" units="cm"/>
-      <inkml:brushProperty name="height" value="0.6" units="cm"/>
-      <inkml:brushProperty name="color" value="#849398"/>
-      <inkml:brushProperty name="inkEffects" value="pencil"/>
-    </inkml:brush>
-  </inkml:definitions>
-  <inkml:trace contextRef="#ctx0" brushRef="#br0">1 5 16383,'14'0'0,"0"0"0,-5-1 0,-1 1 0,-4-1 0,-1 0 0,-2 0 0</inkml:trace>
-</inkml:ink>
-</file>
-
-<file path=ppt/ink/ink28.xml><?xml version="1.0" encoding="utf-8"?>
-<inkml:ink xmlns:inkml="http://www.w3.org/2003/InkML">
-  <inkml:definitions>
-    <inkml:context xml:id="ctx0">
-      <inkml:inkSource xml:id="inkSrc0">
-        <inkml:traceFormat>
-          <inkml:channel name="X" type="integer" min="-2.14748E9" max="2.14748E9" units="cm"/>
-          <inkml:channel name="Y" type="integer" min="-2.14748E9" max="2.14748E9" units="cm"/>
-          <inkml:channel name="F" type="integer" max="32767" units="dev"/>
-        </inkml:traceFormat>
-        <inkml:channelProperties>
-          <inkml:channelProperty channel="X" name="resolution" value="1000" units="1/cm"/>
-          <inkml:channelProperty channel="Y" name="resolution" value="1000" units="1/cm"/>
-          <inkml:channelProperty channel="F" name="resolution" value="0" units="1/dev"/>
-        </inkml:channelProperties>
-      </inkml:inkSource>
-      <inkml:timestamp xml:id="ts0" timeString="2021-02-10T01:05:48.199"/>
-    </inkml:context>
-    <inkml:brush xml:id="br0">
-      <inkml:brushProperty name="width" value="0.1" units="cm"/>
-      <inkml:brushProperty name="height" value="0.6" units="cm"/>
-      <inkml:brushProperty name="color" value="#849398"/>
-      <inkml:brushProperty name="inkEffects" value="pencil"/>
-    </inkml:brush>
-  </inkml:definitions>
-  <inkml:trace contextRef="#ctx0" brushRef="#br0">15 1 16383,'-6'65'0,"3"-19"0,0 4 0,1 2 0,8 13 0,1-7 0,11-20 0,-4-28 0,15-4 0,-2-9 0,12-10 0,-2-6 0,6-8 0,0-4 0,6-9 0,-9 4 0,-4 1 0,-17 6 0,-11 7 0,-11 30 0,-1 7 0,-2 29 0,3-2 0,4 13 0,6-13 0,3-21 0,23-19 0,-22-6 0,15-4 0</inkml:trace>
-</inkml:ink>
-</file>
-
-<file path=ppt/ink/ink29.xml><?xml version="1.0" encoding="utf-8"?>
-<inkml:ink xmlns:inkml="http://www.w3.org/2003/InkML">
-  <inkml:definitions>
-    <inkml:context xml:id="ctx0">
-      <inkml:inkSource xml:id="inkSrc0">
-        <inkml:traceFormat>
-          <inkml:channel name="X" type="integer" min="-2.14748E9" max="2.14748E9" units="cm"/>
-          <inkml:channel name="Y" type="integer" min="-2.14748E9" max="2.14748E9" units="cm"/>
-          <inkml:channel name="F" type="integer" max="32767" units="dev"/>
-        </inkml:traceFormat>
-        <inkml:channelProperties>
-          <inkml:channelProperty channel="X" name="resolution" value="1000" units="1/cm"/>
-          <inkml:channelProperty channel="Y" name="resolution" value="1000" units="1/cm"/>
-          <inkml:channelProperty channel="F" name="resolution" value="0" units="1/dev"/>
-        </inkml:channelProperties>
-      </inkml:inkSource>
-      <inkml:timestamp xml:id="ts0" timeString="2021-02-10T01:05:49.198"/>
-    </inkml:context>
-    <inkml:brush xml:id="br0">
-      <inkml:brushProperty name="width" value="0.1" units="cm"/>
-      <inkml:brushProperty name="height" value="0.6" units="cm"/>
-      <inkml:brushProperty name="color" value="#849398"/>
-      <inkml:brushProperty name="inkEffects" value="pencil"/>
-    </inkml:brush>
-  </inkml:definitions>
-  <inkml:trace contextRef="#ctx0" brushRef="#br0">83 19 16383,'-31'80'0,"4"2"0,17-43 0,2 0 0,4-12 0,3-15 0,0 0 0,6-22 0,6-6 0,18-25 0,-4 8 0,16-18 0,-14 21 0,36-30 0,-35 35 0,17-14 0,-37 35 0,-6 13 0,-1 7 0,0 8 0,0 19 0,1 3 0,0 1 0,0-13 0,0-22 0,-2-9 0,1-4 0</inkml:trace>
-</inkml:ink>
-</file>
-
-<file path=ppt/ink/ink3.xml><?xml version="1.0" encoding="utf-8"?>
-<inkml:ink xmlns:inkml="http://www.w3.org/2003/InkML">
-  <inkml:definitions>
-    <inkml:context xml:id="ctx0">
-      <inkml:inkSource xml:id="inkSrc0">
-        <inkml:traceFormat>
-          <inkml:channel name="X" type="integer" min="-2.14748E9" max="2.14748E9" units="cm"/>
-          <inkml:channel name="Y" type="integer" min="-2.14748E9" max="2.14748E9" units="cm"/>
-          <inkml:channel name="F" type="integer" max="32767" units="dev"/>
-        </inkml:traceFormat>
-        <inkml:channelProperties>
-          <inkml:channelProperty channel="X" name="resolution" value="1000" units="1/cm"/>
-          <inkml:channelProperty channel="Y" name="resolution" value="1000" units="1/cm"/>
-          <inkml:channelProperty channel="F" name="resolution" value="0" units="1/dev"/>
-        </inkml:channelProperties>
-      </inkml:inkSource>
-      <inkml:timestamp xml:id="ts0" timeString="2021-02-10T01:05:44.317"/>
-    </inkml:context>
-    <inkml:brush xml:id="br0">
-      <inkml:brushProperty name="width" value="0.1" units="cm"/>
-      <inkml:brushProperty name="height" value="0.6" units="cm"/>
-      <inkml:brushProperty name="color" value="#849398"/>
-      <inkml:brushProperty name="inkEffects" value="pencil"/>
-    </inkml:brush>
-  </inkml:definitions>
-  <inkml:trace contextRef="#ctx0" brushRef="#br0">0 1 16383,'23'0'0,"1"0"0,10 0 0,3 0 0,12 1 0,-1 0 0,36-2 0,11 1 0,-30 0 0,3 0 0,8-1 0,9 1 0,-3-1 0,-13 1 0,-2 0 0,-2 0 0,21 0 0,-4 0 0,-7 0 0,-7 0 0,12 0 0,-47 0 0,-19 1 0,2-1 0,53 5 0,16 1 0,-31 0 0,1 3 0,-3-1 0,-3 3 0,26 19 0,-28-10 0,-4-1 0,-55-9 0,-6-3 0,-40 8 0,-32-3 0,9-2 0,29-6 0,2-1 0,-12-2 0,-22 0 0,27-2 0,-1 0 0,-30 1 0,16-1 0,3 0 0,5 1 0,-24-1 0,36-2 0,-1-1 0,2 0 0,-2 0 0,-5-1 0,1 0 0,-29-2 0,46 3 0,25 3 0,5 0 0,9 1 0</inkml:trace>
-</inkml:ink>
-</file>
-
-<file path=ppt/ink/ink30.xml><?xml version="1.0" encoding="utf-8"?>
-<inkml:ink xmlns:inkml="http://www.w3.org/2003/InkML">
-  <inkml:definitions>
-    <inkml:context xml:id="ctx0">
-      <inkml:inkSource xml:id="inkSrc0">
-        <inkml:traceFormat>
-          <inkml:channel name="X" type="integer" min="-2.14748E9" max="2.14748E9" units="cm"/>
-          <inkml:channel name="Y" type="integer" min="-2.14748E9" max="2.14748E9" units="cm"/>
-          <inkml:channel name="F" type="integer" max="32767" units="dev"/>
-        </inkml:traceFormat>
-        <inkml:channelProperties>
-          <inkml:channelProperty channel="X" name="resolution" value="1000" units="1/cm"/>
-          <inkml:channelProperty channel="Y" name="resolution" value="1000" units="1/cm"/>
-          <inkml:channelProperty channel="F" name="resolution" value="0" units="1/dev"/>
-        </inkml:channelProperties>
-      </inkml:inkSource>
-      <inkml:timestamp xml:id="ts0" timeString="2021-02-10T01:05:51.233"/>
-    </inkml:context>
-    <inkml:brush xml:id="br0">
-      <inkml:brushProperty name="width" value="0.1" units="cm"/>
-      <inkml:brushProperty name="height" value="0.6" units="cm"/>
-      <inkml:brushProperty name="color" value="#849398"/>
-      <inkml:brushProperty name="inkEffects" value="pencil"/>
-    </inkml:brush>
-  </inkml:definitions>
-  <inkml:trace contextRef="#ctx0" brushRef="#br0">127 1 16383,'-14'37'0,"-11"42"0,7 4 0,2-8 0,1 3 0,8-21 0,1 0 0,-2 19 0,2-3 0,2 13 0,2-23 0,0 0 0,1 15 0,-1-3 0,2-39 0,0-45 0,1-19 0,-1-11 0,1-11 0,-1 7 0,1-5 0,2-4 0,2-22 0,5 2 0,-4 17 0,9 12 0,1 29 0,22-1 0,-2 4 0,-5 6 0,-13 7 0,-14 6 0,2 4 0,1 3 0,-2 2 0,-9 8 0,-4-7 0,-22 4 0,-2-13 0,-2-3 0,5-3 0,12-1 0,10 4 0,6 3 0,14 12 0,8 6 0,7 7 0,12 7 0,-9-11 0,0-3 0,-12-13 0,-3-6 0,2 2 0,15 0 0,-5-2 0,23 1 0,-31-7 0,6 0 0,-23-3 0,0-1 0,0-11 0,-4-17 0,2 12 0,-4-8 0</inkml:trace>
-</inkml:ink>
-</file>
-
-<file path=ppt/ink/ink31.xml><?xml version="1.0" encoding="utf-8"?>
-<inkml:ink xmlns:inkml="http://www.w3.org/2003/InkML">
-  <inkml:definitions>
-    <inkml:context xml:id="ctx0">
-      <inkml:inkSource xml:id="inkSrc0">
-        <inkml:traceFormat>
-          <inkml:channel name="X" type="integer" min="-2.14748E9" max="2.14748E9" units="cm"/>
-          <inkml:channel name="Y" type="integer" min="-2.14748E9" max="2.14748E9" units="cm"/>
-          <inkml:channel name="F" type="integer" max="32767" units="dev"/>
-        </inkml:traceFormat>
-        <inkml:channelProperties>
-          <inkml:channelProperty channel="X" name="resolution" value="1000" units="1/cm"/>
-          <inkml:channelProperty channel="Y" name="resolution" value="1000" units="1/cm"/>
-          <inkml:channelProperty channel="F" name="resolution" value="0" units="1/dev"/>
-        </inkml:channelProperties>
-      </inkml:inkSource>
-      <inkml:timestamp xml:id="ts0" timeString="2021-02-10T01:05:52.416"/>
-    </inkml:context>
-    <inkml:brush xml:id="br0">
-      <inkml:brushProperty name="width" value="0.1" units="cm"/>
-      <inkml:brushProperty name="height" value="0.6" units="cm"/>
-      <inkml:brushProperty name="color" value="#849398"/>
-      <inkml:brushProperty name="inkEffects" value="pencil"/>
-    </inkml:brush>
-  </inkml:definitions>
-  <inkml:trace contextRef="#ctx0" brushRef="#br0">120 5 16383,'-10'16'0,"-4"6"0,-13 33 0,3 6 0,2-1 0,10-11 0,7-18 0,2-13 0,1 1 0,12-37 0,5-1 0,8-22 0,20-15 0,-2-2 0,2 3 0,-10 12 0,-16 28 0,10-3 0,-15 12 0,11-1 0,-8 34 0,-1 64 0,3-18 0,-11-20 0,-2-6 0,0-14 0,26-36 0,-6-9 0,30-19 0,-13 7 0,5-12 0,-12-1 0,-10 6 0,-14 10 0,-8 16 0</inkml:trace>
-</inkml:ink>
-</file>
-
-<file path=ppt/ink/ink32.xml><?xml version="1.0" encoding="utf-8"?>
-<inkml:ink xmlns:inkml="http://www.w3.org/2003/InkML">
-  <inkml:definitions>
-    <inkml:context xml:id="ctx0">
-      <inkml:inkSource xml:id="inkSrc0">
-        <inkml:traceFormat>
-          <inkml:channel name="X" type="integer" min="-2.14748E9" max="2.14748E9" units="cm"/>
-          <inkml:channel name="Y" type="integer" min="-2.14748E9" max="2.14748E9" units="cm"/>
-          <inkml:channel name="F" type="integer" max="32767" units="dev"/>
-        </inkml:traceFormat>
-        <inkml:channelProperties>
-          <inkml:channelProperty channel="X" name="resolution" value="1000" units="1/cm"/>
-          <inkml:channelProperty channel="Y" name="resolution" value="1000" units="1/cm"/>
-          <inkml:channelProperty channel="F" name="resolution" value="0" units="1/dev"/>
-        </inkml:channelProperties>
-      </inkml:inkSource>
-      <inkml:timestamp xml:id="ts0" timeString="2021-02-10T01:05:53.292"/>
-    </inkml:context>
-    <inkml:brush xml:id="br0">
-      <inkml:brushProperty name="width" value="0.1" units="cm"/>
-      <inkml:brushProperty name="height" value="0.6" units="cm"/>
-      <inkml:brushProperty name="color" value="#849398"/>
-      <inkml:brushProperty name="inkEffects" value="pencil"/>
-    </inkml:brush>
-  </inkml:definitions>
-  <inkml:trace contextRef="#ctx0" brushRef="#br0">86 168 16383,'-25'44'0,"0"-1"0,-11 20 0,49-43 0,0-17 0,1-2 0,4-6 0,-4-1 0,27-18 0,-17 8 0,37-28 0,-38 18 0,13-49 0,-45 24 0,-7-17 0,-37 41 0,15 28 0,-4 17 0,27 1 0,11-4 0,10 1 0,13-3 0,9 1 0,27-14 0,8-6 0,29-9 0,-36 7 0,-3 1 0,-3-5 0</inkml:trace>
-</inkml:ink>
-</file>
-
-<file path=ppt/ink/ink33.xml><?xml version="1.0" encoding="utf-8"?>
-<inkml:ink xmlns:inkml="http://www.w3.org/2003/InkML">
-  <inkml:definitions>
-    <inkml:context xml:id="ctx0">
-      <inkml:inkSource xml:id="inkSrc0">
-        <inkml:traceFormat>
-          <inkml:channel name="X" type="integer" min="-2.14748E9" max="2.14748E9" units="cm"/>
-          <inkml:channel name="Y" type="integer" min="-2.14748E9" max="2.14748E9" units="cm"/>
-          <inkml:channel name="F" type="integer" max="32767" units="dev"/>
-        </inkml:traceFormat>
-        <inkml:channelProperties>
-          <inkml:channelProperty channel="X" name="resolution" value="1000" units="1/cm"/>
-          <inkml:channelProperty channel="Y" name="resolution" value="1000" units="1/cm"/>
-          <inkml:channelProperty channel="F" name="resolution" value="0" units="1/dev"/>
-        </inkml:channelProperties>
-      </inkml:inkSource>
-      <inkml:timestamp xml:id="ts0" timeString="2021-02-10T01:05:54.616"/>
-    </inkml:context>
-    <inkml:brush xml:id="br0">
-      <inkml:brushProperty name="width" value="0.1" units="cm"/>
-      <inkml:brushProperty name="height" value="0.6" units="cm"/>
-      <inkml:brushProperty name="color" value="#849398"/>
-      <inkml:brushProperty name="inkEffects" value="pencil"/>
-    </inkml:brush>
-  </inkml:definitions>
-  <inkml:trace contextRef="#ctx0" brushRef="#br0">110 68 16383,'-27'77'0,"10"-32"0,-16 32 0,21-56 0,-5 11 0,13-22 0,5-3 0,11-10 0,3-4 0,7-6 0,-7 1 0,-3 1 0,0-1 0,6-3 0,-2 0 0,12-12 0,-3-1 0,-1 2 0,-6 7 0,-12 13 0,-5 27 0,-1-1 0,2 32 0,4-16 0,-2-5 0,2-16 0,-3-14 0,20-2 0,-4-3 0,27-18 0,-22 4 0,11-26 0,-10-9 0,4-10 0,-4 3 0,-9 23 0,-7 22 0,-9 14 0,1 1 0</inkml:trace>
-</inkml:ink>
-</file>
-
-<file path=ppt/ink/ink34.xml><?xml version="1.0" encoding="utf-8"?>
-<inkml:ink xmlns:inkml="http://www.w3.org/2003/InkML">
-  <inkml:definitions>
-    <inkml:context xml:id="ctx0">
-      <inkml:inkSource xml:id="inkSrc0">
-        <inkml:traceFormat>
-          <inkml:channel name="X" type="integer" min="-2.14748E9" max="2.14748E9" units="cm"/>
-          <inkml:channel name="Y" type="integer" min="-2.14748E9" max="2.14748E9" units="cm"/>
-          <inkml:channel name="F" type="integer" max="32767" units="dev"/>
-        </inkml:traceFormat>
-        <inkml:channelProperties>
-          <inkml:channelProperty channel="X" name="resolution" value="1000" units="1/cm"/>
-          <inkml:channelProperty channel="Y" name="resolution" value="1000" units="1/cm"/>
-          <inkml:channelProperty channel="F" name="resolution" value="0" units="1/dev"/>
-        </inkml:channelProperties>
-      </inkml:inkSource>
-      <inkml:timestamp xml:id="ts0" timeString="2021-02-10T01:05:55.691"/>
-    </inkml:context>
-    <inkml:brush xml:id="br0">
-      <inkml:brushProperty name="width" value="0.1" units="cm"/>
-      <inkml:brushProperty name="height" value="0.6" units="cm"/>
-      <inkml:brushProperty name="color" value="#849398"/>
-      <inkml:brushProperty name="inkEffects" value="pencil"/>
-    </inkml:brush>
-  </inkml:definitions>
-  <inkml:trace contextRef="#ctx0" brushRef="#br0">1 0 16383,'0'50'0,"0"1"0,0 21 0,2-5 0,1-29 0,0-16 0,4 17 0,-2-14 0,2 4 0,-4-17 0,1-7 0,0-10 0,6-13 0,11-21 0,0-2 0,7-15 0,3 9 0,11-1 0,-9 18 0,2 7 0,-21 28 0,-5 4 0,4 14 0,13 33 0,-8-18 0,11 31 0,-12-22 0,-5-15 0,-2-2 0,-8-23 0,0-4 0,-3-1 0,1-1 0</inkml:trace>
-</inkml:ink>
-</file>
-
-<file path=ppt/ink/ink35.xml><?xml version="1.0" encoding="utf-8"?>
+<file path=ppt/ink/ink1.xml><?xml version="1.0" encoding="utf-8"?>
 <inkml:ink xmlns:inkml="http://www.w3.org/2003/InkML">
   <inkml:definitions>
     <inkml:context xml:id="ctx0">
@@ -975,178 +193,3075 @@
 </inkml:ink>
 </file>
 
-<file path=ppt/ink/ink4.xml><?xml version="1.0" encoding="utf-8"?>
-<inkml:ink xmlns:inkml="http://www.w3.org/2003/InkML">
-  <inkml:definitions>
-    <inkml:context xml:id="ctx0">
-      <inkml:inkSource xml:id="inkSrc0">
-        <inkml:traceFormat>
-          <inkml:channel name="X" type="integer" min="-2.14748E9" max="2.14748E9" units="cm"/>
-          <inkml:channel name="Y" type="integer" min="-2.14748E9" max="2.14748E9" units="cm"/>
-          <inkml:channel name="F" type="integer" max="32767" units="dev"/>
-        </inkml:traceFormat>
-        <inkml:channelProperties>
-          <inkml:channelProperty channel="X" name="resolution" value="1000" units="1/cm"/>
-          <inkml:channelProperty channel="Y" name="resolution" value="1000" units="1/cm"/>
-          <inkml:channelProperty channel="F" name="resolution" value="0" units="1/dev"/>
-        </inkml:channelProperties>
-      </inkml:inkSource>
-      <inkml:timestamp xml:id="ts0" timeString="2021-02-10T01:05:09.088"/>
-    </inkml:context>
-    <inkml:brush xml:id="br0">
-      <inkml:brushProperty name="width" value="0.1" units="cm"/>
-      <inkml:brushProperty name="height" value="0.6" units="cm"/>
-      <inkml:brushProperty name="color" value="#849398"/>
-      <inkml:brushProperty name="inkEffects" value="pencil"/>
-    </inkml:brush>
-  </inkml:definitions>
-  <inkml:trace contextRef="#ctx0" brushRef="#br0">0 3781 16383,'6'-29'0,"2"-2"0,2-14 0,3-5 0,5-31 0,-5 15 0,1-9 0,-4 21 0,11-30 0,-5 29 0,3-1 0,-2 2 0,2 0 0,5-12 0,0 5 0,3-4 0,1 6 0,3-4 0,-1 6 0,3-2 0,13-23 0,3-5 0,-13 29 0,1 0 0,-2 2 0,7-10 0,1 1 0,8-6 0,1 0 0,-5 7 0,-1-1 0,7-7 0,1-3 0,-13 21 0,0 0 0,1 1 0,16-18 0,1 4 0,5 3 0,2 6 0,-8 12 0,3 4 0,18-1 0,1 7 0,-20 13 0,2 3 0,26-9 0,3 0 0,-9 3 0,1-2 0,-21 6 0,2 0 0,1-1 0,6-2 0,0 0 0,0 0 0,-6 3 0,0 0 0,4 2 0,18-3 0,4 1 0,-3 3 0,-17 3 0,-3 2 0,6 1 0,3 1 0,6 1 0,2 1 0,-4 0 0,7-1 0,-3 1 0,19-1 0,-30 4 0,12 0 0,9 0 0,6-1 0,5 0 0,1 0 0,-2 0 0,-3 1 0,-7 1 0,-10 0 0,22-1 0,-12 1 0,-3 0 0,2 1 0,12-2 0,-23 2 0,6-1 0,5-1 0,3 1 0,3-1 0,-1 0 0,-2 1 0,-3 0 0,-5 0 0,-7 2 0,27-2 0,-7 1 0,-6 0 0,-5 1 0,-3 0 0,-8 0 0,-9 0 0,4 0 0,15-1 0,-13 0 0,9-1 0,8 0 0,6-1 0,4 0 0,3-1 0,1 1 0,-1-1 0,-2 1 0,-5 0 0,-4 1 0,-2 0 0,1-1 0,-2 1 0,1 0 0,1 0 0,-1-1 0,2 1 0,0-1 0,2 0 0,-9 1 0,1-1 0,0 1 0,0-1 0,2 0 0,0 0 0,0 0 0,1 0 0,0 0 0,0 0 0,1 0 0,0 1 0,-1 0 0,2 0 0,2 0 0,1 1 0,1-1 0,0 1 0,-1-1 0,-1 1 0,-2 0 0,-2 0 0,-3 0 0,-3 0 0,-4 0 0,25-2 0,-7 0 0,-4 1 0,-3-1 0,0 1 0,2 0 0,5 1 0,-9 0 0,2 1 0,3 0 0,0 1 0,1-1 0,0 1 0,-1-1 0,-2 1 0,-3 0 0,-1-1 0,-1 0 0,-2 0 0,0 1 0,-1-1 0,0 1 0,0 0 0,2 1 0,2 0 0,0 1 0,0 0 0,1 0 0,0 1 0,0 0 0,0 1 0,1 0 0,1 1 0,1 1 0,0 0 0,0 0 0,0 1 0,0 0 0,-2 0 0,-1 1 0,4 1 0,-1-1 0,-1 2 0,0-1 0,-1 1 0,0 1 0,0 1 0,0 0 0,2 1 0,0 1 0,-1 1 0,-2-1 0,-3 0 0,-3-1 0,10 0 0,-5 0 0,-2-1 0,-3 1 0,-2-1 0,5 2 0,-4 0 0,0 0 0,2 0 0,14 3 0,5 0 0,-5 0 0,-13 0 0,-6 2 0,-4 1 0,11 0 0,7 1 0,-12 0 0,-19-1 0,-7 1 0,2 5 0,2 3 0,26 11 0,7 4 0,-22-8 0,4 2 0,1 1 0,12 4 0,3-1 0,-1 0 0,-5-3 0,-1-1 0,-4-2 0,-14-6 0,-3-1 0,-5-1 0,13 4 0,-14-4 0,-24-6 0,-7-2 0,-22-12 0,-5 0 0,3 5 0,-3-4 0,-8-3 0,4-3 0,-5-1 0</inkml:trace>
-</inkml:ink>
+<file path=ppt/notesMasters/notesMaster1.xml><?xml version="1.0" encoding="utf-8"?>
+<p:notesMaster xmlns:a="http://schemas.openxmlformats.org/drawingml/2006/main" xmlns:r="http://schemas.openxmlformats.org/officeDocument/2006/relationships" xmlns:p="http://schemas.openxmlformats.org/presentationml/2006/main">
+  <p:cSld>
+    <p:bg>
+      <p:bgRef idx="1001">
+        <a:schemeClr val="bg1"/>
+      </p:bgRef>
+    </p:bg>
+    <p:spTree>
+      <p:nvGrpSpPr>
+        <p:cNvPr id="1" name=""/>
+        <p:cNvGrpSpPr/>
+        <p:nvPr/>
+      </p:nvGrpSpPr>
+      <p:grpSpPr>
+        <a:xfrm>
+          <a:off x="0" y="0"/>
+          <a:ext cx="0" cy="0"/>
+          <a:chOff x="0" y="0"/>
+          <a:chExt cx="0" cy="0"/>
+        </a:xfrm>
+      </p:grpSpPr>
+      <p:sp>
+        <p:nvSpPr>
+          <p:cNvPr id="2" name="Header Placeholder 1"/>
+          <p:cNvSpPr>
+            <a:spLocks noGrp="1"/>
+          </p:cNvSpPr>
+          <p:nvPr>
+            <p:ph type="hdr" sz="quarter"/>
+          </p:nvPr>
+        </p:nvSpPr>
+        <p:spPr>
+          <a:xfrm>
+            <a:off x="0" y="0"/>
+            <a:ext cx="2971800" cy="458788"/>
+          </a:xfrm>
+          <a:prstGeom prst="rect">
+            <a:avLst/>
+          </a:prstGeom>
+        </p:spPr>
+        <p:txBody>
+          <a:bodyPr vert="horz" lIns="91440" tIns="45720" rIns="91440" bIns="45720" rtlCol="0"/>
+          <a:lstStyle>
+            <a:lvl1pPr algn="l">
+              <a:defRPr sz="1200"/>
+            </a:lvl1pPr>
+          </a:lstStyle>
+          <a:p>
+            <a:endParaRPr lang="en-US"/>
+          </a:p>
+        </p:txBody>
+      </p:sp>
+      <p:sp>
+        <p:nvSpPr>
+          <p:cNvPr id="3" name="Date Placeholder 2"/>
+          <p:cNvSpPr>
+            <a:spLocks noGrp="1"/>
+          </p:cNvSpPr>
+          <p:nvPr>
+            <p:ph type="dt" idx="1"/>
+          </p:nvPr>
+        </p:nvSpPr>
+        <p:spPr>
+          <a:xfrm>
+            <a:off x="3884613" y="0"/>
+            <a:ext cx="2971800" cy="458788"/>
+          </a:xfrm>
+          <a:prstGeom prst="rect">
+            <a:avLst/>
+          </a:prstGeom>
+        </p:spPr>
+        <p:txBody>
+          <a:bodyPr vert="horz" lIns="91440" tIns="45720" rIns="91440" bIns="45720" rtlCol="0"/>
+          <a:lstStyle>
+            <a:lvl1pPr algn="r">
+              <a:defRPr sz="1200"/>
+            </a:lvl1pPr>
+          </a:lstStyle>
+          <a:p>
+            <a:fld id="{6BCB3465-E40B-9E4F-A92D-9702B3E4D20E}" type="datetimeFigureOut">
+              <a:rPr lang="en-US" smtClean="0"/>
+              <a:t>3/22/21</a:t>
+            </a:fld>
+            <a:endParaRPr lang="en-US"/>
+          </a:p>
+        </p:txBody>
+      </p:sp>
+      <p:sp>
+        <p:nvSpPr>
+          <p:cNvPr id="4" name="Slide Image Placeholder 3"/>
+          <p:cNvSpPr>
+            <a:spLocks noGrp="1" noRot="1" noChangeAspect="1"/>
+          </p:cNvSpPr>
+          <p:nvPr>
+            <p:ph type="sldImg" idx="2"/>
+          </p:nvPr>
+        </p:nvSpPr>
+        <p:spPr>
+          <a:xfrm>
+            <a:off x="685800" y="1143000"/>
+            <a:ext cx="5486400" cy="3086100"/>
+          </a:xfrm>
+          <a:prstGeom prst="rect">
+            <a:avLst/>
+          </a:prstGeom>
+          <a:noFill/>
+          <a:ln w="12700">
+            <a:solidFill>
+              <a:prstClr val="black"/>
+            </a:solidFill>
+          </a:ln>
+        </p:spPr>
+        <p:txBody>
+          <a:bodyPr vert="horz" lIns="91440" tIns="45720" rIns="91440" bIns="45720" rtlCol="0" anchor="ctr"/>
+          <a:lstStyle/>
+          <a:p>
+            <a:endParaRPr lang="en-US"/>
+          </a:p>
+        </p:txBody>
+      </p:sp>
+      <p:sp>
+        <p:nvSpPr>
+          <p:cNvPr id="5" name="Notes Placeholder 4"/>
+          <p:cNvSpPr>
+            <a:spLocks noGrp="1"/>
+          </p:cNvSpPr>
+          <p:nvPr>
+            <p:ph type="body" sz="quarter" idx="3"/>
+          </p:nvPr>
+        </p:nvSpPr>
+        <p:spPr>
+          <a:xfrm>
+            <a:off x="685800" y="4400550"/>
+            <a:ext cx="5486400" cy="3600450"/>
+          </a:xfrm>
+          <a:prstGeom prst="rect">
+            <a:avLst/>
+          </a:prstGeom>
+        </p:spPr>
+        <p:txBody>
+          <a:bodyPr vert="horz" lIns="91440" tIns="45720" rIns="91440" bIns="45720" rtlCol="0"/>
+          <a:lstStyle/>
+          <a:p>
+            <a:pPr lvl="0"/>
+            <a:r>
+              <a:rPr lang="en-US"/>
+              <a:t>Click to edit Master text styles</a:t>
+            </a:r>
+          </a:p>
+          <a:p>
+            <a:pPr lvl="1"/>
+            <a:r>
+              <a:rPr lang="en-US"/>
+              <a:t>Second level</a:t>
+            </a:r>
+          </a:p>
+          <a:p>
+            <a:pPr lvl="2"/>
+            <a:r>
+              <a:rPr lang="en-US"/>
+              <a:t>Third level</a:t>
+            </a:r>
+          </a:p>
+          <a:p>
+            <a:pPr lvl="3"/>
+            <a:r>
+              <a:rPr lang="en-US"/>
+              <a:t>Fourth level</a:t>
+            </a:r>
+          </a:p>
+          <a:p>
+            <a:pPr lvl="4"/>
+            <a:r>
+              <a:rPr lang="en-US"/>
+              <a:t>Fifth level</a:t>
+            </a:r>
+          </a:p>
+        </p:txBody>
+      </p:sp>
+      <p:sp>
+        <p:nvSpPr>
+          <p:cNvPr id="6" name="Footer Placeholder 5"/>
+          <p:cNvSpPr>
+            <a:spLocks noGrp="1"/>
+          </p:cNvSpPr>
+          <p:nvPr>
+            <p:ph type="ftr" sz="quarter" idx="4"/>
+          </p:nvPr>
+        </p:nvSpPr>
+        <p:spPr>
+          <a:xfrm>
+            <a:off x="0" y="8685213"/>
+            <a:ext cx="2971800" cy="458787"/>
+          </a:xfrm>
+          <a:prstGeom prst="rect">
+            <a:avLst/>
+          </a:prstGeom>
+        </p:spPr>
+        <p:txBody>
+          <a:bodyPr vert="horz" lIns="91440" tIns="45720" rIns="91440" bIns="45720" rtlCol="0" anchor="b"/>
+          <a:lstStyle>
+            <a:lvl1pPr algn="l">
+              <a:defRPr sz="1200"/>
+            </a:lvl1pPr>
+          </a:lstStyle>
+          <a:p>
+            <a:endParaRPr lang="en-US"/>
+          </a:p>
+        </p:txBody>
+      </p:sp>
+      <p:sp>
+        <p:nvSpPr>
+          <p:cNvPr id="7" name="Slide Number Placeholder 6"/>
+          <p:cNvSpPr>
+            <a:spLocks noGrp="1"/>
+          </p:cNvSpPr>
+          <p:nvPr>
+            <p:ph type="sldNum" sz="quarter" idx="5"/>
+          </p:nvPr>
+        </p:nvSpPr>
+        <p:spPr>
+          <a:xfrm>
+            <a:off x="3884613" y="8685213"/>
+            <a:ext cx="2971800" cy="458787"/>
+          </a:xfrm>
+          <a:prstGeom prst="rect">
+            <a:avLst/>
+          </a:prstGeom>
+        </p:spPr>
+        <p:txBody>
+          <a:bodyPr vert="horz" lIns="91440" tIns="45720" rIns="91440" bIns="45720" rtlCol="0" anchor="b"/>
+          <a:lstStyle>
+            <a:lvl1pPr algn="r">
+              <a:defRPr sz="1200"/>
+            </a:lvl1pPr>
+          </a:lstStyle>
+          <a:p>
+            <a:fld id="{F5F9455F-9882-FB49-8E64-6BE7B14BC12A}" type="slidenum">
+              <a:rPr lang="en-US" smtClean="0"/>
+              <a:t>‹#›</a:t>
+            </a:fld>
+            <a:endParaRPr lang="en-US"/>
+          </a:p>
+        </p:txBody>
+      </p:sp>
+    </p:spTree>
+    <p:extLst>
+      <p:ext uri="{BB962C8B-B14F-4D97-AF65-F5344CB8AC3E}">
+        <p14:creationId xmlns:p14="http://schemas.microsoft.com/office/powerpoint/2010/main" val="3944166052"/>
+      </p:ext>
+    </p:extLst>
+  </p:cSld>
+  <p:clrMap bg1="lt1" tx1="dk1" bg2="lt2" tx2="dk2" accent1="accent1" accent2="accent2" accent3="accent3" accent4="accent4" accent5="accent5" accent6="accent6" hlink="hlink" folHlink="folHlink"/>
+  <p:notesStyle>
+    <a:lvl1pPr marL="0" algn="l" defTabSz="914400" rtl="0" eaLnBrk="1" latinLnBrk="0" hangingPunct="1">
+      <a:defRPr sz="1200" kern="1200">
+        <a:solidFill>
+          <a:schemeClr val="tx1"/>
+        </a:solidFill>
+        <a:latin typeface="+mn-lt"/>
+        <a:ea typeface="+mn-ea"/>
+        <a:cs typeface="+mn-cs"/>
+      </a:defRPr>
+    </a:lvl1pPr>
+    <a:lvl2pPr marL="457200" algn="l" defTabSz="914400" rtl="0" eaLnBrk="1" latinLnBrk="0" hangingPunct="1">
+      <a:defRPr sz="1200" kern="1200">
+        <a:solidFill>
+          <a:schemeClr val="tx1"/>
+        </a:solidFill>
+        <a:latin typeface="+mn-lt"/>
+        <a:ea typeface="+mn-ea"/>
+        <a:cs typeface="+mn-cs"/>
+      </a:defRPr>
+    </a:lvl2pPr>
+    <a:lvl3pPr marL="914400" algn="l" defTabSz="914400" rtl="0" eaLnBrk="1" latinLnBrk="0" hangingPunct="1">
+      <a:defRPr sz="1200" kern="1200">
+        <a:solidFill>
+          <a:schemeClr val="tx1"/>
+        </a:solidFill>
+        <a:latin typeface="+mn-lt"/>
+        <a:ea typeface="+mn-ea"/>
+        <a:cs typeface="+mn-cs"/>
+      </a:defRPr>
+    </a:lvl3pPr>
+    <a:lvl4pPr marL="1371600" algn="l" defTabSz="914400" rtl="0" eaLnBrk="1" latinLnBrk="0" hangingPunct="1">
+      <a:defRPr sz="1200" kern="1200">
+        <a:solidFill>
+          <a:schemeClr val="tx1"/>
+        </a:solidFill>
+        <a:latin typeface="+mn-lt"/>
+        <a:ea typeface="+mn-ea"/>
+        <a:cs typeface="+mn-cs"/>
+      </a:defRPr>
+    </a:lvl4pPr>
+    <a:lvl5pPr marL="1828800" algn="l" defTabSz="914400" rtl="0" eaLnBrk="1" latinLnBrk="0" hangingPunct="1">
+      <a:defRPr sz="1200" kern="1200">
+        <a:solidFill>
+          <a:schemeClr val="tx1"/>
+        </a:solidFill>
+        <a:latin typeface="+mn-lt"/>
+        <a:ea typeface="+mn-ea"/>
+        <a:cs typeface="+mn-cs"/>
+      </a:defRPr>
+    </a:lvl5pPr>
+    <a:lvl6pPr marL="2286000" algn="l" defTabSz="914400" rtl="0" eaLnBrk="1" latinLnBrk="0" hangingPunct="1">
+      <a:defRPr sz="1200" kern="1200">
+        <a:solidFill>
+          <a:schemeClr val="tx1"/>
+        </a:solidFill>
+        <a:latin typeface="+mn-lt"/>
+        <a:ea typeface="+mn-ea"/>
+        <a:cs typeface="+mn-cs"/>
+      </a:defRPr>
+    </a:lvl6pPr>
+    <a:lvl7pPr marL="2743200" algn="l" defTabSz="914400" rtl="0" eaLnBrk="1" latinLnBrk="0" hangingPunct="1">
+      <a:defRPr sz="1200" kern="1200">
+        <a:solidFill>
+          <a:schemeClr val="tx1"/>
+        </a:solidFill>
+        <a:latin typeface="+mn-lt"/>
+        <a:ea typeface="+mn-ea"/>
+        <a:cs typeface="+mn-cs"/>
+      </a:defRPr>
+    </a:lvl7pPr>
+    <a:lvl8pPr marL="3200400" algn="l" defTabSz="914400" rtl="0" eaLnBrk="1" latinLnBrk="0" hangingPunct="1">
+      <a:defRPr sz="1200" kern="1200">
+        <a:solidFill>
+          <a:schemeClr val="tx1"/>
+        </a:solidFill>
+        <a:latin typeface="+mn-lt"/>
+        <a:ea typeface="+mn-ea"/>
+        <a:cs typeface="+mn-cs"/>
+      </a:defRPr>
+    </a:lvl8pPr>
+    <a:lvl9pPr marL="3657600" algn="l" defTabSz="914400" rtl="0" eaLnBrk="1" latinLnBrk="0" hangingPunct="1">
+      <a:defRPr sz="1200" kern="1200">
+        <a:solidFill>
+          <a:schemeClr val="tx1"/>
+        </a:solidFill>
+        <a:latin typeface="+mn-lt"/>
+        <a:ea typeface="+mn-ea"/>
+        <a:cs typeface="+mn-cs"/>
+      </a:defRPr>
+    </a:lvl9pPr>
+  </p:notesStyle>
+</p:notesMaster>
 </file>
 
-<file path=ppt/ink/ink5.xml><?xml version="1.0" encoding="utf-8"?>
-<inkml:ink xmlns:inkml="http://www.w3.org/2003/InkML">
-  <inkml:definitions>
-    <inkml:context xml:id="ctx0">
-      <inkml:inkSource xml:id="inkSrc0">
-        <inkml:traceFormat>
-          <inkml:channel name="X" type="integer" min="-2.14748E9" max="2.14748E9" units="cm"/>
-          <inkml:channel name="Y" type="integer" min="-2.14748E9" max="2.14748E9" units="cm"/>
-          <inkml:channel name="F" type="integer" max="32767" units="dev"/>
-        </inkml:traceFormat>
-        <inkml:channelProperties>
-          <inkml:channelProperty channel="X" name="resolution" value="1000" units="1/cm"/>
-          <inkml:channelProperty channel="Y" name="resolution" value="1000" units="1/cm"/>
-          <inkml:channelProperty channel="F" name="resolution" value="0" units="1/dev"/>
-        </inkml:channelProperties>
-      </inkml:inkSource>
-      <inkml:timestamp xml:id="ts0" timeString="2021-02-10T01:05:11.152"/>
-    </inkml:context>
-    <inkml:brush xml:id="br0">
-      <inkml:brushProperty name="width" value="0.1" units="cm"/>
-      <inkml:brushProperty name="height" value="0.6" units="cm"/>
-      <inkml:brushProperty name="color" value="#849398"/>
-      <inkml:brushProperty name="inkEffects" value="pencil"/>
-    </inkml:brush>
-  </inkml:definitions>
-  <inkml:trace contextRef="#ctx0" brushRef="#br0">1 0 16383,'0'23'0,"0"16"0,1 14 0,4 29 0,-1-32 0,2 2 0,0-2 0,2 2 0,1 10 0,1 1 0,-2-8 0,1 0 0,-2-1 0,0 1 0,-1 1 0,-2 4 0,1 3 0,0 6 0,0 2 0,0 9 0,0 2 0,0 4 0,-2-5 0,1 5 0,-1 2 0,1-3 0,-1-6 0,0-1 0,0-1 0,-1-3 0,1 9 0,-2-4 0,1-8 0,0-3 0,0-12 0,-1-6 0,-3-66 0,-1-10 0,1 9 0,0-2 0</inkml:trace>
-</inkml:ink>
+<file path=ppt/notesSlides/notesSlide1.xml><?xml version="1.0" encoding="utf-8"?>
+<p:notes xmlns:a="http://schemas.openxmlformats.org/drawingml/2006/main" xmlns:r="http://schemas.openxmlformats.org/officeDocument/2006/relationships" xmlns:p="http://schemas.openxmlformats.org/presentationml/2006/main">
+  <p:cSld>
+    <p:spTree>
+      <p:nvGrpSpPr>
+        <p:cNvPr id="1" name=""/>
+        <p:cNvGrpSpPr/>
+        <p:nvPr/>
+      </p:nvGrpSpPr>
+      <p:grpSpPr>
+        <a:xfrm>
+          <a:off x="0" y="0"/>
+          <a:ext cx="0" cy="0"/>
+          <a:chOff x="0" y="0"/>
+          <a:chExt cx="0" cy="0"/>
+        </a:xfrm>
+      </p:grpSpPr>
+      <p:sp>
+        <p:nvSpPr>
+          <p:cNvPr id="19457" name="Rectangle 7">
+            <a:extLst>
+              <a:ext uri="{FF2B5EF4-FFF2-40B4-BE49-F238E27FC236}">
+                <a16:creationId xmlns:a16="http://schemas.microsoft.com/office/drawing/2014/main" id="{E67D130B-72C8-E749-9492-4900F4FEE4C1}"/>
+              </a:ext>
+            </a:extLst>
+          </p:cNvPr>
+          <p:cNvSpPr>
+            <a:spLocks noGrp="1" noChangeArrowheads="1"/>
+          </p:cNvSpPr>
+          <p:nvPr>
+            <p:ph type="sldNum" sz="quarter" idx="5"/>
+          </p:nvPr>
+        </p:nvSpPr>
+        <p:spPr>
+          <a:noFill/>
+          <a:ln/>
+          <a:extLst>
+            <a:ext uri="{909E8E84-426E-40DD-AFC4-6F175D3DCCD1}">
+              <a14:hiddenFill xmlns:a14="http://schemas.microsoft.com/office/drawing/2010/main">
+                <a:solidFill>
+                  <a:srgbClr val="FFFFFF"/>
+                </a:solidFill>
+              </a14:hiddenFill>
+            </a:ext>
+            <a:ext uri="{91240B29-F687-4F45-9708-019B960494DF}">
+              <a14:hiddenLine xmlns:a14="http://schemas.microsoft.com/office/drawing/2010/main" w="9525">
+                <a:solidFill>
+                  <a:srgbClr val="000000"/>
+                </a:solidFill>
+                <a:miter lim="800000"/>
+                <a:headEnd/>
+                <a:tailEnd/>
+              </a14:hiddenLine>
+            </a:ext>
+          </a:extLst>
+        </p:spPr>
+        <p:txBody>
+          <a:bodyPr/>
+          <a:lstStyle>
+            <a:lvl1pPr defTabSz="931863">
+              <a:spcBef>
+                <a:spcPct val="30000"/>
+              </a:spcBef>
+              <a:defRPr sz="1200">
+                <a:solidFill>
+                  <a:schemeClr val="tx1"/>
+                </a:solidFill>
+                <a:latin typeface="Times New Roman" panose="02020603050405020304" pitchFamily="18" charset="0"/>
+              </a:defRPr>
+            </a:lvl1pPr>
+            <a:lvl2pPr marL="742950" indent="-285750" defTabSz="931863">
+              <a:spcBef>
+                <a:spcPct val="30000"/>
+              </a:spcBef>
+              <a:defRPr sz="1200">
+                <a:solidFill>
+                  <a:schemeClr val="tx1"/>
+                </a:solidFill>
+                <a:latin typeface="Times New Roman" panose="02020603050405020304" pitchFamily="18" charset="0"/>
+              </a:defRPr>
+            </a:lvl2pPr>
+            <a:lvl3pPr marL="1143000" indent="-228600" defTabSz="931863">
+              <a:spcBef>
+                <a:spcPct val="30000"/>
+              </a:spcBef>
+              <a:defRPr sz="1200">
+                <a:solidFill>
+                  <a:schemeClr val="tx1"/>
+                </a:solidFill>
+                <a:latin typeface="Times New Roman" panose="02020603050405020304" pitchFamily="18" charset="0"/>
+              </a:defRPr>
+            </a:lvl3pPr>
+            <a:lvl4pPr marL="1600200" indent="-228600" defTabSz="931863">
+              <a:spcBef>
+                <a:spcPct val="30000"/>
+              </a:spcBef>
+              <a:defRPr sz="1200">
+                <a:solidFill>
+                  <a:schemeClr val="tx1"/>
+                </a:solidFill>
+                <a:latin typeface="Times New Roman" panose="02020603050405020304" pitchFamily="18" charset="0"/>
+              </a:defRPr>
+            </a:lvl4pPr>
+            <a:lvl5pPr marL="2057400" indent="-228600" defTabSz="931863">
+              <a:spcBef>
+                <a:spcPct val="30000"/>
+              </a:spcBef>
+              <a:defRPr sz="1200">
+                <a:solidFill>
+                  <a:schemeClr val="tx1"/>
+                </a:solidFill>
+                <a:latin typeface="Times New Roman" panose="02020603050405020304" pitchFamily="18" charset="0"/>
+              </a:defRPr>
+            </a:lvl5pPr>
+            <a:lvl6pPr marL="2514600" indent="-228600" defTabSz="931863" eaLnBrk="0" fontAlgn="base" hangingPunct="0">
+              <a:spcBef>
+                <a:spcPct val="30000"/>
+              </a:spcBef>
+              <a:spcAft>
+                <a:spcPct val="0"/>
+              </a:spcAft>
+              <a:defRPr sz="1200">
+                <a:solidFill>
+                  <a:schemeClr val="tx1"/>
+                </a:solidFill>
+                <a:latin typeface="Times New Roman" panose="02020603050405020304" pitchFamily="18" charset="0"/>
+              </a:defRPr>
+            </a:lvl6pPr>
+            <a:lvl7pPr marL="2971800" indent="-228600" defTabSz="931863" eaLnBrk="0" fontAlgn="base" hangingPunct="0">
+              <a:spcBef>
+                <a:spcPct val="30000"/>
+              </a:spcBef>
+              <a:spcAft>
+                <a:spcPct val="0"/>
+              </a:spcAft>
+              <a:defRPr sz="1200">
+                <a:solidFill>
+                  <a:schemeClr val="tx1"/>
+                </a:solidFill>
+                <a:latin typeface="Times New Roman" panose="02020603050405020304" pitchFamily="18" charset="0"/>
+              </a:defRPr>
+            </a:lvl7pPr>
+            <a:lvl8pPr marL="3429000" indent="-228600" defTabSz="931863" eaLnBrk="0" fontAlgn="base" hangingPunct="0">
+              <a:spcBef>
+                <a:spcPct val="30000"/>
+              </a:spcBef>
+              <a:spcAft>
+                <a:spcPct val="0"/>
+              </a:spcAft>
+              <a:defRPr sz="1200">
+                <a:solidFill>
+                  <a:schemeClr val="tx1"/>
+                </a:solidFill>
+                <a:latin typeface="Times New Roman" panose="02020603050405020304" pitchFamily="18" charset="0"/>
+              </a:defRPr>
+            </a:lvl8pPr>
+            <a:lvl9pPr marL="3886200" indent="-228600" defTabSz="931863" eaLnBrk="0" fontAlgn="base" hangingPunct="0">
+              <a:spcBef>
+                <a:spcPct val="30000"/>
+              </a:spcBef>
+              <a:spcAft>
+                <a:spcPct val="0"/>
+              </a:spcAft>
+              <a:defRPr sz="1200">
+                <a:solidFill>
+                  <a:schemeClr val="tx1"/>
+                </a:solidFill>
+                <a:latin typeface="Times New Roman" panose="02020603050405020304" pitchFamily="18" charset="0"/>
+              </a:defRPr>
+            </a:lvl9pPr>
+          </a:lstStyle>
+          <a:p>
+            <a:pPr>
+              <a:spcBef>
+                <a:spcPct val="0"/>
+              </a:spcBef>
+            </a:pPr>
+            <a:fld id="{6B4759CF-CB0B-E14C-AFFC-C206F26F638B}" type="slidenum">
+              <a:rPr lang="en-US" altLang="en-US"/>
+              <a:pPr>
+                <a:spcBef>
+                  <a:spcPct val="0"/>
+                </a:spcBef>
+              </a:pPr>
+              <a:t>29</a:t>
+            </a:fld>
+            <a:endParaRPr lang="en-US" altLang="en-US"/>
+          </a:p>
+        </p:txBody>
+      </p:sp>
+      <p:sp>
+        <p:nvSpPr>
+          <p:cNvPr id="19458" name="Rectangle 2">
+            <a:extLst>
+              <a:ext uri="{FF2B5EF4-FFF2-40B4-BE49-F238E27FC236}">
+                <a16:creationId xmlns:a16="http://schemas.microsoft.com/office/drawing/2014/main" id="{A082C0EB-74F4-194A-905C-027B437BA6E9}"/>
+              </a:ext>
+            </a:extLst>
+          </p:cNvPr>
+          <p:cNvSpPr>
+            <a:spLocks noGrp="1" noRot="1" noChangeAspect="1" noChangeArrowheads="1" noTextEdit="1"/>
+          </p:cNvSpPr>
+          <p:nvPr>
+            <p:ph type="sldImg"/>
+          </p:nvPr>
+        </p:nvSpPr>
+        <p:spPr>
+          <a:ln/>
+        </p:spPr>
+      </p:sp>
+      <p:sp>
+        <p:nvSpPr>
+          <p:cNvPr id="19459" name="Rectangle 3">
+            <a:extLst>
+              <a:ext uri="{FF2B5EF4-FFF2-40B4-BE49-F238E27FC236}">
+                <a16:creationId xmlns:a16="http://schemas.microsoft.com/office/drawing/2014/main" id="{6E5A3E33-0297-7C4F-83A2-05885B11DE82}"/>
+              </a:ext>
+            </a:extLst>
+          </p:cNvPr>
+          <p:cNvSpPr>
+            <a:spLocks noGrp="1" noChangeArrowheads="1"/>
+          </p:cNvSpPr>
+          <p:nvPr>
+            <p:ph type="body" idx="1"/>
+          </p:nvPr>
+        </p:nvSpPr>
+        <p:spPr>
+          <a:noFill/>
+          <a:ln/>
+          <a:extLst>
+            <a:ext uri="{909E8E84-426E-40DD-AFC4-6F175D3DCCD1}">
+              <a14:hiddenFill xmlns:a14="http://schemas.microsoft.com/office/drawing/2010/main">
+                <a:solidFill>
+                  <a:srgbClr val="FFFFFF"/>
+                </a:solidFill>
+              </a14:hiddenFill>
+            </a:ext>
+            <a:ext uri="{91240B29-F687-4F45-9708-019B960494DF}">
+              <a14:hiddenLine xmlns:a14="http://schemas.microsoft.com/office/drawing/2010/main" w="9525">
+                <a:solidFill>
+                  <a:srgbClr val="000000"/>
+                </a:solidFill>
+                <a:miter lim="800000"/>
+                <a:headEnd/>
+                <a:tailEnd/>
+              </a14:hiddenLine>
+            </a:ext>
+          </a:extLst>
+        </p:spPr>
+        <p:txBody>
+          <a:bodyPr/>
+          <a:lstStyle/>
+          <a:p>
+            <a:endParaRPr lang="en-US" altLang="en-US">
+              <a:solidFill>
+                <a:schemeClr val="hlink"/>
+              </a:solidFill>
+            </a:endParaRPr>
+          </a:p>
+        </p:txBody>
+      </p:sp>
+    </p:spTree>
+  </p:cSld>
+  <p:clrMapOvr>
+    <a:masterClrMapping/>
+  </p:clrMapOvr>
+</p:notes>
 </file>
 
-<file path=ppt/ink/ink6.xml><?xml version="1.0" encoding="utf-8"?>
-<inkml:ink xmlns:inkml="http://www.w3.org/2003/InkML">
-  <inkml:definitions>
-    <inkml:context xml:id="ctx0">
-      <inkml:inkSource xml:id="inkSrc0">
-        <inkml:traceFormat>
-          <inkml:channel name="X" type="integer" min="-2.14748E9" max="2.14748E9" units="cm"/>
-          <inkml:channel name="Y" type="integer" min="-2.14748E9" max="2.14748E9" units="cm"/>
-          <inkml:channel name="F" type="integer" max="32767" units="dev"/>
-        </inkml:traceFormat>
-        <inkml:channelProperties>
-          <inkml:channelProperty channel="X" name="resolution" value="1000" units="1/cm"/>
-          <inkml:channelProperty channel="Y" name="resolution" value="1000" units="1/cm"/>
-          <inkml:channelProperty channel="F" name="resolution" value="0" units="1/dev"/>
-        </inkml:channelProperties>
-      </inkml:inkSource>
-      <inkml:timestamp xml:id="ts0" timeString="2021-02-10T01:05:13.700"/>
-    </inkml:context>
-    <inkml:brush xml:id="br0">
-      <inkml:brushProperty name="width" value="0.1" units="cm"/>
-      <inkml:brushProperty name="height" value="0.6" units="cm"/>
-      <inkml:brushProperty name="color" value="#849398"/>
-      <inkml:brushProperty name="inkEffects" value="pencil"/>
-    </inkml:brush>
-  </inkml:definitions>
-  <inkml:trace contextRef="#ctx0" brushRef="#br0">0 77 16383,'55'-14'0,"20"-1"0,-43 11 0,32-2 0,-30 6 0,19-2 0,5 2 0,6-3 0,4 2 0,4 0 0,-21 0 0,1 1 0,34-2 0,3 0 0,-19 2 0,-1 0 0,2-1 0,3 0 0,11 2 0,18 0 0,-31-1 0,13 0 0,11-1 0,7 1 0,2-1 0,-1 0 0,-5 0 0,-10 1 0,8 0 0,-8 0 0,-3 1 0,6-1 0,14 0 0,-24 0 0,8-1 0,8 1 0,5-1 0,4 1 0,2-1 0,0 0 0,-1 1 0,-4-1 0,-4 0 0,-8 1 0,-8-1 0,14 1 0,-11-1 0,-6 0 0,-1 1 0,5 0 0,10-1 0,-13 1 0,6 0 0,6-1 0,4 1 0,2 0 0,1 0 0,-1 0 0,-4-1 0,-4 1 0,-6 0 0,-7-1 0,19 0 0,-12 0 0,-4 0 0,3 0 0,13 1 0,-14-1 0,9 1 0,6 0 0,5 0 0,2 0 0,0 0 0,-1 0 0,-4 0 0,-7 0 0,-8 0 0,6 0 0,-9 0 0,-4-1 0,-1 1 0,3 0 0,8-1 0,-5 1 0,6 0 0,4-1 0,2 1 0,2 0 0,-1 0 0,-2 0 0,-3-1 0,-6 1 0,15 0 0,-3 0 0,-3 0 0,-4 0 0,-1 0 0,-1 0 0,4 0 0,-1-1 0,-3 1 0,-4 0 0,-6 1 0,13-2 0,-8 1 0,-13 6 0,20 23 0,-59 19 0,-10 17 0,-2 19 0,-4 16 0,-2 3 0,-1-15 0,-2 4 0,0 1 0,-3 0 0,-1 4 0,-2 1 0,-2-1 0,-3-1 0,-2-7 0,-2 1 0,-2-4 0,0-8 0,-4 17 0,-4-7 0,-6 8 0,-5-2 0,3-14 0,-1-1 0,-6 9 0,1 1 0,6-13 0,0 0 0,-4 3 0,1-6 0,0 2 0,-13-25 0,0-39 0,-2-21 0,-24 2 0,-22 0 0,-3 3 0,0 2 0,-4 2 0,-11 0 0,18 0 0,-8-1 0,-6 1 0,-5-1 0,-1 1 0,0 0 0,14 1 0,-1 1 0,-3 0 0,-1-1 0,-1 2 0,0-1 0,1 1 0,0-1 0,3 1 0,-1 0 0,1 0 0,0 1 0,0 0 0,0-1 0,0 1 0,0-1 0,2 0 0,-1 1 0,0-1 0,0 0 0,1 0 0,0 1 0,2-1 0,2 1 0,-4-1 0,2 1 0,0 0 0,2 0 0,1 0 0,2 0 0,1-1 0,-16 2 0,5-1 0,0 0 0,-2 0 0,-5 1 0,9 0 0,-5 1 0,-2 0 0,-2 0 0,0 0 0,2 0 0,2-1 0,11-1 0,1 0 0,2 0 0,0 0 0,-1 0 0,-1 0 0,-2 0 0,2 1 0,-1 0 0,-2 1 0,-1-1 0,0 1 0,1-1 0,0-1 0,2-1 0,-8 0 0,0-2 0,0-1 0,1 1 0,2-2 0,1 1 0,3 0 0,-1 0 0,2-1 0,2 1 0,2-1 0,0 0 0,1-1 0,-12-1 0,-1 0 0,2-1 0,5 0 0,8 0 0,-6 0 0,9-1 0,3 1 0,-22-4 0,9-1 0,31 3 0,4-2 0,0-1 0,5 1 0,-4-3 0,25 0 0,-8-22 0,12 12 0,-44-51 0,39 39 0,-24-35 0,33 39 0,-5-11 0,5 2 0,7 9 0,-2-7 0,10 13 0,4-2 0,4 0 0,2-4 0,7 8 0,-7 10 0,2 4 0</inkml:trace>
-</inkml:ink>
+<file path=ppt/notesSlides/notesSlide10.xml><?xml version="1.0" encoding="utf-8"?>
+<p:notes xmlns:a="http://schemas.openxmlformats.org/drawingml/2006/main" xmlns:r="http://schemas.openxmlformats.org/officeDocument/2006/relationships" xmlns:p="http://schemas.openxmlformats.org/presentationml/2006/main">
+  <p:cSld>
+    <p:spTree>
+      <p:nvGrpSpPr>
+        <p:cNvPr id="1" name=""/>
+        <p:cNvGrpSpPr/>
+        <p:nvPr/>
+      </p:nvGrpSpPr>
+      <p:grpSpPr>
+        <a:xfrm>
+          <a:off x="0" y="0"/>
+          <a:ext cx="0" cy="0"/>
+          <a:chOff x="0" y="0"/>
+          <a:chExt cx="0" cy="0"/>
+        </a:xfrm>
+      </p:grpSpPr>
+      <p:sp>
+        <p:nvSpPr>
+          <p:cNvPr id="27649" name="Rectangle 7">
+            <a:extLst>
+              <a:ext uri="{FF2B5EF4-FFF2-40B4-BE49-F238E27FC236}">
+                <a16:creationId xmlns:a16="http://schemas.microsoft.com/office/drawing/2014/main" id="{26B35974-9596-874F-BF62-D392B702C477}"/>
+              </a:ext>
+            </a:extLst>
+          </p:cNvPr>
+          <p:cNvSpPr>
+            <a:spLocks noGrp="1" noChangeArrowheads="1"/>
+          </p:cNvSpPr>
+          <p:nvPr>
+            <p:ph type="sldNum" sz="quarter" idx="5"/>
+          </p:nvPr>
+        </p:nvSpPr>
+        <p:spPr>
+          <a:noFill/>
+          <a:ln/>
+          <a:extLst>
+            <a:ext uri="{909E8E84-426E-40DD-AFC4-6F175D3DCCD1}">
+              <a14:hiddenFill xmlns:a14="http://schemas.microsoft.com/office/drawing/2010/main">
+                <a:solidFill>
+                  <a:srgbClr val="FFFFFF"/>
+                </a:solidFill>
+              </a14:hiddenFill>
+            </a:ext>
+            <a:ext uri="{91240B29-F687-4F45-9708-019B960494DF}">
+              <a14:hiddenLine xmlns:a14="http://schemas.microsoft.com/office/drawing/2010/main" w="9525">
+                <a:solidFill>
+                  <a:srgbClr val="000000"/>
+                </a:solidFill>
+                <a:miter lim="800000"/>
+                <a:headEnd/>
+                <a:tailEnd/>
+              </a14:hiddenLine>
+            </a:ext>
+          </a:extLst>
+        </p:spPr>
+        <p:txBody>
+          <a:bodyPr/>
+          <a:lstStyle>
+            <a:lvl1pPr defTabSz="931863">
+              <a:spcBef>
+                <a:spcPct val="30000"/>
+              </a:spcBef>
+              <a:defRPr sz="1200">
+                <a:solidFill>
+                  <a:schemeClr val="tx1"/>
+                </a:solidFill>
+                <a:latin typeface="Times New Roman" panose="02020603050405020304" pitchFamily="18" charset="0"/>
+              </a:defRPr>
+            </a:lvl1pPr>
+            <a:lvl2pPr marL="742950" indent="-285750" defTabSz="931863">
+              <a:spcBef>
+                <a:spcPct val="30000"/>
+              </a:spcBef>
+              <a:defRPr sz="1200">
+                <a:solidFill>
+                  <a:schemeClr val="tx1"/>
+                </a:solidFill>
+                <a:latin typeface="Times New Roman" panose="02020603050405020304" pitchFamily="18" charset="0"/>
+              </a:defRPr>
+            </a:lvl2pPr>
+            <a:lvl3pPr marL="1143000" indent="-228600" defTabSz="931863">
+              <a:spcBef>
+                <a:spcPct val="30000"/>
+              </a:spcBef>
+              <a:defRPr sz="1200">
+                <a:solidFill>
+                  <a:schemeClr val="tx1"/>
+                </a:solidFill>
+                <a:latin typeface="Times New Roman" panose="02020603050405020304" pitchFamily="18" charset="0"/>
+              </a:defRPr>
+            </a:lvl3pPr>
+            <a:lvl4pPr marL="1600200" indent="-228600" defTabSz="931863">
+              <a:spcBef>
+                <a:spcPct val="30000"/>
+              </a:spcBef>
+              <a:defRPr sz="1200">
+                <a:solidFill>
+                  <a:schemeClr val="tx1"/>
+                </a:solidFill>
+                <a:latin typeface="Times New Roman" panose="02020603050405020304" pitchFamily="18" charset="0"/>
+              </a:defRPr>
+            </a:lvl4pPr>
+            <a:lvl5pPr marL="2057400" indent="-228600" defTabSz="931863">
+              <a:spcBef>
+                <a:spcPct val="30000"/>
+              </a:spcBef>
+              <a:defRPr sz="1200">
+                <a:solidFill>
+                  <a:schemeClr val="tx1"/>
+                </a:solidFill>
+                <a:latin typeface="Times New Roman" panose="02020603050405020304" pitchFamily="18" charset="0"/>
+              </a:defRPr>
+            </a:lvl5pPr>
+            <a:lvl6pPr marL="2514600" indent="-228600" defTabSz="931863" eaLnBrk="0" fontAlgn="base" hangingPunct="0">
+              <a:spcBef>
+                <a:spcPct val="30000"/>
+              </a:spcBef>
+              <a:spcAft>
+                <a:spcPct val="0"/>
+              </a:spcAft>
+              <a:defRPr sz="1200">
+                <a:solidFill>
+                  <a:schemeClr val="tx1"/>
+                </a:solidFill>
+                <a:latin typeface="Times New Roman" panose="02020603050405020304" pitchFamily="18" charset="0"/>
+              </a:defRPr>
+            </a:lvl6pPr>
+            <a:lvl7pPr marL="2971800" indent="-228600" defTabSz="931863" eaLnBrk="0" fontAlgn="base" hangingPunct="0">
+              <a:spcBef>
+                <a:spcPct val="30000"/>
+              </a:spcBef>
+              <a:spcAft>
+                <a:spcPct val="0"/>
+              </a:spcAft>
+              <a:defRPr sz="1200">
+                <a:solidFill>
+                  <a:schemeClr val="tx1"/>
+                </a:solidFill>
+                <a:latin typeface="Times New Roman" panose="02020603050405020304" pitchFamily="18" charset="0"/>
+              </a:defRPr>
+            </a:lvl7pPr>
+            <a:lvl8pPr marL="3429000" indent="-228600" defTabSz="931863" eaLnBrk="0" fontAlgn="base" hangingPunct="0">
+              <a:spcBef>
+                <a:spcPct val="30000"/>
+              </a:spcBef>
+              <a:spcAft>
+                <a:spcPct val="0"/>
+              </a:spcAft>
+              <a:defRPr sz="1200">
+                <a:solidFill>
+                  <a:schemeClr val="tx1"/>
+                </a:solidFill>
+                <a:latin typeface="Times New Roman" panose="02020603050405020304" pitchFamily="18" charset="0"/>
+              </a:defRPr>
+            </a:lvl8pPr>
+            <a:lvl9pPr marL="3886200" indent="-228600" defTabSz="931863" eaLnBrk="0" fontAlgn="base" hangingPunct="0">
+              <a:spcBef>
+                <a:spcPct val="30000"/>
+              </a:spcBef>
+              <a:spcAft>
+                <a:spcPct val="0"/>
+              </a:spcAft>
+              <a:defRPr sz="1200">
+                <a:solidFill>
+                  <a:schemeClr val="tx1"/>
+                </a:solidFill>
+                <a:latin typeface="Times New Roman" panose="02020603050405020304" pitchFamily="18" charset="0"/>
+              </a:defRPr>
+            </a:lvl9pPr>
+          </a:lstStyle>
+          <a:p>
+            <a:pPr>
+              <a:spcBef>
+                <a:spcPct val="0"/>
+              </a:spcBef>
+            </a:pPr>
+            <a:fld id="{C9A1DF91-53C9-8D42-A514-924A6CBAA8E7}" type="slidenum">
+              <a:rPr lang="en-US" altLang="en-US"/>
+              <a:pPr>
+                <a:spcBef>
+                  <a:spcPct val="0"/>
+                </a:spcBef>
+              </a:pPr>
+              <a:t>38</a:t>
+            </a:fld>
+            <a:endParaRPr lang="en-US" altLang="en-US"/>
+          </a:p>
+        </p:txBody>
+      </p:sp>
+      <p:sp>
+        <p:nvSpPr>
+          <p:cNvPr id="27650" name="Rectangle 2">
+            <a:extLst>
+              <a:ext uri="{FF2B5EF4-FFF2-40B4-BE49-F238E27FC236}">
+                <a16:creationId xmlns:a16="http://schemas.microsoft.com/office/drawing/2014/main" id="{0DC09F20-A6DA-9E41-84E3-DA1AB21E1D4C}"/>
+              </a:ext>
+            </a:extLst>
+          </p:cNvPr>
+          <p:cNvSpPr>
+            <a:spLocks noGrp="1" noRot="1" noChangeAspect="1" noChangeArrowheads="1" noTextEdit="1"/>
+          </p:cNvSpPr>
+          <p:nvPr>
+            <p:ph type="sldImg"/>
+          </p:nvPr>
+        </p:nvSpPr>
+        <p:spPr>
+          <a:xfrm>
+            <a:off x="1196975" y="692150"/>
+            <a:ext cx="4618038" cy="3463925"/>
+          </a:xfrm>
+          <a:ln/>
+        </p:spPr>
+      </p:sp>
+      <p:sp>
+        <p:nvSpPr>
+          <p:cNvPr id="27651" name="Rectangle 3">
+            <a:extLst>
+              <a:ext uri="{FF2B5EF4-FFF2-40B4-BE49-F238E27FC236}">
+                <a16:creationId xmlns:a16="http://schemas.microsoft.com/office/drawing/2014/main" id="{9B7339D8-1609-D041-B45E-872028DD6304}"/>
+              </a:ext>
+            </a:extLst>
+          </p:cNvPr>
+          <p:cNvSpPr>
+            <a:spLocks noGrp="1" noChangeArrowheads="1"/>
+          </p:cNvSpPr>
+          <p:nvPr>
+            <p:ph type="body" idx="1"/>
+          </p:nvPr>
+        </p:nvSpPr>
+        <p:spPr>
+          <a:noFill/>
+          <a:ln/>
+          <a:extLst>
+            <a:ext uri="{909E8E84-426E-40DD-AFC4-6F175D3DCCD1}">
+              <a14:hiddenFill xmlns:a14="http://schemas.microsoft.com/office/drawing/2010/main">
+                <a:solidFill>
+                  <a:srgbClr val="FFFFFF"/>
+                </a:solidFill>
+              </a14:hiddenFill>
+            </a:ext>
+            <a:ext uri="{91240B29-F687-4F45-9708-019B960494DF}">
+              <a14:hiddenLine xmlns:a14="http://schemas.microsoft.com/office/drawing/2010/main" w="9525">
+                <a:solidFill>
+                  <a:srgbClr val="000000"/>
+                </a:solidFill>
+                <a:miter lim="800000"/>
+                <a:headEnd/>
+                <a:tailEnd/>
+              </a14:hiddenLine>
+            </a:ext>
+          </a:extLst>
+        </p:spPr>
+        <p:txBody>
+          <a:bodyPr/>
+          <a:lstStyle/>
+          <a:p>
+            <a:endParaRPr lang="en-US" altLang="en-US"/>
+          </a:p>
+        </p:txBody>
+      </p:sp>
+    </p:spTree>
+    <p:extLst>
+      <p:ext uri="{BB962C8B-B14F-4D97-AF65-F5344CB8AC3E}">
+        <p14:creationId xmlns:p14="http://schemas.microsoft.com/office/powerpoint/2010/main" val="3922966660"/>
+      </p:ext>
+    </p:extLst>
+  </p:cSld>
+  <p:clrMapOvr>
+    <a:masterClrMapping/>
+  </p:clrMapOvr>
+</p:notes>
 </file>
 
-<file path=ppt/ink/ink7.xml><?xml version="1.0" encoding="utf-8"?>
-<inkml:ink xmlns:inkml="http://www.w3.org/2003/InkML">
-  <inkml:definitions>
-    <inkml:context xml:id="ctx0">
-      <inkml:inkSource xml:id="inkSrc0">
-        <inkml:traceFormat>
-          <inkml:channel name="X" type="integer" min="-2.14748E9" max="2.14748E9" units="cm"/>
-          <inkml:channel name="Y" type="integer" min="-2.14748E9" max="2.14748E9" units="cm"/>
-          <inkml:channel name="F" type="integer" max="32767" units="dev"/>
-        </inkml:traceFormat>
-        <inkml:channelProperties>
-          <inkml:channelProperty channel="X" name="resolution" value="1000" units="1/cm"/>
-          <inkml:channelProperty channel="Y" name="resolution" value="1000" units="1/cm"/>
-          <inkml:channelProperty channel="F" name="resolution" value="0" units="1/dev"/>
-        </inkml:channelProperties>
-      </inkml:inkSource>
-      <inkml:timestamp xml:id="ts0" timeString="2021-02-10T01:05:14.361"/>
-    </inkml:context>
-    <inkml:brush xml:id="br0">
-      <inkml:brushProperty name="width" value="0.1" units="cm"/>
-      <inkml:brushProperty name="height" value="0.6" units="cm"/>
-      <inkml:brushProperty name="color" value="#849398"/>
-      <inkml:brushProperty name="inkEffects" value="pencil"/>
-    </inkml:brush>
-  </inkml:definitions>
-  <inkml:trace contextRef="#ctx0" brushRef="#br0">1 118 16383,'80'-6'0,"-2"-2"0,-20 0 0,3 0 0,-7 2 0,1 0 0,17-5 0,3-1 0,-3 4 0,0 1 0,-1-3 0,-4 1 0,32-2 0,-57 6 0,-23 3 0</inkml:trace>
-</inkml:ink>
+<file path=ppt/notesSlides/notesSlide2.xml><?xml version="1.0" encoding="utf-8"?>
+<p:notes xmlns:a="http://schemas.openxmlformats.org/drawingml/2006/main" xmlns:r="http://schemas.openxmlformats.org/officeDocument/2006/relationships" xmlns:p="http://schemas.openxmlformats.org/presentationml/2006/main">
+  <p:cSld>
+    <p:spTree>
+      <p:nvGrpSpPr>
+        <p:cNvPr id="1" name=""/>
+        <p:cNvGrpSpPr/>
+        <p:nvPr/>
+      </p:nvGrpSpPr>
+      <p:grpSpPr>
+        <a:xfrm>
+          <a:off x="0" y="0"/>
+          <a:ext cx="0" cy="0"/>
+          <a:chOff x="0" y="0"/>
+          <a:chExt cx="0" cy="0"/>
+        </a:xfrm>
+      </p:grpSpPr>
+      <p:sp>
+        <p:nvSpPr>
+          <p:cNvPr id="21505" name="Rectangle 7">
+            <a:extLst>
+              <a:ext uri="{FF2B5EF4-FFF2-40B4-BE49-F238E27FC236}">
+                <a16:creationId xmlns:a16="http://schemas.microsoft.com/office/drawing/2014/main" id="{76E6A6DB-CE0B-8A46-AE39-643D7D7F3EFD}"/>
+              </a:ext>
+            </a:extLst>
+          </p:cNvPr>
+          <p:cNvSpPr>
+            <a:spLocks noGrp="1" noChangeArrowheads="1"/>
+          </p:cNvSpPr>
+          <p:nvPr>
+            <p:ph type="sldNum" sz="quarter" idx="5"/>
+          </p:nvPr>
+        </p:nvSpPr>
+        <p:spPr>
+          <a:noFill/>
+          <a:ln/>
+          <a:extLst>
+            <a:ext uri="{909E8E84-426E-40DD-AFC4-6F175D3DCCD1}">
+              <a14:hiddenFill xmlns:a14="http://schemas.microsoft.com/office/drawing/2010/main">
+                <a:solidFill>
+                  <a:srgbClr val="FFFFFF"/>
+                </a:solidFill>
+              </a14:hiddenFill>
+            </a:ext>
+            <a:ext uri="{91240B29-F687-4F45-9708-019B960494DF}">
+              <a14:hiddenLine xmlns:a14="http://schemas.microsoft.com/office/drawing/2010/main" w="9525">
+                <a:solidFill>
+                  <a:srgbClr val="000000"/>
+                </a:solidFill>
+                <a:miter lim="800000"/>
+                <a:headEnd/>
+                <a:tailEnd/>
+              </a14:hiddenLine>
+            </a:ext>
+          </a:extLst>
+        </p:spPr>
+        <p:txBody>
+          <a:bodyPr/>
+          <a:lstStyle>
+            <a:lvl1pPr defTabSz="931863">
+              <a:spcBef>
+                <a:spcPct val="30000"/>
+              </a:spcBef>
+              <a:defRPr sz="1200">
+                <a:solidFill>
+                  <a:schemeClr val="tx1"/>
+                </a:solidFill>
+                <a:latin typeface="Times New Roman" panose="02020603050405020304" pitchFamily="18" charset="0"/>
+              </a:defRPr>
+            </a:lvl1pPr>
+            <a:lvl2pPr marL="742950" indent="-285750" defTabSz="931863">
+              <a:spcBef>
+                <a:spcPct val="30000"/>
+              </a:spcBef>
+              <a:defRPr sz="1200">
+                <a:solidFill>
+                  <a:schemeClr val="tx1"/>
+                </a:solidFill>
+                <a:latin typeface="Times New Roman" panose="02020603050405020304" pitchFamily="18" charset="0"/>
+              </a:defRPr>
+            </a:lvl2pPr>
+            <a:lvl3pPr marL="1143000" indent="-228600" defTabSz="931863">
+              <a:spcBef>
+                <a:spcPct val="30000"/>
+              </a:spcBef>
+              <a:defRPr sz="1200">
+                <a:solidFill>
+                  <a:schemeClr val="tx1"/>
+                </a:solidFill>
+                <a:latin typeface="Times New Roman" panose="02020603050405020304" pitchFamily="18" charset="0"/>
+              </a:defRPr>
+            </a:lvl3pPr>
+            <a:lvl4pPr marL="1600200" indent="-228600" defTabSz="931863">
+              <a:spcBef>
+                <a:spcPct val="30000"/>
+              </a:spcBef>
+              <a:defRPr sz="1200">
+                <a:solidFill>
+                  <a:schemeClr val="tx1"/>
+                </a:solidFill>
+                <a:latin typeface="Times New Roman" panose="02020603050405020304" pitchFamily="18" charset="0"/>
+              </a:defRPr>
+            </a:lvl4pPr>
+            <a:lvl5pPr marL="2057400" indent="-228600" defTabSz="931863">
+              <a:spcBef>
+                <a:spcPct val="30000"/>
+              </a:spcBef>
+              <a:defRPr sz="1200">
+                <a:solidFill>
+                  <a:schemeClr val="tx1"/>
+                </a:solidFill>
+                <a:latin typeface="Times New Roman" panose="02020603050405020304" pitchFamily="18" charset="0"/>
+              </a:defRPr>
+            </a:lvl5pPr>
+            <a:lvl6pPr marL="2514600" indent="-228600" defTabSz="931863" eaLnBrk="0" fontAlgn="base" hangingPunct="0">
+              <a:spcBef>
+                <a:spcPct val="30000"/>
+              </a:spcBef>
+              <a:spcAft>
+                <a:spcPct val="0"/>
+              </a:spcAft>
+              <a:defRPr sz="1200">
+                <a:solidFill>
+                  <a:schemeClr val="tx1"/>
+                </a:solidFill>
+                <a:latin typeface="Times New Roman" panose="02020603050405020304" pitchFamily="18" charset="0"/>
+              </a:defRPr>
+            </a:lvl6pPr>
+            <a:lvl7pPr marL="2971800" indent="-228600" defTabSz="931863" eaLnBrk="0" fontAlgn="base" hangingPunct="0">
+              <a:spcBef>
+                <a:spcPct val="30000"/>
+              </a:spcBef>
+              <a:spcAft>
+                <a:spcPct val="0"/>
+              </a:spcAft>
+              <a:defRPr sz="1200">
+                <a:solidFill>
+                  <a:schemeClr val="tx1"/>
+                </a:solidFill>
+                <a:latin typeface="Times New Roman" panose="02020603050405020304" pitchFamily="18" charset="0"/>
+              </a:defRPr>
+            </a:lvl7pPr>
+            <a:lvl8pPr marL="3429000" indent="-228600" defTabSz="931863" eaLnBrk="0" fontAlgn="base" hangingPunct="0">
+              <a:spcBef>
+                <a:spcPct val="30000"/>
+              </a:spcBef>
+              <a:spcAft>
+                <a:spcPct val="0"/>
+              </a:spcAft>
+              <a:defRPr sz="1200">
+                <a:solidFill>
+                  <a:schemeClr val="tx1"/>
+                </a:solidFill>
+                <a:latin typeface="Times New Roman" panose="02020603050405020304" pitchFamily="18" charset="0"/>
+              </a:defRPr>
+            </a:lvl8pPr>
+            <a:lvl9pPr marL="3886200" indent="-228600" defTabSz="931863" eaLnBrk="0" fontAlgn="base" hangingPunct="0">
+              <a:spcBef>
+                <a:spcPct val="30000"/>
+              </a:spcBef>
+              <a:spcAft>
+                <a:spcPct val="0"/>
+              </a:spcAft>
+              <a:defRPr sz="1200">
+                <a:solidFill>
+                  <a:schemeClr val="tx1"/>
+                </a:solidFill>
+                <a:latin typeface="Times New Roman" panose="02020603050405020304" pitchFamily="18" charset="0"/>
+              </a:defRPr>
+            </a:lvl9pPr>
+          </a:lstStyle>
+          <a:p>
+            <a:pPr>
+              <a:spcBef>
+                <a:spcPct val="0"/>
+              </a:spcBef>
+            </a:pPr>
+            <a:fld id="{EA99ECD3-C39A-E44E-89D0-3E712575CAE3}" type="slidenum">
+              <a:rPr lang="en-US" altLang="en-US"/>
+              <a:pPr>
+                <a:spcBef>
+                  <a:spcPct val="0"/>
+                </a:spcBef>
+              </a:pPr>
+              <a:t>30</a:t>
+            </a:fld>
+            <a:endParaRPr lang="en-US" altLang="en-US"/>
+          </a:p>
+        </p:txBody>
+      </p:sp>
+      <p:sp>
+        <p:nvSpPr>
+          <p:cNvPr id="21506" name="Rectangle 2">
+            <a:extLst>
+              <a:ext uri="{FF2B5EF4-FFF2-40B4-BE49-F238E27FC236}">
+                <a16:creationId xmlns:a16="http://schemas.microsoft.com/office/drawing/2014/main" id="{E21902D4-5A5A-9542-84C0-86B6C645A68E}"/>
+              </a:ext>
+            </a:extLst>
+          </p:cNvPr>
+          <p:cNvSpPr>
+            <a:spLocks noGrp="1" noRot="1" noChangeAspect="1" noChangeArrowheads="1" noTextEdit="1"/>
+          </p:cNvSpPr>
+          <p:nvPr>
+            <p:ph type="sldImg"/>
+          </p:nvPr>
+        </p:nvSpPr>
+        <p:spPr>
+          <a:xfrm>
+            <a:off x="1196975" y="692150"/>
+            <a:ext cx="4618038" cy="3463925"/>
+          </a:xfrm>
+          <a:ln/>
+        </p:spPr>
+      </p:sp>
+      <p:sp>
+        <p:nvSpPr>
+          <p:cNvPr id="21507" name="Rectangle 3">
+            <a:extLst>
+              <a:ext uri="{FF2B5EF4-FFF2-40B4-BE49-F238E27FC236}">
+                <a16:creationId xmlns:a16="http://schemas.microsoft.com/office/drawing/2014/main" id="{0ED6037B-5BDF-7445-8B23-DECA5136A242}"/>
+              </a:ext>
+            </a:extLst>
+          </p:cNvPr>
+          <p:cNvSpPr>
+            <a:spLocks noGrp="1" noChangeArrowheads="1"/>
+          </p:cNvSpPr>
+          <p:nvPr>
+            <p:ph type="body" idx="1"/>
+          </p:nvPr>
+        </p:nvSpPr>
+        <p:spPr>
+          <a:noFill/>
+          <a:ln/>
+          <a:extLst>
+            <a:ext uri="{909E8E84-426E-40DD-AFC4-6F175D3DCCD1}">
+              <a14:hiddenFill xmlns:a14="http://schemas.microsoft.com/office/drawing/2010/main">
+                <a:solidFill>
+                  <a:srgbClr val="FFFFFF"/>
+                </a:solidFill>
+              </a14:hiddenFill>
+            </a:ext>
+            <a:ext uri="{91240B29-F687-4F45-9708-019B960494DF}">
+              <a14:hiddenLine xmlns:a14="http://schemas.microsoft.com/office/drawing/2010/main" w="9525">
+                <a:solidFill>
+                  <a:srgbClr val="000000"/>
+                </a:solidFill>
+                <a:miter lim="800000"/>
+                <a:headEnd/>
+                <a:tailEnd/>
+              </a14:hiddenLine>
+            </a:ext>
+          </a:extLst>
+        </p:spPr>
+        <p:txBody>
+          <a:bodyPr lIns="93488" tIns="46744" rIns="93488" bIns="46744"/>
+          <a:lstStyle/>
+          <a:p>
+            <a:endParaRPr lang="en-US" altLang="en-US"/>
+          </a:p>
+        </p:txBody>
+      </p:sp>
+    </p:spTree>
+  </p:cSld>
+  <p:clrMapOvr>
+    <a:masterClrMapping/>
+  </p:clrMapOvr>
+</p:notes>
 </file>
 
-<file path=ppt/ink/ink8.xml><?xml version="1.0" encoding="utf-8"?>
-<inkml:ink xmlns:inkml="http://www.w3.org/2003/InkML">
-  <inkml:definitions>
-    <inkml:context xml:id="ctx0">
-      <inkml:inkSource xml:id="inkSrc0">
-        <inkml:traceFormat>
-          <inkml:channel name="X" type="integer" min="-2.14748E9" max="2.14748E9" units="cm"/>
-          <inkml:channel name="Y" type="integer" min="-2.14748E9" max="2.14748E9" units="cm"/>
-          <inkml:channel name="F" type="integer" max="32767" units="dev"/>
-        </inkml:traceFormat>
-        <inkml:channelProperties>
-          <inkml:channelProperty channel="X" name="resolution" value="1000" units="1/cm"/>
-          <inkml:channelProperty channel="Y" name="resolution" value="1000" units="1/cm"/>
-          <inkml:channelProperty channel="F" name="resolution" value="0" units="1/dev"/>
-        </inkml:channelProperties>
-      </inkml:inkSource>
-      <inkml:timestamp xml:id="ts0" timeString="2021-02-10T01:05:14.952"/>
-    </inkml:context>
-    <inkml:brush xml:id="br0">
-      <inkml:brushProperty name="width" value="0.1" units="cm"/>
-      <inkml:brushProperty name="height" value="0.6" units="cm"/>
-      <inkml:brushProperty name="color" value="#849398"/>
-      <inkml:brushProperty name="inkEffects" value="pencil"/>
-    </inkml:brush>
-  </inkml:definitions>
-  <inkml:trace contextRef="#ctx0" brushRef="#br0">73 0 16383,'-14'32'0,"-6"28"0,4 4 0,0 23 0,11 1 0,3-16 0,2-13 0,0-24 0,0-23 0,0-4 0,0-2 0,0-2 0,0 0 0,0-2 0</inkml:trace>
-</inkml:ink>
+<file path=ppt/notesSlides/notesSlide3.xml><?xml version="1.0" encoding="utf-8"?>
+<p:notes xmlns:a="http://schemas.openxmlformats.org/drawingml/2006/main" xmlns:r="http://schemas.openxmlformats.org/officeDocument/2006/relationships" xmlns:p="http://schemas.openxmlformats.org/presentationml/2006/main">
+  <p:cSld>
+    <p:spTree>
+      <p:nvGrpSpPr>
+        <p:cNvPr id="1" name=""/>
+        <p:cNvGrpSpPr/>
+        <p:nvPr/>
+      </p:nvGrpSpPr>
+      <p:grpSpPr>
+        <a:xfrm>
+          <a:off x="0" y="0"/>
+          <a:ext cx="0" cy="0"/>
+          <a:chOff x="0" y="0"/>
+          <a:chExt cx="0" cy="0"/>
+        </a:xfrm>
+      </p:grpSpPr>
+      <p:sp>
+        <p:nvSpPr>
+          <p:cNvPr id="23553" name="Rectangle 7">
+            <a:extLst>
+              <a:ext uri="{FF2B5EF4-FFF2-40B4-BE49-F238E27FC236}">
+                <a16:creationId xmlns:a16="http://schemas.microsoft.com/office/drawing/2014/main" id="{5F409CCD-C4D9-454E-ACCE-5DF478044C36}"/>
+              </a:ext>
+            </a:extLst>
+          </p:cNvPr>
+          <p:cNvSpPr>
+            <a:spLocks noGrp="1" noChangeArrowheads="1"/>
+          </p:cNvSpPr>
+          <p:nvPr>
+            <p:ph type="sldNum" sz="quarter" idx="5"/>
+          </p:nvPr>
+        </p:nvSpPr>
+        <p:spPr>
+          <a:noFill/>
+          <a:ln/>
+          <a:extLst>
+            <a:ext uri="{909E8E84-426E-40DD-AFC4-6F175D3DCCD1}">
+              <a14:hiddenFill xmlns:a14="http://schemas.microsoft.com/office/drawing/2010/main">
+                <a:solidFill>
+                  <a:srgbClr val="FFFFFF"/>
+                </a:solidFill>
+              </a14:hiddenFill>
+            </a:ext>
+            <a:ext uri="{91240B29-F687-4F45-9708-019B960494DF}">
+              <a14:hiddenLine xmlns:a14="http://schemas.microsoft.com/office/drawing/2010/main" w="9525">
+                <a:solidFill>
+                  <a:srgbClr val="000000"/>
+                </a:solidFill>
+                <a:miter lim="800000"/>
+                <a:headEnd/>
+                <a:tailEnd/>
+              </a14:hiddenLine>
+            </a:ext>
+          </a:extLst>
+        </p:spPr>
+        <p:txBody>
+          <a:bodyPr/>
+          <a:lstStyle>
+            <a:lvl1pPr defTabSz="931863">
+              <a:spcBef>
+                <a:spcPct val="30000"/>
+              </a:spcBef>
+              <a:defRPr sz="1200">
+                <a:solidFill>
+                  <a:schemeClr val="tx1"/>
+                </a:solidFill>
+                <a:latin typeface="Times New Roman" panose="02020603050405020304" pitchFamily="18" charset="0"/>
+              </a:defRPr>
+            </a:lvl1pPr>
+            <a:lvl2pPr marL="742950" indent="-285750" defTabSz="931863">
+              <a:spcBef>
+                <a:spcPct val="30000"/>
+              </a:spcBef>
+              <a:defRPr sz="1200">
+                <a:solidFill>
+                  <a:schemeClr val="tx1"/>
+                </a:solidFill>
+                <a:latin typeface="Times New Roman" panose="02020603050405020304" pitchFamily="18" charset="0"/>
+              </a:defRPr>
+            </a:lvl2pPr>
+            <a:lvl3pPr marL="1143000" indent="-228600" defTabSz="931863">
+              <a:spcBef>
+                <a:spcPct val="30000"/>
+              </a:spcBef>
+              <a:defRPr sz="1200">
+                <a:solidFill>
+                  <a:schemeClr val="tx1"/>
+                </a:solidFill>
+                <a:latin typeface="Times New Roman" panose="02020603050405020304" pitchFamily="18" charset="0"/>
+              </a:defRPr>
+            </a:lvl3pPr>
+            <a:lvl4pPr marL="1600200" indent="-228600" defTabSz="931863">
+              <a:spcBef>
+                <a:spcPct val="30000"/>
+              </a:spcBef>
+              <a:defRPr sz="1200">
+                <a:solidFill>
+                  <a:schemeClr val="tx1"/>
+                </a:solidFill>
+                <a:latin typeface="Times New Roman" panose="02020603050405020304" pitchFamily="18" charset="0"/>
+              </a:defRPr>
+            </a:lvl4pPr>
+            <a:lvl5pPr marL="2057400" indent="-228600" defTabSz="931863">
+              <a:spcBef>
+                <a:spcPct val="30000"/>
+              </a:spcBef>
+              <a:defRPr sz="1200">
+                <a:solidFill>
+                  <a:schemeClr val="tx1"/>
+                </a:solidFill>
+                <a:latin typeface="Times New Roman" panose="02020603050405020304" pitchFamily="18" charset="0"/>
+              </a:defRPr>
+            </a:lvl5pPr>
+            <a:lvl6pPr marL="2514600" indent="-228600" defTabSz="931863" eaLnBrk="0" fontAlgn="base" hangingPunct="0">
+              <a:spcBef>
+                <a:spcPct val="30000"/>
+              </a:spcBef>
+              <a:spcAft>
+                <a:spcPct val="0"/>
+              </a:spcAft>
+              <a:defRPr sz="1200">
+                <a:solidFill>
+                  <a:schemeClr val="tx1"/>
+                </a:solidFill>
+                <a:latin typeface="Times New Roman" panose="02020603050405020304" pitchFamily="18" charset="0"/>
+              </a:defRPr>
+            </a:lvl6pPr>
+            <a:lvl7pPr marL="2971800" indent="-228600" defTabSz="931863" eaLnBrk="0" fontAlgn="base" hangingPunct="0">
+              <a:spcBef>
+                <a:spcPct val="30000"/>
+              </a:spcBef>
+              <a:spcAft>
+                <a:spcPct val="0"/>
+              </a:spcAft>
+              <a:defRPr sz="1200">
+                <a:solidFill>
+                  <a:schemeClr val="tx1"/>
+                </a:solidFill>
+                <a:latin typeface="Times New Roman" panose="02020603050405020304" pitchFamily="18" charset="0"/>
+              </a:defRPr>
+            </a:lvl7pPr>
+            <a:lvl8pPr marL="3429000" indent="-228600" defTabSz="931863" eaLnBrk="0" fontAlgn="base" hangingPunct="0">
+              <a:spcBef>
+                <a:spcPct val="30000"/>
+              </a:spcBef>
+              <a:spcAft>
+                <a:spcPct val="0"/>
+              </a:spcAft>
+              <a:defRPr sz="1200">
+                <a:solidFill>
+                  <a:schemeClr val="tx1"/>
+                </a:solidFill>
+                <a:latin typeface="Times New Roman" panose="02020603050405020304" pitchFamily="18" charset="0"/>
+              </a:defRPr>
+            </a:lvl8pPr>
+            <a:lvl9pPr marL="3886200" indent="-228600" defTabSz="931863" eaLnBrk="0" fontAlgn="base" hangingPunct="0">
+              <a:spcBef>
+                <a:spcPct val="30000"/>
+              </a:spcBef>
+              <a:spcAft>
+                <a:spcPct val="0"/>
+              </a:spcAft>
+              <a:defRPr sz="1200">
+                <a:solidFill>
+                  <a:schemeClr val="tx1"/>
+                </a:solidFill>
+                <a:latin typeface="Times New Roman" panose="02020603050405020304" pitchFamily="18" charset="0"/>
+              </a:defRPr>
+            </a:lvl9pPr>
+          </a:lstStyle>
+          <a:p>
+            <a:pPr>
+              <a:spcBef>
+                <a:spcPct val="0"/>
+              </a:spcBef>
+            </a:pPr>
+            <a:fld id="{3F4A201B-9852-0740-A608-283A9E844C64}" type="slidenum">
+              <a:rPr lang="en-US" altLang="en-US"/>
+              <a:pPr>
+                <a:spcBef>
+                  <a:spcPct val="0"/>
+                </a:spcBef>
+              </a:pPr>
+              <a:t>31</a:t>
+            </a:fld>
+            <a:endParaRPr lang="en-US" altLang="en-US"/>
+          </a:p>
+        </p:txBody>
+      </p:sp>
+      <p:sp>
+        <p:nvSpPr>
+          <p:cNvPr id="23554" name="Rectangle 2">
+            <a:extLst>
+              <a:ext uri="{FF2B5EF4-FFF2-40B4-BE49-F238E27FC236}">
+                <a16:creationId xmlns:a16="http://schemas.microsoft.com/office/drawing/2014/main" id="{DA3A13D1-593F-2C43-A4DF-D41E6B926ED1}"/>
+              </a:ext>
+            </a:extLst>
+          </p:cNvPr>
+          <p:cNvSpPr>
+            <a:spLocks noGrp="1" noRot="1" noChangeAspect="1" noChangeArrowheads="1" noTextEdit="1"/>
+          </p:cNvSpPr>
+          <p:nvPr>
+            <p:ph type="sldImg"/>
+          </p:nvPr>
+        </p:nvSpPr>
+        <p:spPr>
+          <a:xfrm>
+            <a:off x="1196975" y="692150"/>
+            <a:ext cx="4618038" cy="3463925"/>
+          </a:xfrm>
+          <a:ln/>
+        </p:spPr>
+      </p:sp>
+      <p:sp>
+        <p:nvSpPr>
+          <p:cNvPr id="23555" name="Rectangle 3">
+            <a:extLst>
+              <a:ext uri="{FF2B5EF4-FFF2-40B4-BE49-F238E27FC236}">
+                <a16:creationId xmlns:a16="http://schemas.microsoft.com/office/drawing/2014/main" id="{B314CDC7-1AB1-0A48-BDF0-A04718601796}"/>
+              </a:ext>
+            </a:extLst>
+          </p:cNvPr>
+          <p:cNvSpPr>
+            <a:spLocks noGrp="1" noChangeArrowheads="1"/>
+          </p:cNvSpPr>
+          <p:nvPr>
+            <p:ph type="body" idx="1"/>
+          </p:nvPr>
+        </p:nvSpPr>
+        <p:spPr>
+          <a:noFill/>
+          <a:ln/>
+          <a:extLst>
+            <a:ext uri="{909E8E84-426E-40DD-AFC4-6F175D3DCCD1}">
+              <a14:hiddenFill xmlns:a14="http://schemas.microsoft.com/office/drawing/2010/main">
+                <a:solidFill>
+                  <a:srgbClr val="FFFFFF"/>
+                </a:solidFill>
+              </a14:hiddenFill>
+            </a:ext>
+            <a:ext uri="{91240B29-F687-4F45-9708-019B960494DF}">
+              <a14:hiddenLine xmlns:a14="http://schemas.microsoft.com/office/drawing/2010/main" w="9525">
+                <a:solidFill>
+                  <a:srgbClr val="000000"/>
+                </a:solidFill>
+                <a:miter lim="800000"/>
+                <a:headEnd/>
+                <a:tailEnd/>
+              </a14:hiddenLine>
+            </a:ext>
+          </a:extLst>
+        </p:spPr>
+        <p:txBody>
+          <a:bodyPr/>
+          <a:lstStyle/>
+          <a:p>
+            <a:endParaRPr lang="en-US" altLang="en-US"/>
+          </a:p>
+        </p:txBody>
+      </p:sp>
+    </p:spTree>
+  </p:cSld>
+  <p:clrMapOvr>
+    <a:masterClrMapping/>
+  </p:clrMapOvr>
+</p:notes>
 </file>
 
-<file path=ppt/ink/ink9.xml><?xml version="1.0" encoding="utf-8"?>
-<inkml:ink xmlns:inkml="http://www.w3.org/2003/InkML">
-  <inkml:definitions>
-    <inkml:context xml:id="ctx0">
-      <inkml:inkSource xml:id="inkSrc0">
-        <inkml:traceFormat>
-          <inkml:channel name="X" type="integer" min="-2.14748E9" max="2.14748E9" units="cm"/>
-          <inkml:channel name="Y" type="integer" min="-2.14748E9" max="2.14748E9" units="cm"/>
-          <inkml:channel name="F" type="integer" max="32767" units="dev"/>
-        </inkml:traceFormat>
-        <inkml:channelProperties>
-          <inkml:channelProperty channel="X" name="resolution" value="1000" units="1/cm"/>
-          <inkml:channelProperty channel="Y" name="resolution" value="1000" units="1/cm"/>
-          <inkml:channelProperty channel="F" name="resolution" value="0" units="1/dev"/>
-        </inkml:channelProperties>
-      </inkml:inkSource>
-      <inkml:timestamp xml:id="ts0" timeString="2021-02-10T01:05:15.819"/>
-    </inkml:context>
-    <inkml:brush xml:id="br0">
-      <inkml:brushProperty name="width" value="0.1" units="cm"/>
-      <inkml:brushProperty name="height" value="0.6" units="cm"/>
-      <inkml:brushProperty name="color" value="#849398"/>
-      <inkml:brushProperty name="inkEffects" value="pencil"/>
-    </inkml:brush>
-  </inkml:definitions>
-  <inkml:trace contextRef="#ctx0" brushRef="#br0">0 150 16383,'0'17'0,"0"4"0,0 0 0,0 6 0,0-4 0,0 7 0,0-16 0,0 0 0,2-19 0,1-9 0,4-3 0,7-21 0,6 0 0,9-15 0,2 2 0,4 5 0,-14 17 0,7 7 0,-21 20 0,3 0 0,-10 3 0,-1-1 0</inkml:trace>
-</inkml:ink>
+<file path=ppt/notesSlides/notesSlide4.xml><?xml version="1.0" encoding="utf-8"?>
+<p:notes xmlns:a="http://schemas.openxmlformats.org/drawingml/2006/main" xmlns:r="http://schemas.openxmlformats.org/officeDocument/2006/relationships" xmlns:p="http://schemas.openxmlformats.org/presentationml/2006/main">
+  <p:cSld>
+    <p:spTree>
+      <p:nvGrpSpPr>
+        <p:cNvPr id="1" name=""/>
+        <p:cNvGrpSpPr/>
+        <p:nvPr/>
+      </p:nvGrpSpPr>
+      <p:grpSpPr>
+        <a:xfrm>
+          <a:off x="0" y="0"/>
+          <a:ext cx="0" cy="0"/>
+          <a:chOff x="0" y="0"/>
+          <a:chExt cx="0" cy="0"/>
+        </a:xfrm>
+      </p:grpSpPr>
+      <p:sp>
+        <p:nvSpPr>
+          <p:cNvPr id="25601" name="Rectangle 7">
+            <a:extLst>
+              <a:ext uri="{FF2B5EF4-FFF2-40B4-BE49-F238E27FC236}">
+                <a16:creationId xmlns:a16="http://schemas.microsoft.com/office/drawing/2014/main" id="{CDFA3794-CC85-1641-9C2D-D2A7CE77F347}"/>
+              </a:ext>
+            </a:extLst>
+          </p:cNvPr>
+          <p:cNvSpPr txBox="1">
+            <a:spLocks noGrp="1" noChangeArrowheads="1"/>
+          </p:cNvSpPr>
+          <p:nvPr/>
+        </p:nvSpPr>
+        <p:spPr bwMode="auto">
+          <a:xfrm>
+            <a:off x="3971925" y="8774113"/>
+            <a:ext cx="3038475" cy="461962"/>
+          </a:xfrm>
+          <a:prstGeom prst="rect">
+            <a:avLst/>
+          </a:prstGeom>
+          <a:noFill/>
+          <a:ln>
+            <a:noFill/>
+          </a:ln>
+          <a:extLst>
+            <a:ext uri="{909E8E84-426E-40DD-AFC4-6F175D3DCCD1}">
+              <a14:hiddenFill xmlns:a14="http://schemas.microsoft.com/office/drawing/2010/main">
+                <a:solidFill>
+                  <a:srgbClr val="FFFFFF"/>
+                </a:solidFill>
+              </a14:hiddenFill>
+            </a:ext>
+            <a:ext uri="{91240B29-F687-4F45-9708-019B960494DF}">
+              <a14:hiddenLine xmlns:a14="http://schemas.microsoft.com/office/drawing/2010/main" w="9525">
+                <a:solidFill>
+                  <a:srgbClr val="000000"/>
+                </a:solidFill>
+                <a:miter lim="800000"/>
+                <a:headEnd/>
+                <a:tailEnd/>
+              </a14:hiddenLine>
+            </a:ext>
+          </a:extLst>
+        </p:spPr>
+        <p:txBody>
+          <a:bodyPr lIns="93170" tIns="46586" rIns="93170" bIns="46586" anchor="b"/>
+          <a:lstStyle>
+            <a:lvl1pPr defTabSz="931863">
+              <a:spcBef>
+                <a:spcPct val="30000"/>
+              </a:spcBef>
+              <a:defRPr sz="1200">
+                <a:solidFill>
+                  <a:schemeClr val="tx1"/>
+                </a:solidFill>
+                <a:latin typeface="Times New Roman" panose="02020603050405020304" pitchFamily="18" charset="0"/>
+              </a:defRPr>
+            </a:lvl1pPr>
+            <a:lvl2pPr marL="742950" indent="-285750" defTabSz="931863">
+              <a:spcBef>
+                <a:spcPct val="30000"/>
+              </a:spcBef>
+              <a:defRPr sz="1200">
+                <a:solidFill>
+                  <a:schemeClr val="tx1"/>
+                </a:solidFill>
+                <a:latin typeface="Times New Roman" panose="02020603050405020304" pitchFamily="18" charset="0"/>
+              </a:defRPr>
+            </a:lvl2pPr>
+            <a:lvl3pPr marL="1143000" indent="-228600" defTabSz="931863">
+              <a:spcBef>
+                <a:spcPct val="30000"/>
+              </a:spcBef>
+              <a:defRPr sz="1200">
+                <a:solidFill>
+                  <a:schemeClr val="tx1"/>
+                </a:solidFill>
+                <a:latin typeface="Times New Roman" panose="02020603050405020304" pitchFamily="18" charset="0"/>
+              </a:defRPr>
+            </a:lvl3pPr>
+            <a:lvl4pPr marL="1600200" indent="-228600" defTabSz="931863">
+              <a:spcBef>
+                <a:spcPct val="30000"/>
+              </a:spcBef>
+              <a:defRPr sz="1200">
+                <a:solidFill>
+                  <a:schemeClr val="tx1"/>
+                </a:solidFill>
+                <a:latin typeface="Times New Roman" panose="02020603050405020304" pitchFamily="18" charset="0"/>
+              </a:defRPr>
+            </a:lvl4pPr>
+            <a:lvl5pPr marL="2057400" indent="-228600" defTabSz="931863">
+              <a:spcBef>
+                <a:spcPct val="30000"/>
+              </a:spcBef>
+              <a:defRPr sz="1200">
+                <a:solidFill>
+                  <a:schemeClr val="tx1"/>
+                </a:solidFill>
+                <a:latin typeface="Times New Roman" panose="02020603050405020304" pitchFamily="18" charset="0"/>
+              </a:defRPr>
+            </a:lvl5pPr>
+            <a:lvl6pPr marL="2514600" indent="-228600" defTabSz="931863" eaLnBrk="0" fontAlgn="base" hangingPunct="0">
+              <a:spcBef>
+                <a:spcPct val="30000"/>
+              </a:spcBef>
+              <a:spcAft>
+                <a:spcPct val="0"/>
+              </a:spcAft>
+              <a:defRPr sz="1200">
+                <a:solidFill>
+                  <a:schemeClr val="tx1"/>
+                </a:solidFill>
+                <a:latin typeface="Times New Roman" panose="02020603050405020304" pitchFamily="18" charset="0"/>
+              </a:defRPr>
+            </a:lvl6pPr>
+            <a:lvl7pPr marL="2971800" indent="-228600" defTabSz="931863" eaLnBrk="0" fontAlgn="base" hangingPunct="0">
+              <a:spcBef>
+                <a:spcPct val="30000"/>
+              </a:spcBef>
+              <a:spcAft>
+                <a:spcPct val="0"/>
+              </a:spcAft>
+              <a:defRPr sz="1200">
+                <a:solidFill>
+                  <a:schemeClr val="tx1"/>
+                </a:solidFill>
+                <a:latin typeface="Times New Roman" panose="02020603050405020304" pitchFamily="18" charset="0"/>
+              </a:defRPr>
+            </a:lvl7pPr>
+            <a:lvl8pPr marL="3429000" indent="-228600" defTabSz="931863" eaLnBrk="0" fontAlgn="base" hangingPunct="0">
+              <a:spcBef>
+                <a:spcPct val="30000"/>
+              </a:spcBef>
+              <a:spcAft>
+                <a:spcPct val="0"/>
+              </a:spcAft>
+              <a:defRPr sz="1200">
+                <a:solidFill>
+                  <a:schemeClr val="tx1"/>
+                </a:solidFill>
+                <a:latin typeface="Times New Roman" panose="02020603050405020304" pitchFamily="18" charset="0"/>
+              </a:defRPr>
+            </a:lvl8pPr>
+            <a:lvl9pPr marL="3886200" indent="-228600" defTabSz="931863" eaLnBrk="0" fontAlgn="base" hangingPunct="0">
+              <a:spcBef>
+                <a:spcPct val="30000"/>
+              </a:spcBef>
+              <a:spcAft>
+                <a:spcPct val="0"/>
+              </a:spcAft>
+              <a:defRPr sz="1200">
+                <a:solidFill>
+                  <a:schemeClr val="tx1"/>
+                </a:solidFill>
+                <a:latin typeface="Times New Roman" panose="02020603050405020304" pitchFamily="18" charset="0"/>
+              </a:defRPr>
+            </a:lvl9pPr>
+          </a:lstStyle>
+          <a:p>
+            <a:pPr algn="r">
+              <a:spcBef>
+                <a:spcPct val="0"/>
+              </a:spcBef>
+            </a:pPr>
+            <a:fld id="{83E69F99-4637-6543-B558-D64D9E5B7506}" type="slidenum">
+              <a:rPr lang="en-US" altLang="en-US"/>
+              <a:pPr algn="r">
+                <a:spcBef>
+                  <a:spcPct val="0"/>
+                </a:spcBef>
+              </a:pPr>
+              <a:t>32</a:t>
+            </a:fld>
+            <a:endParaRPr lang="en-US" altLang="en-US"/>
+          </a:p>
+        </p:txBody>
+      </p:sp>
+      <p:sp>
+        <p:nvSpPr>
+          <p:cNvPr id="25602" name="Rectangle 2">
+            <a:extLst>
+              <a:ext uri="{FF2B5EF4-FFF2-40B4-BE49-F238E27FC236}">
+                <a16:creationId xmlns:a16="http://schemas.microsoft.com/office/drawing/2014/main" id="{48B46A3B-846F-D741-AEEA-1C7E593C7AF6}"/>
+              </a:ext>
+            </a:extLst>
+          </p:cNvPr>
+          <p:cNvSpPr>
+            <a:spLocks noGrp="1" noRot="1" noChangeAspect="1" noChangeArrowheads="1" noTextEdit="1"/>
+          </p:cNvSpPr>
+          <p:nvPr>
+            <p:ph type="sldImg"/>
+          </p:nvPr>
+        </p:nvSpPr>
+        <p:spPr>
+          <a:xfrm>
+            <a:off x="1196975" y="692150"/>
+            <a:ext cx="4618038" cy="3463925"/>
+          </a:xfrm>
+          <a:ln/>
+        </p:spPr>
+      </p:sp>
+      <p:sp>
+        <p:nvSpPr>
+          <p:cNvPr id="25603" name="Rectangle 3">
+            <a:extLst>
+              <a:ext uri="{FF2B5EF4-FFF2-40B4-BE49-F238E27FC236}">
+                <a16:creationId xmlns:a16="http://schemas.microsoft.com/office/drawing/2014/main" id="{F5F6AAF2-0122-E249-B281-C6373A3816C2}"/>
+              </a:ext>
+            </a:extLst>
+          </p:cNvPr>
+          <p:cNvSpPr>
+            <a:spLocks noGrp="1" noChangeArrowheads="1"/>
+          </p:cNvSpPr>
+          <p:nvPr>
+            <p:ph type="body" idx="1"/>
+          </p:nvPr>
+        </p:nvSpPr>
+        <p:spPr>
+          <a:noFill/>
+          <a:ln/>
+          <a:extLst>
+            <a:ext uri="{909E8E84-426E-40DD-AFC4-6F175D3DCCD1}">
+              <a14:hiddenFill xmlns:a14="http://schemas.microsoft.com/office/drawing/2010/main">
+                <a:solidFill>
+                  <a:srgbClr val="FFFFFF"/>
+                </a:solidFill>
+              </a14:hiddenFill>
+            </a:ext>
+            <a:ext uri="{91240B29-F687-4F45-9708-019B960494DF}">
+              <a14:hiddenLine xmlns:a14="http://schemas.microsoft.com/office/drawing/2010/main" w="9525">
+                <a:solidFill>
+                  <a:srgbClr val="000000"/>
+                </a:solidFill>
+                <a:miter lim="800000"/>
+                <a:headEnd/>
+                <a:tailEnd/>
+              </a14:hiddenLine>
+            </a:ext>
+          </a:extLst>
+        </p:spPr>
+        <p:txBody>
+          <a:bodyPr/>
+          <a:lstStyle/>
+          <a:p>
+            <a:endParaRPr lang="en-US" altLang="en-US"/>
+          </a:p>
+        </p:txBody>
+      </p:sp>
+    </p:spTree>
+  </p:cSld>
+  <p:clrMapOvr>
+    <a:masterClrMapping/>
+  </p:clrMapOvr>
+</p:notes>
+</file>
+
+<file path=ppt/notesSlides/notesSlide5.xml><?xml version="1.0" encoding="utf-8"?>
+<p:notes xmlns:a="http://schemas.openxmlformats.org/drawingml/2006/main" xmlns:r="http://schemas.openxmlformats.org/officeDocument/2006/relationships" xmlns:p="http://schemas.openxmlformats.org/presentationml/2006/main">
+  <p:cSld>
+    <p:spTree>
+      <p:nvGrpSpPr>
+        <p:cNvPr id="1" name=""/>
+        <p:cNvGrpSpPr/>
+        <p:nvPr/>
+      </p:nvGrpSpPr>
+      <p:grpSpPr>
+        <a:xfrm>
+          <a:off x="0" y="0"/>
+          <a:ext cx="0" cy="0"/>
+          <a:chOff x="0" y="0"/>
+          <a:chExt cx="0" cy="0"/>
+        </a:xfrm>
+      </p:grpSpPr>
+      <p:sp>
+        <p:nvSpPr>
+          <p:cNvPr id="27649" name="Rectangle 7">
+            <a:extLst>
+              <a:ext uri="{FF2B5EF4-FFF2-40B4-BE49-F238E27FC236}">
+                <a16:creationId xmlns:a16="http://schemas.microsoft.com/office/drawing/2014/main" id="{26B35974-9596-874F-BF62-D392B702C477}"/>
+              </a:ext>
+            </a:extLst>
+          </p:cNvPr>
+          <p:cNvSpPr>
+            <a:spLocks noGrp="1" noChangeArrowheads="1"/>
+          </p:cNvSpPr>
+          <p:nvPr>
+            <p:ph type="sldNum" sz="quarter" idx="5"/>
+          </p:nvPr>
+        </p:nvSpPr>
+        <p:spPr>
+          <a:noFill/>
+          <a:ln/>
+          <a:extLst>
+            <a:ext uri="{909E8E84-426E-40DD-AFC4-6F175D3DCCD1}">
+              <a14:hiddenFill xmlns:a14="http://schemas.microsoft.com/office/drawing/2010/main">
+                <a:solidFill>
+                  <a:srgbClr val="FFFFFF"/>
+                </a:solidFill>
+              </a14:hiddenFill>
+            </a:ext>
+            <a:ext uri="{91240B29-F687-4F45-9708-019B960494DF}">
+              <a14:hiddenLine xmlns:a14="http://schemas.microsoft.com/office/drawing/2010/main" w="9525">
+                <a:solidFill>
+                  <a:srgbClr val="000000"/>
+                </a:solidFill>
+                <a:miter lim="800000"/>
+                <a:headEnd/>
+                <a:tailEnd/>
+              </a14:hiddenLine>
+            </a:ext>
+          </a:extLst>
+        </p:spPr>
+        <p:txBody>
+          <a:bodyPr/>
+          <a:lstStyle>
+            <a:lvl1pPr defTabSz="931863">
+              <a:spcBef>
+                <a:spcPct val="30000"/>
+              </a:spcBef>
+              <a:defRPr sz="1200">
+                <a:solidFill>
+                  <a:schemeClr val="tx1"/>
+                </a:solidFill>
+                <a:latin typeface="Times New Roman" panose="02020603050405020304" pitchFamily="18" charset="0"/>
+              </a:defRPr>
+            </a:lvl1pPr>
+            <a:lvl2pPr marL="742950" indent="-285750" defTabSz="931863">
+              <a:spcBef>
+                <a:spcPct val="30000"/>
+              </a:spcBef>
+              <a:defRPr sz="1200">
+                <a:solidFill>
+                  <a:schemeClr val="tx1"/>
+                </a:solidFill>
+                <a:latin typeface="Times New Roman" panose="02020603050405020304" pitchFamily="18" charset="0"/>
+              </a:defRPr>
+            </a:lvl2pPr>
+            <a:lvl3pPr marL="1143000" indent="-228600" defTabSz="931863">
+              <a:spcBef>
+                <a:spcPct val="30000"/>
+              </a:spcBef>
+              <a:defRPr sz="1200">
+                <a:solidFill>
+                  <a:schemeClr val="tx1"/>
+                </a:solidFill>
+                <a:latin typeface="Times New Roman" panose="02020603050405020304" pitchFamily="18" charset="0"/>
+              </a:defRPr>
+            </a:lvl3pPr>
+            <a:lvl4pPr marL="1600200" indent="-228600" defTabSz="931863">
+              <a:spcBef>
+                <a:spcPct val="30000"/>
+              </a:spcBef>
+              <a:defRPr sz="1200">
+                <a:solidFill>
+                  <a:schemeClr val="tx1"/>
+                </a:solidFill>
+                <a:latin typeface="Times New Roman" panose="02020603050405020304" pitchFamily="18" charset="0"/>
+              </a:defRPr>
+            </a:lvl4pPr>
+            <a:lvl5pPr marL="2057400" indent="-228600" defTabSz="931863">
+              <a:spcBef>
+                <a:spcPct val="30000"/>
+              </a:spcBef>
+              <a:defRPr sz="1200">
+                <a:solidFill>
+                  <a:schemeClr val="tx1"/>
+                </a:solidFill>
+                <a:latin typeface="Times New Roman" panose="02020603050405020304" pitchFamily="18" charset="0"/>
+              </a:defRPr>
+            </a:lvl5pPr>
+            <a:lvl6pPr marL="2514600" indent="-228600" defTabSz="931863" eaLnBrk="0" fontAlgn="base" hangingPunct="0">
+              <a:spcBef>
+                <a:spcPct val="30000"/>
+              </a:spcBef>
+              <a:spcAft>
+                <a:spcPct val="0"/>
+              </a:spcAft>
+              <a:defRPr sz="1200">
+                <a:solidFill>
+                  <a:schemeClr val="tx1"/>
+                </a:solidFill>
+                <a:latin typeface="Times New Roman" panose="02020603050405020304" pitchFamily="18" charset="0"/>
+              </a:defRPr>
+            </a:lvl6pPr>
+            <a:lvl7pPr marL="2971800" indent="-228600" defTabSz="931863" eaLnBrk="0" fontAlgn="base" hangingPunct="0">
+              <a:spcBef>
+                <a:spcPct val="30000"/>
+              </a:spcBef>
+              <a:spcAft>
+                <a:spcPct val="0"/>
+              </a:spcAft>
+              <a:defRPr sz="1200">
+                <a:solidFill>
+                  <a:schemeClr val="tx1"/>
+                </a:solidFill>
+                <a:latin typeface="Times New Roman" panose="02020603050405020304" pitchFamily="18" charset="0"/>
+              </a:defRPr>
+            </a:lvl7pPr>
+            <a:lvl8pPr marL="3429000" indent="-228600" defTabSz="931863" eaLnBrk="0" fontAlgn="base" hangingPunct="0">
+              <a:spcBef>
+                <a:spcPct val="30000"/>
+              </a:spcBef>
+              <a:spcAft>
+                <a:spcPct val="0"/>
+              </a:spcAft>
+              <a:defRPr sz="1200">
+                <a:solidFill>
+                  <a:schemeClr val="tx1"/>
+                </a:solidFill>
+                <a:latin typeface="Times New Roman" panose="02020603050405020304" pitchFamily="18" charset="0"/>
+              </a:defRPr>
+            </a:lvl8pPr>
+            <a:lvl9pPr marL="3886200" indent="-228600" defTabSz="931863" eaLnBrk="0" fontAlgn="base" hangingPunct="0">
+              <a:spcBef>
+                <a:spcPct val="30000"/>
+              </a:spcBef>
+              <a:spcAft>
+                <a:spcPct val="0"/>
+              </a:spcAft>
+              <a:defRPr sz="1200">
+                <a:solidFill>
+                  <a:schemeClr val="tx1"/>
+                </a:solidFill>
+                <a:latin typeface="Times New Roman" panose="02020603050405020304" pitchFamily="18" charset="0"/>
+              </a:defRPr>
+            </a:lvl9pPr>
+          </a:lstStyle>
+          <a:p>
+            <a:pPr>
+              <a:spcBef>
+                <a:spcPct val="0"/>
+              </a:spcBef>
+            </a:pPr>
+            <a:fld id="{C9A1DF91-53C9-8D42-A514-924A6CBAA8E7}" type="slidenum">
+              <a:rPr lang="en-US" altLang="en-US"/>
+              <a:pPr>
+                <a:spcBef>
+                  <a:spcPct val="0"/>
+                </a:spcBef>
+              </a:pPr>
+              <a:t>33</a:t>
+            </a:fld>
+            <a:endParaRPr lang="en-US" altLang="en-US"/>
+          </a:p>
+        </p:txBody>
+      </p:sp>
+      <p:sp>
+        <p:nvSpPr>
+          <p:cNvPr id="27650" name="Rectangle 2">
+            <a:extLst>
+              <a:ext uri="{FF2B5EF4-FFF2-40B4-BE49-F238E27FC236}">
+                <a16:creationId xmlns:a16="http://schemas.microsoft.com/office/drawing/2014/main" id="{0DC09F20-A6DA-9E41-84E3-DA1AB21E1D4C}"/>
+              </a:ext>
+            </a:extLst>
+          </p:cNvPr>
+          <p:cNvSpPr>
+            <a:spLocks noGrp="1" noRot="1" noChangeAspect="1" noChangeArrowheads="1" noTextEdit="1"/>
+          </p:cNvSpPr>
+          <p:nvPr>
+            <p:ph type="sldImg"/>
+          </p:nvPr>
+        </p:nvSpPr>
+        <p:spPr>
+          <a:xfrm>
+            <a:off x="1196975" y="692150"/>
+            <a:ext cx="4618038" cy="3463925"/>
+          </a:xfrm>
+          <a:ln/>
+        </p:spPr>
+      </p:sp>
+      <p:sp>
+        <p:nvSpPr>
+          <p:cNvPr id="27651" name="Rectangle 3">
+            <a:extLst>
+              <a:ext uri="{FF2B5EF4-FFF2-40B4-BE49-F238E27FC236}">
+                <a16:creationId xmlns:a16="http://schemas.microsoft.com/office/drawing/2014/main" id="{9B7339D8-1609-D041-B45E-872028DD6304}"/>
+              </a:ext>
+            </a:extLst>
+          </p:cNvPr>
+          <p:cNvSpPr>
+            <a:spLocks noGrp="1" noChangeArrowheads="1"/>
+          </p:cNvSpPr>
+          <p:nvPr>
+            <p:ph type="body" idx="1"/>
+          </p:nvPr>
+        </p:nvSpPr>
+        <p:spPr>
+          <a:noFill/>
+          <a:ln/>
+          <a:extLst>
+            <a:ext uri="{909E8E84-426E-40DD-AFC4-6F175D3DCCD1}">
+              <a14:hiddenFill xmlns:a14="http://schemas.microsoft.com/office/drawing/2010/main">
+                <a:solidFill>
+                  <a:srgbClr val="FFFFFF"/>
+                </a:solidFill>
+              </a14:hiddenFill>
+            </a:ext>
+            <a:ext uri="{91240B29-F687-4F45-9708-019B960494DF}">
+              <a14:hiddenLine xmlns:a14="http://schemas.microsoft.com/office/drawing/2010/main" w="9525">
+                <a:solidFill>
+                  <a:srgbClr val="000000"/>
+                </a:solidFill>
+                <a:miter lim="800000"/>
+                <a:headEnd/>
+                <a:tailEnd/>
+              </a14:hiddenLine>
+            </a:ext>
+          </a:extLst>
+        </p:spPr>
+        <p:txBody>
+          <a:bodyPr/>
+          <a:lstStyle/>
+          <a:p>
+            <a:endParaRPr lang="en-US" altLang="en-US"/>
+          </a:p>
+        </p:txBody>
+      </p:sp>
+    </p:spTree>
+  </p:cSld>
+  <p:clrMapOvr>
+    <a:masterClrMapping/>
+  </p:clrMapOvr>
+</p:notes>
+</file>
+
+<file path=ppt/notesSlides/notesSlide6.xml><?xml version="1.0" encoding="utf-8"?>
+<p:notes xmlns:a="http://schemas.openxmlformats.org/drawingml/2006/main" xmlns:r="http://schemas.openxmlformats.org/officeDocument/2006/relationships" xmlns:p="http://schemas.openxmlformats.org/presentationml/2006/main">
+  <p:cSld>
+    <p:spTree>
+      <p:nvGrpSpPr>
+        <p:cNvPr id="1" name=""/>
+        <p:cNvGrpSpPr/>
+        <p:nvPr/>
+      </p:nvGrpSpPr>
+      <p:grpSpPr>
+        <a:xfrm>
+          <a:off x="0" y="0"/>
+          <a:ext cx="0" cy="0"/>
+          <a:chOff x="0" y="0"/>
+          <a:chExt cx="0" cy="0"/>
+        </a:xfrm>
+      </p:grpSpPr>
+      <p:sp>
+        <p:nvSpPr>
+          <p:cNvPr id="27649" name="Rectangle 7">
+            <a:extLst>
+              <a:ext uri="{FF2B5EF4-FFF2-40B4-BE49-F238E27FC236}">
+                <a16:creationId xmlns:a16="http://schemas.microsoft.com/office/drawing/2014/main" id="{26B35974-9596-874F-BF62-D392B702C477}"/>
+              </a:ext>
+            </a:extLst>
+          </p:cNvPr>
+          <p:cNvSpPr>
+            <a:spLocks noGrp="1" noChangeArrowheads="1"/>
+          </p:cNvSpPr>
+          <p:nvPr>
+            <p:ph type="sldNum" sz="quarter" idx="5"/>
+          </p:nvPr>
+        </p:nvSpPr>
+        <p:spPr>
+          <a:noFill/>
+          <a:ln/>
+          <a:extLst>
+            <a:ext uri="{909E8E84-426E-40DD-AFC4-6F175D3DCCD1}">
+              <a14:hiddenFill xmlns:a14="http://schemas.microsoft.com/office/drawing/2010/main">
+                <a:solidFill>
+                  <a:srgbClr val="FFFFFF"/>
+                </a:solidFill>
+              </a14:hiddenFill>
+            </a:ext>
+            <a:ext uri="{91240B29-F687-4F45-9708-019B960494DF}">
+              <a14:hiddenLine xmlns:a14="http://schemas.microsoft.com/office/drawing/2010/main" w="9525">
+                <a:solidFill>
+                  <a:srgbClr val="000000"/>
+                </a:solidFill>
+                <a:miter lim="800000"/>
+                <a:headEnd/>
+                <a:tailEnd/>
+              </a14:hiddenLine>
+            </a:ext>
+          </a:extLst>
+        </p:spPr>
+        <p:txBody>
+          <a:bodyPr/>
+          <a:lstStyle>
+            <a:lvl1pPr defTabSz="931863">
+              <a:spcBef>
+                <a:spcPct val="30000"/>
+              </a:spcBef>
+              <a:defRPr sz="1200">
+                <a:solidFill>
+                  <a:schemeClr val="tx1"/>
+                </a:solidFill>
+                <a:latin typeface="Times New Roman" panose="02020603050405020304" pitchFamily="18" charset="0"/>
+              </a:defRPr>
+            </a:lvl1pPr>
+            <a:lvl2pPr marL="742950" indent="-285750" defTabSz="931863">
+              <a:spcBef>
+                <a:spcPct val="30000"/>
+              </a:spcBef>
+              <a:defRPr sz="1200">
+                <a:solidFill>
+                  <a:schemeClr val="tx1"/>
+                </a:solidFill>
+                <a:latin typeface="Times New Roman" panose="02020603050405020304" pitchFamily="18" charset="0"/>
+              </a:defRPr>
+            </a:lvl2pPr>
+            <a:lvl3pPr marL="1143000" indent="-228600" defTabSz="931863">
+              <a:spcBef>
+                <a:spcPct val="30000"/>
+              </a:spcBef>
+              <a:defRPr sz="1200">
+                <a:solidFill>
+                  <a:schemeClr val="tx1"/>
+                </a:solidFill>
+                <a:latin typeface="Times New Roman" panose="02020603050405020304" pitchFamily="18" charset="0"/>
+              </a:defRPr>
+            </a:lvl3pPr>
+            <a:lvl4pPr marL="1600200" indent="-228600" defTabSz="931863">
+              <a:spcBef>
+                <a:spcPct val="30000"/>
+              </a:spcBef>
+              <a:defRPr sz="1200">
+                <a:solidFill>
+                  <a:schemeClr val="tx1"/>
+                </a:solidFill>
+                <a:latin typeface="Times New Roman" panose="02020603050405020304" pitchFamily="18" charset="0"/>
+              </a:defRPr>
+            </a:lvl4pPr>
+            <a:lvl5pPr marL="2057400" indent="-228600" defTabSz="931863">
+              <a:spcBef>
+                <a:spcPct val="30000"/>
+              </a:spcBef>
+              <a:defRPr sz="1200">
+                <a:solidFill>
+                  <a:schemeClr val="tx1"/>
+                </a:solidFill>
+                <a:latin typeface="Times New Roman" panose="02020603050405020304" pitchFamily="18" charset="0"/>
+              </a:defRPr>
+            </a:lvl5pPr>
+            <a:lvl6pPr marL="2514600" indent="-228600" defTabSz="931863" eaLnBrk="0" fontAlgn="base" hangingPunct="0">
+              <a:spcBef>
+                <a:spcPct val="30000"/>
+              </a:spcBef>
+              <a:spcAft>
+                <a:spcPct val="0"/>
+              </a:spcAft>
+              <a:defRPr sz="1200">
+                <a:solidFill>
+                  <a:schemeClr val="tx1"/>
+                </a:solidFill>
+                <a:latin typeface="Times New Roman" panose="02020603050405020304" pitchFamily="18" charset="0"/>
+              </a:defRPr>
+            </a:lvl6pPr>
+            <a:lvl7pPr marL="2971800" indent="-228600" defTabSz="931863" eaLnBrk="0" fontAlgn="base" hangingPunct="0">
+              <a:spcBef>
+                <a:spcPct val="30000"/>
+              </a:spcBef>
+              <a:spcAft>
+                <a:spcPct val="0"/>
+              </a:spcAft>
+              <a:defRPr sz="1200">
+                <a:solidFill>
+                  <a:schemeClr val="tx1"/>
+                </a:solidFill>
+                <a:latin typeface="Times New Roman" panose="02020603050405020304" pitchFamily="18" charset="0"/>
+              </a:defRPr>
+            </a:lvl7pPr>
+            <a:lvl8pPr marL="3429000" indent="-228600" defTabSz="931863" eaLnBrk="0" fontAlgn="base" hangingPunct="0">
+              <a:spcBef>
+                <a:spcPct val="30000"/>
+              </a:spcBef>
+              <a:spcAft>
+                <a:spcPct val="0"/>
+              </a:spcAft>
+              <a:defRPr sz="1200">
+                <a:solidFill>
+                  <a:schemeClr val="tx1"/>
+                </a:solidFill>
+                <a:latin typeface="Times New Roman" panose="02020603050405020304" pitchFamily="18" charset="0"/>
+              </a:defRPr>
+            </a:lvl8pPr>
+            <a:lvl9pPr marL="3886200" indent="-228600" defTabSz="931863" eaLnBrk="0" fontAlgn="base" hangingPunct="0">
+              <a:spcBef>
+                <a:spcPct val="30000"/>
+              </a:spcBef>
+              <a:spcAft>
+                <a:spcPct val="0"/>
+              </a:spcAft>
+              <a:defRPr sz="1200">
+                <a:solidFill>
+                  <a:schemeClr val="tx1"/>
+                </a:solidFill>
+                <a:latin typeface="Times New Roman" panose="02020603050405020304" pitchFamily="18" charset="0"/>
+              </a:defRPr>
+            </a:lvl9pPr>
+          </a:lstStyle>
+          <a:p>
+            <a:pPr>
+              <a:spcBef>
+                <a:spcPct val="0"/>
+              </a:spcBef>
+            </a:pPr>
+            <a:fld id="{C9A1DF91-53C9-8D42-A514-924A6CBAA8E7}" type="slidenum">
+              <a:rPr lang="en-US" altLang="en-US"/>
+              <a:pPr>
+                <a:spcBef>
+                  <a:spcPct val="0"/>
+                </a:spcBef>
+              </a:pPr>
+              <a:t>34</a:t>
+            </a:fld>
+            <a:endParaRPr lang="en-US" altLang="en-US"/>
+          </a:p>
+        </p:txBody>
+      </p:sp>
+      <p:sp>
+        <p:nvSpPr>
+          <p:cNvPr id="27650" name="Rectangle 2">
+            <a:extLst>
+              <a:ext uri="{FF2B5EF4-FFF2-40B4-BE49-F238E27FC236}">
+                <a16:creationId xmlns:a16="http://schemas.microsoft.com/office/drawing/2014/main" id="{0DC09F20-A6DA-9E41-84E3-DA1AB21E1D4C}"/>
+              </a:ext>
+            </a:extLst>
+          </p:cNvPr>
+          <p:cNvSpPr>
+            <a:spLocks noGrp="1" noRot="1" noChangeAspect="1" noChangeArrowheads="1" noTextEdit="1"/>
+          </p:cNvSpPr>
+          <p:nvPr>
+            <p:ph type="sldImg"/>
+          </p:nvPr>
+        </p:nvSpPr>
+        <p:spPr>
+          <a:xfrm>
+            <a:off x="1196975" y="692150"/>
+            <a:ext cx="4618038" cy="3463925"/>
+          </a:xfrm>
+          <a:ln/>
+        </p:spPr>
+      </p:sp>
+      <p:sp>
+        <p:nvSpPr>
+          <p:cNvPr id="27651" name="Rectangle 3">
+            <a:extLst>
+              <a:ext uri="{FF2B5EF4-FFF2-40B4-BE49-F238E27FC236}">
+                <a16:creationId xmlns:a16="http://schemas.microsoft.com/office/drawing/2014/main" id="{9B7339D8-1609-D041-B45E-872028DD6304}"/>
+              </a:ext>
+            </a:extLst>
+          </p:cNvPr>
+          <p:cNvSpPr>
+            <a:spLocks noGrp="1" noChangeArrowheads="1"/>
+          </p:cNvSpPr>
+          <p:nvPr>
+            <p:ph type="body" idx="1"/>
+          </p:nvPr>
+        </p:nvSpPr>
+        <p:spPr>
+          <a:noFill/>
+          <a:ln/>
+          <a:extLst>
+            <a:ext uri="{909E8E84-426E-40DD-AFC4-6F175D3DCCD1}">
+              <a14:hiddenFill xmlns:a14="http://schemas.microsoft.com/office/drawing/2010/main">
+                <a:solidFill>
+                  <a:srgbClr val="FFFFFF"/>
+                </a:solidFill>
+              </a14:hiddenFill>
+            </a:ext>
+            <a:ext uri="{91240B29-F687-4F45-9708-019B960494DF}">
+              <a14:hiddenLine xmlns:a14="http://schemas.microsoft.com/office/drawing/2010/main" w="9525">
+                <a:solidFill>
+                  <a:srgbClr val="000000"/>
+                </a:solidFill>
+                <a:miter lim="800000"/>
+                <a:headEnd/>
+                <a:tailEnd/>
+              </a14:hiddenLine>
+            </a:ext>
+          </a:extLst>
+        </p:spPr>
+        <p:txBody>
+          <a:bodyPr/>
+          <a:lstStyle/>
+          <a:p>
+            <a:endParaRPr lang="en-US" altLang="en-US"/>
+          </a:p>
+        </p:txBody>
+      </p:sp>
+    </p:spTree>
+    <p:extLst>
+      <p:ext uri="{BB962C8B-B14F-4D97-AF65-F5344CB8AC3E}">
+        <p14:creationId xmlns:p14="http://schemas.microsoft.com/office/powerpoint/2010/main" val="4151295833"/>
+      </p:ext>
+    </p:extLst>
+  </p:cSld>
+  <p:clrMapOvr>
+    <a:masterClrMapping/>
+  </p:clrMapOvr>
+</p:notes>
+</file>
+
+<file path=ppt/notesSlides/notesSlide7.xml><?xml version="1.0" encoding="utf-8"?>
+<p:notes xmlns:a="http://schemas.openxmlformats.org/drawingml/2006/main" xmlns:r="http://schemas.openxmlformats.org/officeDocument/2006/relationships" xmlns:p="http://schemas.openxmlformats.org/presentationml/2006/main">
+  <p:cSld>
+    <p:spTree>
+      <p:nvGrpSpPr>
+        <p:cNvPr id="1" name=""/>
+        <p:cNvGrpSpPr/>
+        <p:nvPr/>
+      </p:nvGrpSpPr>
+      <p:grpSpPr>
+        <a:xfrm>
+          <a:off x="0" y="0"/>
+          <a:ext cx="0" cy="0"/>
+          <a:chOff x="0" y="0"/>
+          <a:chExt cx="0" cy="0"/>
+        </a:xfrm>
+      </p:grpSpPr>
+      <p:sp>
+        <p:nvSpPr>
+          <p:cNvPr id="27649" name="Rectangle 7">
+            <a:extLst>
+              <a:ext uri="{FF2B5EF4-FFF2-40B4-BE49-F238E27FC236}">
+                <a16:creationId xmlns:a16="http://schemas.microsoft.com/office/drawing/2014/main" id="{26B35974-9596-874F-BF62-D392B702C477}"/>
+              </a:ext>
+            </a:extLst>
+          </p:cNvPr>
+          <p:cNvSpPr>
+            <a:spLocks noGrp="1" noChangeArrowheads="1"/>
+          </p:cNvSpPr>
+          <p:nvPr>
+            <p:ph type="sldNum" sz="quarter" idx="5"/>
+          </p:nvPr>
+        </p:nvSpPr>
+        <p:spPr>
+          <a:noFill/>
+          <a:ln/>
+          <a:extLst>
+            <a:ext uri="{909E8E84-426E-40DD-AFC4-6F175D3DCCD1}">
+              <a14:hiddenFill xmlns:a14="http://schemas.microsoft.com/office/drawing/2010/main">
+                <a:solidFill>
+                  <a:srgbClr val="FFFFFF"/>
+                </a:solidFill>
+              </a14:hiddenFill>
+            </a:ext>
+            <a:ext uri="{91240B29-F687-4F45-9708-019B960494DF}">
+              <a14:hiddenLine xmlns:a14="http://schemas.microsoft.com/office/drawing/2010/main" w="9525">
+                <a:solidFill>
+                  <a:srgbClr val="000000"/>
+                </a:solidFill>
+                <a:miter lim="800000"/>
+                <a:headEnd/>
+                <a:tailEnd/>
+              </a14:hiddenLine>
+            </a:ext>
+          </a:extLst>
+        </p:spPr>
+        <p:txBody>
+          <a:bodyPr/>
+          <a:lstStyle>
+            <a:lvl1pPr defTabSz="931863">
+              <a:spcBef>
+                <a:spcPct val="30000"/>
+              </a:spcBef>
+              <a:defRPr sz="1200">
+                <a:solidFill>
+                  <a:schemeClr val="tx1"/>
+                </a:solidFill>
+                <a:latin typeface="Times New Roman" panose="02020603050405020304" pitchFamily="18" charset="0"/>
+              </a:defRPr>
+            </a:lvl1pPr>
+            <a:lvl2pPr marL="742950" indent="-285750" defTabSz="931863">
+              <a:spcBef>
+                <a:spcPct val="30000"/>
+              </a:spcBef>
+              <a:defRPr sz="1200">
+                <a:solidFill>
+                  <a:schemeClr val="tx1"/>
+                </a:solidFill>
+                <a:latin typeface="Times New Roman" panose="02020603050405020304" pitchFamily="18" charset="0"/>
+              </a:defRPr>
+            </a:lvl2pPr>
+            <a:lvl3pPr marL="1143000" indent="-228600" defTabSz="931863">
+              <a:spcBef>
+                <a:spcPct val="30000"/>
+              </a:spcBef>
+              <a:defRPr sz="1200">
+                <a:solidFill>
+                  <a:schemeClr val="tx1"/>
+                </a:solidFill>
+                <a:latin typeface="Times New Roman" panose="02020603050405020304" pitchFamily="18" charset="0"/>
+              </a:defRPr>
+            </a:lvl3pPr>
+            <a:lvl4pPr marL="1600200" indent="-228600" defTabSz="931863">
+              <a:spcBef>
+                <a:spcPct val="30000"/>
+              </a:spcBef>
+              <a:defRPr sz="1200">
+                <a:solidFill>
+                  <a:schemeClr val="tx1"/>
+                </a:solidFill>
+                <a:latin typeface="Times New Roman" panose="02020603050405020304" pitchFamily="18" charset="0"/>
+              </a:defRPr>
+            </a:lvl4pPr>
+            <a:lvl5pPr marL="2057400" indent="-228600" defTabSz="931863">
+              <a:spcBef>
+                <a:spcPct val="30000"/>
+              </a:spcBef>
+              <a:defRPr sz="1200">
+                <a:solidFill>
+                  <a:schemeClr val="tx1"/>
+                </a:solidFill>
+                <a:latin typeface="Times New Roman" panose="02020603050405020304" pitchFamily="18" charset="0"/>
+              </a:defRPr>
+            </a:lvl5pPr>
+            <a:lvl6pPr marL="2514600" indent="-228600" defTabSz="931863" eaLnBrk="0" fontAlgn="base" hangingPunct="0">
+              <a:spcBef>
+                <a:spcPct val="30000"/>
+              </a:spcBef>
+              <a:spcAft>
+                <a:spcPct val="0"/>
+              </a:spcAft>
+              <a:defRPr sz="1200">
+                <a:solidFill>
+                  <a:schemeClr val="tx1"/>
+                </a:solidFill>
+                <a:latin typeface="Times New Roman" panose="02020603050405020304" pitchFamily="18" charset="0"/>
+              </a:defRPr>
+            </a:lvl6pPr>
+            <a:lvl7pPr marL="2971800" indent="-228600" defTabSz="931863" eaLnBrk="0" fontAlgn="base" hangingPunct="0">
+              <a:spcBef>
+                <a:spcPct val="30000"/>
+              </a:spcBef>
+              <a:spcAft>
+                <a:spcPct val="0"/>
+              </a:spcAft>
+              <a:defRPr sz="1200">
+                <a:solidFill>
+                  <a:schemeClr val="tx1"/>
+                </a:solidFill>
+                <a:latin typeface="Times New Roman" panose="02020603050405020304" pitchFamily="18" charset="0"/>
+              </a:defRPr>
+            </a:lvl7pPr>
+            <a:lvl8pPr marL="3429000" indent="-228600" defTabSz="931863" eaLnBrk="0" fontAlgn="base" hangingPunct="0">
+              <a:spcBef>
+                <a:spcPct val="30000"/>
+              </a:spcBef>
+              <a:spcAft>
+                <a:spcPct val="0"/>
+              </a:spcAft>
+              <a:defRPr sz="1200">
+                <a:solidFill>
+                  <a:schemeClr val="tx1"/>
+                </a:solidFill>
+                <a:latin typeface="Times New Roman" panose="02020603050405020304" pitchFamily="18" charset="0"/>
+              </a:defRPr>
+            </a:lvl8pPr>
+            <a:lvl9pPr marL="3886200" indent="-228600" defTabSz="931863" eaLnBrk="0" fontAlgn="base" hangingPunct="0">
+              <a:spcBef>
+                <a:spcPct val="30000"/>
+              </a:spcBef>
+              <a:spcAft>
+                <a:spcPct val="0"/>
+              </a:spcAft>
+              <a:defRPr sz="1200">
+                <a:solidFill>
+                  <a:schemeClr val="tx1"/>
+                </a:solidFill>
+                <a:latin typeface="Times New Roman" panose="02020603050405020304" pitchFamily="18" charset="0"/>
+              </a:defRPr>
+            </a:lvl9pPr>
+          </a:lstStyle>
+          <a:p>
+            <a:pPr>
+              <a:spcBef>
+                <a:spcPct val="0"/>
+              </a:spcBef>
+            </a:pPr>
+            <a:fld id="{C9A1DF91-53C9-8D42-A514-924A6CBAA8E7}" type="slidenum">
+              <a:rPr lang="en-US" altLang="en-US"/>
+              <a:pPr>
+                <a:spcBef>
+                  <a:spcPct val="0"/>
+                </a:spcBef>
+              </a:pPr>
+              <a:t>35</a:t>
+            </a:fld>
+            <a:endParaRPr lang="en-US" altLang="en-US"/>
+          </a:p>
+        </p:txBody>
+      </p:sp>
+      <p:sp>
+        <p:nvSpPr>
+          <p:cNvPr id="27650" name="Rectangle 2">
+            <a:extLst>
+              <a:ext uri="{FF2B5EF4-FFF2-40B4-BE49-F238E27FC236}">
+                <a16:creationId xmlns:a16="http://schemas.microsoft.com/office/drawing/2014/main" id="{0DC09F20-A6DA-9E41-84E3-DA1AB21E1D4C}"/>
+              </a:ext>
+            </a:extLst>
+          </p:cNvPr>
+          <p:cNvSpPr>
+            <a:spLocks noGrp="1" noRot="1" noChangeAspect="1" noChangeArrowheads="1" noTextEdit="1"/>
+          </p:cNvSpPr>
+          <p:nvPr>
+            <p:ph type="sldImg"/>
+          </p:nvPr>
+        </p:nvSpPr>
+        <p:spPr>
+          <a:xfrm>
+            <a:off x="1196975" y="692150"/>
+            <a:ext cx="4618038" cy="3463925"/>
+          </a:xfrm>
+          <a:ln/>
+        </p:spPr>
+      </p:sp>
+      <p:sp>
+        <p:nvSpPr>
+          <p:cNvPr id="27651" name="Rectangle 3">
+            <a:extLst>
+              <a:ext uri="{FF2B5EF4-FFF2-40B4-BE49-F238E27FC236}">
+                <a16:creationId xmlns:a16="http://schemas.microsoft.com/office/drawing/2014/main" id="{9B7339D8-1609-D041-B45E-872028DD6304}"/>
+              </a:ext>
+            </a:extLst>
+          </p:cNvPr>
+          <p:cNvSpPr>
+            <a:spLocks noGrp="1" noChangeArrowheads="1"/>
+          </p:cNvSpPr>
+          <p:nvPr>
+            <p:ph type="body" idx="1"/>
+          </p:nvPr>
+        </p:nvSpPr>
+        <p:spPr>
+          <a:noFill/>
+          <a:ln/>
+          <a:extLst>
+            <a:ext uri="{909E8E84-426E-40DD-AFC4-6F175D3DCCD1}">
+              <a14:hiddenFill xmlns:a14="http://schemas.microsoft.com/office/drawing/2010/main">
+                <a:solidFill>
+                  <a:srgbClr val="FFFFFF"/>
+                </a:solidFill>
+              </a14:hiddenFill>
+            </a:ext>
+            <a:ext uri="{91240B29-F687-4F45-9708-019B960494DF}">
+              <a14:hiddenLine xmlns:a14="http://schemas.microsoft.com/office/drawing/2010/main" w="9525">
+                <a:solidFill>
+                  <a:srgbClr val="000000"/>
+                </a:solidFill>
+                <a:miter lim="800000"/>
+                <a:headEnd/>
+                <a:tailEnd/>
+              </a14:hiddenLine>
+            </a:ext>
+          </a:extLst>
+        </p:spPr>
+        <p:txBody>
+          <a:bodyPr/>
+          <a:lstStyle/>
+          <a:p>
+            <a:endParaRPr lang="en-US" altLang="en-US"/>
+          </a:p>
+        </p:txBody>
+      </p:sp>
+    </p:spTree>
+    <p:extLst>
+      <p:ext uri="{BB962C8B-B14F-4D97-AF65-F5344CB8AC3E}">
+        <p14:creationId xmlns:p14="http://schemas.microsoft.com/office/powerpoint/2010/main" val="3971902671"/>
+      </p:ext>
+    </p:extLst>
+  </p:cSld>
+  <p:clrMapOvr>
+    <a:masterClrMapping/>
+  </p:clrMapOvr>
+</p:notes>
+</file>
+
+<file path=ppt/notesSlides/notesSlide8.xml><?xml version="1.0" encoding="utf-8"?>
+<p:notes xmlns:a="http://schemas.openxmlformats.org/drawingml/2006/main" xmlns:r="http://schemas.openxmlformats.org/officeDocument/2006/relationships" xmlns:p="http://schemas.openxmlformats.org/presentationml/2006/main">
+  <p:cSld>
+    <p:spTree>
+      <p:nvGrpSpPr>
+        <p:cNvPr id="1" name=""/>
+        <p:cNvGrpSpPr/>
+        <p:nvPr/>
+      </p:nvGrpSpPr>
+      <p:grpSpPr>
+        <a:xfrm>
+          <a:off x="0" y="0"/>
+          <a:ext cx="0" cy="0"/>
+          <a:chOff x="0" y="0"/>
+          <a:chExt cx="0" cy="0"/>
+        </a:xfrm>
+      </p:grpSpPr>
+      <p:sp>
+        <p:nvSpPr>
+          <p:cNvPr id="27649" name="Rectangle 7">
+            <a:extLst>
+              <a:ext uri="{FF2B5EF4-FFF2-40B4-BE49-F238E27FC236}">
+                <a16:creationId xmlns:a16="http://schemas.microsoft.com/office/drawing/2014/main" id="{26B35974-9596-874F-BF62-D392B702C477}"/>
+              </a:ext>
+            </a:extLst>
+          </p:cNvPr>
+          <p:cNvSpPr>
+            <a:spLocks noGrp="1" noChangeArrowheads="1"/>
+          </p:cNvSpPr>
+          <p:nvPr>
+            <p:ph type="sldNum" sz="quarter" idx="5"/>
+          </p:nvPr>
+        </p:nvSpPr>
+        <p:spPr>
+          <a:noFill/>
+          <a:ln/>
+          <a:extLst>
+            <a:ext uri="{909E8E84-426E-40DD-AFC4-6F175D3DCCD1}">
+              <a14:hiddenFill xmlns:a14="http://schemas.microsoft.com/office/drawing/2010/main">
+                <a:solidFill>
+                  <a:srgbClr val="FFFFFF"/>
+                </a:solidFill>
+              </a14:hiddenFill>
+            </a:ext>
+            <a:ext uri="{91240B29-F687-4F45-9708-019B960494DF}">
+              <a14:hiddenLine xmlns:a14="http://schemas.microsoft.com/office/drawing/2010/main" w="9525">
+                <a:solidFill>
+                  <a:srgbClr val="000000"/>
+                </a:solidFill>
+                <a:miter lim="800000"/>
+                <a:headEnd/>
+                <a:tailEnd/>
+              </a14:hiddenLine>
+            </a:ext>
+          </a:extLst>
+        </p:spPr>
+        <p:txBody>
+          <a:bodyPr/>
+          <a:lstStyle>
+            <a:lvl1pPr defTabSz="931863">
+              <a:spcBef>
+                <a:spcPct val="30000"/>
+              </a:spcBef>
+              <a:defRPr sz="1200">
+                <a:solidFill>
+                  <a:schemeClr val="tx1"/>
+                </a:solidFill>
+                <a:latin typeface="Times New Roman" panose="02020603050405020304" pitchFamily="18" charset="0"/>
+              </a:defRPr>
+            </a:lvl1pPr>
+            <a:lvl2pPr marL="742950" indent="-285750" defTabSz="931863">
+              <a:spcBef>
+                <a:spcPct val="30000"/>
+              </a:spcBef>
+              <a:defRPr sz="1200">
+                <a:solidFill>
+                  <a:schemeClr val="tx1"/>
+                </a:solidFill>
+                <a:latin typeface="Times New Roman" panose="02020603050405020304" pitchFamily="18" charset="0"/>
+              </a:defRPr>
+            </a:lvl2pPr>
+            <a:lvl3pPr marL="1143000" indent="-228600" defTabSz="931863">
+              <a:spcBef>
+                <a:spcPct val="30000"/>
+              </a:spcBef>
+              <a:defRPr sz="1200">
+                <a:solidFill>
+                  <a:schemeClr val="tx1"/>
+                </a:solidFill>
+                <a:latin typeface="Times New Roman" panose="02020603050405020304" pitchFamily="18" charset="0"/>
+              </a:defRPr>
+            </a:lvl3pPr>
+            <a:lvl4pPr marL="1600200" indent="-228600" defTabSz="931863">
+              <a:spcBef>
+                <a:spcPct val="30000"/>
+              </a:spcBef>
+              <a:defRPr sz="1200">
+                <a:solidFill>
+                  <a:schemeClr val="tx1"/>
+                </a:solidFill>
+                <a:latin typeface="Times New Roman" panose="02020603050405020304" pitchFamily="18" charset="0"/>
+              </a:defRPr>
+            </a:lvl4pPr>
+            <a:lvl5pPr marL="2057400" indent="-228600" defTabSz="931863">
+              <a:spcBef>
+                <a:spcPct val="30000"/>
+              </a:spcBef>
+              <a:defRPr sz="1200">
+                <a:solidFill>
+                  <a:schemeClr val="tx1"/>
+                </a:solidFill>
+                <a:latin typeface="Times New Roman" panose="02020603050405020304" pitchFamily="18" charset="0"/>
+              </a:defRPr>
+            </a:lvl5pPr>
+            <a:lvl6pPr marL="2514600" indent="-228600" defTabSz="931863" eaLnBrk="0" fontAlgn="base" hangingPunct="0">
+              <a:spcBef>
+                <a:spcPct val="30000"/>
+              </a:spcBef>
+              <a:spcAft>
+                <a:spcPct val="0"/>
+              </a:spcAft>
+              <a:defRPr sz="1200">
+                <a:solidFill>
+                  <a:schemeClr val="tx1"/>
+                </a:solidFill>
+                <a:latin typeface="Times New Roman" panose="02020603050405020304" pitchFamily="18" charset="0"/>
+              </a:defRPr>
+            </a:lvl6pPr>
+            <a:lvl7pPr marL="2971800" indent="-228600" defTabSz="931863" eaLnBrk="0" fontAlgn="base" hangingPunct="0">
+              <a:spcBef>
+                <a:spcPct val="30000"/>
+              </a:spcBef>
+              <a:spcAft>
+                <a:spcPct val="0"/>
+              </a:spcAft>
+              <a:defRPr sz="1200">
+                <a:solidFill>
+                  <a:schemeClr val="tx1"/>
+                </a:solidFill>
+                <a:latin typeface="Times New Roman" panose="02020603050405020304" pitchFamily="18" charset="0"/>
+              </a:defRPr>
+            </a:lvl7pPr>
+            <a:lvl8pPr marL="3429000" indent="-228600" defTabSz="931863" eaLnBrk="0" fontAlgn="base" hangingPunct="0">
+              <a:spcBef>
+                <a:spcPct val="30000"/>
+              </a:spcBef>
+              <a:spcAft>
+                <a:spcPct val="0"/>
+              </a:spcAft>
+              <a:defRPr sz="1200">
+                <a:solidFill>
+                  <a:schemeClr val="tx1"/>
+                </a:solidFill>
+                <a:latin typeface="Times New Roman" panose="02020603050405020304" pitchFamily="18" charset="0"/>
+              </a:defRPr>
+            </a:lvl8pPr>
+            <a:lvl9pPr marL="3886200" indent="-228600" defTabSz="931863" eaLnBrk="0" fontAlgn="base" hangingPunct="0">
+              <a:spcBef>
+                <a:spcPct val="30000"/>
+              </a:spcBef>
+              <a:spcAft>
+                <a:spcPct val="0"/>
+              </a:spcAft>
+              <a:defRPr sz="1200">
+                <a:solidFill>
+                  <a:schemeClr val="tx1"/>
+                </a:solidFill>
+                <a:latin typeface="Times New Roman" panose="02020603050405020304" pitchFamily="18" charset="0"/>
+              </a:defRPr>
+            </a:lvl9pPr>
+          </a:lstStyle>
+          <a:p>
+            <a:pPr>
+              <a:spcBef>
+                <a:spcPct val="0"/>
+              </a:spcBef>
+            </a:pPr>
+            <a:fld id="{C9A1DF91-53C9-8D42-A514-924A6CBAA8E7}" type="slidenum">
+              <a:rPr lang="en-US" altLang="en-US"/>
+              <a:pPr>
+                <a:spcBef>
+                  <a:spcPct val="0"/>
+                </a:spcBef>
+              </a:pPr>
+              <a:t>36</a:t>
+            </a:fld>
+            <a:endParaRPr lang="en-US" altLang="en-US"/>
+          </a:p>
+        </p:txBody>
+      </p:sp>
+      <p:sp>
+        <p:nvSpPr>
+          <p:cNvPr id="27650" name="Rectangle 2">
+            <a:extLst>
+              <a:ext uri="{FF2B5EF4-FFF2-40B4-BE49-F238E27FC236}">
+                <a16:creationId xmlns:a16="http://schemas.microsoft.com/office/drawing/2014/main" id="{0DC09F20-A6DA-9E41-84E3-DA1AB21E1D4C}"/>
+              </a:ext>
+            </a:extLst>
+          </p:cNvPr>
+          <p:cNvSpPr>
+            <a:spLocks noGrp="1" noRot="1" noChangeAspect="1" noChangeArrowheads="1" noTextEdit="1"/>
+          </p:cNvSpPr>
+          <p:nvPr>
+            <p:ph type="sldImg"/>
+          </p:nvPr>
+        </p:nvSpPr>
+        <p:spPr>
+          <a:xfrm>
+            <a:off x="1196975" y="692150"/>
+            <a:ext cx="4618038" cy="3463925"/>
+          </a:xfrm>
+          <a:ln/>
+        </p:spPr>
+      </p:sp>
+      <p:sp>
+        <p:nvSpPr>
+          <p:cNvPr id="27651" name="Rectangle 3">
+            <a:extLst>
+              <a:ext uri="{FF2B5EF4-FFF2-40B4-BE49-F238E27FC236}">
+                <a16:creationId xmlns:a16="http://schemas.microsoft.com/office/drawing/2014/main" id="{9B7339D8-1609-D041-B45E-872028DD6304}"/>
+              </a:ext>
+            </a:extLst>
+          </p:cNvPr>
+          <p:cNvSpPr>
+            <a:spLocks noGrp="1" noChangeArrowheads="1"/>
+          </p:cNvSpPr>
+          <p:nvPr>
+            <p:ph type="body" idx="1"/>
+          </p:nvPr>
+        </p:nvSpPr>
+        <p:spPr>
+          <a:noFill/>
+          <a:ln/>
+          <a:extLst>
+            <a:ext uri="{909E8E84-426E-40DD-AFC4-6F175D3DCCD1}">
+              <a14:hiddenFill xmlns:a14="http://schemas.microsoft.com/office/drawing/2010/main">
+                <a:solidFill>
+                  <a:srgbClr val="FFFFFF"/>
+                </a:solidFill>
+              </a14:hiddenFill>
+            </a:ext>
+            <a:ext uri="{91240B29-F687-4F45-9708-019B960494DF}">
+              <a14:hiddenLine xmlns:a14="http://schemas.microsoft.com/office/drawing/2010/main" w="9525">
+                <a:solidFill>
+                  <a:srgbClr val="000000"/>
+                </a:solidFill>
+                <a:miter lim="800000"/>
+                <a:headEnd/>
+                <a:tailEnd/>
+              </a14:hiddenLine>
+            </a:ext>
+          </a:extLst>
+        </p:spPr>
+        <p:txBody>
+          <a:bodyPr/>
+          <a:lstStyle/>
+          <a:p>
+            <a:endParaRPr lang="en-US" altLang="en-US"/>
+          </a:p>
+        </p:txBody>
+      </p:sp>
+    </p:spTree>
+    <p:extLst>
+      <p:ext uri="{BB962C8B-B14F-4D97-AF65-F5344CB8AC3E}">
+        <p14:creationId xmlns:p14="http://schemas.microsoft.com/office/powerpoint/2010/main" val="4191225801"/>
+      </p:ext>
+    </p:extLst>
+  </p:cSld>
+  <p:clrMapOvr>
+    <a:masterClrMapping/>
+  </p:clrMapOvr>
+</p:notes>
+</file>
+
+<file path=ppt/notesSlides/notesSlide9.xml><?xml version="1.0" encoding="utf-8"?>
+<p:notes xmlns:a="http://schemas.openxmlformats.org/drawingml/2006/main" xmlns:r="http://schemas.openxmlformats.org/officeDocument/2006/relationships" xmlns:p="http://schemas.openxmlformats.org/presentationml/2006/main">
+  <p:cSld>
+    <p:spTree>
+      <p:nvGrpSpPr>
+        <p:cNvPr id="1" name=""/>
+        <p:cNvGrpSpPr/>
+        <p:nvPr/>
+      </p:nvGrpSpPr>
+      <p:grpSpPr>
+        <a:xfrm>
+          <a:off x="0" y="0"/>
+          <a:ext cx="0" cy="0"/>
+          <a:chOff x="0" y="0"/>
+          <a:chExt cx="0" cy="0"/>
+        </a:xfrm>
+      </p:grpSpPr>
+      <p:sp>
+        <p:nvSpPr>
+          <p:cNvPr id="27649" name="Rectangle 7">
+            <a:extLst>
+              <a:ext uri="{FF2B5EF4-FFF2-40B4-BE49-F238E27FC236}">
+                <a16:creationId xmlns:a16="http://schemas.microsoft.com/office/drawing/2014/main" id="{26B35974-9596-874F-BF62-D392B702C477}"/>
+              </a:ext>
+            </a:extLst>
+          </p:cNvPr>
+          <p:cNvSpPr>
+            <a:spLocks noGrp="1" noChangeArrowheads="1"/>
+          </p:cNvSpPr>
+          <p:nvPr>
+            <p:ph type="sldNum" sz="quarter" idx="5"/>
+          </p:nvPr>
+        </p:nvSpPr>
+        <p:spPr>
+          <a:noFill/>
+          <a:ln/>
+          <a:extLst>
+            <a:ext uri="{909E8E84-426E-40DD-AFC4-6F175D3DCCD1}">
+              <a14:hiddenFill xmlns:a14="http://schemas.microsoft.com/office/drawing/2010/main">
+                <a:solidFill>
+                  <a:srgbClr val="FFFFFF"/>
+                </a:solidFill>
+              </a14:hiddenFill>
+            </a:ext>
+            <a:ext uri="{91240B29-F687-4F45-9708-019B960494DF}">
+              <a14:hiddenLine xmlns:a14="http://schemas.microsoft.com/office/drawing/2010/main" w="9525">
+                <a:solidFill>
+                  <a:srgbClr val="000000"/>
+                </a:solidFill>
+                <a:miter lim="800000"/>
+                <a:headEnd/>
+                <a:tailEnd/>
+              </a14:hiddenLine>
+            </a:ext>
+          </a:extLst>
+        </p:spPr>
+        <p:txBody>
+          <a:bodyPr/>
+          <a:lstStyle>
+            <a:lvl1pPr defTabSz="931863">
+              <a:spcBef>
+                <a:spcPct val="30000"/>
+              </a:spcBef>
+              <a:defRPr sz="1200">
+                <a:solidFill>
+                  <a:schemeClr val="tx1"/>
+                </a:solidFill>
+                <a:latin typeface="Times New Roman" panose="02020603050405020304" pitchFamily="18" charset="0"/>
+              </a:defRPr>
+            </a:lvl1pPr>
+            <a:lvl2pPr marL="742950" indent="-285750" defTabSz="931863">
+              <a:spcBef>
+                <a:spcPct val="30000"/>
+              </a:spcBef>
+              <a:defRPr sz="1200">
+                <a:solidFill>
+                  <a:schemeClr val="tx1"/>
+                </a:solidFill>
+                <a:latin typeface="Times New Roman" panose="02020603050405020304" pitchFamily="18" charset="0"/>
+              </a:defRPr>
+            </a:lvl2pPr>
+            <a:lvl3pPr marL="1143000" indent="-228600" defTabSz="931863">
+              <a:spcBef>
+                <a:spcPct val="30000"/>
+              </a:spcBef>
+              <a:defRPr sz="1200">
+                <a:solidFill>
+                  <a:schemeClr val="tx1"/>
+                </a:solidFill>
+                <a:latin typeface="Times New Roman" panose="02020603050405020304" pitchFamily="18" charset="0"/>
+              </a:defRPr>
+            </a:lvl3pPr>
+            <a:lvl4pPr marL="1600200" indent="-228600" defTabSz="931863">
+              <a:spcBef>
+                <a:spcPct val="30000"/>
+              </a:spcBef>
+              <a:defRPr sz="1200">
+                <a:solidFill>
+                  <a:schemeClr val="tx1"/>
+                </a:solidFill>
+                <a:latin typeface="Times New Roman" panose="02020603050405020304" pitchFamily="18" charset="0"/>
+              </a:defRPr>
+            </a:lvl4pPr>
+            <a:lvl5pPr marL="2057400" indent="-228600" defTabSz="931863">
+              <a:spcBef>
+                <a:spcPct val="30000"/>
+              </a:spcBef>
+              <a:defRPr sz="1200">
+                <a:solidFill>
+                  <a:schemeClr val="tx1"/>
+                </a:solidFill>
+                <a:latin typeface="Times New Roman" panose="02020603050405020304" pitchFamily="18" charset="0"/>
+              </a:defRPr>
+            </a:lvl5pPr>
+            <a:lvl6pPr marL="2514600" indent="-228600" defTabSz="931863" eaLnBrk="0" fontAlgn="base" hangingPunct="0">
+              <a:spcBef>
+                <a:spcPct val="30000"/>
+              </a:spcBef>
+              <a:spcAft>
+                <a:spcPct val="0"/>
+              </a:spcAft>
+              <a:defRPr sz="1200">
+                <a:solidFill>
+                  <a:schemeClr val="tx1"/>
+                </a:solidFill>
+                <a:latin typeface="Times New Roman" panose="02020603050405020304" pitchFamily="18" charset="0"/>
+              </a:defRPr>
+            </a:lvl6pPr>
+            <a:lvl7pPr marL="2971800" indent="-228600" defTabSz="931863" eaLnBrk="0" fontAlgn="base" hangingPunct="0">
+              <a:spcBef>
+                <a:spcPct val="30000"/>
+              </a:spcBef>
+              <a:spcAft>
+                <a:spcPct val="0"/>
+              </a:spcAft>
+              <a:defRPr sz="1200">
+                <a:solidFill>
+                  <a:schemeClr val="tx1"/>
+                </a:solidFill>
+                <a:latin typeface="Times New Roman" panose="02020603050405020304" pitchFamily="18" charset="0"/>
+              </a:defRPr>
+            </a:lvl7pPr>
+            <a:lvl8pPr marL="3429000" indent="-228600" defTabSz="931863" eaLnBrk="0" fontAlgn="base" hangingPunct="0">
+              <a:spcBef>
+                <a:spcPct val="30000"/>
+              </a:spcBef>
+              <a:spcAft>
+                <a:spcPct val="0"/>
+              </a:spcAft>
+              <a:defRPr sz="1200">
+                <a:solidFill>
+                  <a:schemeClr val="tx1"/>
+                </a:solidFill>
+                <a:latin typeface="Times New Roman" panose="02020603050405020304" pitchFamily="18" charset="0"/>
+              </a:defRPr>
+            </a:lvl8pPr>
+            <a:lvl9pPr marL="3886200" indent="-228600" defTabSz="931863" eaLnBrk="0" fontAlgn="base" hangingPunct="0">
+              <a:spcBef>
+                <a:spcPct val="30000"/>
+              </a:spcBef>
+              <a:spcAft>
+                <a:spcPct val="0"/>
+              </a:spcAft>
+              <a:defRPr sz="1200">
+                <a:solidFill>
+                  <a:schemeClr val="tx1"/>
+                </a:solidFill>
+                <a:latin typeface="Times New Roman" panose="02020603050405020304" pitchFamily="18" charset="0"/>
+              </a:defRPr>
+            </a:lvl9pPr>
+          </a:lstStyle>
+          <a:p>
+            <a:pPr>
+              <a:spcBef>
+                <a:spcPct val="0"/>
+              </a:spcBef>
+            </a:pPr>
+            <a:fld id="{C9A1DF91-53C9-8D42-A514-924A6CBAA8E7}" type="slidenum">
+              <a:rPr lang="en-US" altLang="en-US"/>
+              <a:pPr>
+                <a:spcBef>
+                  <a:spcPct val="0"/>
+                </a:spcBef>
+              </a:pPr>
+              <a:t>37</a:t>
+            </a:fld>
+            <a:endParaRPr lang="en-US" altLang="en-US"/>
+          </a:p>
+        </p:txBody>
+      </p:sp>
+      <p:sp>
+        <p:nvSpPr>
+          <p:cNvPr id="27650" name="Rectangle 2">
+            <a:extLst>
+              <a:ext uri="{FF2B5EF4-FFF2-40B4-BE49-F238E27FC236}">
+                <a16:creationId xmlns:a16="http://schemas.microsoft.com/office/drawing/2014/main" id="{0DC09F20-A6DA-9E41-84E3-DA1AB21E1D4C}"/>
+              </a:ext>
+            </a:extLst>
+          </p:cNvPr>
+          <p:cNvSpPr>
+            <a:spLocks noGrp="1" noRot="1" noChangeAspect="1" noChangeArrowheads="1" noTextEdit="1"/>
+          </p:cNvSpPr>
+          <p:nvPr>
+            <p:ph type="sldImg"/>
+          </p:nvPr>
+        </p:nvSpPr>
+        <p:spPr>
+          <a:xfrm>
+            <a:off x="1196975" y="692150"/>
+            <a:ext cx="4618038" cy="3463925"/>
+          </a:xfrm>
+          <a:ln/>
+        </p:spPr>
+      </p:sp>
+      <p:sp>
+        <p:nvSpPr>
+          <p:cNvPr id="27651" name="Rectangle 3">
+            <a:extLst>
+              <a:ext uri="{FF2B5EF4-FFF2-40B4-BE49-F238E27FC236}">
+                <a16:creationId xmlns:a16="http://schemas.microsoft.com/office/drawing/2014/main" id="{9B7339D8-1609-D041-B45E-872028DD6304}"/>
+              </a:ext>
+            </a:extLst>
+          </p:cNvPr>
+          <p:cNvSpPr>
+            <a:spLocks noGrp="1" noChangeArrowheads="1"/>
+          </p:cNvSpPr>
+          <p:nvPr>
+            <p:ph type="body" idx="1"/>
+          </p:nvPr>
+        </p:nvSpPr>
+        <p:spPr>
+          <a:noFill/>
+          <a:ln/>
+          <a:extLst>
+            <a:ext uri="{909E8E84-426E-40DD-AFC4-6F175D3DCCD1}">
+              <a14:hiddenFill xmlns:a14="http://schemas.microsoft.com/office/drawing/2010/main">
+                <a:solidFill>
+                  <a:srgbClr val="FFFFFF"/>
+                </a:solidFill>
+              </a14:hiddenFill>
+            </a:ext>
+            <a:ext uri="{91240B29-F687-4F45-9708-019B960494DF}">
+              <a14:hiddenLine xmlns:a14="http://schemas.microsoft.com/office/drawing/2010/main" w="9525">
+                <a:solidFill>
+                  <a:srgbClr val="000000"/>
+                </a:solidFill>
+                <a:miter lim="800000"/>
+                <a:headEnd/>
+                <a:tailEnd/>
+              </a14:hiddenLine>
+            </a:ext>
+          </a:extLst>
+        </p:spPr>
+        <p:txBody>
+          <a:bodyPr/>
+          <a:lstStyle/>
+          <a:p>
+            <a:endParaRPr lang="en-US" altLang="en-US"/>
+          </a:p>
+        </p:txBody>
+      </p:sp>
+    </p:spTree>
+    <p:extLst>
+      <p:ext uri="{BB962C8B-B14F-4D97-AF65-F5344CB8AC3E}">
+        <p14:creationId xmlns:p14="http://schemas.microsoft.com/office/powerpoint/2010/main" val="2518464872"/>
+      </p:ext>
+    </p:extLst>
+  </p:cSld>
+  <p:clrMapOvr>
+    <a:masterClrMapping/>
+  </p:clrMapOvr>
+</p:notes>
 </file>
 
 <file path=ppt/slideLayouts/slideLayout1.xml><?xml version="1.0" encoding="utf-8"?>
@@ -1395,7 +3510,7 @@
             <a:fld id="{B61BEF0D-F0BB-DE4B-95CE-6DB70DBA9567}" type="datetimeFigureOut">
               <a:rPr lang="en-US" dirty="0"/>
               <a:pPr/>
-              <a:t>2/9/21</a:t>
+              <a:t>3/22/21</a:t>
             </a:fld>
             <a:endParaRPr lang="en-US" dirty="0"/>
           </a:p>
@@ -1654,7 +3769,7 @@
             <a:fld id="{B61BEF0D-F0BB-DE4B-95CE-6DB70DBA9567}" type="datetimeFigureOut">
               <a:rPr lang="en-US" dirty="0"/>
               <a:pPr/>
-              <a:t>2/9/21</a:t>
+              <a:t>3/22/21</a:t>
             </a:fld>
             <a:endParaRPr lang="en-US" dirty="0"/>
           </a:p>
@@ -1886,7 +4001,7 @@
             <a:fld id="{B61BEF0D-F0BB-DE4B-95CE-6DB70DBA9567}" type="datetimeFigureOut">
               <a:rPr lang="en-US" dirty="0"/>
               <a:pPr/>
-              <a:t>2/9/21</a:t>
+              <a:t>3/22/21</a:t>
             </a:fld>
             <a:endParaRPr lang="en-US" dirty="0"/>
           </a:p>
@@ -2123,7 +4238,7 @@
             <a:fld id="{B61BEF0D-F0BB-DE4B-95CE-6DB70DBA9567}" type="datetimeFigureOut">
               <a:rPr lang="en-US" dirty="0"/>
               <a:pPr/>
-              <a:t>2/9/21</a:t>
+              <a:t>3/22/21</a:t>
             </a:fld>
             <a:endParaRPr lang="en-US" dirty="0"/>
           </a:p>
@@ -2427,7 +4542,7 @@
             <a:fld id="{B61BEF0D-F0BB-DE4B-95CE-6DB70DBA9567}" type="datetimeFigureOut">
               <a:rPr lang="en-US" dirty="0"/>
               <a:pPr/>
-              <a:t>2/9/21</a:t>
+              <a:t>3/22/21</a:t>
             </a:fld>
             <a:endParaRPr lang="en-US" dirty="0"/>
           </a:p>
@@ -2726,7 +4841,7 @@
             <a:fld id="{B61BEF0D-F0BB-DE4B-95CE-6DB70DBA9567}" type="datetimeFigureOut">
               <a:rPr lang="en-US" dirty="0"/>
               <a:pPr/>
-              <a:t>2/9/21</a:t>
+              <a:t>3/22/21</a:t>
             </a:fld>
             <a:endParaRPr lang="en-US" dirty="0"/>
           </a:p>
@@ -3145,7 +5260,7 @@
             <a:fld id="{B61BEF0D-F0BB-DE4B-95CE-6DB70DBA9567}" type="datetimeFigureOut">
               <a:rPr lang="en-US" dirty="0"/>
               <a:pPr/>
-              <a:t>2/9/21</a:t>
+              <a:t>3/22/21</a:t>
             </a:fld>
             <a:endParaRPr lang="en-US" dirty="0"/>
           </a:p>
@@ -3304,7 +5419,7 @@
             <a:fld id="{B61BEF0D-F0BB-DE4B-95CE-6DB70DBA9567}" type="datetimeFigureOut">
               <a:rPr lang="en-US" dirty="0"/>
               <a:pPr/>
-              <a:t>2/9/21</a:t>
+              <a:t>3/22/21</a:t>
             </a:fld>
             <a:endParaRPr lang="en-US" dirty="0"/>
           </a:p>
@@ -3396,7 +5511,7 @@
             <a:fld id="{B61BEF0D-F0BB-DE4B-95CE-6DB70DBA9567}" type="datetimeFigureOut">
               <a:rPr lang="en-US" dirty="0"/>
               <a:pPr/>
-              <a:t>2/9/21</a:t>
+              <a:t>3/22/21</a:t>
             </a:fld>
             <a:endParaRPr lang="en-US" dirty="0"/>
           </a:p>
@@ -3771,7 +5886,7 @@
             <a:fld id="{B61BEF0D-F0BB-DE4B-95CE-6DB70DBA9567}" type="datetimeFigureOut">
               <a:rPr lang="en-US" dirty="0"/>
               <a:pPr/>
-              <a:t>2/9/21</a:t>
+              <a:t>3/22/21</a:t>
             </a:fld>
             <a:endParaRPr lang="en-US" dirty="0"/>
           </a:p>
@@ -4057,7 +6172,7 @@
             <a:fld id="{B61BEF0D-F0BB-DE4B-95CE-6DB70DBA9567}" type="datetimeFigureOut">
               <a:rPr lang="en-US" dirty="0"/>
               <a:pPr/>
-              <a:t>2/9/21</a:t>
+              <a:t>3/22/21</a:t>
             </a:fld>
             <a:endParaRPr lang="en-US" dirty="0"/>
           </a:p>
@@ -4265,7 +6380,7 @@
             <a:fld id="{B61BEF0D-F0BB-DE4B-95CE-6DB70DBA9567}" type="datetimeFigureOut">
               <a:rPr lang="en-US" dirty="0"/>
               <a:pPr/>
-              <a:t>2/9/21</a:t>
+              <a:t>3/22/21</a:t>
             </a:fld>
             <a:endParaRPr lang="en-US" dirty="0"/>
           </a:p>
@@ -8574,11 +10689,11 @@
                   <a:srgbClr val="C00000"/>
                 </a:solidFill>
               </a:rPr>
-              <a:t>Idea 1: </a:t>
+              <a:t>Strategy 1: </a:t>
             </a:r>
             <a:r>
               <a:rPr lang="en-US" sz="2800" dirty="0"/>
-              <a:t>Skip data points where any feature contains a missing value </a:t>
+              <a:t>Skip data points with a missing value </a:t>
             </a:r>
           </a:p>
           <a:p>
@@ -8597,7 +10712,7 @@
                   <a:srgbClr val="C00000"/>
                 </a:solidFill>
               </a:rPr>
-              <a:t>Idea 2: </a:t>
+              <a:t>Strategy 2: </a:t>
             </a:r>
             <a:r>
               <a:rPr lang="en-US" sz="2800" dirty="0"/>
@@ -8765,7 +10880,7 @@
         <p:spPr>
           <a:xfrm>
             <a:off x="581192" y="2014892"/>
-            <a:ext cx="10446472" cy="3970318"/>
+            <a:ext cx="11257882" cy="3970318"/>
           </a:xfrm>
           <a:prstGeom prst="rect">
             <a:avLst/>
@@ -8794,7 +10909,7 @@
             </a:pPr>
             <a:r>
               <a:rPr lang="en-US" sz="2800" dirty="0"/>
-              <a:t>East to understand and implement</a:t>
+              <a:t>Easy to understand and implement</a:t>
             </a:r>
           </a:p>
           <a:p>
@@ -8804,7 +10919,7 @@
             </a:pPr>
             <a:r>
               <a:rPr lang="en-US" sz="2800" dirty="0"/>
-              <a:t>Can be applied to any machine learning model</a:t>
+              <a:t>Applied to all machine learning model</a:t>
             </a:r>
           </a:p>
           <a:p>
@@ -8827,7 +10942,7 @@
             </a:pPr>
             <a:r>
               <a:rPr lang="en-US" sz="2800" dirty="0"/>
-              <a:t>Removing data points and features may remove important information</a:t>
+              <a:t>Removing data points and features may take off some important information</a:t>
             </a:r>
           </a:p>
           <a:p>
@@ -8837,15 +10952,7 @@
             </a:pPr>
             <a:r>
               <a:rPr lang="en-US" sz="2800" dirty="0"/>
-              <a:t>Unclear when it’s better to remove data points </a:t>
-            </a:r>
-            <a:r>
-              <a:rPr lang="en-US" sz="2800" dirty="0" err="1"/>
-              <a:t>v.s</a:t>
-            </a:r>
-            <a:r>
-              <a:rPr lang="en-US" sz="2800" dirty="0"/>
-              <a:t>. features</a:t>
+              <a:t>Unclear when it’s better to remove data points or features</a:t>
             </a:r>
           </a:p>
           <a:p>
@@ -8855,7 +10962,7 @@
             </a:pPr>
             <a:r>
               <a:rPr lang="en-US" sz="2800" dirty="0"/>
-              <a:t>Doesn’t help if data is missing at prediction part. </a:t>
+              <a:t>Doesn’t help if data is missing at prediction part</a:t>
             </a:r>
           </a:p>
         </p:txBody>
@@ -9955,7 +12062,7 @@
     </p:tnLst>
     <p:bldLst>
       <p:bldP spid="10" grpId="0" animBg="1"/>
-      <p:bldP spid="11" grpId="0"/>
+      <p:bldP spid="11" grpId="0" animBg="1"/>
     </p:bldLst>
   </p:timing>
 </p:sld>
@@ -10022,26 +12129,124 @@
           </p:cNvPicPr>
           <p:nvPr/>
         </p:nvPicPr>
-        <p:blipFill>
+        <p:blipFill rotWithShape="1">
           <a:blip r:embed="rId2"/>
-          <a:stretch>
-            <a:fillRect/>
-          </a:stretch>
+          <a:srcRect b="28012"/>
+          <a:stretch/>
         </p:blipFill>
         <p:spPr>
           <a:xfrm>
             <a:off x="2222500" y="2331012"/>
-            <a:ext cx="7947133" cy="4526988"/>
+            <a:ext cx="7947133" cy="3258905"/>
           </a:xfrm>
           <a:prstGeom prst="rect">
             <a:avLst/>
           </a:prstGeom>
         </p:spPr>
       </p:pic>
+      <p:pic>
+        <p:nvPicPr>
+          <p:cNvPr id="4" name="Picture 3" descr="Diagram&#10;&#10;Description automatically generated">
+            <a:extLst>
+              <a:ext uri="{FF2B5EF4-FFF2-40B4-BE49-F238E27FC236}">
+                <a16:creationId xmlns:a16="http://schemas.microsoft.com/office/drawing/2014/main" id="{43F78590-8ECD-CD40-9B2D-292D880C4DD0}"/>
+              </a:ext>
+            </a:extLst>
+          </p:cNvPr>
+          <p:cNvPicPr>
+            <a:picLocks noChangeAspect="1"/>
+          </p:cNvPicPr>
+          <p:nvPr/>
+        </p:nvPicPr>
+        <p:blipFill rotWithShape="1">
+          <a:blip r:embed="rId2"/>
+          <a:srcRect l="58691" t="49593" r="26112" b="28012"/>
+          <a:stretch/>
+        </p:blipFill>
+        <p:spPr>
+          <a:xfrm>
+            <a:off x="2760453" y="4676218"/>
+            <a:ext cx="1207698" cy="1013800"/>
+          </a:xfrm>
+          <a:prstGeom prst="rect">
+            <a:avLst/>
+          </a:prstGeom>
+        </p:spPr>
+      </p:pic>
+      <p:sp>
+        <p:nvSpPr>
+          <p:cNvPr id="6" name="TextBox 5">
+            <a:extLst>
+              <a:ext uri="{FF2B5EF4-FFF2-40B4-BE49-F238E27FC236}">
+                <a16:creationId xmlns:a16="http://schemas.microsoft.com/office/drawing/2014/main" id="{4C4D8DDA-0561-154E-8861-45158CA3272C}"/>
+              </a:ext>
+            </a:extLst>
+          </p:cNvPr>
+          <p:cNvSpPr txBox="1"/>
+          <p:nvPr/>
+        </p:nvSpPr>
+        <p:spPr>
+          <a:xfrm>
+            <a:off x="2129590" y="5660061"/>
+            <a:ext cx="3222357" cy="369332"/>
+          </a:xfrm>
+          <a:prstGeom prst="rect">
+            <a:avLst/>
+          </a:prstGeom>
+          <a:noFill/>
+        </p:spPr>
+        <p:txBody>
+          <a:bodyPr wrap="none" rtlCol="0">
+            <a:spAutoFit/>
+          </a:bodyPr>
+          <a:lstStyle/>
+          <a:p>
+            <a:r>
+              <a:rPr lang="en-US" dirty="0"/>
+              <a:t>Original data with missing values</a:t>
+            </a:r>
+          </a:p>
+        </p:txBody>
+      </p:sp>
+      <p:sp>
+        <p:nvSpPr>
+          <p:cNvPr id="7" name="TextBox 6">
+            <a:extLst>
+              <a:ext uri="{FF2B5EF4-FFF2-40B4-BE49-F238E27FC236}">
+                <a16:creationId xmlns:a16="http://schemas.microsoft.com/office/drawing/2014/main" id="{206C7CBD-45B7-E546-9DA0-45D41C3CD4E0}"/>
+              </a:ext>
+            </a:extLst>
+          </p:cNvPr>
+          <p:cNvSpPr txBox="1"/>
+          <p:nvPr/>
+        </p:nvSpPr>
+        <p:spPr>
+          <a:xfrm>
+            <a:off x="6577264" y="5631673"/>
+            <a:ext cx="2804935" cy="369332"/>
+          </a:xfrm>
+          <a:prstGeom prst="rect">
+            <a:avLst/>
+          </a:prstGeom>
+          <a:noFill/>
+        </p:spPr>
+        <p:txBody>
+          <a:bodyPr wrap="none" rtlCol="0">
+            <a:spAutoFit/>
+          </a:bodyPr>
+          <a:lstStyle/>
+          <a:p>
+            <a:r>
+              <a:rPr lang="en-US" dirty="0"/>
+              <a:t>Same number of data points</a:t>
+            </a:r>
+          </a:p>
+        </p:txBody>
+      </p:sp>
     </p:spTree>
     <p:extLst>
       <p:ext uri="{BB962C8B-B14F-4D97-AF65-F5344CB8AC3E}">
-        <p14:creationId xmlns:p14="http://schemas.microsoft.com/office/powerpoint/2010/main" val="3947166227"/>
+        <p14:creationId xmlns:p14="http://schemas.microsoft.com/office/powerpoint/2010/main" val="2023395835"/>
       </p:ext>
     </p:extLst>
   </p:cSld>
@@ -10444,7 +12649,7 @@
       </p:par>
     </p:tnLst>
     <p:bldLst>
-      <p:bldP spid="10" grpId="0"/>
+      <p:bldP spid="10" grpId="0" animBg="1"/>
     </p:bldLst>
   </p:timing>
 </p:sld>
@@ -10509,22 +12714,56 @@
           </p:cNvPicPr>
           <p:nvPr/>
         </p:nvPicPr>
-        <p:blipFill>
+        <p:blipFill rotWithShape="1">
           <a:blip r:embed="rId2"/>
-          <a:stretch>
-            <a:fillRect/>
-          </a:stretch>
+          <a:srcRect r="38272"/>
+          <a:stretch/>
         </p:blipFill>
         <p:spPr>
           <a:xfrm>
             <a:off x="2497915" y="1896027"/>
-            <a:ext cx="6322646" cy="4031217"/>
+            <a:ext cx="3902885" cy="4031217"/>
           </a:xfrm>
           <a:prstGeom prst="rect">
             <a:avLst/>
           </a:prstGeom>
         </p:spPr>
       </p:pic>
+      <p:sp>
+        <p:nvSpPr>
+          <p:cNvPr id="3" name="TextBox 2">
+            <a:extLst>
+              <a:ext uri="{FF2B5EF4-FFF2-40B4-BE49-F238E27FC236}">
+                <a16:creationId xmlns:a16="http://schemas.microsoft.com/office/drawing/2014/main" id="{27E91F0A-50B5-0945-B79D-A1F84D5F4199}"/>
+              </a:ext>
+            </a:extLst>
+          </p:cNvPr>
+          <p:cNvSpPr txBox="1"/>
+          <p:nvPr/>
+        </p:nvSpPr>
+        <p:spPr>
+          <a:xfrm>
+            <a:off x="6893379" y="3542303"/>
+            <a:ext cx="2543838" cy="369332"/>
+          </a:xfrm>
+          <a:prstGeom prst="rect">
+            <a:avLst/>
+          </a:prstGeom>
+          <a:noFill/>
+        </p:spPr>
+        <p:txBody>
+          <a:bodyPr wrap="none" rtlCol="0">
+            <a:spAutoFit/>
+          </a:bodyPr>
+          <a:lstStyle/>
+          <a:p>
+            <a:r>
+              <a:rPr lang="en-US" dirty="0"/>
+              <a:t>x and y values are known</a:t>
+            </a:r>
+          </a:p>
+        </p:txBody>
+      </p:sp>
     </p:spTree>
     <p:extLst>
       <p:ext uri="{BB962C8B-B14F-4D97-AF65-F5344CB8AC3E}">
@@ -10925,7 +13164,7 @@
       </p:par>
     </p:tnLst>
     <p:bldLst>
-      <p:bldP spid="10" grpId="0"/>
+      <p:bldP spid="10" grpId="0" animBg="1"/>
     </p:bldLst>
   </p:timing>
 </p:sld>
@@ -10993,7 +13232,7 @@
         <p:spPr>
           <a:xfrm>
             <a:off x="897467" y="1993544"/>
-            <a:ext cx="9373245" cy="3108543"/>
+            <a:ext cx="9373245" cy="2246769"/>
           </a:xfrm>
           <a:prstGeom prst="rect">
             <a:avLst/>
@@ -11028,11 +13267,11 @@
                   <a:srgbClr val="C00000"/>
                 </a:solidFill>
               </a:rPr>
-              <a:t>Categorical features </a:t>
+              <a:t>Categorical features</a:t>
             </a:r>
             <a:r>
               <a:rPr lang="en-US" sz="2800" dirty="0"/>
-              <a:t>use mode: Most popular value (mode) of non-missing</a:t>
+              <a:t>: Most popular value of non-missing</a:t>
             </a:r>
           </a:p>
           <a:p>
@@ -11051,11 +13290,11 @@
                   <a:srgbClr val="C00000"/>
                 </a:solidFill>
               </a:rPr>
-              <a:t>Numerical features </a:t>
+              <a:t>Numerical features</a:t>
             </a:r>
             <a:r>
               <a:rPr lang="en-US" sz="2800" dirty="0"/>
-              <a:t>use average or median: Average or median value of non-missing</a:t>
+              <a:t>: Average or median value of non-missing</a:t>
             </a:r>
           </a:p>
         </p:txBody>
@@ -11213,7 +13452,7 @@
         <p:spPr>
           <a:xfrm>
             <a:off x="897467" y="1993544"/>
-            <a:ext cx="11029616" cy="3970318"/>
+            <a:ext cx="11029616" cy="4832092"/>
           </a:xfrm>
           <a:prstGeom prst="rect">
             <a:avLst/>
@@ -11249,14 +13488,28 @@
             <a:pPr algn="just"/>
             <a:r>
               <a:rPr lang="en-US" sz="2800" dirty="0"/>
-              <a:t>• Can be applied to any model (decision trees, logistic regression, linear regression,…) </a:t>
+              <a:t>• works for all machine learning models </a:t>
             </a:r>
           </a:p>
           <a:p>
             <a:pPr algn="just"/>
             <a:r>
               <a:rPr lang="en-US" sz="2800" dirty="0"/>
-              <a:t>• Can be used at prediction time: use same imputation rules</a:t>
+              <a:t>	(logistic regression, decision trees, …) </a:t>
+            </a:r>
+          </a:p>
+          <a:p>
+            <a:pPr algn="just"/>
+            <a:r>
+              <a:rPr lang="en-US" sz="2800" dirty="0"/>
+              <a:t>• works for missing values in the prediction part</a:t>
+            </a:r>
+          </a:p>
+          <a:p>
+            <a:pPr algn="just"/>
+            <a:r>
+              <a:rPr lang="en-US" sz="2800" dirty="0"/>
+              <a:t>	use the same imputation rules</a:t>
             </a:r>
           </a:p>
           <a:p>
@@ -11278,7 +13531,7 @@
             <a:pPr algn="just"/>
             <a:r>
               <a:rPr lang="en-US" sz="2800" dirty="0"/>
-              <a:t>• May result in systematic errors</a:t>
+              <a:t>• May have systematic errors</a:t>
             </a:r>
           </a:p>
           <a:p>
@@ -11293,7 +13546,7 @@
             </a:r>
             <a:r>
               <a:rPr lang="en-US" sz="2800" dirty="0"/>
-              <a:t>Feature “age” missing in all banks in Washington by state law</a:t>
+              <a:t>a feature is missing in the entire dataset in one place but is not missing in another dataset. </a:t>
             </a:r>
           </a:p>
         </p:txBody>
@@ -11699,1761 +13952,6 @@
           </a:p>
         </p:txBody>
       </p:sp>
-      <mc:AlternateContent xmlns:mc="http://schemas.openxmlformats.org/markup-compatibility/2006">
-        <mc:Choice xmlns:p14="http://schemas.microsoft.com/office/powerpoint/2010/main" xmlns:aink="http://schemas.microsoft.com/office/drawing/2016/ink" Requires="p14 aink">
-          <p:contentPart p14:bwMode="auto" r:id="rId3">
-            <p14:nvContentPartPr>
-              <p14:cNvPr id="5" name="Ink 4">
-                <a:extLst>
-                  <a:ext uri="{FF2B5EF4-FFF2-40B4-BE49-F238E27FC236}">
-                    <a16:creationId xmlns:a16="http://schemas.microsoft.com/office/drawing/2014/main" id="{8606F353-E30E-5A4A-9C42-596258866C55}"/>
-                  </a:ext>
-                </a:extLst>
-              </p14:cNvPr>
-              <p14:cNvContentPartPr/>
-              <p14:nvPr/>
-            </p14:nvContentPartPr>
-            <p14:xfrm>
-              <a:off x="5662080" y="2297440"/>
-              <a:ext cx="2415960" cy="2250000"/>
-            </p14:xfrm>
-          </p:contentPart>
-        </mc:Choice>
-        <mc:Fallback>
-          <p:pic>
-            <p:nvPicPr>
-              <p:cNvPr id="5" name="Ink 4">
-                <a:extLst>
-                  <a:ext uri="{FF2B5EF4-FFF2-40B4-BE49-F238E27FC236}">
-                    <a16:creationId xmlns:a16="http://schemas.microsoft.com/office/drawing/2014/main" id="{8606F353-E30E-5A4A-9C42-596258866C55}"/>
-                  </a:ext>
-                </a:extLst>
-              </p:cNvPr>
-              <p:cNvPicPr/>
-              <p:nvPr/>
-            </p:nvPicPr>
-            <p:blipFill>
-              <a:blip r:embed="rId4"/>
-              <a:stretch>
-                <a:fillRect/>
-              </a:stretch>
-            </p:blipFill>
-            <p:spPr>
-              <a:xfrm>
-                <a:off x="5644440" y="2189800"/>
-                <a:ext cx="2451600" cy="2465640"/>
-              </a:xfrm>
-              <a:prstGeom prst="rect">
-                <a:avLst/>
-              </a:prstGeom>
-            </p:spPr>
-          </p:pic>
-        </mc:Fallback>
-      </mc:AlternateContent>
-      <mc:AlternateContent xmlns:mc="http://schemas.openxmlformats.org/markup-compatibility/2006">
-        <mc:Choice xmlns:p14="http://schemas.microsoft.com/office/powerpoint/2010/main" xmlns:aink="http://schemas.microsoft.com/office/drawing/2016/ink" Requires="p14 aink">
-          <p:contentPart p14:bwMode="auto" r:id="rId5">
-            <p14:nvContentPartPr>
-              <p14:cNvPr id="6" name="Ink 5">
-                <a:extLst>
-                  <a:ext uri="{FF2B5EF4-FFF2-40B4-BE49-F238E27FC236}">
-                    <a16:creationId xmlns:a16="http://schemas.microsoft.com/office/drawing/2014/main" id="{01809612-125C-7F4D-8135-384A8B2B5EF7}"/>
-                  </a:ext>
-                </a:extLst>
-              </p14:cNvPr>
-              <p14:cNvContentPartPr/>
-              <p14:nvPr/>
-            </p14:nvContentPartPr>
-            <p14:xfrm>
-              <a:off x="3502080" y="2251360"/>
-              <a:ext cx="4640760" cy="2379240"/>
-            </p14:xfrm>
-          </p:contentPart>
-        </mc:Choice>
-        <mc:Fallback>
-          <p:pic>
-            <p:nvPicPr>
-              <p:cNvPr id="6" name="Ink 5">
-                <a:extLst>
-                  <a:ext uri="{FF2B5EF4-FFF2-40B4-BE49-F238E27FC236}">
-                    <a16:creationId xmlns:a16="http://schemas.microsoft.com/office/drawing/2014/main" id="{01809612-125C-7F4D-8135-384A8B2B5EF7}"/>
-                  </a:ext>
-                </a:extLst>
-              </p:cNvPr>
-              <p:cNvPicPr/>
-              <p:nvPr/>
-            </p:nvPicPr>
-            <p:blipFill>
-              <a:blip r:embed="rId6"/>
-              <a:stretch>
-                <a:fillRect/>
-              </a:stretch>
-            </p:blipFill>
-            <p:spPr>
-              <a:xfrm>
-                <a:off x="3484080" y="2143720"/>
-                <a:ext cx="4676400" cy="2594880"/>
-              </a:xfrm>
-              <a:prstGeom prst="rect">
-                <a:avLst/>
-              </a:prstGeom>
-            </p:spPr>
-          </p:pic>
-        </mc:Fallback>
-      </mc:AlternateContent>
-      <mc:AlternateContent xmlns:mc="http://schemas.openxmlformats.org/markup-compatibility/2006">
-        <mc:Choice xmlns:p14="http://schemas.microsoft.com/office/powerpoint/2010/main" xmlns:aink="http://schemas.microsoft.com/office/drawing/2016/ink" Requires="p14 aink">
-          <p:contentPart p14:bwMode="auto" r:id="rId7">
-            <p14:nvContentPartPr>
-              <p14:cNvPr id="34" name="Ink 33">
-                <a:extLst>
-                  <a:ext uri="{FF2B5EF4-FFF2-40B4-BE49-F238E27FC236}">
-                    <a16:creationId xmlns:a16="http://schemas.microsoft.com/office/drawing/2014/main" id="{C6235001-B7BD-8745-9F97-4FEBE7466B1A}"/>
-                  </a:ext>
-                </a:extLst>
-              </p14:cNvPr>
-              <p14:cNvContentPartPr/>
-              <p14:nvPr/>
-            </p14:nvContentPartPr>
-            <p14:xfrm>
-              <a:off x="8735760" y="2910160"/>
-              <a:ext cx="703800" cy="64440"/>
-            </p14:xfrm>
-          </p:contentPart>
-        </mc:Choice>
-        <mc:Fallback>
-          <p:pic>
-            <p:nvPicPr>
-              <p:cNvPr id="34" name="Ink 33">
-                <a:extLst>
-                  <a:ext uri="{FF2B5EF4-FFF2-40B4-BE49-F238E27FC236}">
-                    <a16:creationId xmlns:a16="http://schemas.microsoft.com/office/drawing/2014/main" id="{C6235001-B7BD-8745-9F97-4FEBE7466B1A}"/>
-                  </a:ext>
-                </a:extLst>
-              </p:cNvPr>
-              <p:cNvPicPr/>
-              <p:nvPr/>
-            </p:nvPicPr>
-            <p:blipFill>
-              <a:blip r:embed="rId8"/>
-              <a:stretch>
-                <a:fillRect/>
-              </a:stretch>
-            </p:blipFill>
-            <p:spPr>
-              <a:xfrm>
-                <a:off x="8717760" y="2802160"/>
-                <a:ext cx="739440" cy="280080"/>
-              </a:xfrm>
-              <a:prstGeom prst="rect">
-                <a:avLst/>
-              </a:prstGeom>
-            </p:spPr>
-          </p:pic>
-        </mc:Fallback>
-      </mc:AlternateContent>
-      <p:grpSp>
-        <p:nvGrpSpPr>
-          <p:cNvPr id="43" name="Group 42">
-            <a:extLst>
-              <a:ext uri="{FF2B5EF4-FFF2-40B4-BE49-F238E27FC236}">
-                <a16:creationId xmlns:a16="http://schemas.microsoft.com/office/drawing/2014/main" id="{77A51FEE-97D5-BD4E-8F79-9725E9437421}"/>
-              </a:ext>
-            </a:extLst>
-          </p:cNvPr>
-          <p:cNvGrpSpPr/>
-          <p:nvPr/>
-        </p:nvGrpSpPr>
-        <p:grpSpPr>
-          <a:xfrm>
-            <a:off x="1225800" y="2028160"/>
-            <a:ext cx="10175400" cy="1361520"/>
-            <a:chOff x="1225800" y="2028160"/>
-            <a:chExt cx="10175400" cy="1361520"/>
-          </a:xfrm>
-        </p:grpSpPr>
-        <mc:AlternateContent xmlns:mc="http://schemas.openxmlformats.org/markup-compatibility/2006">
-          <mc:Choice xmlns:p14="http://schemas.microsoft.com/office/powerpoint/2010/main" xmlns:aink="http://schemas.microsoft.com/office/drawing/2016/ink" Requires="p14 aink">
-            <p:contentPart p14:bwMode="auto" r:id="rId9">
-              <p14:nvContentPartPr>
-                <p14:cNvPr id="7" name="Ink 6">
-                  <a:extLst>
-                    <a:ext uri="{FF2B5EF4-FFF2-40B4-BE49-F238E27FC236}">
-                      <a16:creationId xmlns:a16="http://schemas.microsoft.com/office/drawing/2014/main" id="{203707C5-F228-2F4C-BB8F-749834DB92C3}"/>
-                    </a:ext>
-                  </a:extLst>
-                </p14:cNvPr>
-                <p14:cNvContentPartPr/>
-                <p14:nvPr/>
-              </p14:nvContentPartPr>
-              <p14:xfrm>
-                <a:off x="1225800" y="2028160"/>
-                <a:ext cx="7007400" cy="1361520"/>
-              </p14:xfrm>
-            </p:contentPart>
-          </mc:Choice>
-          <mc:Fallback>
-            <p:pic>
-              <p:nvPicPr>
-                <p:cNvPr id="7" name="Ink 6">
-                  <a:extLst>
-                    <a:ext uri="{FF2B5EF4-FFF2-40B4-BE49-F238E27FC236}">
-                      <a16:creationId xmlns:a16="http://schemas.microsoft.com/office/drawing/2014/main" id="{203707C5-F228-2F4C-BB8F-749834DB92C3}"/>
-                    </a:ext>
-                  </a:extLst>
-                </p:cNvPr>
-                <p:cNvPicPr/>
-                <p:nvPr/>
-              </p:nvPicPr>
-              <p:blipFill>
-                <a:blip r:embed="rId10"/>
-                <a:stretch>
-                  <a:fillRect/>
-                </a:stretch>
-              </p:blipFill>
-              <p:spPr>
-                <a:xfrm>
-                  <a:off x="1207800" y="1920160"/>
-                  <a:ext cx="7043040" cy="1577160"/>
-                </a:xfrm>
-                <a:prstGeom prst="rect">
-                  <a:avLst/>
-                </a:prstGeom>
-              </p:spPr>
-            </p:pic>
-          </mc:Fallback>
-        </mc:AlternateContent>
-        <mc:AlternateContent xmlns:mc="http://schemas.openxmlformats.org/markup-compatibility/2006">
-          <mc:Choice xmlns:p14="http://schemas.microsoft.com/office/powerpoint/2010/main" xmlns:aink="http://schemas.microsoft.com/office/drawing/2016/ink" Requires="p14 aink">
-            <p:contentPart p14:bwMode="auto" r:id="rId11">
-              <p14:nvContentPartPr>
-                <p14:cNvPr id="8" name="Ink 7">
-                  <a:extLst>
-                    <a:ext uri="{FF2B5EF4-FFF2-40B4-BE49-F238E27FC236}">
-                      <a16:creationId xmlns:a16="http://schemas.microsoft.com/office/drawing/2014/main" id="{21622D94-1A41-2949-AE75-E4A29FB4D088}"/>
-                    </a:ext>
-                  </a:extLst>
-                </p14:cNvPr>
-                <p14:cNvContentPartPr/>
-                <p14:nvPr/>
-              </p14:nvContentPartPr>
-              <p14:xfrm>
-                <a:off x="7984440" y="2051560"/>
-                <a:ext cx="56880" cy="852480"/>
-              </p14:xfrm>
-            </p:contentPart>
-          </mc:Choice>
-          <mc:Fallback>
-            <p:pic>
-              <p:nvPicPr>
-                <p:cNvPr id="8" name="Ink 7">
-                  <a:extLst>
-                    <a:ext uri="{FF2B5EF4-FFF2-40B4-BE49-F238E27FC236}">
-                      <a16:creationId xmlns:a16="http://schemas.microsoft.com/office/drawing/2014/main" id="{21622D94-1A41-2949-AE75-E4A29FB4D088}"/>
-                    </a:ext>
-                  </a:extLst>
-                </p:cNvPr>
-                <p:cNvPicPr/>
-                <p:nvPr/>
-              </p:nvPicPr>
-              <p:blipFill>
-                <a:blip r:embed="rId12"/>
-                <a:stretch>
-                  <a:fillRect/>
-                </a:stretch>
-              </p:blipFill>
-              <p:spPr>
-                <a:xfrm>
-                  <a:off x="7966800" y="1943560"/>
-                  <a:ext cx="92520" cy="1068120"/>
-                </a:xfrm>
-                <a:prstGeom prst="rect">
-                  <a:avLst/>
-                </a:prstGeom>
-              </p:spPr>
-            </p:pic>
-          </mc:Fallback>
-        </mc:AlternateContent>
-        <mc:AlternateContent xmlns:mc="http://schemas.openxmlformats.org/markup-compatibility/2006">
-          <mc:Choice xmlns:p14="http://schemas.microsoft.com/office/powerpoint/2010/main" xmlns:aink="http://schemas.microsoft.com/office/drawing/2016/ink" Requires="p14 aink">
-            <p:contentPart p14:bwMode="auto" r:id="rId13">
-              <p14:nvContentPartPr>
-                <p14:cNvPr id="9" name="Ink 8">
-                  <a:extLst>
-                    <a:ext uri="{FF2B5EF4-FFF2-40B4-BE49-F238E27FC236}">
-                      <a16:creationId xmlns:a16="http://schemas.microsoft.com/office/drawing/2014/main" id="{9DC46960-BF85-CF41-AE1D-1E5CA09596DE}"/>
-                    </a:ext>
-                  </a:extLst>
-                </p14:cNvPr>
-                <p14:cNvContentPartPr/>
-                <p14:nvPr/>
-              </p14:nvContentPartPr>
-              <p14:xfrm>
-                <a:off x="7966800" y="2094040"/>
-                <a:ext cx="3434400" cy="1010520"/>
-              </p14:xfrm>
-            </p:contentPart>
-          </mc:Choice>
-          <mc:Fallback>
-            <p:pic>
-              <p:nvPicPr>
-                <p:cNvPr id="9" name="Ink 8">
-                  <a:extLst>
-                    <a:ext uri="{FF2B5EF4-FFF2-40B4-BE49-F238E27FC236}">
-                      <a16:creationId xmlns:a16="http://schemas.microsoft.com/office/drawing/2014/main" id="{9DC46960-BF85-CF41-AE1D-1E5CA09596DE}"/>
-                    </a:ext>
-                  </a:extLst>
-                </p:cNvPr>
-                <p:cNvPicPr/>
-                <p:nvPr/>
-              </p:nvPicPr>
-              <p:blipFill>
-                <a:blip r:embed="rId14"/>
-                <a:stretch>
-                  <a:fillRect/>
-                </a:stretch>
-              </p:blipFill>
-              <p:spPr>
-                <a:xfrm>
-                  <a:off x="7948800" y="1986040"/>
-                  <a:ext cx="3470040" cy="1226160"/>
-                </a:xfrm>
-                <a:prstGeom prst="rect">
-                  <a:avLst/>
-                </a:prstGeom>
-              </p:spPr>
-            </p:pic>
-          </mc:Fallback>
-        </mc:AlternateContent>
-        <mc:AlternateContent xmlns:mc="http://schemas.openxmlformats.org/markup-compatibility/2006">
-          <mc:Choice xmlns:p14="http://schemas.microsoft.com/office/powerpoint/2010/main" xmlns:aink="http://schemas.microsoft.com/office/drawing/2016/ink" Requires="p14 aink">
-            <p:contentPart p14:bwMode="auto" r:id="rId15">
-              <p14:nvContentPartPr>
-                <p14:cNvPr id="10" name="Ink 9">
-                  <a:extLst>
-                    <a:ext uri="{FF2B5EF4-FFF2-40B4-BE49-F238E27FC236}">
-                      <a16:creationId xmlns:a16="http://schemas.microsoft.com/office/drawing/2014/main" id="{7355C65F-5EFB-5445-A71D-AA80D500A50B}"/>
-                    </a:ext>
-                  </a:extLst>
-                </p14:cNvPr>
-                <p14:cNvContentPartPr/>
-                <p14:nvPr/>
-              </p14:nvContentPartPr>
-              <p14:xfrm>
-                <a:off x="8148600" y="2323000"/>
-                <a:ext cx="351360" cy="42480"/>
-              </p14:xfrm>
-            </p:contentPart>
-          </mc:Choice>
-          <mc:Fallback>
-            <p:pic>
-              <p:nvPicPr>
-                <p:cNvPr id="10" name="Ink 9">
-                  <a:extLst>
-                    <a:ext uri="{FF2B5EF4-FFF2-40B4-BE49-F238E27FC236}">
-                      <a16:creationId xmlns:a16="http://schemas.microsoft.com/office/drawing/2014/main" id="{7355C65F-5EFB-5445-A71D-AA80D500A50B}"/>
-                    </a:ext>
-                  </a:extLst>
-                </p:cNvPr>
-                <p:cNvPicPr/>
-                <p:nvPr/>
-              </p:nvPicPr>
-              <p:blipFill>
-                <a:blip r:embed="rId16"/>
-                <a:stretch>
-                  <a:fillRect/>
-                </a:stretch>
-              </p:blipFill>
-              <p:spPr>
-                <a:xfrm>
-                  <a:off x="8130960" y="2215360"/>
-                  <a:ext cx="387000" cy="258120"/>
-                </a:xfrm>
-                <a:prstGeom prst="rect">
-                  <a:avLst/>
-                </a:prstGeom>
-              </p:spPr>
-            </p:pic>
-          </mc:Fallback>
-        </mc:AlternateContent>
-        <mc:AlternateContent xmlns:mc="http://schemas.openxmlformats.org/markup-compatibility/2006">
-          <mc:Choice xmlns:p14="http://schemas.microsoft.com/office/powerpoint/2010/main" xmlns:aink="http://schemas.microsoft.com/office/drawing/2016/ink" Requires="p14 aink">
-            <p:contentPart p14:bwMode="auto" r:id="rId17">
-              <p14:nvContentPartPr>
-                <p14:cNvPr id="11" name="Ink 10">
-                  <a:extLst>
-                    <a:ext uri="{FF2B5EF4-FFF2-40B4-BE49-F238E27FC236}">
-                      <a16:creationId xmlns:a16="http://schemas.microsoft.com/office/drawing/2014/main" id="{849C213D-45DB-0A46-8869-EF01BFDB5848}"/>
-                    </a:ext>
-                  </a:extLst>
-                </p14:cNvPr>
-                <p14:cNvContentPartPr/>
-                <p14:nvPr/>
-              </p14:nvContentPartPr>
-              <p14:xfrm>
-                <a:off x="8380080" y="2365840"/>
-                <a:ext cx="26640" cy="191880"/>
-              </p14:xfrm>
-            </p:contentPart>
-          </mc:Choice>
-          <mc:Fallback>
-            <p:pic>
-              <p:nvPicPr>
-                <p:cNvPr id="11" name="Ink 10">
-                  <a:extLst>
-                    <a:ext uri="{FF2B5EF4-FFF2-40B4-BE49-F238E27FC236}">
-                      <a16:creationId xmlns:a16="http://schemas.microsoft.com/office/drawing/2014/main" id="{849C213D-45DB-0A46-8869-EF01BFDB5848}"/>
-                    </a:ext>
-                  </a:extLst>
-                </p:cNvPr>
-                <p:cNvPicPr/>
-                <p:nvPr/>
-              </p:nvPicPr>
-              <p:blipFill>
-                <a:blip r:embed="rId18"/>
-                <a:stretch>
-                  <a:fillRect/>
-                </a:stretch>
-              </p:blipFill>
-              <p:spPr>
-                <a:xfrm>
-                  <a:off x="8362080" y="2257840"/>
-                  <a:ext cx="62280" cy="407520"/>
-                </a:xfrm>
-                <a:prstGeom prst="rect">
-                  <a:avLst/>
-                </a:prstGeom>
-              </p:spPr>
-            </p:pic>
-          </mc:Fallback>
-        </mc:AlternateContent>
-        <mc:AlternateContent xmlns:mc="http://schemas.openxmlformats.org/markup-compatibility/2006">
-          <mc:Choice xmlns:p14="http://schemas.microsoft.com/office/powerpoint/2010/main" xmlns:aink="http://schemas.microsoft.com/office/drawing/2016/ink" Requires="p14 aink">
-            <p:contentPart p14:bwMode="auto" r:id="rId19">
-              <p14:nvContentPartPr>
-                <p14:cNvPr id="12" name="Ink 11">
-                  <a:extLst>
-                    <a:ext uri="{FF2B5EF4-FFF2-40B4-BE49-F238E27FC236}">
-                      <a16:creationId xmlns:a16="http://schemas.microsoft.com/office/drawing/2014/main" id="{57E3B13E-63F7-F140-B936-A8E63A765C24}"/>
-                    </a:ext>
-                  </a:extLst>
-                </p14:cNvPr>
-                <p14:cNvContentPartPr/>
-                <p14:nvPr/>
-              </p14:nvContentPartPr>
-              <p14:xfrm>
-                <a:off x="8537040" y="2435680"/>
-                <a:ext cx="74880" cy="114480"/>
-              </p14:xfrm>
-            </p:contentPart>
-          </mc:Choice>
-          <mc:Fallback>
-            <p:pic>
-              <p:nvPicPr>
-                <p:cNvPr id="12" name="Ink 11">
-                  <a:extLst>
-                    <a:ext uri="{FF2B5EF4-FFF2-40B4-BE49-F238E27FC236}">
-                      <a16:creationId xmlns:a16="http://schemas.microsoft.com/office/drawing/2014/main" id="{57E3B13E-63F7-F140-B936-A8E63A765C24}"/>
-                    </a:ext>
-                  </a:extLst>
-                </p:cNvPr>
-                <p:cNvPicPr/>
-                <p:nvPr/>
-              </p:nvPicPr>
-              <p:blipFill>
-                <a:blip r:embed="rId20"/>
-                <a:stretch>
-                  <a:fillRect/>
-                </a:stretch>
-              </p:blipFill>
-              <p:spPr>
-                <a:xfrm>
-                  <a:off x="8519040" y="2327680"/>
-                  <a:ext cx="110520" cy="330120"/>
-                </a:xfrm>
-                <a:prstGeom prst="rect">
-                  <a:avLst/>
-                </a:prstGeom>
-              </p:spPr>
-            </p:pic>
-          </mc:Fallback>
-        </mc:AlternateContent>
-        <mc:AlternateContent xmlns:mc="http://schemas.openxmlformats.org/markup-compatibility/2006">
-          <mc:Choice xmlns:p14="http://schemas.microsoft.com/office/powerpoint/2010/main" xmlns:aink="http://schemas.microsoft.com/office/drawing/2016/ink" Requires="p14 aink">
-            <p:contentPart p14:bwMode="auto" r:id="rId21">
-              <p14:nvContentPartPr>
-                <p14:cNvPr id="13" name="Ink 12">
-                  <a:extLst>
-                    <a:ext uri="{FF2B5EF4-FFF2-40B4-BE49-F238E27FC236}">
-                      <a16:creationId xmlns:a16="http://schemas.microsoft.com/office/drawing/2014/main" id="{706C7633-AF73-7546-9DA1-2CE7E75AA0C8}"/>
-                    </a:ext>
-                  </a:extLst>
-                </p14:cNvPr>
-                <p14:cNvContentPartPr/>
-                <p14:nvPr/>
-              </p14:nvContentPartPr>
-              <p14:xfrm>
-                <a:off x="8439840" y="2465560"/>
-                <a:ext cx="118440" cy="106920"/>
-              </p14:xfrm>
-            </p:contentPart>
-          </mc:Choice>
-          <mc:Fallback>
-            <p:pic>
-              <p:nvPicPr>
-                <p:cNvPr id="13" name="Ink 12">
-                  <a:extLst>
-                    <a:ext uri="{FF2B5EF4-FFF2-40B4-BE49-F238E27FC236}">
-                      <a16:creationId xmlns:a16="http://schemas.microsoft.com/office/drawing/2014/main" id="{706C7633-AF73-7546-9DA1-2CE7E75AA0C8}"/>
-                    </a:ext>
-                  </a:extLst>
-                </p:cNvPr>
-                <p:cNvPicPr/>
-                <p:nvPr/>
-              </p:nvPicPr>
-              <p:blipFill>
-                <a:blip r:embed="rId22"/>
-                <a:stretch>
-                  <a:fillRect/>
-                </a:stretch>
-              </p:blipFill>
-              <p:spPr>
-                <a:xfrm>
-                  <a:off x="8422200" y="2357560"/>
-                  <a:ext cx="154080" cy="322560"/>
-                </a:xfrm>
-                <a:prstGeom prst="rect">
-                  <a:avLst/>
-                </a:prstGeom>
-              </p:spPr>
-            </p:pic>
-          </mc:Fallback>
-        </mc:AlternateContent>
-        <mc:AlternateContent xmlns:mc="http://schemas.openxmlformats.org/markup-compatibility/2006">
-          <mc:Choice xmlns:p14="http://schemas.microsoft.com/office/powerpoint/2010/main" xmlns:aink="http://schemas.microsoft.com/office/drawing/2016/ink" Requires="p14 aink">
-            <p:contentPart p14:bwMode="auto" r:id="rId23">
-              <p14:nvContentPartPr>
-                <p14:cNvPr id="14" name="Ink 13">
-                  <a:extLst>
-                    <a:ext uri="{FF2B5EF4-FFF2-40B4-BE49-F238E27FC236}">
-                      <a16:creationId xmlns:a16="http://schemas.microsoft.com/office/drawing/2014/main" id="{7CEEE637-FD6E-C54C-BE53-5835F4CAEDC6}"/>
-                    </a:ext>
-                  </a:extLst>
-                </p14:cNvPr>
-                <p14:cNvContentPartPr/>
-                <p14:nvPr/>
-              </p14:nvContentPartPr>
-              <p14:xfrm>
-                <a:off x="8660160" y="2440000"/>
-                <a:ext cx="241920" cy="138600"/>
-              </p14:xfrm>
-            </p:contentPart>
-          </mc:Choice>
-          <mc:Fallback>
-            <p:pic>
-              <p:nvPicPr>
-                <p:cNvPr id="14" name="Ink 13">
-                  <a:extLst>
-                    <a:ext uri="{FF2B5EF4-FFF2-40B4-BE49-F238E27FC236}">
-                      <a16:creationId xmlns:a16="http://schemas.microsoft.com/office/drawing/2014/main" id="{7CEEE637-FD6E-C54C-BE53-5835F4CAEDC6}"/>
-                    </a:ext>
-                  </a:extLst>
-                </p:cNvPr>
-                <p:cNvPicPr/>
-                <p:nvPr/>
-              </p:nvPicPr>
-              <p:blipFill>
-                <a:blip r:embed="rId24"/>
-                <a:stretch>
-                  <a:fillRect/>
-                </a:stretch>
-              </p:blipFill>
-              <p:spPr>
-                <a:xfrm>
-                  <a:off x="8642520" y="2332000"/>
-                  <a:ext cx="277560" cy="354240"/>
-                </a:xfrm>
-                <a:prstGeom prst="rect">
-                  <a:avLst/>
-                </a:prstGeom>
-              </p:spPr>
-            </p:pic>
-          </mc:Fallback>
-        </mc:AlternateContent>
-        <mc:AlternateContent xmlns:mc="http://schemas.openxmlformats.org/markup-compatibility/2006">
-          <mc:Choice xmlns:p14="http://schemas.microsoft.com/office/powerpoint/2010/main" xmlns:aink="http://schemas.microsoft.com/office/drawing/2016/ink" Requires="p14 aink">
-            <p:contentPart p14:bwMode="auto" r:id="rId25">
-              <p14:nvContentPartPr>
-                <p14:cNvPr id="15" name="Ink 14">
-                  <a:extLst>
-                    <a:ext uri="{FF2B5EF4-FFF2-40B4-BE49-F238E27FC236}">
-                      <a16:creationId xmlns:a16="http://schemas.microsoft.com/office/drawing/2014/main" id="{8C00A125-5CE4-7345-97C5-31FE35AF41F6}"/>
-                    </a:ext>
-                  </a:extLst>
-                </p14:cNvPr>
-                <p14:cNvContentPartPr/>
-                <p14:nvPr/>
-              </p14:nvContentPartPr>
-              <p14:xfrm>
-                <a:off x="8905680" y="2448640"/>
-                <a:ext cx="39960" cy="112320"/>
-              </p14:xfrm>
-            </p:contentPart>
-          </mc:Choice>
-          <mc:Fallback>
-            <p:pic>
-              <p:nvPicPr>
-                <p:cNvPr id="15" name="Ink 14">
-                  <a:extLst>
-                    <a:ext uri="{FF2B5EF4-FFF2-40B4-BE49-F238E27FC236}">
-                      <a16:creationId xmlns:a16="http://schemas.microsoft.com/office/drawing/2014/main" id="{8C00A125-5CE4-7345-97C5-31FE35AF41F6}"/>
-                    </a:ext>
-                  </a:extLst>
-                </p:cNvPr>
-                <p:cNvPicPr/>
-                <p:nvPr/>
-              </p:nvPicPr>
-              <p:blipFill>
-                <a:blip r:embed="rId26"/>
-                <a:stretch>
-                  <a:fillRect/>
-                </a:stretch>
-              </p:blipFill>
-              <p:spPr>
-                <a:xfrm>
-                  <a:off x="8888040" y="2341000"/>
-                  <a:ext cx="75600" cy="327960"/>
-                </a:xfrm>
-                <a:prstGeom prst="rect">
-                  <a:avLst/>
-                </a:prstGeom>
-              </p:spPr>
-            </p:pic>
-          </mc:Fallback>
-        </mc:AlternateContent>
-        <mc:AlternateContent xmlns:mc="http://schemas.openxmlformats.org/markup-compatibility/2006">
-          <mc:Choice xmlns:p14="http://schemas.microsoft.com/office/powerpoint/2010/main" xmlns:aink="http://schemas.microsoft.com/office/drawing/2016/ink" Requires="p14 aink">
-            <p:contentPart p14:bwMode="auto" r:id="rId27">
-              <p14:nvContentPartPr>
-                <p14:cNvPr id="16" name="Ink 15">
-                  <a:extLst>
-                    <a:ext uri="{FF2B5EF4-FFF2-40B4-BE49-F238E27FC236}">
-                      <a16:creationId xmlns:a16="http://schemas.microsoft.com/office/drawing/2014/main" id="{49811AD3-5988-4343-8CFE-AD390736A38B}"/>
-                    </a:ext>
-                  </a:extLst>
-                </p14:cNvPr>
-                <p14:cNvContentPartPr/>
-                <p14:nvPr/>
-              </p14:nvContentPartPr>
-              <p14:xfrm>
-                <a:off x="8914320" y="2374120"/>
-                <a:ext cx="106920" cy="60840"/>
-              </p14:xfrm>
-            </p:contentPart>
-          </mc:Choice>
-          <mc:Fallback>
-            <p:pic>
-              <p:nvPicPr>
-                <p:cNvPr id="16" name="Ink 15">
-                  <a:extLst>
-                    <a:ext uri="{FF2B5EF4-FFF2-40B4-BE49-F238E27FC236}">
-                      <a16:creationId xmlns:a16="http://schemas.microsoft.com/office/drawing/2014/main" id="{49811AD3-5988-4343-8CFE-AD390736A38B}"/>
-                    </a:ext>
-                  </a:extLst>
-                </p:cNvPr>
-                <p:cNvPicPr/>
-                <p:nvPr/>
-              </p:nvPicPr>
-              <p:blipFill>
-                <a:blip r:embed="rId28"/>
-                <a:stretch>
-                  <a:fillRect/>
-                </a:stretch>
-              </p:blipFill>
-              <p:spPr>
-                <a:xfrm>
-                  <a:off x="8896320" y="2266480"/>
-                  <a:ext cx="142560" cy="276480"/>
-                </a:xfrm>
-                <a:prstGeom prst="rect">
-                  <a:avLst/>
-                </a:prstGeom>
-              </p:spPr>
-            </p:pic>
-          </mc:Fallback>
-        </mc:AlternateContent>
-        <mc:AlternateContent xmlns:mc="http://schemas.openxmlformats.org/markup-compatibility/2006">
-          <mc:Choice xmlns:p14="http://schemas.microsoft.com/office/powerpoint/2010/main" xmlns:aink="http://schemas.microsoft.com/office/drawing/2016/ink" Requires="p14 aink">
-            <p:contentPart p14:bwMode="auto" r:id="rId29">
-              <p14:nvContentPartPr>
-                <p14:cNvPr id="17" name="Ink 16">
-                  <a:extLst>
-                    <a:ext uri="{FF2B5EF4-FFF2-40B4-BE49-F238E27FC236}">
-                      <a16:creationId xmlns:a16="http://schemas.microsoft.com/office/drawing/2014/main" id="{37C405AA-E914-EC42-91DF-281B3222C95B}"/>
-                    </a:ext>
-                  </a:extLst>
-                </p14:cNvPr>
-                <p14:cNvContentPartPr/>
-                <p14:nvPr/>
-              </p14:nvContentPartPr>
-              <p14:xfrm>
-                <a:off x="9024480" y="2438920"/>
-                <a:ext cx="163440" cy="128880"/>
-              </p14:xfrm>
-            </p:contentPart>
-          </mc:Choice>
-          <mc:Fallback>
-            <p:pic>
-              <p:nvPicPr>
-                <p:cNvPr id="17" name="Ink 16">
-                  <a:extLst>
-                    <a:ext uri="{FF2B5EF4-FFF2-40B4-BE49-F238E27FC236}">
-                      <a16:creationId xmlns:a16="http://schemas.microsoft.com/office/drawing/2014/main" id="{37C405AA-E914-EC42-91DF-281B3222C95B}"/>
-                    </a:ext>
-                  </a:extLst>
-                </p:cNvPr>
-                <p:cNvPicPr/>
-                <p:nvPr/>
-              </p:nvPicPr>
-              <p:blipFill>
-                <a:blip r:embed="rId30"/>
-                <a:stretch>
-                  <a:fillRect/>
-                </a:stretch>
-              </p:blipFill>
-              <p:spPr>
-                <a:xfrm>
-                  <a:off x="9006480" y="2330920"/>
-                  <a:ext cx="199080" cy="344520"/>
-                </a:xfrm>
-                <a:prstGeom prst="rect">
-                  <a:avLst/>
-                </a:prstGeom>
-              </p:spPr>
-            </p:pic>
-          </mc:Fallback>
-        </mc:AlternateContent>
-        <mc:AlternateContent xmlns:mc="http://schemas.openxmlformats.org/markup-compatibility/2006">
-          <mc:Choice xmlns:p14="http://schemas.microsoft.com/office/powerpoint/2010/main" xmlns:aink="http://schemas.microsoft.com/office/drawing/2016/ink" Requires="p14 aink">
-            <p:contentPart p14:bwMode="auto" r:id="rId31">
-              <p14:nvContentPartPr>
-                <p14:cNvPr id="18" name="Ink 17">
-                  <a:extLst>
-                    <a:ext uri="{FF2B5EF4-FFF2-40B4-BE49-F238E27FC236}">
-                      <a16:creationId xmlns:a16="http://schemas.microsoft.com/office/drawing/2014/main" id="{5AA7D2C9-7877-234D-8B9C-5174783A46AD}"/>
-                    </a:ext>
-                  </a:extLst>
-                </p14:cNvPr>
-                <p14:cNvContentPartPr/>
-                <p14:nvPr/>
-              </p14:nvContentPartPr>
-              <p14:xfrm>
-                <a:off x="9464400" y="2433880"/>
-                <a:ext cx="233640" cy="140400"/>
-              </p14:xfrm>
-            </p:contentPart>
-          </mc:Choice>
-          <mc:Fallback>
-            <p:pic>
-              <p:nvPicPr>
-                <p:cNvPr id="18" name="Ink 17">
-                  <a:extLst>
-                    <a:ext uri="{FF2B5EF4-FFF2-40B4-BE49-F238E27FC236}">
-                      <a16:creationId xmlns:a16="http://schemas.microsoft.com/office/drawing/2014/main" id="{5AA7D2C9-7877-234D-8B9C-5174783A46AD}"/>
-                    </a:ext>
-                  </a:extLst>
-                </p:cNvPr>
-                <p:cNvPicPr/>
-                <p:nvPr/>
-              </p:nvPicPr>
-              <p:blipFill>
-                <a:blip r:embed="rId32"/>
-                <a:stretch>
-                  <a:fillRect/>
-                </a:stretch>
-              </p:blipFill>
-              <p:spPr>
-                <a:xfrm>
-                  <a:off x="9446760" y="2326240"/>
-                  <a:ext cx="269280" cy="356040"/>
-                </a:xfrm>
-                <a:prstGeom prst="rect">
-                  <a:avLst/>
-                </a:prstGeom>
-              </p:spPr>
-            </p:pic>
-          </mc:Fallback>
-        </mc:AlternateContent>
-        <mc:AlternateContent xmlns:mc="http://schemas.openxmlformats.org/markup-compatibility/2006">
-          <mc:Choice xmlns:p14="http://schemas.microsoft.com/office/powerpoint/2010/main" xmlns:aink="http://schemas.microsoft.com/office/drawing/2016/ink" Requires="p14 aink">
-            <p:contentPart p14:bwMode="auto" r:id="rId33">
-              <p14:nvContentPartPr>
-                <p14:cNvPr id="19" name="Ink 18">
-                  <a:extLst>
-                    <a:ext uri="{FF2B5EF4-FFF2-40B4-BE49-F238E27FC236}">
-                      <a16:creationId xmlns:a16="http://schemas.microsoft.com/office/drawing/2014/main" id="{7F5EA94D-030E-3343-8856-6FAF83DF8E01}"/>
-                    </a:ext>
-                  </a:extLst>
-                </p14:cNvPr>
-                <p14:cNvContentPartPr/>
-                <p14:nvPr/>
-              </p14:nvContentPartPr>
-              <p14:xfrm>
-                <a:off x="9869040" y="2394640"/>
-                <a:ext cx="321480" cy="44280"/>
-              </p14:xfrm>
-            </p:contentPart>
-          </mc:Choice>
-          <mc:Fallback>
-            <p:pic>
-              <p:nvPicPr>
-                <p:cNvPr id="19" name="Ink 18">
-                  <a:extLst>
-                    <a:ext uri="{FF2B5EF4-FFF2-40B4-BE49-F238E27FC236}">
-                      <a16:creationId xmlns:a16="http://schemas.microsoft.com/office/drawing/2014/main" id="{7F5EA94D-030E-3343-8856-6FAF83DF8E01}"/>
-                    </a:ext>
-                  </a:extLst>
-                </p:cNvPr>
-                <p:cNvPicPr/>
-                <p:nvPr/>
-              </p:nvPicPr>
-              <p:blipFill>
-                <a:blip r:embed="rId34"/>
-                <a:stretch>
-                  <a:fillRect/>
-                </a:stretch>
-              </p:blipFill>
-              <p:spPr>
-                <a:xfrm>
-                  <a:off x="9851400" y="2287000"/>
-                  <a:ext cx="357120" cy="259920"/>
-                </a:xfrm>
-                <a:prstGeom prst="rect">
-                  <a:avLst/>
-                </a:prstGeom>
-              </p:spPr>
-            </p:pic>
-          </mc:Fallback>
-        </mc:AlternateContent>
-        <mc:AlternateContent xmlns:mc="http://schemas.openxmlformats.org/markup-compatibility/2006">
-          <mc:Choice xmlns:p14="http://schemas.microsoft.com/office/powerpoint/2010/main" xmlns:aink="http://schemas.microsoft.com/office/drawing/2016/ink" Requires="p14 aink">
-            <p:contentPart p14:bwMode="auto" r:id="rId35">
-              <p14:nvContentPartPr>
-                <p14:cNvPr id="20" name="Ink 19">
-                  <a:extLst>
-                    <a:ext uri="{FF2B5EF4-FFF2-40B4-BE49-F238E27FC236}">
-                      <a16:creationId xmlns:a16="http://schemas.microsoft.com/office/drawing/2014/main" id="{967F2E88-D725-C246-8844-34D6541C5F93}"/>
-                    </a:ext>
-                  </a:extLst>
-                </p14:cNvPr>
-                <p14:cNvContentPartPr/>
-                <p14:nvPr/>
-              </p14:nvContentPartPr>
-              <p14:xfrm>
-                <a:off x="9960480" y="2364400"/>
-                <a:ext cx="167040" cy="195840"/>
-              </p14:xfrm>
-            </p:contentPart>
-          </mc:Choice>
-          <mc:Fallback>
-            <p:pic>
-              <p:nvPicPr>
-                <p:cNvPr id="20" name="Ink 19">
-                  <a:extLst>
-                    <a:ext uri="{FF2B5EF4-FFF2-40B4-BE49-F238E27FC236}">
-                      <a16:creationId xmlns:a16="http://schemas.microsoft.com/office/drawing/2014/main" id="{967F2E88-D725-C246-8844-34D6541C5F93}"/>
-                    </a:ext>
-                  </a:extLst>
-                </p:cNvPr>
-                <p:cNvPicPr/>
-                <p:nvPr/>
-              </p:nvPicPr>
-              <p:blipFill>
-                <a:blip r:embed="rId36"/>
-                <a:stretch>
-                  <a:fillRect/>
-                </a:stretch>
-              </p:blipFill>
-              <p:spPr>
-                <a:xfrm>
-                  <a:off x="9942840" y="2256760"/>
-                  <a:ext cx="202680" cy="411480"/>
-                </a:xfrm>
-                <a:prstGeom prst="rect">
-                  <a:avLst/>
-                </a:prstGeom>
-              </p:spPr>
-            </p:pic>
-          </mc:Fallback>
-        </mc:AlternateContent>
-        <mc:AlternateContent xmlns:mc="http://schemas.openxmlformats.org/markup-compatibility/2006">
-          <mc:Choice xmlns:p14="http://schemas.microsoft.com/office/powerpoint/2010/main" xmlns:aink="http://schemas.microsoft.com/office/drawing/2016/ink" Requires="p14 aink">
-            <p:contentPart p14:bwMode="auto" r:id="rId37">
-              <p14:nvContentPartPr>
-                <p14:cNvPr id="21" name="Ink 20">
-                  <a:extLst>
-                    <a:ext uri="{FF2B5EF4-FFF2-40B4-BE49-F238E27FC236}">
-                      <a16:creationId xmlns:a16="http://schemas.microsoft.com/office/drawing/2014/main" id="{A338C101-BB67-8D4C-8DD6-AD0D7D5B749A}"/>
-                    </a:ext>
-                  </a:extLst>
-                </p14:cNvPr>
-                <p14:cNvContentPartPr/>
-                <p14:nvPr/>
-              </p14:nvContentPartPr>
-              <p14:xfrm>
-                <a:off x="10155240" y="2416600"/>
-                <a:ext cx="194760" cy="145800"/>
-              </p14:xfrm>
-            </p:contentPart>
-          </mc:Choice>
-          <mc:Fallback>
-            <p:pic>
-              <p:nvPicPr>
-                <p:cNvPr id="21" name="Ink 20">
-                  <a:extLst>
-                    <a:ext uri="{FF2B5EF4-FFF2-40B4-BE49-F238E27FC236}">
-                      <a16:creationId xmlns:a16="http://schemas.microsoft.com/office/drawing/2014/main" id="{A338C101-BB67-8D4C-8DD6-AD0D7D5B749A}"/>
-                    </a:ext>
-                  </a:extLst>
-                </p:cNvPr>
-                <p:cNvPicPr/>
-                <p:nvPr/>
-              </p:nvPicPr>
-              <p:blipFill>
-                <a:blip r:embed="rId38"/>
-                <a:stretch>
-                  <a:fillRect/>
-                </a:stretch>
-              </p:blipFill>
-              <p:spPr>
-                <a:xfrm>
-                  <a:off x="10137240" y="2308960"/>
-                  <a:ext cx="230400" cy="361440"/>
-                </a:xfrm>
-                <a:prstGeom prst="rect">
-                  <a:avLst/>
-                </a:prstGeom>
-              </p:spPr>
-            </p:pic>
-          </mc:Fallback>
-        </mc:AlternateContent>
-        <mc:AlternateContent xmlns:mc="http://schemas.openxmlformats.org/markup-compatibility/2006">
-          <mc:Choice xmlns:p14="http://schemas.microsoft.com/office/powerpoint/2010/main" xmlns:aink="http://schemas.microsoft.com/office/drawing/2016/ink" Requires="p14 aink">
-            <p:contentPart p14:bwMode="auto" r:id="rId39">
-              <p14:nvContentPartPr>
-                <p14:cNvPr id="22" name="Ink 21">
-                  <a:extLst>
-                    <a:ext uri="{FF2B5EF4-FFF2-40B4-BE49-F238E27FC236}">
-                      <a16:creationId xmlns:a16="http://schemas.microsoft.com/office/drawing/2014/main" id="{1A1D7F7F-599D-EC42-BEAC-53BC61A3740A}"/>
-                    </a:ext>
-                  </a:extLst>
-                </p14:cNvPr>
-                <p14:cNvContentPartPr/>
-                <p14:nvPr/>
-              </p14:nvContentPartPr>
-              <p14:xfrm>
-                <a:off x="10314720" y="2405800"/>
-                <a:ext cx="516240" cy="157320"/>
-              </p14:xfrm>
-            </p:contentPart>
-          </mc:Choice>
-          <mc:Fallback>
-            <p:pic>
-              <p:nvPicPr>
-                <p:cNvPr id="22" name="Ink 21">
-                  <a:extLst>
-                    <a:ext uri="{FF2B5EF4-FFF2-40B4-BE49-F238E27FC236}">
-                      <a16:creationId xmlns:a16="http://schemas.microsoft.com/office/drawing/2014/main" id="{1A1D7F7F-599D-EC42-BEAC-53BC61A3740A}"/>
-                    </a:ext>
-                  </a:extLst>
-                </p:cNvPr>
-                <p:cNvPicPr/>
-                <p:nvPr/>
-              </p:nvPicPr>
-              <p:blipFill>
-                <a:blip r:embed="rId40"/>
-                <a:stretch>
-                  <a:fillRect/>
-                </a:stretch>
-              </p:blipFill>
-              <p:spPr>
-                <a:xfrm>
-                  <a:off x="10296720" y="2298160"/>
-                  <a:ext cx="551880" cy="372960"/>
-                </a:xfrm>
-                <a:prstGeom prst="rect">
-                  <a:avLst/>
-                </a:prstGeom>
-              </p:spPr>
-            </p:pic>
-          </mc:Fallback>
-        </mc:AlternateContent>
-        <mc:AlternateContent xmlns:mc="http://schemas.openxmlformats.org/markup-compatibility/2006">
-          <mc:Choice xmlns:p14="http://schemas.microsoft.com/office/powerpoint/2010/main" xmlns:aink="http://schemas.microsoft.com/office/drawing/2016/ink" Requires="p14 aink">
-            <p:contentPart p14:bwMode="auto" r:id="rId41">
-              <p14:nvContentPartPr>
-                <p14:cNvPr id="24" name="Ink 23">
-                  <a:extLst>
-                    <a:ext uri="{FF2B5EF4-FFF2-40B4-BE49-F238E27FC236}">
-                      <a16:creationId xmlns:a16="http://schemas.microsoft.com/office/drawing/2014/main" id="{16122596-88EA-AF49-B1BD-CF67BDD44A56}"/>
-                    </a:ext>
-                  </a:extLst>
-                </p14:cNvPr>
-                <p14:cNvContentPartPr/>
-                <p14:nvPr/>
-              </p14:nvContentPartPr>
-              <p14:xfrm>
-                <a:off x="8183520" y="2695960"/>
-                <a:ext cx="70920" cy="490680"/>
-              </p14:xfrm>
-            </p:contentPart>
-          </mc:Choice>
-          <mc:Fallback>
-            <p:pic>
-              <p:nvPicPr>
-                <p:cNvPr id="24" name="Ink 23">
-                  <a:extLst>
-                    <a:ext uri="{FF2B5EF4-FFF2-40B4-BE49-F238E27FC236}">
-                      <a16:creationId xmlns:a16="http://schemas.microsoft.com/office/drawing/2014/main" id="{16122596-88EA-AF49-B1BD-CF67BDD44A56}"/>
-                    </a:ext>
-                  </a:extLst>
-                </p:cNvPr>
-                <p:cNvPicPr/>
-                <p:nvPr/>
-              </p:nvPicPr>
-              <p:blipFill>
-                <a:blip r:embed="rId42"/>
-                <a:stretch>
-                  <a:fillRect/>
-                </a:stretch>
-              </p:blipFill>
-              <p:spPr>
-                <a:xfrm>
-                  <a:off x="8165520" y="2587960"/>
-                  <a:ext cx="106560" cy="706320"/>
-                </a:xfrm>
-                <a:prstGeom prst="rect">
-                  <a:avLst/>
-                </a:prstGeom>
-              </p:spPr>
-            </p:pic>
-          </mc:Fallback>
-        </mc:AlternateContent>
-        <mc:AlternateContent xmlns:mc="http://schemas.openxmlformats.org/markup-compatibility/2006">
-          <mc:Choice xmlns:p14="http://schemas.microsoft.com/office/powerpoint/2010/main" xmlns:aink="http://schemas.microsoft.com/office/drawing/2016/ink" Requires="p14 aink">
-            <p:contentPart p14:bwMode="auto" r:id="rId43">
-              <p14:nvContentPartPr>
-                <p14:cNvPr id="25" name="Ink 24">
-                  <a:extLst>
-                    <a:ext uri="{FF2B5EF4-FFF2-40B4-BE49-F238E27FC236}">
-                      <a16:creationId xmlns:a16="http://schemas.microsoft.com/office/drawing/2014/main" id="{D7484340-DAE9-2B47-84F4-51413EA8CD0B}"/>
-                    </a:ext>
-                  </a:extLst>
-                </p14:cNvPr>
-                <p14:cNvContentPartPr/>
-                <p14:nvPr/>
-              </p14:nvContentPartPr>
-              <p14:xfrm>
-                <a:off x="8110080" y="2919520"/>
-                <a:ext cx="252000" cy="29160"/>
-              </p14:xfrm>
-            </p:contentPart>
-          </mc:Choice>
-          <mc:Fallback>
-            <p:pic>
-              <p:nvPicPr>
-                <p:cNvPr id="25" name="Ink 24">
-                  <a:extLst>
-                    <a:ext uri="{FF2B5EF4-FFF2-40B4-BE49-F238E27FC236}">
-                      <a16:creationId xmlns:a16="http://schemas.microsoft.com/office/drawing/2014/main" id="{D7484340-DAE9-2B47-84F4-51413EA8CD0B}"/>
-                    </a:ext>
-                  </a:extLst>
-                </p:cNvPr>
-                <p:cNvPicPr/>
-                <p:nvPr/>
-              </p:nvPicPr>
-              <p:blipFill>
-                <a:blip r:embed="rId44"/>
-                <a:stretch>
-                  <a:fillRect/>
-                </a:stretch>
-              </p:blipFill>
-              <p:spPr>
-                <a:xfrm>
-                  <a:off x="8092080" y="2811520"/>
-                  <a:ext cx="287640" cy="244800"/>
-                </a:xfrm>
-                <a:prstGeom prst="rect">
-                  <a:avLst/>
-                </a:prstGeom>
-              </p:spPr>
-            </p:pic>
-          </mc:Fallback>
-        </mc:AlternateContent>
-        <mc:AlternateContent xmlns:mc="http://schemas.openxmlformats.org/markup-compatibility/2006">
-          <mc:Choice xmlns:p14="http://schemas.microsoft.com/office/powerpoint/2010/main" xmlns:aink="http://schemas.microsoft.com/office/drawing/2016/ink" Requires="p14 aink">
-            <p:contentPart p14:bwMode="auto" r:id="rId45">
-              <p14:nvContentPartPr>
-                <p14:cNvPr id="26" name="Ink 25">
-                  <a:extLst>
-                    <a:ext uri="{FF2B5EF4-FFF2-40B4-BE49-F238E27FC236}">
-                      <a16:creationId xmlns:a16="http://schemas.microsoft.com/office/drawing/2014/main" id="{5EFEF0C6-6178-2348-9038-EC46DC70FDBB}"/>
-                    </a:ext>
-                  </a:extLst>
-                </p14:cNvPr>
-                <p14:cNvContentPartPr/>
-                <p14:nvPr/>
-              </p14:nvContentPartPr>
-              <p14:xfrm>
-                <a:off x="8334720" y="2896480"/>
-                <a:ext cx="57240" cy="83520"/>
-              </p14:xfrm>
-            </p:contentPart>
-          </mc:Choice>
-          <mc:Fallback>
-            <p:pic>
-              <p:nvPicPr>
-                <p:cNvPr id="26" name="Ink 25">
-                  <a:extLst>
-                    <a:ext uri="{FF2B5EF4-FFF2-40B4-BE49-F238E27FC236}">
-                      <a16:creationId xmlns:a16="http://schemas.microsoft.com/office/drawing/2014/main" id="{5EFEF0C6-6178-2348-9038-EC46DC70FDBB}"/>
-                    </a:ext>
-                  </a:extLst>
-                </p:cNvPr>
-                <p:cNvPicPr/>
-                <p:nvPr/>
-              </p:nvPicPr>
-              <p:blipFill>
-                <a:blip r:embed="rId46"/>
-                <a:stretch>
-                  <a:fillRect/>
-                </a:stretch>
-              </p:blipFill>
-              <p:spPr>
-                <a:xfrm>
-                  <a:off x="8317080" y="2788480"/>
-                  <a:ext cx="92880" cy="299160"/>
-                </a:xfrm>
-                <a:prstGeom prst="rect">
-                  <a:avLst/>
-                </a:prstGeom>
-              </p:spPr>
-            </p:pic>
-          </mc:Fallback>
-        </mc:AlternateContent>
-        <mc:AlternateContent xmlns:mc="http://schemas.openxmlformats.org/markup-compatibility/2006">
-          <mc:Choice xmlns:p14="http://schemas.microsoft.com/office/powerpoint/2010/main" xmlns:aink="http://schemas.microsoft.com/office/drawing/2016/ink" Requires="p14 aink">
-            <p:contentPart p14:bwMode="auto" r:id="rId47">
-              <p14:nvContentPartPr>
-                <p14:cNvPr id="27" name="Ink 26">
-                  <a:extLst>
-                    <a:ext uri="{FF2B5EF4-FFF2-40B4-BE49-F238E27FC236}">
-                      <a16:creationId xmlns:a16="http://schemas.microsoft.com/office/drawing/2014/main" id="{967E7B11-F997-7749-9E15-7776BF86A90D}"/>
-                    </a:ext>
-                  </a:extLst>
-                </p14:cNvPr>
-                <p14:cNvContentPartPr/>
-                <p14:nvPr/>
-              </p14:nvContentPartPr>
-              <p14:xfrm>
-                <a:off x="8452080" y="2833480"/>
-                <a:ext cx="236160" cy="159120"/>
-              </p14:xfrm>
-            </p:contentPart>
-          </mc:Choice>
-          <mc:Fallback>
-            <p:pic>
-              <p:nvPicPr>
-                <p:cNvPr id="27" name="Ink 26">
-                  <a:extLst>
-                    <a:ext uri="{FF2B5EF4-FFF2-40B4-BE49-F238E27FC236}">
-                      <a16:creationId xmlns:a16="http://schemas.microsoft.com/office/drawing/2014/main" id="{967E7B11-F997-7749-9E15-7776BF86A90D}"/>
-                    </a:ext>
-                  </a:extLst>
-                </p:cNvPr>
-                <p:cNvPicPr/>
-                <p:nvPr/>
-              </p:nvPicPr>
-              <p:blipFill>
-                <a:blip r:embed="rId48"/>
-                <a:stretch>
-                  <a:fillRect/>
-                </a:stretch>
-              </p:blipFill>
-              <p:spPr>
-                <a:xfrm>
-                  <a:off x="8434080" y="2725480"/>
-                  <a:ext cx="271800" cy="374760"/>
-                </a:xfrm>
-                <a:prstGeom prst="rect">
-                  <a:avLst/>
-                </a:prstGeom>
-              </p:spPr>
-            </p:pic>
-          </mc:Fallback>
-        </mc:AlternateContent>
-        <mc:AlternateContent xmlns:mc="http://schemas.openxmlformats.org/markup-compatibility/2006">
-          <mc:Choice xmlns:p14="http://schemas.microsoft.com/office/powerpoint/2010/main" xmlns:aink="http://schemas.microsoft.com/office/drawing/2016/ink" Requires="p14 aink">
-            <p:contentPart p14:bwMode="auto" r:id="rId49">
-              <p14:nvContentPartPr>
-                <p14:cNvPr id="28" name="Ink 27">
-                  <a:extLst>
-                    <a:ext uri="{FF2B5EF4-FFF2-40B4-BE49-F238E27FC236}">
-                      <a16:creationId xmlns:a16="http://schemas.microsoft.com/office/drawing/2014/main" id="{8B03AFC2-E6DC-184D-B2ED-CB6B24684DAB}"/>
-                    </a:ext>
-                  </a:extLst>
-                </p14:cNvPr>
-                <p14:cNvContentPartPr/>
-                <p14:nvPr/>
-              </p14:nvContentPartPr>
-              <p14:xfrm>
-                <a:off x="8803080" y="2879560"/>
-                <a:ext cx="228600" cy="105840"/>
-              </p14:xfrm>
-            </p:contentPart>
-          </mc:Choice>
-          <mc:Fallback>
-            <p:pic>
-              <p:nvPicPr>
-                <p:cNvPr id="28" name="Ink 27">
-                  <a:extLst>
-                    <a:ext uri="{FF2B5EF4-FFF2-40B4-BE49-F238E27FC236}">
-                      <a16:creationId xmlns:a16="http://schemas.microsoft.com/office/drawing/2014/main" id="{8B03AFC2-E6DC-184D-B2ED-CB6B24684DAB}"/>
-                    </a:ext>
-                  </a:extLst>
-                </p:cNvPr>
-                <p:cNvPicPr/>
-                <p:nvPr/>
-              </p:nvPicPr>
-              <p:blipFill>
-                <a:blip r:embed="rId50"/>
-                <a:stretch>
-                  <a:fillRect/>
-                </a:stretch>
-              </p:blipFill>
-              <p:spPr>
-                <a:xfrm>
-                  <a:off x="8785080" y="2771920"/>
-                  <a:ext cx="264240" cy="321480"/>
-                </a:xfrm>
-                <a:prstGeom prst="rect">
-                  <a:avLst/>
-                </a:prstGeom>
-              </p:spPr>
-            </p:pic>
-          </mc:Fallback>
-        </mc:AlternateContent>
-        <mc:AlternateContent xmlns:mc="http://schemas.openxmlformats.org/markup-compatibility/2006">
-          <mc:Choice xmlns:p14="http://schemas.microsoft.com/office/powerpoint/2010/main" xmlns:aink="http://schemas.microsoft.com/office/drawing/2016/ink" Requires="p14 aink">
-            <p:contentPart p14:bwMode="auto" r:id="rId51">
-              <p14:nvContentPartPr>
-                <p14:cNvPr id="29" name="Ink 28">
-                  <a:extLst>
-                    <a:ext uri="{FF2B5EF4-FFF2-40B4-BE49-F238E27FC236}">
-                      <a16:creationId xmlns:a16="http://schemas.microsoft.com/office/drawing/2014/main" id="{5EF9DD58-B6E3-A64F-ADB2-5BF77F412A90}"/>
-                    </a:ext>
-                  </a:extLst>
-                </p14:cNvPr>
-                <p14:cNvContentPartPr/>
-                <p14:nvPr/>
-              </p14:nvContentPartPr>
-              <p14:xfrm>
-                <a:off x="9013680" y="2885320"/>
-                <a:ext cx="88920" cy="92160"/>
-              </p14:xfrm>
-            </p:contentPart>
-          </mc:Choice>
-          <mc:Fallback>
-            <p:pic>
-              <p:nvPicPr>
-                <p:cNvPr id="29" name="Ink 28">
-                  <a:extLst>
-                    <a:ext uri="{FF2B5EF4-FFF2-40B4-BE49-F238E27FC236}">
-                      <a16:creationId xmlns:a16="http://schemas.microsoft.com/office/drawing/2014/main" id="{5EF9DD58-B6E3-A64F-ADB2-5BF77F412A90}"/>
-                    </a:ext>
-                  </a:extLst>
-                </p:cNvPr>
-                <p:cNvPicPr/>
-                <p:nvPr/>
-              </p:nvPicPr>
-              <p:blipFill>
-                <a:blip r:embed="rId52"/>
-                <a:stretch>
-                  <a:fillRect/>
-                </a:stretch>
-              </p:blipFill>
-              <p:spPr>
-                <a:xfrm>
-                  <a:off x="8996040" y="2777680"/>
-                  <a:ext cx="124560" cy="307800"/>
-                </a:xfrm>
-                <a:prstGeom prst="rect">
-                  <a:avLst/>
-                </a:prstGeom>
-              </p:spPr>
-            </p:pic>
-          </mc:Fallback>
-        </mc:AlternateContent>
-        <mc:AlternateContent xmlns:mc="http://schemas.openxmlformats.org/markup-compatibility/2006">
-          <mc:Choice xmlns:p14="http://schemas.microsoft.com/office/powerpoint/2010/main" xmlns:aink="http://schemas.microsoft.com/office/drawing/2016/ink" Requires="p14 aink">
-            <p:contentPart p14:bwMode="auto" r:id="rId53">
-              <p14:nvContentPartPr>
-                <p14:cNvPr id="30" name="Ink 29">
-                  <a:extLst>
-                    <a:ext uri="{FF2B5EF4-FFF2-40B4-BE49-F238E27FC236}">
-                      <a16:creationId xmlns:a16="http://schemas.microsoft.com/office/drawing/2014/main" id="{9BCCA597-A1CA-D246-A2B9-40DA75053307}"/>
-                    </a:ext>
-                  </a:extLst>
-                </p14:cNvPr>
-                <p14:cNvContentPartPr/>
-                <p14:nvPr/>
-              </p14:nvContentPartPr>
-              <p14:xfrm>
-                <a:off x="9138240" y="2770480"/>
-                <a:ext cx="390960" cy="270000"/>
-              </p14:xfrm>
-            </p:contentPart>
-          </mc:Choice>
-          <mc:Fallback>
-            <p:pic>
-              <p:nvPicPr>
-                <p:cNvPr id="30" name="Ink 29">
-                  <a:extLst>
-                    <a:ext uri="{FF2B5EF4-FFF2-40B4-BE49-F238E27FC236}">
-                      <a16:creationId xmlns:a16="http://schemas.microsoft.com/office/drawing/2014/main" id="{9BCCA597-A1CA-D246-A2B9-40DA75053307}"/>
-                    </a:ext>
-                  </a:extLst>
-                </p:cNvPr>
-                <p:cNvPicPr/>
-                <p:nvPr/>
-              </p:nvPicPr>
-              <p:blipFill>
-                <a:blip r:embed="rId54"/>
-                <a:stretch>
-                  <a:fillRect/>
-                </a:stretch>
-              </p:blipFill>
-              <p:spPr>
-                <a:xfrm>
-                  <a:off x="9120600" y="2662480"/>
-                  <a:ext cx="426600" cy="485640"/>
-                </a:xfrm>
-                <a:prstGeom prst="rect">
-                  <a:avLst/>
-                </a:prstGeom>
-              </p:spPr>
-            </p:pic>
-          </mc:Fallback>
-        </mc:AlternateContent>
-        <mc:AlternateContent xmlns:mc="http://schemas.openxmlformats.org/markup-compatibility/2006">
-          <mc:Choice xmlns:p14="http://schemas.microsoft.com/office/powerpoint/2010/main" xmlns:aink="http://schemas.microsoft.com/office/drawing/2016/ink" Requires="p14 aink">
-            <p:contentPart p14:bwMode="auto" r:id="rId55">
-              <p14:nvContentPartPr>
-                <p14:cNvPr id="32" name="Ink 31">
-                  <a:extLst>
-                    <a:ext uri="{FF2B5EF4-FFF2-40B4-BE49-F238E27FC236}">
-                      <a16:creationId xmlns:a16="http://schemas.microsoft.com/office/drawing/2014/main" id="{EAA31EDB-AFC6-FD42-8604-88D7A62E0BEA}"/>
-                    </a:ext>
-                  </a:extLst>
-                </p14:cNvPr>
-                <p14:cNvContentPartPr/>
-                <p14:nvPr/>
-              </p14:nvContentPartPr>
-              <p14:xfrm>
-                <a:off x="9500760" y="3018880"/>
-                <a:ext cx="19440" cy="1800"/>
-              </p14:xfrm>
-            </p:contentPart>
-          </mc:Choice>
-          <mc:Fallback>
-            <p:pic>
-              <p:nvPicPr>
-                <p:cNvPr id="32" name="Ink 31">
-                  <a:extLst>
-                    <a:ext uri="{FF2B5EF4-FFF2-40B4-BE49-F238E27FC236}">
-                      <a16:creationId xmlns:a16="http://schemas.microsoft.com/office/drawing/2014/main" id="{EAA31EDB-AFC6-FD42-8604-88D7A62E0BEA}"/>
-                    </a:ext>
-                  </a:extLst>
-                </p:cNvPr>
-                <p:cNvPicPr/>
-                <p:nvPr/>
-              </p:nvPicPr>
-              <p:blipFill>
-                <a:blip r:embed="rId56"/>
-                <a:stretch>
-                  <a:fillRect/>
-                </a:stretch>
-              </p:blipFill>
-              <p:spPr>
-                <a:xfrm>
-                  <a:off x="9483120" y="2911240"/>
-                  <a:ext cx="55080" cy="217440"/>
-                </a:xfrm>
-                <a:prstGeom prst="rect">
-                  <a:avLst/>
-                </a:prstGeom>
-              </p:spPr>
-            </p:pic>
-          </mc:Fallback>
-        </mc:AlternateContent>
-        <mc:AlternateContent xmlns:mc="http://schemas.openxmlformats.org/markup-compatibility/2006">
-          <mc:Choice xmlns:p14="http://schemas.microsoft.com/office/powerpoint/2010/main" xmlns:aink="http://schemas.microsoft.com/office/drawing/2016/ink" Requires="p14 aink">
-            <p:contentPart p14:bwMode="auto" r:id="rId57">
-              <p14:nvContentPartPr>
-                <p14:cNvPr id="36" name="Ink 35">
-                  <a:extLst>
-                    <a:ext uri="{FF2B5EF4-FFF2-40B4-BE49-F238E27FC236}">
-                      <a16:creationId xmlns:a16="http://schemas.microsoft.com/office/drawing/2014/main" id="{3AE60E9E-E4EB-D444-AEAD-214C298BBD95}"/>
-                    </a:ext>
-                  </a:extLst>
-                </p14:cNvPr>
-                <p14:cNvContentPartPr/>
-                <p14:nvPr/>
-              </p14:nvContentPartPr>
-              <p14:xfrm>
-                <a:off x="9702000" y="2846800"/>
-                <a:ext cx="175680" cy="140760"/>
-              </p14:xfrm>
-            </p:contentPart>
-          </mc:Choice>
-          <mc:Fallback>
-            <p:pic>
-              <p:nvPicPr>
-                <p:cNvPr id="36" name="Ink 35">
-                  <a:extLst>
-                    <a:ext uri="{FF2B5EF4-FFF2-40B4-BE49-F238E27FC236}">
-                      <a16:creationId xmlns:a16="http://schemas.microsoft.com/office/drawing/2014/main" id="{3AE60E9E-E4EB-D444-AEAD-214C298BBD95}"/>
-                    </a:ext>
-                  </a:extLst>
-                </p:cNvPr>
-                <p:cNvPicPr/>
-                <p:nvPr/>
-              </p:nvPicPr>
-              <p:blipFill>
-                <a:blip r:embed="rId58"/>
-                <a:stretch>
-                  <a:fillRect/>
-                </a:stretch>
-              </p:blipFill>
-              <p:spPr>
-                <a:xfrm>
-                  <a:off x="9684360" y="2739160"/>
-                  <a:ext cx="211320" cy="356400"/>
-                </a:xfrm>
-                <a:prstGeom prst="rect">
-                  <a:avLst/>
-                </a:prstGeom>
-              </p:spPr>
-            </p:pic>
-          </mc:Fallback>
-        </mc:AlternateContent>
-        <mc:AlternateContent xmlns:mc="http://schemas.openxmlformats.org/markup-compatibility/2006">
-          <mc:Choice xmlns:p14="http://schemas.microsoft.com/office/powerpoint/2010/main" xmlns:aink="http://schemas.microsoft.com/office/drawing/2016/ink" Requires="p14 aink">
-            <p:contentPart p14:bwMode="auto" r:id="rId59">
-              <p14:nvContentPartPr>
-                <p14:cNvPr id="37" name="Ink 36">
-                  <a:extLst>
-                    <a:ext uri="{FF2B5EF4-FFF2-40B4-BE49-F238E27FC236}">
-                      <a16:creationId xmlns:a16="http://schemas.microsoft.com/office/drawing/2014/main" id="{B5E27E48-A6A7-A048-8493-CCC03F97D636}"/>
-                    </a:ext>
-                  </a:extLst>
-                </p14:cNvPr>
-                <p14:cNvContentPartPr/>
-                <p14:nvPr/>
-              </p14:nvContentPartPr>
-              <p14:xfrm>
-                <a:off x="9942840" y="2883880"/>
-                <a:ext cx="106920" cy="111600"/>
-              </p14:xfrm>
-            </p:contentPart>
-          </mc:Choice>
-          <mc:Fallback>
-            <p:pic>
-              <p:nvPicPr>
-                <p:cNvPr id="37" name="Ink 36">
-                  <a:extLst>
-                    <a:ext uri="{FF2B5EF4-FFF2-40B4-BE49-F238E27FC236}">
-                      <a16:creationId xmlns:a16="http://schemas.microsoft.com/office/drawing/2014/main" id="{B5E27E48-A6A7-A048-8493-CCC03F97D636}"/>
-                    </a:ext>
-                  </a:extLst>
-                </p:cNvPr>
-                <p:cNvPicPr/>
-                <p:nvPr/>
-              </p:nvPicPr>
-              <p:blipFill>
-                <a:blip r:embed="rId60"/>
-                <a:stretch>
-                  <a:fillRect/>
-                </a:stretch>
-              </p:blipFill>
-              <p:spPr>
-                <a:xfrm>
-                  <a:off x="9925200" y="2776240"/>
-                  <a:ext cx="142560" cy="327240"/>
-                </a:xfrm>
-                <a:prstGeom prst="rect">
-                  <a:avLst/>
-                </a:prstGeom>
-              </p:spPr>
-            </p:pic>
-          </mc:Fallback>
-        </mc:AlternateContent>
-        <mc:AlternateContent xmlns:mc="http://schemas.openxmlformats.org/markup-compatibility/2006">
-          <mc:Choice xmlns:p14="http://schemas.microsoft.com/office/powerpoint/2010/main" xmlns:aink="http://schemas.microsoft.com/office/drawing/2016/ink" Requires="p14 aink">
-            <p:contentPart p14:bwMode="auto" r:id="rId61">
-              <p14:nvContentPartPr>
-                <p14:cNvPr id="38" name="Ink 37">
-                  <a:extLst>
-                    <a:ext uri="{FF2B5EF4-FFF2-40B4-BE49-F238E27FC236}">
-                      <a16:creationId xmlns:a16="http://schemas.microsoft.com/office/drawing/2014/main" id="{045E4165-19B1-B44B-8FF9-5EE84CE0946B}"/>
-                    </a:ext>
-                  </a:extLst>
-                </p14:cNvPr>
-                <p14:cNvContentPartPr/>
-                <p14:nvPr/>
-              </p14:nvContentPartPr>
-              <p14:xfrm>
-                <a:off x="10132200" y="2725120"/>
-                <a:ext cx="153720" cy="366120"/>
-              </p14:xfrm>
-            </p:contentPart>
-          </mc:Choice>
-          <mc:Fallback>
-            <p:pic>
-              <p:nvPicPr>
-                <p:cNvPr id="38" name="Ink 37">
-                  <a:extLst>
-                    <a:ext uri="{FF2B5EF4-FFF2-40B4-BE49-F238E27FC236}">
-                      <a16:creationId xmlns:a16="http://schemas.microsoft.com/office/drawing/2014/main" id="{045E4165-19B1-B44B-8FF9-5EE84CE0946B}"/>
-                    </a:ext>
-                  </a:extLst>
-                </p:cNvPr>
-                <p:cNvPicPr/>
-                <p:nvPr/>
-              </p:nvPicPr>
-              <p:blipFill>
-                <a:blip r:embed="rId62"/>
-                <a:stretch>
-                  <a:fillRect/>
-                </a:stretch>
-              </p:blipFill>
-              <p:spPr>
-                <a:xfrm>
-                  <a:off x="10114560" y="2617480"/>
-                  <a:ext cx="189360" cy="581760"/>
-                </a:xfrm>
-                <a:prstGeom prst="rect">
-                  <a:avLst/>
-                </a:prstGeom>
-              </p:spPr>
-            </p:pic>
-          </mc:Fallback>
-        </mc:AlternateContent>
-        <mc:AlternateContent xmlns:mc="http://schemas.openxmlformats.org/markup-compatibility/2006">
-          <mc:Choice xmlns:p14="http://schemas.microsoft.com/office/powerpoint/2010/main" xmlns:aink="http://schemas.microsoft.com/office/drawing/2016/ink" Requires="p14 aink">
-            <p:contentPart p14:bwMode="auto" r:id="rId63">
-              <p14:nvContentPartPr>
-                <p14:cNvPr id="39" name="Ink 38">
-                  <a:extLst>
-                    <a:ext uri="{FF2B5EF4-FFF2-40B4-BE49-F238E27FC236}">
-                      <a16:creationId xmlns:a16="http://schemas.microsoft.com/office/drawing/2014/main" id="{3C794F39-F83C-CE4D-9CA6-9C79769D7B1A}"/>
-                    </a:ext>
-                  </a:extLst>
-                </p14:cNvPr>
-                <p14:cNvContentPartPr/>
-                <p14:nvPr/>
-              </p14:nvContentPartPr>
-              <p14:xfrm>
-                <a:off x="10241640" y="2914840"/>
-                <a:ext cx="221040" cy="121320"/>
-              </p14:xfrm>
-            </p:contentPart>
-          </mc:Choice>
-          <mc:Fallback>
-            <p:pic>
-              <p:nvPicPr>
-                <p:cNvPr id="39" name="Ink 38">
-                  <a:extLst>
-                    <a:ext uri="{FF2B5EF4-FFF2-40B4-BE49-F238E27FC236}">
-                      <a16:creationId xmlns:a16="http://schemas.microsoft.com/office/drawing/2014/main" id="{3C794F39-F83C-CE4D-9CA6-9C79769D7B1A}"/>
-                    </a:ext>
-                  </a:extLst>
-                </p:cNvPr>
-                <p:cNvPicPr/>
-                <p:nvPr/>
-              </p:nvPicPr>
-              <p:blipFill>
-                <a:blip r:embed="rId64"/>
-                <a:stretch>
-                  <a:fillRect/>
-                </a:stretch>
-              </p:blipFill>
-              <p:spPr>
-                <a:xfrm>
-                  <a:off x="10224000" y="2806840"/>
-                  <a:ext cx="256680" cy="336960"/>
-                </a:xfrm>
-                <a:prstGeom prst="rect">
-                  <a:avLst/>
-                </a:prstGeom>
-              </p:spPr>
-            </p:pic>
-          </mc:Fallback>
-        </mc:AlternateContent>
-        <mc:AlternateContent xmlns:mc="http://schemas.openxmlformats.org/markup-compatibility/2006">
-          <mc:Choice xmlns:p14="http://schemas.microsoft.com/office/powerpoint/2010/main" xmlns:aink="http://schemas.microsoft.com/office/drawing/2016/ink" Requires="p14 aink">
-            <p:contentPart p14:bwMode="auto" r:id="rId65">
-              <p14:nvContentPartPr>
-                <p14:cNvPr id="40" name="Ink 39">
-                  <a:extLst>
-                    <a:ext uri="{FF2B5EF4-FFF2-40B4-BE49-F238E27FC236}">
-                      <a16:creationId xmlns:a16="http://schemas.microsoft.com/office/drawing/2014/main" id="{16F328E1-C818-4341-A5DC-3A054C9820BB}"/>
-                    </a:ext>
-                  </a:extLst>
-                </p14:cNvPr>
-                <p14:cNvContentPartPr/>
-                <p14:nvPr/>
-              </p14:nvContentPartPr>
-              <p14:xfrm>
-                <a:off x="10432800" y="2883880"/>
-                <a:ext cx="181080" cy="123480"/>
-              </p14:xfrm>
-            </p:contentPart>
-          </mc:Choice>
-          <mc:Fallback>
-            <p:pic>
-              <p:nvPicPr>
-                <p:cNvPr id="40" name="Ink 39">
-                  <a:extLst>
-                    <a:ext uri="{FF2B5EF4-FFF2-40B4-BE49-F238E27FC236}">
-                      <a16:creationId xmlns:a16="http://schemas.microsoft.com/office/drawing/2014/main" id="{16F328E1-C818-4341-A5DC-3A054C9820BB}"/>
-                    </a:ext>
-                  </a:extLst>
-                </p:cNvPr>
-                <p:cNvPicPr/>
-                <p:nvPr/>
-              </p:nvPicPr>
-              <p:blipFill>
-                <a:blip r:embed="rId66"/>
-                <a:stretch>
-                  <a:fillRect/>
-                </a:stretch>
-              </p:blipFill>
-              <p:spPr>
-                <a:xfrm>
-                  <a:off x="10414800" y="2775880"/>
-                  <a:ext cx="216720" cy="339120"/>
-                </a:xfrm>
-                <a:prstGeom prst="rect">
-                  <a:avLst/>
-                </a:prstGeom>
-              </p:spPr>
-            </p:pic>
-          </mc:Fallback>
-        </mc:AlternateContent>
-        <mc:AlternateContent xmlns:mc="http://schemas.openxmlformats.org/markup-compatibility/2006">
-          <mc:Choice xmlns:p14="http://schemas.microsoft.com/office/powerpoint/2010/main" xmlns:aink="http://schemas.microsoft.com/office/drawing/2016/ink" Requires="p14 aink">
-            <p:contentPart p14:bwMode="auto" r:id="rId67">
-              <p14:nvContentPartPr>
-                <p14:cNvPr id="41" name="Ink 40">
-                  <a:extLst>
-                    <a:ext uri="{FF2B5EF4-FFF2-40B4-BE49-F238E27FC236}">
-                      <a16:creationId xmlns:a16="http://schemas.microsoft.com/office/drawing/2014/main" id="{969882A5-0158-8441-934E-3784EF6C8F01}"/>
-                    </a:ext>
-                  </a:extLst>
-                </p14:cNvPr>
-                <p14:cNvContentPartPr/>
-                <p14:nvPr/>
-              </p14:nvContentPartPr>
-              <p14:xfrm>
-                <a:off x="10693080" y="2845000"/>
-                <a:ext cx="179640" cy="121680"/>
-              </p14:xfrm>
-            </p:contentPart>
-          </mc:Choice>
-          <mc:Fallback>
-            <p:pic>
-              <p:nvPicPr>
-                <p:cNvPr id="41" name="Ink 40">
-                  <a:extLst>
-                    <a:ext uri="{FF2B5EF4-FFF2-40B4-BE49-F238E27FC236}">
-                      <a16:creationId xmlns:a16="http://schemas.microsoft.com/office/drawing/2014/main" id="{969882A5-0158-8441-934E-3784EF6C8F01}"/>
-                    </a:ext>
-                  </a:extLst>
-                </p:cNvPr>
-                <p:cNvPicPr/>
-                <p:nvPr/>
-              </p:nvPicPr>
-              <p:blipFill>
-                <a:blip r:embed="rId68"/>
-                <a:stretch>
-                  <a:fillRect/>
-                </a:stretch>
-              </p:blipFill>
-              <p:spPr>
-                <a:xfrm>
-                  <a:off x="10675080" y="2737360"/>
-                  <a:ext cx="215280" cy="337320"/>
-                </a:xfrm>
-                <a:prstGeom prst="rect">
-                  <a:avLst/>
-                </a:prstGeom>
-              </p:spPr>
-            </p:pic>
-          </mc:Fallback>
-        </mc:AlternateContent>
-        <mc:AlternateContent xmlns:mc="http://schemas.openxmlformats.org/markup-compatibility/2006">
-          <mc:Choice xmlns:p14="http://schemas.microsoft.com/office/powerpoint/2010/main" xmlns:aink="http://schemas.microsoft.com/office/drawing/2016/ink" Requires="p14 aink">
-            <p:contentPart p14:bwMode="auto" r:id="rId69">
-              <p14:nvContentPartPr>
-                <p14:cNvPr id="42" name="Ink 41">
-                  <a:extLst>
-                    <a:ext uri="{FF2B5EF4-FFF2-40B4-BE49-F238E27FC236}">
-                      <a16:creationId xmlns:a16="http://schemas.microsoft.com/office/drawing/2014/main" id="{64387E15-4445-4246-A997-607E037AA8E5}"/>
-                    </a:ext>
-                  </a:extLst>
-                </p14:cNvPr>
-                <p14:cNvContentPartPr/>
-                <p14:nvPr/>
-              </p14:nvContentPartPr>
-              <p14:xfrm>
-                <a:off x="10880280" y="2849680"/>
-                <a:ext cx="148320" cy="153360"/>
-              </p14:xfrm>
-            </p:contentPart>
-          </mc:Choice>
-          <mc:Fallback>
-            <p:pic>
-              <p:nvPicPr>
-                <p:cNvPr id="42" name="Ink 41">
-                  <a:extLst>
-                    <a:ext uri="{FF2B5EF4-FFF2-40B4-BE49-F238E27FC236}">
-                      <a16:creationId xmlns:a16="http://schemas.microsoft.com/office/drawing/2014/main" id="{64387E15-4445-4246-A997-607E037AA8E5}"/>
-                    </a:ext>
-                  </a:extLst>
-                </p:cNvPr>
-                <p:cNvPicPr/>
-                <p:nvPr/>
-              </p:nvPicPr>
-              <p:blipFill>
-                <a:blip r:embed="rId70"/>
-                <a:stretch>
-                  <a:fillRect/>
-                </a:stretch>
-              </p:blipFill>
-              <p:spPr>
-                <a:xfrm>
-                  <a:off x="10862640" y="2741680"/>
-                  <a:ext cx="183960" cy="369000"/>
-                </a:xfrm>
-                <a:prstGeom prst="rect">
-                  <a:avLst/>
-                </a:prstGeom>
-              </p:spPr>
-            </p:pic>
-          </mc:Fallback>
-        </mc:AlternateContent>
-      </p:grpSp>
     </p:spTree>
     <p:extLst>
       <p:ext uri="{BB962C8B-B14F-4D97-AF65-F5344CB8AC3E}">
@@ -13562,7 +14060,7 @@
             <a:pPr algn="just"/>
             <a:r>
               <a:rPr lang="en-US" sz="2800" dirty="0"/>
-              <a:t>• Addresses training and prediction time </a:t>
+              <a:t>• works in both training and prediction parts </a:t>
             </a:r>
           </a:p>
           <a:p>
@@ -13595,14 +14093,14 @@
             <a:pPr algn="just"/>
             <a:r>
               <a:rPr lang="en-US" sz="2800" dirty="0"/>
-              <a:t>• Requires modification of learning algorithm </a:t>
+              <a:t>• modify learning algorithms</a:t>
             </a:r>
           </a:p>
           <a:p>
             <a:pPr algn="just"/>
             <a:r>
               <a:rPr lang="en-US" sz="2800" dirty="0"/>
-              <a:t>-Very simple for decision trees</a:t>
+              <a:t>	(simple for decision trees)</a:t>
             </a:r>
           </a:p>
         </p:txBody>
@@ -13857,7 +14355,7 @@
             </a:pPr>
             <a:r>
               <a:rPr lang="en-US" sz="2800" dirty="0"/>
-              <a:t>Skip all rows with any missing values </a:t>
+              <a:t>Skip all data points (rows) with any missing values </a:t>
             </a:r>
           </a:p>
           <a:p>
@@ -13875,7 +14373,7 @@
             </a:pPr>
             <a:r>
               <a:rPr lang="en-US" sz="2800" dirty="0"/>
-              <a:t>Impute missing values using other data points</a:t>
+              <a:t>Impute missing values</a:t>
             </a:r>
           </a:p>
           <a:p>
@@ -13884,13 +14382,18 @@
             </a:pPr>
             <a:r>
               <a:rPr lang="en-US" sz="2800" dirty="0"/>
-              <a:t>Modify learning algorithm (decision trees) to handle missing data.</a:t>
-            </a:r>
+              <a:t>Modify learning algorithm (decision </a:t>
+            </a:r>
+            <a:r>
+              <a:rPr lang="en-US" sz="2800"/>
+              <a:t>trees)</a:t>
+            </a:r>
+            <a:endParaRPr lang="en-US" sz="2800" dirty="0"/>
           </a:p>
         </p:txBody>
       </p:sp>
-      <mc:AlternateContent xmlns:mc="http://schemas.openxmlformats.org/markup-compatibility/2006">
-        <mc:Choice xmlns:p14="http://schemas.microsoft.com/office/powerpoint/2010/main" xmlns:aink="http://schemas.microsoft.com/office/drawing/2016/ink" Requires="p14 aink">
+      <mc:AlternateContent xmlns:mc="http://schemas.openxmlformats.org/markup-compatibility/2006" xmlns:p14="http://schemas.microsoft.com/office/powerpoint/2010/main" xmlns:aink="http://schemas.microsoft.com/office/drawing/2016/ink">
+        <mc:Choice Requires="p14 aink">
           <p:contentPart p14:bwMode="auto" r:id="rId2">
             <p14:nvContentPartPr>
               <p14:cNvPr id="3" name="Ink 2">
@@ -13909,7 +14412,7 @@
             </p14:xfrm>
           </p:contentPart>
         </mc:Choice>
-        <mc:Fallback>
+        <mc:Fallback xmlns="">
           <p:pic>
             <p:nvPicPr>
               <p:cNvPr id="3" name="Ink 2">
@@ -14031,6 +14534,165 @@
 </p:sld>
 </file>
 
+<file path=ppt/slides/slide29.xml><?xml version="1.0" encoding="utf-8"?>
+<p:sld xmlns:a="http://schemas.openxmlformats.org/drawingml/2006/main" xmlns:r="http://schemas.openxmlformats.org/officeDocument/2006/relationships" xmlns:p="http://schemas.openxmlformats.org/presentationml/2006/main">
+  <p:cSld>
+    <p:spTree>
+      <p:nvGrpSpPr>
+        <p:cNvPr id="1" name=""/>
+        <p:cNvGrpSpPr/>
+        <p:nvPr/>
+      </p:nvGrpSpPr>
+      <p:grpSpPr>
+        <a:xfrm>
+          <a:off x="0" y="0"/>
+          <a:ext cx="0" cy="0"/>
+          <a:chOff x="0" y="0"/>
+          <a:chExt cx="0" cy="0"/>
+        </a:xfrm>
+      </p:grpSpPr>
+      <p:sp>
+        <p:nvSpPr>
+          <p:cNvPr id="18435" name="Rectangle 2">
+            <a:extLst>
+              <a:ext uri="{FF2B5EF4-FFF2-40B4-BE49-F238E27FC236}">
+                <a16:creationId xmlns:a16="http://schemas.microsoft.com/office/drawing/2014/main" id="{AB7ADA3B-C9BC-694C-B22C-4048D2E3B5A8}"/>
+              </a:ext>
+            </a:extLst>
+          </p:cNvPr>
+          <p:cNvSpPr>
+            <a:spLocks noGrp="1" noChangeArrowheads="1"/>
+          </p:cNvSpPr>
+          <p:nvPr>
+            <p:ph type="title"/>
+          </p:nvPr>
+        </p:nvSpPr>
+        <p:spPr>
+          <a:noFill/>
+        </p:spPr>
+        <p:txBody>
+          <a:bodyPr vert="horz" lIns="92075" tIns="46038" rIns="92075" bIns="46038" rtlCol="0" anchor="ctr">
+            <a:normAutofit/>
+          </a:bodyPr>
+          <a:lstStyle/>
+          <a:p>
+            <a:pPr eaLnBrk="1" hangingPunct="1"/>
+            <a:r>
+              <a:rPr lang="en-US" altLang="en-US" sz="3200"/>
+              <a:t>Data Preprocessing</a:t>
+            </a:r>
+          </a:p>
+        </p:txBody>
+      </p:sp>
+      <p:sp>
+        <p:nvSpPr>
+          <p:cNvPr id="6149" name="Rectangle 3">
+            <a:extLst>
+              <a:ext uri="{FF2B5EF4-FFF2-40B4-BE49-F238E27FC236}">
+                <a16:creationId xmlns:a16="http://schemas.microsoft.com/office/drawing/2014/main" id="{28BE9476-2970-B44D-8843-CD5E2DB0F498}"/>
+              </a:ext>
+            </a:extLst>
+          </p:cNvPr>
+          <p:cNvSpPr>
+            <a:spLocks noGrp="1" noChangeArrowheads="1"/>
+          </p:cNvSpPr>
+          <p:nvPr>
+            <p:ph type="body" sz="half" idx="1"/>
+          </p:nvPr>
+        </p:nvSpPr>
+        <p:spPr>
+          <a:xfrm>
+            <a:off x="1674394" y="1999927"/>
+            <a:ext cx="8843211" cy="4321335"/>
+          </a:xfrm>
+        </p:spPr>
+        <p:txBody>
+          <a:bodyPr vert="horz" lIns="92075" tIns="46038" rIns="92075" bIns="46038" rtlCol="0" anchor="ctr">
+            <a:normAutofit/>
+          </a:bodyPr>
+          <a:lstStyle/>
+          <a:p>
+            <a:pPr>
+              <a:lnSpc>
+                <a:spcPct val="150000"/>
+              </a:lnSpc>
+              <a:defRPr/>
+            </a:pPr>
+            <a:r>
+              <a:rPr lang="en-US" altLang="en-US" sz="2400" dirty="0"/>
+              <a:t>Data Cleaning (missing values)</a:t>
+            </a:r>
+          </a:p>
+          <a:p>
+            <a:pPr eaLnBrk="1" hangingPunct="1">
+              <a:lnSpc>
+                <a:spcPct val="150000"/>
+              </a:lnSpc>
+              <a:defRPr/>
+            </a:pPr>
+            <a:r>
+              <a:rPr lang="en-US" altLang="en-US" sz="2400" dirty="0"/>
+              <a:t>Data Preprocessing: An Overview</a:t>
+            </a:r>
+          </a:p>
+          <a:p>
+            <a:pPr lvl="1" eaLnBrk="1" hangingPunct="1">
+              <a:lnSpc>
+                <a:spcPct val="150000"/>
+              </a:lnSpc>
+              <a:defRPr/>
+            </a:pPr>
+            <a:r>
+              <a:rPr lang="en-US" altLang="en-US" dirty="0"/>
+              <a:t>Data Quality</a:t>
+            </a:r>
+          </a:p>
+          <a:p>
+            <a:pPr lvl="1" eaLnBrk="1" hangingPunct="1">
+              <a:lnSpc>
+                <a:spcPct val="150000"/>
+              </a:lnSpc>
+              <a:defRPr/>
+            </a:pPr>
+            <a:r>
+              <a:rPr lang="en-US" altLang="en-US" dirty="0"/>
+              <a:t>Major Tasks in Data Preprocessing</a:t>
+            </a:r>
+          </a:p>
+          <a:p>
+            <a:pPr eaLnBrk="1" hangingPunct="1">
+              <a:lnSpc>
+                <a:spcPct val="150000"/>
+              </a:lnSpc>
+              <a:defRPr/>
+            </a:pPr>
+            <a:r>
+              <a:rPr lang="en-US" altLang="en-US" sz="2400" dirty="0"/>
+              <a:t>Data Integration</a:t>
+            </a:r>
+          </a:p>
+          <a:p>
+            <a:pPr eaLnBrk="1" hangingPunct="1">
+              <a:lnSpc>
+                <a:spcPct val="150000"/>
+              </a:lnSpc>
+              <a:defRPr/>
+            </a:pPr>
+            <a:r>
+              <a:rPr lang="en-US" altLang="en-US" sz="2400" dirty="0"/>
+              <a:t>Data Reduction (PCA)</a:t>
+            </a:r>
+          </a:p>
+        </p:txBody>
+      </p:sp>
+    </p:spTree>
+  </p:cSld>
+  <p:clrMapOvr>
+    <a:masterClrMapping/>
+  </p:clrMapOvr>
+</p:sld>
+</file>
+
 <file path=ppt/slides/slide3.xml><?xml version="1.0" encoding="utf-8"?>
 <p:sld xmlns:a="http://schemas.openxmlformats.org/drawingml/2006/main" xmlns:r="http://schemas.openxmlformats.org/officeDocument/2006/relationships" xmlns:p="http://schemas.openxmlformats.org/presentationml/2006/main">
   <p:cSld>
@@ -14090,26 +14752,2125 @@
           </p:cNvPicPr>
           <p:nvPr/>
         </p:nvPicPr>
-        <p:blipFill>
+        <p:blipFill rotWithShape="1">
           <a:blip r:embed="rId2"/>
-          <a:stretch>
-            <a:fillRect/>
-          </a:stretch>
+          <a:srcRect r="37329"/>
+          <a:stretch/>
         </p:blipFill>
         <p:spPr>
           <a:xfrm>
-            <a:off x="1960195" y="1953596"/>
-            <a:ext cx="7939943" cy="4741738"/>
+            <a:off x="1917331" y="1953596"/>
+            <a:ext cx="4937760" cy="4705254"/>
           </a:xfrm>
           <a:prstGeom prst="rect">
             <a:avLst/>
           </a:prstGeom>
         </p:spPr>
       </p:pic>
+      <p:sp>
+        <p:nvSpPr>
+          <p:cNvPr id="5" name="TextBox 4">
+            <a:extLst>
+              <a:ext uri="{FF2B5EF4-FFF2-40B4-BE49-F238E27FC236}">
+                <a16:creationId xmlns:a16="http://schemas.microsoft.com/office/drawing/2014/main" id="{DCD41A86-B7CB-1D4C-8FD8-00F249D50491}"/>
+              </a:ext>
+            </a:extLst>
+          </p:cNvPr>
+          <p:cNvSpPr txBox="1"/>
+          <p:nvPr/>
+        </p:nvSpPr>
+        <p:spPr>
+          <a:xfrm>
+            <a:off x="7536317" y="4121557"/>
+            <a:ext cx="1724511" cy="369332"/>
+          </a:xfrm>
+          <a:prstGeom prst="rect">
+            <a:avLst/>
+          </a:prstGeom>
+          <a:noFill/>
+        </p:spPr>
+        <p:txBody>
+          <a:bodyPr wrap="none" rtlCol="0">
+            <a:spAutoFit/>
+          </a:bodyPr>
+          <a:lstStyle/>
+          <a:p>
+            <a:r>
+              <a:rPr lang="en-US" dirty="0"/>
+              <a:t>Unknown values</a:t>
+            </a:r>
+          </a:p>
+        </p:txBody>
+      </p:sp>
+      <p:sp>
+        <p:nvSpPr>
+          <p:cNvPr id="3" name="Rectangle 2">
+            <a:extLst>
+              <a:ext uri="{FF2B5EF4-FFF2-40B4-BE49-F238E27FC236}">
+                <a16:creationId xmlns:a16="http://schemas.microsoft.com/office/drawing/2014/main" id="{BF8A163B-DD55-B14E-8C25-D172E42D1D97}"/>
+              </a:ext>
+            </a:extLst>
+          </p:cNvPr>
+          <p:cNvSpPr/>
+          <p:nvPr/>
+        </p:nvSpPr>
+        <p:spPr>
+          <a:xfrm>
+            <a:off x="2368818" y="3250408"/>
+            <a:ext cx="4583376" cy="442912"/>
+          </a:xfrm>
+          <a:prstGeom prst="rect">
+            <a:avLst/>
+          </a:prstGeom>
+          <a:noFill/>
+          <a:ln w="50800">
+            <a:solidFill>
+              <a:schemeClr val="accent1">
+                <a:lumMod val="50000"/>
+                <a:lumOff val="50000"/>
+              </a:schemeClr>
+            </a:solidFill>
+          </a:ln>
+        </p:spPr>
+        <p:style>
+          <a:lnRef idx="2">
+            <a:schemeClr val="accent6"/>
+          </a:lnRef>
+          <a:fillRef idx="1">
+            <a:schemeClr val="lt1"/>
+          </a:fillRef>
+          <a:effectRef idx="0">
+            <a:schemeClr val="accent6"/>
+          </a:effectRef>
+          <a:fontRef idx="minor">
+            <a:schemeClr val="dk1"/>
+          </a:fontRef>
+        </p:style>
+        <p:txBody>
+          <a:bodyPr rtlCol="0" anchor="ctr"/>
+          <a:lstStyle/>
+          <a:p>
+            <a:pPr algn="ctr"/>
+            <a:endParaRPr lang="en-US"/>
+          </a:p>
+        </p:txBody>
+      </p:sp>
+      <p:sp>
+        <p:nvSpPr>
+          <p:cNvPr id="6" name="Rectangle 5">
+            <a:extLst>
+              <a:ext uri="{FF2B5EF4-FFF2-40B4-BE49-F238E27FC236}">
+                <a16:creationId xmlns:a16="http://schemas.microsoft.com/office/drawing/2014/main" id="{FBF55699-855C-F841-918A-301963A99B6F}"/>
+              </a:ext>
+            </a:extLst>
+          </p:cNvPr>
+          <p:cNvSpPr/>
+          <p:nvPr/>
+        </p:nvSpPr>
+        <p:spPr>
+          <a:xfrm>
+            <a:off x="2368818" y="5934388"/>
+            <a:ext cx="4583376" cy="442912"/>
+          </a:xfrm>
+          <a:prstGeom prst="rect">
+            <a:avLst/>
+          </a:prstGeom>
+          <a:noFill/>
+          <a:ln w="50800">
+            <a:solidFill>
+              <a:schemeClr val="accent1">
+                <a:lumMod val="50000"/>
+                <a:lumOff val="50000"/>
+              </a:schemeClr>
+            </a:solidFill>
+          </a:ln>
+        </p:spPr>
+        <p:style>
+          <a:lnRef idx="2">
+            <a:schemeClr val="accent6"/>
+          </a:lnRef>
+          <a:fillRef idx="1">
+            <a:schemeClr val="lt1"/>
+          </a:fillRef>
+          <a:effectRef idx="0">
+            <a:schemeClr val="accent6"/>
+          </a:effectRef>
+          <a:fontRef idx="minor">
+            <a:schemeClr val="dk1"/>
+          </a:fontRef>
+        </p:style>
+        <p:txBody>
+          <a:bodyPr rtlCol="0" anchor="ctr"/>
+          <a:lstStyle/>
+          <a:p>
+            <a:pPr algn="ctr"/>
+            <a:endParaRPr lang="en-US"/>
+          </a:p>
+        </p:txBody>
+      </p:sp>
     </p:spTree>
     <p:extLst>
       <p:ext uri="{BB962C8B-B14F-4D97-AF65-F5344CB8AC3E}">
         <p14:creationId xmlns:p14="http://schemas.microsoft.com/office/powerpoint/2010/main" val="287343774"/>
+      </p:ext>
+    </p:extLst>
+  </p:cSld>
+  <p:clrMapOvr>
+    <a:masterClrMapping/>
+  </p:clrMapOvr>
+</p:sld>
+</file>
+
+<file path=ppt/slides/slide30.xml><?xml version="1.0" encoding="utf-8"?>
+<p:sld xmlns:a="http://schemas.openxmlformats.org/drawingml/2006/main" xmlns:r="http://schemas.openxmlformats.org/officeDocument/2006/relationships" xmlns:p="http://schemas.openxmlformats.org/presentationml/2006/main">
+  <p:cSld>
+    <p:spTree>
+      <p:nvGrpSpPr>
+        <p:cNvPr id="1" name=""/>
+        <p:cNvGrpSpPr/>
+        <p:nvPr/>
+      </p:nvGrpSpPr>
+      <p:grpSpPr>
+        <a:xfrm>
+          <a:off x="0" y="0"/>
+          <a:ext cx="0" cy="0"/>
+          <a:chOff x="0" y="0"/>
+          <a:chExt cx="0" cy="0"/>
+        </a:xfrm>
+      </p:grpSpPr>
+      <p:sp>
+        <p:nvSpPr>
+          <p:cNvPr id="20482" name="Rectangle 2">
+            <a:extLst>
+              <a:ext uri="{FF2B5EF4-FFF2-40B4-BE49-F238E27FC236}">
+                <a16:creationId xmlns:a16="http://schemas.microsoft.com/office/drawing/2014/main" id="{CD6D3402-11E6-5047-AB71-E6143B473B02}"/>
+              </a:ext>
+            </a:extLst>
+          </p:cNvPr>
+          <p:cNvSpPr>
+            <a:spLocks noGrp="1" noChangeArrowheads="1"/>
+          </p:cNvSpPr>
+          <p:nvPr>
+            <p:ph type="title"/>
+          </p:nvPr>
+        </p:nvSpPr>
+        <p:spPr>
+          <a:xfrm>
+            <a:off x="1114927" y="920750"/>
+            <a:ext cx="9144000" cy="685800"/>
+          </a:xfrm>
+        </p:spPr>
+        <p:txBody>
+          <a:bodyPr/>
+          <a:lstStyle/>
+          <a:p>
+            <a:pPr eaLnBrk="1" hangingPunct="1"/>
+            <a:r>
+              <a:rPr lang="en-US" altLang="en-US" sz="3200" dirty="0"/>
+              <a:t>Data Quality: Why Preprocess the Data?</a:t>
+            </a:r>
+            <a:endParaRPr lang="en-US" altLang="en-US" dirty="0"/>
+          </a:p>
+        </p:txBody>
+      </p:sp>
+      <p:sp>
+        <p:nvSpPr>
+          <p:cNvPr id="20483" name="Rectangle 3">
+            <a:extLst>
+              <a:ext uri="{FF2B5EF4-FFF2-40B4-BE49-F238E27FC236}">
+                <a16:creationId xmlns:a16="http://schemas.microsoft.com/office/drawing/2014/main" id="{58C4E57B-3100-744E-9195-75706B7EEADB}"/>
+              </a:ext>
+            </a:extLst>
+          </p:cNvPr>
+          <p:cNvSpPr>
+            <a:spLocks noGrp="1" noChangeArrowheads="1"/>
+          </p:cNvSpPr>
+          <p:nvPr>
+            <p:ph type="body" idx="1"/>
+          </p:nvPr>
+        </p:nvSpPr>
+        <p:spPr>
+          <a:xfrm>
+            <a:off x="1636295" y="1606550"/>
+            <a:ext cx="8382000" cy="4946650"/>
+          </a:xfrm>
+        </p:spPr>
+        <p:txBody>
+          <a:bodyPr/>
+          <a:lstStyle/>
+          <a:p>
+            <a:pPr eaLnBrk="1" hangingPunct="1">
+              <a:lnSpc>
+                <a:spcPct val="140000"/>
+              </a:lnSpc>
+              <a:spcBef>
+                <a:spcPts val="0"/>
+              </a:spcBef>
+              <a:spcAft>
+                <a:spcPts val="0"/>
+              </a:spcAft>
+            </a:pPr>
+            <a:r>
+              <a:rPr lang="en-US" altLang="en-US" sz="2800" dirty="0"/>
+              <a:t>Measures for data quality: A multidimensional view</a:t>
+            </a:r>
+          </a:p>
+          <a:p>
+            <a:pPr lvl="1" eaLnBrk="1" hangingPunct="1">
+              <a:lnSpc>
+                <a:spcPct val="140000"/>
+              </a:lnSpc>
+              <a:spcBef>
+                <a:spcPts val="0"/>
+              </a:spcBef>
+              <a:spcAft>
+                <a:spcPts val="0"/>
+              </a:spcAft>
+            </a:pPr>
+            <a:r>
+              <a:rPr lang="en-US" altLang="en-US" sz="2400" dirty="0"/>
+              <a:t>Accuracy</a:t>
+            </a:r>
+          </a:p>
+          <a:p>
+            <a:pPr lvl="1" eaLnBrk="1" hangingPunct="1">
+              <a:lnSpc>
+                <a:spcPct val="140000"/>
+              </a:lnSpc>
+              <a:spcBef>
+                <a:spcPts val="0"/>
+              </a:spcBef>
+              <a:spcAft>
+                <a:spcPts val="0"/>
+              </a:spcAft>
+            </a:pPr>
+            <a:r>
+              <a:rPr lang="en-US" altLang="en-US" sz="2400" dirty="0"/>
+              <a:t>Completeness</a:t>
+            </a:r>
+          </a:p>
+          <a:p>
+            <a:pPr lvl="1" eaLnBrk="1" hangingPunct="1">
+              <a:lnSpc>
+                <a:spcPct val="140000"/>
+              </a:lnSpc>
+              <a:spcBef>
+                <a:spcPts val="0"/>
+              </a:spcBef>
+              <a:spcAft>
+                <a:spcPts val="0"/>
+              </a:spcAft>
+            </a:pPr>
+            <a:r>
+              <a:rPr lang="en-US" altLang="en-US" sz="2400" dirty="0"/>
+              <a:t>Consistency</a:t>
+            </a:r>
+          </a:p>
+          <a:p>
+            <a:pPr lvl="1" eaLnBrk="1" hangingPunct="1">
+              <a:lnSpc>
+                <a:spcPct val="140000"/>
+              </a:lnSpc>
+              <a:spcBef>
+                <a:spcPts val="0"/>
+              </a:spcBef>
+              <a:spcAft>
+                <a:spcPts val="0"/>
+              </a:spcAft>
+            </a:pPr>
+            <a:r>
+              <a:rPr lang="en-US" altLang="en-US" sz="2400" dirty="0"/>
+              <a:t>Timeliness</a:t>
+            </a:r>
+          </a:p>
+          <a:p>
+            <a:pPr lvl="1" eaLnBrk="1" hangingPunct="1">
+              <a:lnSpc>
+                <a:spcPct val="140000"/>
+              </a:lnSpc>
+              <a:spcBef>
+                <a:spcPts val="0"/>
+              </a:spcBef>
+              <a:spcAft>
+                <a:spcPts val="0"/>
+              </a:spcAft>
+            </a:pPr>
+            <a:r>
+              <a:rPr lang="en-US" altLang="en-US" sz="2400" dirty="0"/>
+              <a:t>Believability</a:t>
+            </a:r>
+          </a:p>
+          <a:p>
+            <a:pPr lvl="1" eaLnBrk="1" hangingPunct="1">
+              <a:lnSpc>
+                <a:spcPct val="140000"/>
+              </a:lnSpc>
+              <a:spcBef>
+                <a:spcPts val="0"/>
+              </a:spcBef>
+              <a:spcAft>
+                <a:spcPts val="0"/>
+              </a:spcAft>
+            </a:pPr>
+            <a:r>
+              <a:rPr lang="en-US" altLang="en-US" sz="2400" dirty="0"/>
+              <a:t>Interpretability</a:t>
+            </a:r>
+          </a:p>
+        </p:txBody>
+      </p:sp>
+    </p:spTree>
+  </p:cSld>
+  <p:clrMapOvr>
+    <a:masterClrMapping/>
+  </p:clrMapOvr>
+</p:sld>
+</file>
+
+<file path=ppt/slides/slide31.xml><?xml version="1.0" encoding="utf-8"?>
+<p:sld xmlns:a="http://schemas.openxmlformats.org/drawingml/2006/main" xmlns:r="http://schemas.openxmlformats.org/officeDocument/2006/relationships" xmlns:p="http://schemas.openxmlformats.org/presentationml/2006/main">
+  <p:cSld>
+    <p:spTree>
+      <p:nvGrpSpPr>
+        <p:cNvPr id="1" name=""/>
+        <p:cNvGrpSpPr/>
+        <p:nvPr/>
+      </p:nvGrpSpPr>
+      <p:grpSpPr>
+        <a:xfrm>
+          <a:off x="0" y="0"/>
+          <a:ext cx="0" cy="0"/>
+          <a:chOff x="0" y="0"/>
+          <a:chExt cx="0" cy="0"/>
+        </a:xfrm>
+      </p:grpSpPr>
+      <p:sp>
+        <p:nvSpPr>
+          <p:cNvPr id="22530" name="Rectangle 2">
+            <a:extLst>
+              <a:ext uri="{FF2B5EF4-FFF2-40B4-BE49-F238E27FC236}">
+                <a16:creationId xmlns:a16="http://schemas.microsoft.com/office/drawing/2014/main" id="{A793353B-9574-EE4C-8A9D-53FCE67E029C}"/>
+              </a:ext>
+            </a:extLst>
+          </p:cNvPr>
+          <p:cNvSpPr>
+            <a:spLocks noGrp="1" noChangeArrowheads="1"/>
+          </p:cNvSpPr>
+          <p:nvPr>
+            <p:ph type="title"/>
+          </p:nvPr>
+        </p:nvSpPr>
+        <p:spPr>
+          <a:xfrm>
+            <a:off x="1006642" y="858253"/>
+            <a:ext cx="9144000" cy="685800"/>
+          </a:xfrm>
+        </p:spPr>
+        <p:txBody>
+          <a:bodyPr/>
+          <a:lstStyle/>
+          <a:p>
+            <a:pPr eaLnBrk="1" hangingPunct="1"/>
+            <a:r>
+              <a:rPr lang="en-US" altLang="en-US" sz="3200" dirty="0"/>
+              <a:t>Major Tasks in Data Preprocessing</a:t>
+            </a:r>
+          </a:p>
+        </p:txBody>
+      </p:sp>
+      <p:sp>
+        <p:nvSpPr>
+          <p:cNvPr id="22531" name="Rectangle 3">
+            <a:extLst>
+              <a:ext uri="{FF2B5EF4-FFF2-40B4-BE49-F238E27FC236}">
+                <a16:creationId xmlns:a16="http://schemas.microsoft.com/office/drawing/2014/main" id="{75AE6F8E-EC89-ED4F-981B-F9DDB18580DB}"/>
+              </a:ext>
+            </a:extLst>
+          </p:cNvPr>
+          <p:cNvSpPr>
+            <a:spLocks noGrp="1" noChangeArrowheads="1"/>
+          </p:cNvSpPr>
+          <p:nvPr>
+            <p:ph type="body" idx="1"/>
+          </p:nvPr>
+        </p:nvSpPr>
+        <p:spPr>
+          <a:xfrm>
+            <a:off x="1741250" y="1752600"/>
+            <a:ext cx="8305800" cy="5105400"/>
+          </a:xfrm>
+        </p:spPr>
+        <p:txBody>
+          <a:bodyPr>
+            <a:normAutofit/>
+          </a:bodyPr>
+          <a:lstStyle/>
+          <a:p>
+            <a:pPr eaLnBrk="1" hangingPunct="1">
+              <a:lnSpc>
+                <a:spcPct val="120000"/>
+              </a:lnSpc>
+            </a:pPr>
+            <a:r>
+              <a:rPr lang="en-US" altLang="en-US" sz="2000" b="1" dirty="0"/>
+              <a:t>Data cleaning</a:t>
+            </a:r>
+          </a:p>
+          <a:p>
+            <a:pPr lvl="1" eaLnBrk="1" hangingPunct="1">
+              <a:lnSpc>
+                <a:spcPct val="120000"/>
+              </a:lnSpc>
+            </a:pPr>
+            <a:r>
+              <a:rPr lang="en-US" altLang="en-US" sz="2000" dirty="0"/>
+              <a:t>Fill in missing values, smooth noisy data, identify or remove outliers, and resolve inconsistencies</a:t>
+            </a:r>
+          </a:p>
+          <a:p>
+            <a:pPr eaLnBrk="1" hangingPunct="1">
+              <a:lnSpc>
+                <a:spcPct val="120000"/>
+              </a:lnSpc>
+            </a:pPr>
+            <a:r>
+              <a:rPr lang="en-US" altLang="en-US" sz="2000" b="1" dirty="0"/>
+              <a:t>Data integration (data engineer)</a:t>
+            </a:r>
+          </a:p>
+          <a:p>
+            <a:pPr lvl="1" eaLnBrk="1" hangingPunct="1">
+              <a:lnSpc>
+                <a:spcPct val="120000"/>
+              </a:lnSpc>
+            </a:pPr>
+            <a:r>
+              <a:rPr lang="en-US" altLang="en-US" sz="2000" dirty="0"/>
+              <a:t>Integration of multiple databases (</a:t>
+            </a:r>
+            <a:r>
+              <a:rPr lang="en-US" altLang="en-US" sz="2000" dirty="0" err="1"/>
+              <a:t>sql</a:t>
+            </a:r>
+            <a:r>
+              <a:rPr lang="en-US" altLang="en-US" sz="2000" dirty="0"/>
+              <a:t>), data cubes, or files</a:t>
+            </a:r>
+          </a:p>
+          <a:p>
+            <a:pPr eaLnBrk="1" hangingPunct="1">
+              <a:lnSpc>
+                <a:spcPct val="120000"/>
+              </a:lnSpc>
+            </a:pPr>
+            <a:r>
+              <a:rPr lang="en-US" altLang="en-US" sz="2000" b="1" dirty="0"/>
+              <a:t>Data reduction</a:t>
+            </a:r>
+          </a:p>
+          <a:p>
+            <a:pPr lvl="1" eaLnBrk="1" hangingPunct="1">
+              <a:lnSpc>
+                <a:spcPct val="120000"/>
+              </a:lnSpc>
+            </a:pPr>
+            <a:r>
+              <a:rPr lang="en-US" altLang="en-US" sz="2000" dirty="0"/>
+              <a:t>Dimensionality reduction</a:t>
+            </a:r>
+          </a:p>
+          <a:p>
+            <a:pPr lvl="1" eaLnBrk="1" hangingPunct="1">
+              <a:lnSpc>
+                <a:spcPct val="120000"/>
+              </a:lnSpc>
+            </a:pPr>
+            <a:r>
+              <a:rPr lang="en-US" altLang="en-US" sz="2000" dirty="0"/>
+              <a:t>Numerosity reduction</a:t>
+            </a:r>
+          </a:p>
+          <a:p>
+            <a:pPr lvl="1" eaLnBrk="1" hangingPunct="1">
+              <a:lnSpc>
+                <a:spcPct val="120000"/>
+              </a:lnSpc>
+            </a:pPr>
+            <a:r>
+              <a:rPr lang="en-US" altLang="en-US" sz="2000" dirty="0"/>
+              <a:t>Data compression</a:t>
+            </a:r>
+          </a:p>
+        </p:txBody>
+      </p:sp>
+    </p:spTree>
+  </p:cSld>
+  <p:clrMapOvr>
+    <a:masterClrMapping/>
+  </p:clrMapOvr>
+</p:sld>
+</file>
+
+<file path=ppt/slides/slide32.xml><?xml version="1.0" encoding="utf-8"?>
+<p:sld xmlns:a="http://schemas.openxmlformats.org/drawingml/2006/main" xmlns:r="http://schemas.openxmlformats.org/officeDocument/2006/relationships" xmlns:p="http://schemas.openxmlformats.org/presentationml/2006/main">
+  <p:cSld>
+    <p:spTree>
+      <p:nvGrpSpPr>
+        <p:cNvPr id="1" name=""/>
+        <p:cNvGrpSpPr/>
+        <p:nvPr/>
+      </p:nvGrpSpPr>
+      <p:grpSpPr>
+        <a:xfrm>
+          <a:off x="0" y="0"/>
+          <a:ext cx="0" cy="0"/>
+          <a:chOff x="0" y="0"/>
+          <a:chExt cx="0" cy="0"/>
+        </a:xfrm>
+      </p:grpSpPr>
+      <p:sp>
+        <p:nvSpPr>
+          <p:cNvPr id="24578" name="Rectangle 2">
+            <a:extLst>
+              <a:ext uri="{FF2B5EF4-FFF2-40B4-BE49-F238E27FC236}">
+                <a16:creationId xmlns:a16="http://schemas.microsoft.com/office/drawing/2014/main" id="{FCF1E292-E108-ED47-8ACF-403E0C621C73}"/>
+              </a:ext>
+            </a:extLst>
+          </p:cNvPr>
+          <p:cNvSpPr>
+            <a:spLocks noGrp="1" noChangeArrowheads="1"/>
+          </p:cNvSpPr>
+          <p:nvPr>
+            <p:ph type="title" idx="4294967295"/>
+          </p:nvPr>
+        </p:nvSpPr>
+        <p:spPr>
+          <a:xfrm>
+            <a:off x="1840832" y="782053"/>
+            <a:ext cx="5638800" cy="762000"/>
+          </a:xfrm>
+        </p:spPr>
+        <p:txBody>
+          <a:bodyPr/>
+          <a:lstStyle/>
+          <a:p>
+            <a:pPr eaLnBrk="1" hangingPunct="1"/>
+            <a:r>
+              <a:rPr lang="en-US" altLang="en-US" dirty="0"/>
+              <a:t>Noisy Data</a:t>
+            </a:r>
+          </a:p>
+        </p:txBody>
+      </p:sp>
+      <p:sp>
+        <p:nvSpPr>
+          <p:cNvPr id="24579" name="Rectangle 3">
+            <a:extLst>
+              <a:ext uri="{FF2B5EF4-FFF2-40B4-BE49-F238E27FC236}">
+                <a16:creationId xmlns:a16="http://schemas.microsoft.com/office/drawing/2014/main" id="{E958D4CA-A1DD-504A-90A3-ACE229F3A098}"/>
+              </a:ext>
+            </a:extLst>
+          </p:cNvPr>
+          <p:cNvSpPr>
+            <a:spLocks noGrp="1" noChangeArrowheads="1"/>
+          </p:cNvSpPr>
+          <p:nvPr>
+            <p:ph type="body" idx="4294967295"/>
+          </p:nvPr>
+        </p:nvSpPr>
+        <p:spPr>
+          <a:xfrm>
+            <a:off x="1524000" y="1868905"/>
+            <a:ext cx="8373980" cy="4608095"/>
+          </a:xfrm>
+        </p:spPr>
+        <p:txBody>
+          <a:bodyPr>
+            <a:normAutofit/>
+          </a:bodyPr>
+          <a:lstStyle/>
+          <a:p>
+            <a:pPr eaLnBrk="1" hangingPunct="1"/>
+            <a:r>
+              <a:rPr lang="en-US" altLang="en-US" sz="2400" dirty="0">
+                <a:solidFill>
+                  <a:schemeClr val="accent2"/>
+                </a:solidFill>
+              </a:rPr>
+              <a:t>Noise</a:t>
+            </a:r>
+            <a:r>
+              <a:rPr lang="en-US" altLang="en-US" sz="2400" dirty="0"/>
+              <a:t>: random error or variance</a:t>
+            </a:r>
+          </a:p>
+          <a:p>
+            <a:pPr eaLnBrk="1" hangingPunct="1"/>
+            <a:r>
+              <a:rPr lang="en-US" altLang="en-US" sz="2400" dirty="0">
+                <a:solidFill>
+                  <a:schemeClr val="accent2"/>
+                </a:solidFill>
+              </a:rPr>
+              <a:t>Incorrect attribute values </a:t>
+            </a:r>
+            <a:r>
+              <a:rPr lang="en-US" altLang="en-US" sz="2400" dirty="0"/>
+              <a:t>may be due to</a:t>
+            </a:r>
+          </a:p>
+          <a:p>
+            <a:pPr lvl="1" eaLnBrk="1" hangingPunct="1"/>
+            <a:r>
+              <a:rPr lang="en-US" altLang="en-US" sz="2400" dirty="0"/>
+              <a:t>data collection instrument failures</a:t>
+            </a:r>
+          </a:p>
+          <a:p>
+            <a:pPr lvl="1" eaLnBrk="1" hangingPunct="1"/>
+            <a:r>
+              <a:rPr lang="en-US" altLang="en-US" sz="2400" dirty="0"/>
+              <a:t>data transmission problems</a:t>
+            </a:r>
+          </a:p>
+          <a:p>
+            <a:pPr lvl="1" eaLnBrk="1" hangingPunct="1"/>
+            <a:r>
+              <a:rPr lang="en-US" altLang="en-US" sz="2400" dirty="0"/>
+              <a:t>technology limitations</a:t>
+            </a:r>
+          </a:p>
+          <a:p>
+            <a:pPr eaLnBrk="1" hangingPunct="1"/>
+            <a:r>
+              <a:rPr lang="en-US" altLang="en-US" sz="2400" dirty="0">
+                <a:solidFill>
+                  <a:schemeClr val="accent2"/>
+                </a:solidFill>
+              </a:rPr>
+              <a:t>Other data problems </a:t>
+            </a:r>
+            <a:r>
+              <a:rPr lang="en-US" altLang="en-US" sz="2400" dirty="0"/>
+              <a:t>which require data cleaning</a:t>
+            </a:r>
+          </a:p>
+          <a:p>
+            <a:pPr lvl="1" eaLnBrk="1" hangingPunct="1"/>
+            <a:r>
+              <a:rPr lang="en-US" altLang="en-US" sz="2400" dirty="0"/>
+              <a:t>Duplicate, incomplete, inconsistent</a:t>
+            </a:r>
+          </a:p>
+        </p:txBody>
+      </p:sp>
+    </p:spTree>
+  </p:cSld>
+  <p:clrMapOvr>
+    <a:masterClrMapping/>
+  </p:clrMapOvr>
+</p:sld>
+</file>
+
+<file path=ppt/slides/slide33.xml><?xml version="1.0" encoding="utf-8"?>
+<p:sld xmlns:a="http://schemas.openxmlformats.org/drawingml/2006/main" xmlns:r="http://schemas.openxmlformats.org/officeDocument/2006/relationships" xmlns:p="http://schemas.openxmlformats.org/presentationml/2006/main">
+  <p:cSld>
+    <p:spTree>
+      <p:nvGrpSpPr>
+        <p:cNvPr id="1" name=""/>
+        <p:cNvGrpSpPr/>
+        <p:nvPr/>
+      </p:nvGrpSpPr>
+      <p:grpSpPr>
+        <a:xfrm>
+          <a:off x="0" y="0"/>
+          <a:ext cx="0" cy="0"/>
+          <a:chOff x="0" y="0"/>
+          <a:chExt cx="0" cy="0"/>
+        </a:xfrm>
+      </p:grpSpPr>
+      <p:sp>
+        <p:nvSpPr>
+          <p:cNvPr id="26626" name="Rectangle 2">
+            <a:extLst>
+              <a:ext uri="{FF2B5EF4-FFF2-40B4-BE49-F238E27FC236}">
+                <a16:creationId xmlns:a16="http://schemas.microsoft.com/office/drawing/2014/main" id="{197D2835-D865-D842-9CE0-44E999FD0E9A}"/>
+              </a:ext>
+            </a:extLst>
+          </p:cNvPr>
+          <p:cNvSpPr>
+            <a:spLocks noGrp="1" noChangeArrowheads="1"/>
+          </p:cNvSpPr>
+          <p:nvPr>
+            <p:ph type="title"/>
+          </p:nvPr>
+        </p:nvSpPr>
+        <p:spPr>
+          <a:xfrm>
+            <a:off x="1619250" y="762000"/>
+            <a:ext cx="8591550" cy="609600"/>
+          </a:xfrm>
+        </p:spPr>
+        <p:txBody>
+          <a:bodyPr/>
+          <a:lstStyle/>
+          <a:p>
+            <a:pPr eaLnBrk="1" hangingPunct="1"/>
+            <a:r>
+              <a:rPr lang="en-US" altLang="en-US" dirty="0"/>
+              <a:t>How to Handle Noisy Data?</a:t>
+            </a:r>
+          </a:p>
+        </p:txBody>
+      </p:sp>
+      <p:sp>
+        <p:nvSpPr>
+          <p:cNvPr id="26627" name="Rectangle 3">
+            <a:extLst>
+              <a:ext uri="{FF2B5EF4-FFF2-40B4-BE49-F238E27FC236}">
+                <a16:creationId xmlns:a16="http://schemas.microsoft.com/office/drawing/2014/main" id="{EE92CE72-7FFB-7A4D-AABB-880481746382}"/>
+              </a:ext>
+            </a:extLst>
+          </p:cNvPr>
+          <p:cNvSpPr>
+            <a:spLocks noGrp="1" noChangeArrowheads="1"/>
+          </p:cNvSpPr>
+          <p:nvPr>
+            <p:ph type="body" idx="1"/>
+          </p:nvPr>
+        </p:nvSpPr>
+        <p:spPr>
+          <a:xfrm>
+            <a:off x="1619250" y="2153652"/>
+            <a:ext cx="7621003" cy="3705726"/>
+          </a:xfrm>
+        </p:spPr>
+        <p:txBody>
+          <a:bodyPr>
+            <a:normAutofit/>
+          </a:bodyPr>
+          <a:lstStyle/>
+          <a:p>
+            <a:pPr eaLnBrk="1" hangingPunct="1"/>
+            <a:r>
+              <a:rPr lang="en-US" altLang="en-US" sz="2800" dirty="0">
+                <a:solidFill>
+                  <a:schemeClr val="accent2"/>
+                </a:solidFill>
+              </a:rPr>
+              <a:t>Binning </a:t>
+            </a:r>
+          </a:p>
+          <a:p>
+            <a:pPr eaLnBrk="1" hangingPunct="1"/>
+            <a:r>
+              <a:rPr lang="en-US" altLang="en-US" sz="2800" dirty="0">
+                <a:solidFill>
+                  <a:schemeClr val="accent2"/>
+                </a:solidFill>
+              </a:rPr>
+              <a:t>Regression – supervised learning </a:t>
+            </a:r>
+          </a:p>
+          <a:p>
+            <a:pPr eaLnBrk="1" hangingPunct="1"/>
+            <a:r>
+              <a:rPr lang="en-US" altLang="en-US" sz="2800" dirty="0">
+                <a:solidFill>
+                  <a:schemeClr val="accent2"/>
+                </a:solidFill>
+              </a:rPr>
+              <a:t>Clustering (unsupervised learning)</a:t>
+            </a:r>
+          </a:p>
+          <a:p>
+            <a:pPr eaLnBrk="1" hangingPunct="1"/>
+            <a:r>
+              <a:rPr lang="en-US" altLang="en-US" sz="2800" dirty="0">
+                <a:solidFill>
+                  <a:schemeClr val="accent2"/>
+                </a:solidFill>
+              </a:rPr>
+              <a:t>Combined computer and human inspection</a:t>
+            </a:r>
+          </a:p>
+        </p:txBody>
+      </p:sp>
+    </p:spTree>
+  </p:cSld>
+  <p:clrMapOvr>
+    <a:masterClrMapping/>
+  </p:clrMapOvr>
+</p:sld>
+</file>
+
+<file path=ppt/slides/slide34.xml><?xml version="1.0" encoding="utf-8"?>
+<p:sld xmlns:a="http://schemas.openxmlformats.org/drawingml/2006/main" xmlns:r="http://schemas.openxmlformats.org/officeDocument/2006/relationships" xmlns:p="http://schemas.openxmlformats.org/presentationml/2006/main">
+  <p:cSld>
+    <p:spTree>
+      <p:nvGrpSpPr>
+        <p:cNvPr id="1" name=""/>
+        <p:cNvGrpSpPr/>
+        <p:nvPr/>
+      </p:nvGrpSpPr>
+      <p:grpSpPr>
+        <a:xfrm>
+          <a:off x="0" y="0"/>
+          <a:ext cx="0" cy="0"/>
+          <a:chOff x="0" y="0"/>
+          <a:chExt cx="0" cy="0"/>
+        </a:xfrm>
+      </p:grpSpPr>
+      <p:sp>
+        <p:nvSpPr>
+          <p:cNvPr id="26626" name="Rectangle 2">
+            <a:extLst>
+              <a:ext uri="{FF2B5EF4-FFF2-40B4-BE49-F238E27FC236}">
+                <a16:creationId xmlns:a16="http://schemas.microsoft.com/office/drawing/2014/main" id="{197D2835-D865-D842-9CE0-44E999FD0E9A}"/>
+              </a:ext>
+            </a:extLst>
+          </p:cNvPr>
+          <p:cNvSpPr>
+            <a:spLocks noGrp="1" noChangeArrowheads="1"/>
+          </p:cNvSpPr>
+          <p:nvPr>
+            <p:ph type="title"/>
+          </p:nvPr>
+        </p:nvSpPr>
+        <p:spPr>
+          <a:xfrm>
+            <a:off x="1619250" y="762000"/>
+            <a:ext cx="8591550" cy="609600"/>
+          </a:xfrm>
+        </p:spPr>
+        <p:txBody>
+          <a:bodyPr/>
+          <a:lstStyle/>
+          <a:p>
+            <a:pPr eaLnBrk="1" hangingPunct="1"/>
+            <a:r>
+              <a:rPr lang="en-US" altLang="en-US" dirty="0"/>
+              <a:t>How to Handle Noisy Data?</a:t>
+            </a:r>
+          </a:p>
+        </p:txBody>
+      </p:sp>
+      <p:sp>
+        <p:nvSpPr>
+          <p:cNvPr id="26627" name="Rectangle 3">
+            <a:extLst>
+              <a:ext uri="{FF2B5EF4-FFF2-40B4-BE49-F238E27FC236}">
+                <a16:creationId xmlns:a16="http://schemas.microsoft.com/office/drawing/2014/main" id="{EE92CE72-7FFB-7A4D-AABB-880481746382}"/>
+              </a:ext>
+            </a:extLst>
+          </p:cNvPr>
+          <p:cNvSpPr>
+            <a:spLocks noGrp="1" noChangeArrowheads="1"/>
+          </p:cNvSpPr>
+          <p:nvPr>
+            <p:ph type="body" idx="1"/>
+          </p:nvPr>
+        </p:nvSpPr>
+        <p:spPr>
+          <a:xfrm>
+            <a:off x="1414713" y="1973684"/>
+            <a:ext cx="8591550" cy="3982453"/>
+          </a:xfrm>
+        </p:spPr>
+        <p:txBody>
+          <a:bodyPr>
+            <a:normAutofit/>
+          </a:bodyPr>
+          <a:lstStyle/>
+          <a:p>
+            <a:pPr eaLnBrk="1" hangingPunct="1"/>
+            <a:r>
+              <a:rPr lang="en-US" altLang="en-US" sz="2800" dirty="0">
+                <a:solidFill>
+                  <a:schemeClr val="accent2"/>
+                </a:solidFill>
+              </a:rPr>
+              <a:t>Binning (numerical – data engineer)</a:t>
+            </a:r>
+          </a:p>
+          <a:p>
+            <a:pPr lvl="1" eaLnBrk="1" hangingPunct="1"/>
+            <a:r>
+              <a:rPr lang="en-US" altLang="en-US" sz="2400" dirty="0"/>
+              <a:t>first sort data </a:t>
+            </a:r>
+          </a:p>
+          <a:p>
+            <a:pPr lvl="1" eaLnBrk="1" hangingPunct="1"/>
+            <a:r>
+              <a:rPr lang="en-US" altLang="en-US" sz="2400" dirty="0"/>
+              <a:t>partition sorted data into (equal-frequency) bins</a:t>
+            </a:r>
+          </a:p>
+          <a:p>
+            <a:pPr lvl="1" eaLnBrk="1" hangingPunct="1"/>
+            <a:r>
+              <a:rPr lang="en-US" altLang="en-US" sz="2400" dirty="0"/>
+              <a:t>smooth </a:t>
+            </a:r>
+            <a:r>
+              <a:rPr lang="en-US" altLang="en-US" sz="2400" dirty="0">
+                <a:solidFill>
+                  <a:schemeClr val="accent2"/>
+                </a:solidFill>
+              </a:rPr>
+              <a:t>by bin </a:t>
+            </a:r>
+            <a:r>
+              <a:rPr lang="en-US" altLang="en-US" sz="2400" i="1" dirty="0">
+                <a:solidFill>
+                  <a:schemeClr val="accent2"/>
+                </a:solidFill>
+              </a:rPr>
+              <a:t>means</a:t>
+            </a:r>
+            <a:r>
+              <a:rPr lang="en-US" altLang="en-US" sz="2400" dirty="0">
+                <a:solidFill>
+                  <a:schemeClr val="accent2"/>
+                </a:solidFill>
+              </a:rPr>
+              <a:t>, </a:t>
+            </a:r>
+            <a:r>
+              <a:rPr lang="en-US" altLang="en-US" sz="2400" i="1" dirty="0">
+                <a:solidFill>
+                  <a:schemeClr val="accent2"/>
+                </a:solidFill>
+              </a:rPr>
+              <a:t>median</a:t>
+            </a:r>
+            <a:r>
+              <a:rPr lang="en-US" altLang="en-US" sz="2400" dirty="0">
+                <a:solidFill>
+                  <a:schemeClr val="accent2"/>
+                </a:solidFill>
+              </a:rPr>
+              <a:t>, or </a:t>
+            </a:r>
+            <a:r>
+              <a:rPr lang="en-US" altLang="en-US" sz="2400" i="1" dirty="0">
+                <a:solidFill>
+                  <a:schemeClr val="accent2"/>
+                </a:solidFill>
+              </a:rPr>
+              <a:t>boundaries</a:t>
+            </a:r>
+            <a:r>
+              <a:rPr lang="en-US" altLang="en-US" sz="2400" dirty="0">
+                <a:solidFill>
+                  <a:schemeClr val="accent2"/>
+                </a:solidFill>
+              </a:rPr>
+              <a:t> (</a:t>
+            </a:r>
+            <a:r>
+              <a:rPr lang="en-US" altLang="en-US" sz="2400" dirty="0" err="1">
+                <a:solidFill>
+                  <a:schemeClr val="accent2"/>
+                </a:solidFill>
+              </a:rPr>
+              <a:t>e.g</a:t>
+            </a:r>
+            <a:r>
+              <a:rPr lang="en-US" altLang="en-US" sz="2400" dirty="0">
+                <a:solidFill>
+                  <a:schemeClr val="accent2"/>
+                </a:solidFill>
+              </a:rPr>
+              <a:t>, clean jitters)</a:t>
+            </a:r>
+          </a:p>
+        </p:txBody>
+      </p:sp>
+    </p:spTree>
+    <p:extLst>
+      <p:ext uri="{BB962C8B-B14F-4D97-AF65-F5344CB8AC3E}">
+        <p14:creationId xmlns:p14="http://schemas.microsoft.com/office/powerpoint/2010/main" val="1701536591"/>
+      </p:ext>
+    </p:extLst>
+  </p:cSld>
+  <p:clrMapOvr>
+    <a:masterClrMapping/>
+  </p:clrMapOvr>
+</p:sld>
+</file>
+
+<file path=ppt/slides/slide35.xml><?xml version="1.0" encoding="utf-8"?>
+<p:sld xmlns:a="http://schemas.openxmlformats.org/drawingml/2006/main" xmlns:r="http://schemas.openxmlformats.org/officeDocument/2006/relationships" xmlns:p="http://schemas.openxmlformats.org/presentationml/2006/main">
+  <p:cSld>
+    <p:spTree>
+      <p:nvGrpSpPr>
+        <p:cNvPr id="1" name=""/>
+        <p:cNvGrpSpPr/>
+        <p:nvPr/>
+      </p:nvGrpSpPr>
+      <p:grpSpPr>
+        <a:xfrm>
+          <a:off x="0" y="0"/>
+          <a:ext cx="0" cy="0"/>
+          <a:chOff x="0" y="0"/>
+          <a:chExt cx="0" cy="0"/>
+        </a:xfrm>
+      </p:grpSpPr>
+      <p:sp>
+        <p:nvSpPr>
+          <p:cNvPr id="26626" name="Rectangle 2">
+            <a:extLst>
+              <a:ext uri="{FF2B5EF4-FFF2-40B4-BE49-F238E27FC236}">
+                <a16:creationId xmlns:a16="http://schemas.microsoft.com/office/drawing/2014/main" id="{197D2835-D865-D842-9CE0-44E999FD0E9A}"/>
+              </a:ext>
+            </a:extLst>
+          </p:cNvPr>
+          <p:cNvSpPr>
+            <a:spLocks noGrp="1" noChangeArrowheads="1"/>
+          </p:cNvSpPr>
+          <p:nvPr>
+            <p:ph type="title"/>
+          </p:nvPr>
+        </p:nvSpPr>
+        <p:spPr>
+          <a:xfrm>
+            <a:off x="1619250" y="762000"/>
+            <a:ext cx="8591550" cy="609600"/>
+          </a:xfrm>
+        </p:spPr>
+        <p:txBody>
+          <a:bodyPr/>
+          <a:lstStyle/>
+          <a:p>
+            <a:pPr eaLnBrk="1" hangingPunct="1"/>
+            <a:r>
+              <a:rPr lang="en-US" altLang="en-US" dirty="0"/>
+              <a:t>How to Handle Noisy Data?</a:t>
+            </a:r>
+          </a:p>
+        </p:txBody>
+      </p:sp>
+      <p:pic>
+        <p:nvPicPr>
+          <p:cNvPr id="54276" name="Picture 4">
+            <a:extLst>
+              <a:ext uri="{FF2B5EF4-FFF2-40B4-BE49-F238E27FC236}">
+                <a16:creationId xmlns:a16="http://schemas.microsoft.com/office/drawing/2014/main" id="{029B8B5A-C4D6-E44D-9744-81015DED9DA2}"/>
+              </a:ext>
+            </a:extLst>
+          </p:cNvPr>
+          <p:cNvPicPr>
+            <a:picLocks noChangeAspect="1" noChangeArrowheads="1"/>
+          </p:cNvPicPr>
+          <p:nvPr/>
+        </p:nvPicPr>
+        <p:blipFill>
+          <a:blip r:embed="rId3">
+            <a:extLst>
+              <a:ext uri="{28A0092B-C50C-407E-A947-70E740481C1C}">
+                <a14:useLocalDpi xmlns:a14="http://schemas.microsoft.com/office/drawing/2010/main" val="0"/>
+              </a:ext>
+            </a:extLst>
+          </a:blip>
+          <a:srcRect/>
+          <a:stretch>
+            <a:fillRect/>
+          </a:stretch>
+        </p:blipFill>
+        <p:spPr bwMode="auto">
+          <a:xfrm>
+            <a:off x="1291085" y="2157620"/>
+            <a:ext cx="8919715" cy="3938380"/>
+          </a:xfrm>
+          <a:prstGeom prst="rect">
+            <a:avLst/>
+          </a:prstGeom>
+          <a:noFill/>
+          <a:extLst>
+            <a:ext uri="{909E8E84-426E-40DD-AFC4-6F175D3DCCD1}">
+              <a14:hiddenFill xmlns:a14="http://schemas.microsoft.com/office/drawing/2010/main">
+                <a:solidFill>
+                  <a:srgbClr val="FFFFFF"/>
+                </a:solidFill>
+              </a14:hiddenFill>
+            </a:ext>
+          </a:extLst>
+        </p:spPr>
+      </p:pic>
+    </p:spTree>
+    <p:extLst>
+      <p:ext uri="{BB962C8B-B14F-4D97-AF65-F5344CB8AC3E}">
+        <p14:creationId xmlns:p14="http://schemas.microsoft.com/office/powerpoint/2010/main" val="3133451036"/>
+      </p:ext>
+    </p:extLst>
+  </p:cSld>
+  <p:clrMapOvr>
+    <a:masterClrMapping/>
+  </p:clrMapOvr>
+</p:sld>
+</file>
+
+<file path=ppt/slides/slide36.xml><?xml version="1.0" encoding="utf-8"?>
+<p:sld xmlns:a="http://schemas.openxmlformats.org/drawingml/2006/main" xmlns:r="http://schemas.openxmlformats.org/officeDocument/2006/relationships" xmlns:p="http://schemas.openxmlformats.org/presentationml/2006/main">
+  <p:cSld>
+    <p:spTree>
+      <p:nvGrpSpPr>
+        <p:cNvPr id="1" name=""/>
+        <p:cNvGrpSpPr/>
+        <p:nvPr/>
+      </p:nvGrpSpPr>
+      <p:grpSpPr>
+        <a:xfrm>
+          <a:off x="0" y="0"/>
+          <a:ext cx="0" cy="0"/>
+          <a:chOff x="0" y="0"/>
+          <a:chExt cx="0" cy="0"/>
+        </a:xfrm>
+      </p:grpSpPr>
+      <p:sp>
+        <p:nvSpPr>
+          <p:cNvPr id="26625" name="Rectangle 2061">
+            <a:extLst>
+              <a:ext uri="{FF2B5EF4-FFF2-40B4-BE49-F238E27FC236}">
+                <a16:creationId xmlns:a16="http://schemas.microsoft.com/office/drawing/2014/main" id="{961A3ED5-5467-8040-9981-0E1BA351914B}"/>
+              </a:ext>
+            </a:extLst>
+          </p:cNvPr>
+          <p:cNvSpPr>
+            <a:spLocks noGrp="1" noChangeArrowheads="1"/>
+          </p:cNvSpPr>
+          <p:nvPr>
+            <p:ph type="sldNum" sz="quarter" idx="10"/>
+          </p:nvPr>
+        </p:nvSpPr>
+        <p:spPr>
+          <a:noFill/>
+          <a:ln/>
+          <a:extLst>
+            <a:ext uri="{909E8E84-426E-40DD-AFC4-6F175D3DCCD1}">
+              <a14:hiddenFill xmlns:a14="http://schemas.microsoft.com/office/drawing/2010/main">
+                <a:solidFill>
+                  <a:srgbClr val="FFFFFF"/>
+                </a:solidFill>
+              </a14:hiddenFill>
+            </a:ext>
+            <a:ext uri="{91240B29-F687-4F45-9708-019B960494DF}">
+              <a14:hiddenLine xmlns:a14="http://schemas.microsoft.com/office/drawing/2010/main" w="9525">
+                <a:solidFill>
+                  <a:srgbClr val="000000"/>
+                </a:solidFill>
+                <a:miter lim="800000"/>
+                <a:headEnd/>
+                <a:tailEnd/>
+              </a14:hiddenLine>
+            </a:ext>
+          </a:extLst>
+        </p:spPr>
+        <p:txBody>
+          <a:bodyPr/>
+          <a:lstStyle>
+            <a:lvl1pPr>
+              <a:spcBef>
+                <a:spcPct val="20000"/>
+              </a:spcBef>
+              <a:buClr>
+                <a:schemeClr val="folHlink"/>
+              </a:buClr>
+              <a:buSzPct val="60000"/>
+              <a:buFont typeface="Wingdings" pitchFamily="2" charset="2"/>
+              <a:buChar char="n"/>
+              <a:defRPr sz="2800">
+                <a:solidFill>
+                  <a:schemeClr val="tx1"/>
+                </a:solidFill>
+                <a:latin typeface="Tahoma" panose="020B0604030504040204" pitchFamily="34" charset="0"/>
+              </a:defRPr>
+            </a:lvl1pPr>
+            <a:lvl2pPr marL="742950" indent="-285750">
+              <a:spcBef>
+                <a:spcPct val="20000"/>
+              </a:spcBef>
+              <a:buClr>
+                <a:schemeClr val="hlink"/>
+              </a:buClr>
+              <a:buSzPct val="55000"/>
+              <a:buFont typeface="Wingdings" pitchFamily="2" charset="2"/>
+              <a:buChar char="n"/>
+              <a:defRPr sz="2800">
+                <a:solidFill>
+                  <a:schemeClr val="tx1"/>
+                </a:solidFill>
+                <a:latin typeface="Tahoma" panose="020B0604030504040204" pitchFamily="34" charset="0"/>
+              </a:defRPr>
+            </a:lvl2pPr>
+            <a:lvl3pPr marL="1143000" indent="-228600">
+              <a:spcBef>
+                <a:spcPct val="20000"/>
+              </a:spcBef>
+              <a:buClr>
+                <a:schemeClr val="folHlink"/>
+              </a:buClr>
+              <a:buSzPct val="50000"/>
+              <a:buFont typeface="Wingdings" pitchFamily="2" charset="2"/>
+              <a:buChar char="n"/>
+              <a:defRPr sz="2400">
+                <a:solidFill>
+                  <a:schemeClr val="tx1"/>
+                </a:solidFill>
+                <a:latin typeface="Tahoma" panose="020B0604030504040204" pitchFamily="34" charset="0"/>
+              </a:defRPr>
+            </a:lvl3pPr>
+            <a:lvl4pPr marL="1600200" indent="-228600">
+              <a:spcBef>
+                <a:spcPct val="20000"/>
+              </a:spcBef>
+              <a:buClr>
+                <a:schemeClr val="accent2"/>
+              </a:buClr>
+              <a:buSzPct val="55000"/>
+              <a:buFont typeface="Wingdings" pitchFamily="2" charset="2"/>
+              <a:buChar char="n"/>
+              <a:defRPr sz="2000">
+                <a:solidFill>
+                  <a:schemeClr val="tx1"/>
+                </a:solidFill>
+                <a:latin typeface="Tahoma" panose="020B0604030504040204" pitchFamily="34" charset="0"/>
+              </a:defRPr>
+            </a:lvl4pPr>
+            <a:lvl5pPr marL="2057400" indent="-228600">
+              <a:spcBef>
+                <a:spcPct val="20000"/>
+              </a:spcBef>
+              <a:buClr>
+                <a:schemeClr val="accent1"/>
+              </a:buClr>
+              <a:buSzPct val="50000"/>
+              <a:buFont typeface="Wingdings" pitchFamily="2" charset="2"/>
+              <a:buChar char="n"/>
+              <a:defRPr sz="2000">
+                <a:solidFill>
+                  <a:schemeClr val="tx1"/>
+                </a:solidFill>
+                <a:latin typeface="Tahoma" panose="020B0604030504040204" pitchFamily="34" charset="0"/>
+              </a:defRPr>
+            </a:lvl5pPr>
+            <a:lvl6pPr marL="2514600" indent="-228600" eaLnBrk="0" fontAlgn="base" hangingPunct="0">
+              <a:spcBef>
+                <a:spcPct val="20000"/>
+              </a:spcBef>
+              <a:spcAft>
+                <a:spcPct val="0"/>
+              </a:spcAft>
+              <a:buClr>
+                <a:schemeClr val="accent1"/>
+              </a:buClr>
+              <a:buSzPct val="50000"/>
+              <a:buFont typeface="Wingdings" pitchFamily="2" charset="2"/>
+              <a:buChar char="n"/>
+              <a:defRPr sz="2000">
+                <a:solidFill>
+                  <a:schemeClr val="tx1"/>
+                </a:solidFill>
+                <a:latin typeface="Tahoma" panose="020B0604030504040204" pitchFamily="34" charset="0"/>
+              </a:defRPr>
+            </a:lvl6pPr>
+            <a:lvl7pPr marL="2971800" indent="-228600" eaLnBrk="0" fontAlgn="base" hangingPunct="0">
+              <a:spcBef>
+                <a:spcPct val="20000"/>
+              </a:spcBef>
+              <a:spcAft>
+                <a:spcPct val="0"/>
+              </a:spcAft>
+              <a:buClr>
+                <a:schemeClr val="accent1"/>
+              </a:buClr>
+              <a:buSzPct val="50000"/>
+              <a:buFont typeface="Wingdings" pitchFamily="2" charset="2"/>
+              <a:buChar char="n"/>
+              <a:defRPr sz="2000">
+                <a:solidFill>
+                  <a:schemeClr val="tx1"/>
+                </a:solidFill>
+                <a:latin typeface="Tahoma" panose="020B0604030504040204" pitchFamily="34" charset="0"/>
+              </a:defRPr>
+            </a:lvl7pPr>
+            <a:lvl8pPr marL="3429000" indent="-228600" eaLnBrk="0" fontAlgn="base" hangingPunct="0">
+              <a:spcBef>
+                <a:spcPct val="20000"/>
+              </a:spcBef>
+              <a:spcAft>
+                <a:spcPct val="0"/>
+              </a:spcAft>
+              <a:buClr>
+                <a:schemeClr val="accent1"/>
+              </a:buClr>
+              <a:buSzPct val="50000"/>
+              <a:buFont typeface="Wingdings" pitchFamily="2" charset="2"/>
+              <a:buChar char="n"/>
+              <a:defRPr sz="2000">
+                <a:solidFill>
+                  <a:schemeClr val="tx1"/>
+                </a:solidFill>
+                <a:latin typeface="Tahoma" panose="020B0604030504040204" pitchFamily="34" charset="0"/>
+              </a:defRPr>
+            </a:lvl8pPr>
+            <a:lvl9pPr marL="3886200" indent="-228600" eaLnBrk="0" fontAlgn="base" hangingPunct="0">
+              <a:spcBef>
+                <a:spcPct val="20000"/>
+              </a:spcBef>
+              <a:spcAft>
+                <a:spcPct val="0"/>
+              </a:spcAft>
+              <a:buClr>
+                <a:schemeClr val="accent1"/>
+              </a:buClr>
+              <a:buSzPct val="50000"/>
+              <a:buFont typeface="Wingdings" pitchFamily="2" charset="2"/>
+              <a:buChar char="n"/>
+              <a:defRPr sz="2000">
+                <a:solidFill>
+                  <a:schemeClr val="tx1"/>
+                </a:solidFill>
+                <a:latin typeface="Tahoma" panose="020B0604030504040204" pitchFamily="34" charset="0"/>
+              </a:defRPr>
+            </a:lvl9pPr>
+          </a:lstStyle>
+          <a:p>
+            <a:pPr>
+              <a:spcBef>
+                <a:spcPct val="0"/>
+              </a:spcBef>
+              <a:buClrTx/>
+              <a:buSzTx/>
+              <a:buFontTx/>
+              <a:buNone/>
+            </a:pPr>
+            <a:fld id="{1413008D-A49D-3141-A2BE-857F969DDFC6}" type="slidenum">
+              <a:rPr lang="en-US" altLang="en-US" sz="1200"/>
+              <a:pPr>
+                <a:spcBef>
+                  <a:spcPct val="0"/>
+                </a:spcBef>
+                <a:buClrTx/>
+                <a:buSzTx/>
+                <a:buFontTx/>
+                <a:buNone/>
+              </a:pPr>
+              <a:t>36</a:t>
+            </a:fld>
+            <a:endParaRPr lang="en-US" altLang="en-US" sz="1200"/>
+          </a:p>
+        </p:txBody>
+      </p:sp>
+      <p:sp>
+        <p:nvSpPr>
+          <p:cNvPr id="26626" name="Rectangle 2">
+            <a:extLst>
+              <a:ext uri="{FF2B5EF4-FFF2-40B4-BE49-F238E27FC236}">
+                <a16:creationId xmlns:a16="http://schemas.microsoft.com/office/drawing/2014/main" id="{197D2835-D865-D842-9CE0-44E999FD0E9A}"/>
+              </a:ext>
+            </a:extLst>
+          </p:cNvPr>
+          <p:cNvSpPr>
+            <a:spLocks noGrp="1" noChangeArrowheads="1"/>
+          </p:cNvSpPr>
+          <p:nvPr>
+            <p:ph type="title"/>
+          </p:nvPr>
+        </p:nvSpPr>
+        <p:spPr>
+          <a:xfrm>
+            <a:off x="1619250" y="762000"/>
+            <a:ext cx="8591550" cy="609600"/>
+          </a:xfrm>
+        </p:spPr>
+        <p:txBody>
+          <a:bodyPr/>
+          <a:lstStyle/>
+          <a:p>
+            <a:pPr eaLnBrk="1" hangingPunct="1"/>
+            <a:r>
+              <a:rPr lang="en-US" altLang="en-US" dirty="0"/>
+              <a:t>How to Handle Noisy Data?</a:t>
+            </a:r>
+          </a:p>
+        </p:txBody>
+      </p:sp>
+      <p:sp>
+        <p:nvSpPr>
+          <p:cNvPr id="26627" name="Rectangle 3">
+            <a:extLst>
+              <a:ext uri="{FF2B5EF4-FFF2-40B4-BE49-F238E27FC236}">
+                <a16:creationId xmlns:a16="http://schemas.microsoft.com/office/drawing/2014/main" id="{EE92CE72-7FFB-7A4D-AABB-880481746382}"/>
+              </a:ext>
+            </a:extLst>
+          </p:cNvPr>
+          <p:cNvSpPr>
+            <a:spLocks noGrp="1" noChangeArrowheads="1"/>
+          </p:cNvSpPr>
+          <p:nvPr>
+            <p:ph type="body" idx="1"/>
+          </p:nvPr>
+        </p:nvSpPr>
+        <p:spPr>
+          <a:xfrm>
+            <a:off x="1233307" y="1371600"/>
+            <a:ext cx="7795043" cy="1908796"/>
+          </a:xfrm>
+        </p:spPr>
+        <p:txBody>
+          <a:bodyPr>
+            <a:normAutofit/>
+          </a:bodyPr>
+          <a:lstStyle/>
+          <a:p>
+            <a:pPr eaLnBrk="1" hangingPunct="1"/>
+            <a:r>
+              <a:rPr lang="en-US" altLang="en-US" sz="2400" dirty="0">
+                <a:solidFill>
+                  <a:schemeClr val="accent2"/>
+                </a:solidFill>
+              </a:rPr>
+              <a:t>Regression</a:t>
+            </a:r>
+          </a:p>
+          <a:p>
+            <a:pPr eaLnBrk="1" hangingPunct="1"/>
+            <a:r>
+              <a:rPr lang="en-US" altLang="en-US" sz="2200" dirty="0"/>
+              <a:t>smooth by fitting the data into regression functions</a:t>
+            </a:r>
+          </a:p>
+        </p:txBody>
+      </p:sp>
+      <p:pic>
+        <p:nvPicPr>
+          <p:cNvPr id="48130" name="Picture 2">
+            <a:extLst>
+              <a:ext uri="{FF2B5EF4-FFF2-40B4-BE49-F238E27FC236}">
+                <a16:creationId xmlns:a16="http://schemas.microsoft.com/office/drawing/2014/main" id="{81F40E2F-3B77-2F45-BCCF-163CFD2CCD45}"/>
+              </a:ext>
+            </a:extLst>
+          </p:cNvPr>
+          <p:cNvPicPr>
+            <a:picLocks noChangeAspect="1" noChangeArrowheads="1"/>
+          </p:cNvPicPr>
+          <p:nvPr/>
+        </p:nvPicPr>
+        <p:blipFill rotWithShape="1">
+          <a:blip r:embed="rId3">
+            <a:extLst>
+              <a:ext uri="{28A0092B-C50C-407E-A947-70E740481C1C}">
+                <a14:useLocalDpi xmlns:a14="http://schemas.microsoft.com/office/drawing/2010/main" val="0"/>
+              </a:ext>
+            </a:extLst>
+          </a:blip>
+          <a:srcRect l="4995" t="5474" r="3758" b="5641"/>
+          <a:stretch/>
+        </p:blipFill>
+        <p:spPr bwMode="auto">
+          <a:xfrm>
+            <a:off x="3258868" y="2892029"/>
+            <a:ext cx="4953480" cy="3965971"/>
+          </a:xfrm>
+          <a:prstGeom prst="rect">
+            <a:avLst/>
+          </a:prstGeom>
+          <a:noFill/>
+          <a:extLst>
+            <a:ext uri="{909E8E84-426E-40DD-AFC4-6F175D3DCCD1}">
+              <a14:hiddenFill xmlns:a14="http://schemas.microsoft.com/office/drawing/2010/main">
+                <a:solidFill>
+                  <a:srgbClr val="FFFFFF"/>
+                </a:solidFill>
+              </a14:hiddenFill>
+            </a:ext>
+          </a:extLst>
+        </p:spPr>
+      </p:pic>
+    </p:spTree>
+    <p:extLst>
+      <p:ext uri="{BB962C8B-B14F-4D97-AF65-F5344CB8AC3E}">
+        <p14:creationId xmlns:p14="http://schemas.microsoft.com/office/powerpoint/2010/main" val="2807221973"/>
+      </p:ext>
+    </p:extLst>
+  </p:cSld>
+  <p:clrMapOvr>
+    <a:masterClrMapping/>
+  </p:clrMapOvr>
+</p:sld>
+</file>
+
+<file path=ppt/slides/slide37.xml><?xml version="1.0" encoding="utf-8"?>
+<p:sld xmlns:a="http://schemas.openxmlformats.org/drawingml/2006/main" xmlns:r="http://schemas.openxmlformats.org/officeDocument/2006/relationships" xmlns:p="http://schemas.openxmlformats.org/presentationml/2006/main">
+  <p:cSld>
+    <p:spTree>
+      <p:nvGrpSpPr>
+        <p:cNvPr id="1" name=""/>
+        <p:cNvGrpSpPr/>
+        <p:nvPr/>
+      </p:nvGrpSpPr>
+      <p:grpSpPr>
+        <a:xfrm>
+          <a:off x="0" y="0"/>
+          <a:ext cx="0" cy="0"/>
+          <a:chOff x="0" y="0"/>
+          <a:chExt cx="0" cy="0"/>
+        </a:xfrm>
+      </p:grpSpPr>
+      <p:sp>
+        <p:nvSpPr>
+          <p:cNvPr id="26626" name="Rectangle 2">
+            <a:extLst>
+              <a:ext uri="{FF2B5EF4-FFF2-40B4-BE49-F238E27FC236}">
+                <a16:creationId xmlns:a16="http://schemas.microsoft.com/office/drawing/2014/main" id="{197D2835-D865-D842-9CE0-44E999FD0E9A}"/>
+              </a:ext>
+            </a:extLst>
+          </p:cNvPr>
+          <p:cNvSpPr>
+            <a:spLocks noGrp="1" noChangeArrowheads="1"/>
+          </p:cNvSpPr>
+          <p:nvPr>
+            <p:ph type="title"/>
+          </p:nvPr>
+        </p:nvSpPr>
+        <p:spPr>
+          <a:xfrm>
+            <a:off x="1619250" y="762000"/>
+            <a:ext cx="8591550" cy="609600"/>
+          </a:xfrm>
+        </p:spPr>
+        <p:txBody>
+          <a:bodyPr/>
+          <a:lstStyle/>
+          <a:p>
+            <a:pPr eaLnBrk="1" hangingPunct="1"/>
+            <a:r>
+              <a:rPr lang="en-US" altLang="en-US" dirty="0"/>
+              <a:t>How to Handle Noisy Data?</a:t>
+            </a:r>
+          </a:p>
+        </p:txBody>
+      </p:sp>
+      <p:sp>
+        <p:nvSpPr>
+          <p:cNvPr id="26627" name="Rectangle 3">
+            <a:extLst>
+              <a:ext uri="{FF2B5EF4-FFF2-40B4-BE49-F238E27FC236}">
+                <a16:creationId xmlns:a16="http://schemas.microsoft.com/office/drawing/2014/main" id="{EE92CE72-7FFB-7A4D-AABB-880481746382}"/>
+              </a:ext>
+            </a:extLst>
+          </p:cNvPr>
+          <p:cNvSpPr>
+            <a:spLocks noGrp="1" noChangeArrowheads="1"/>
+          </p:cNvSpPr>
+          <p:nvPr>
+            <p:ph type="body" idx="1"/>
+          </p:nvPr>
+        </p:nvSpPr>
+        <p:spPr>
+          <a:xfrm>
+            <a:off x="504825" y="2536884"/>
+            <a:ext cx="5430149" cy="1784231"/>
+          </a:xfrm>
+        </p:spPr>
+        <p:txBody>
+          <a:bodyPr>
+            <a:normAutofit/>
+          </a:bodyPr>
+          <a:lstStyle/>
+          <a:p>
+            <a:pPr eaLnBrk="1" hangingPunct="1"/>
+            <a:r>
+              <a:rPr lang="en-US" altLang="en-US" sz="2400" dirty="0">
+                <a:solidFill>
+                  <a:schemeClr val="accent2"/>
+                </a:solidFill>
+              </a:rPr>
+              <a:t>Clustering (unsupervised learning)</a:t>
+            </a:r>
+          </a:p>
+          <a:p>
+            <a:pPr lvl="1" eaLnBrk="1" hangingPunct="1"/>
+            <a:r>
+              <a:rPr lang="en-US" altLang="en-US" sz="2400" dirty="0"/>
+              <a:t>detect and remove outliers</a:t>
+            </a:r>
+          </a:p>
+        </p:txBody>
+      </p:sp>
+      <p:pic>
+        <p:nvPicPr>
+          <p:cNvPr id="56322" name="Picture 2" descr="Machine Learning | Outlier - GeeksforGeeks">
+            <a:extLst>
+              <a:ext uri="{FF2B5EF4-FFF2-40B4-BE49-F238E27FC236}">
+                <a16:creationId xmlns:a16="http://schemas.microsoft.com/office/drawing/2014/main" id="{8D846CD2-CDA1-2B4A-A501-35CCB7CB0100}"/>
+              </a:ext>
+            </a:extLst>
+          </p:cNvPr>
+          <p:cNvPicPr>
+            <a:picLocks noChangeAspect="1" noChangeArrowheads="1"/>
+          </p:cNvPicPr>
+          <p:nvPr/>
+        </p:nvPicPr>
+        <p:blipFill>
+          <a:blip r:embed="rId3">
+            <a:extLst>
+              <a:ext uri="{28A0092B-C50C-407E-A947-70E740481C1C}">
+                <a14:useLocalDpi xmlns:a14="http://schemas.microsoft.com/office/drawing/2010/main" val="0"/>
+              </a:ext>
+            </a:extLst>
+          </a:blip>
+          <a:srcRect/>
+          <a:stretch>
+            <a:fillRect/>
+          </a:stretch>
+        </p:blipFill>
+        <p:spPr bwMode="auto">
+          <a:xfrm>
+            <a:off x="6096000" y="2002894"/>
+            <a:ext cx="4514491" cy="4657485"/>
+          </a:xfrm>
+          <a:prstGeom prst="rect">
+            <a:avLst/>
+          </a:prstGeom>
+          <a:noFill/>
+          <a:extLst>
+            <a:ext uri="{909E8E84-426E-40DD-AFC4-6F175D3DCCD1}">
+              <a14:hiddenFill xmlns:a14="http://schemas.microsoft.com/office/drawing/2010/main">
+                <a:solidFill>
+                  <a:srgbClr val="FFFFFF"/>
+                </a:solidFill>
+              </a14:hiddenFill>
+            </a:ext>
+          </a:extLst>
+        </p:spPr>
+      </p:pic>
+    </p:spTree>
+    <p:extLst>
+      <p:ext uri="{BB962C8B-B14F-4D97-AF65-F5344CB8AC3E}">
+        <p14:creationId xmlns:p14="http://schemas.microsoft.com/office/powerpoint/2010/main" val="1419465198"/>
+      </p:ext>
+    </p:extLst>
+  </p:cSld>
+  <p:clrMapOvr>
+    <a:masterClrMapping/>
+  </p:clrMapOvr>
+</p:sld>
+</file>
+
+<file path=ppt/slides/slide38.xml><?xml version="1.0" encoding="utf-8"?>
+<p:sld xmlns:a="http://schemas.openxmlformats.org/drawingml/2006/main" xmlns:r="http://schemas.openxmlformats.org/officeDocument/2006/relationships" xmlns:p="http://schemas.openxmlformats.org/presentationml/2006/main">
+  <p:cSld>
+    <p:spTree>
+      <p:nvGrpSpPr>
+        <p:cNvPr id="1" name=""/>
+        <p:cNvGrpSpPr/>
+        <p:nvPr/>
+      </p:nvGrpSpPr>
+      <p:grpSpPr>
+        <a:xfrm>
+          <a:off x="0" y="0"/>
+          <a:ext cx="0" cy="0"/>
+          <a:chOff x="0" y="0"/>
+          <a:chExt cx="0" cy="0"/>
+        </a:xfrm>
+      </p:grpSpPr>
+      <p:sp>
+        <p:nvSpPr>
+          <p:cNvPr id="26625" name="Rectangle 2061">
+            <a:extLst>
+              <a:ext uri="{FF2B5EF4-FFF2-40B4-BE49-F238E27FC236}">
+                <a16:creationId xmlns:a16="http://schemas.microsoft.com/office/drawing/2014/main" id="{961A3ED5-5467-8040-9981-0E1BA351914B}"/>
+              </a:ext>
+            </a:extLst>
+          </p:cNvPr>
+          <p:cNvSpPr>
+            <a:spLocks noGrp="1" noChangeArrowheads="1"/>
+          </p:cNvSpPr>
+          <p:nvPr>
+            <p:ph type="sldNum" sz="quarter" idx="10"/>
+          </p:nvPr>
+        </p:nvSpPr>
+        <p:spPr>
+          <a:noFill/>
+          <a:ln/>
+          <a:extLst>
+            <a:ext uri="{909E8E84-426E-40DD-AFC4-6F175D3DCCD1}">
+              <a14:hiddenFill xmlns:a14="http://schemas.microsoft.com/office/drawing/2010/main">
+                <a:solidFill>
+                  <a:srgbClr val="FFFFFF"/>
+                </a:solidFill>
+              </a14:hiddenFill>
+            </a:ext>
+            <a:ext uri="{91240B29-F687-4F45-9708-019B960494DF}">
+              <a14:hiddenLine xmlns:a14="http://schemas.microsoft.com/office/drawing/2010/main" w="9525">
+                <a:solidFill>
+                  <a:srgbClr val="000000"/>
+                </a:solidFill>
+                <a:miter lim="800000"/>
+                <a:headEnd/>
+                <a:tailEnd/>
+              </a14:hiddenLine>
+            </a:ext>
+          </a:extLst>
+        </p:spPr>
+        <p:txBody>
+          <a:bodyPr/>
+          <a:lstStyle>
+            <a:lvl1pPr>
+              <a:spcBef>
+                <a:spcPct val="20000"/>
+              </a:spcBef>
+              <a:buClr>
+                <a:schemeClr val="folHlink"/>
+              </a:buClr>
+              <a:buSzPct val="60000"/>
+              <a:buFont typeface="Wingdings" pitchFamily="2" charset="2"/>
+              <a:buChar char="n"/>
+              <a:defRPr sz="2800">
+                <a:solidFill>
+                  <a:schemeClr val="tx1"/>
+                </a:solidFill>
+                <a:latin typeface="Tahoma" panose="020B0604030504040204" pitchFamily="34" charset="0"/>
+              </a:defRPr>
+            </a:lvl1pPr>
+            <a:lvl2pPr marL="742950" indent="-285750">
+              <a:spcBef>
+                <a:spcPct val="20000"/>
+              </a:spcBef>
+              <a:buClr>
+                <a:schemeClr val="hlink"/>
+              </a:buClr>
+              <a:buSzPct val="55000"/>
+              <a:buFont typeface="Wingdings" pitchFamily="2" charset="2"/>
+              <a:buChar char="n"/>
+              <a:defRPr sz="2800">
+                <a:solidFill>
+                  <a:schemeClr val="tx1"/>
+                </a:solidFill>
+                <a:latin typeface="Tahoma" panose="020B0604030504040204" pitchFamily="34" charset="0"/>
+              </a:defRPr>
+            </a:lvl2pPr>
+            <a:lvl3pPr marL="1143000" indent="-228600">
+              <a:spcBef>
+                <a:spcPct val="20000"/>
+              </a:spcBef>
+              <a:buClr>
+                <a:schemeClr val="folHlink"/>
+              </a:buClr>
+              <a:buSzPct val="50000"/>
+              <a:buFont typeface="Wingdings" pitchFamily="2" charset="2"/>
+              <a:buChar char="n"/>
+              <a:defRPr sz="2400">
+                <a:solidFill>
+                  <a:schemeClr val="tx1"/>
+                </a:solidFill>
+                <a:latin typeface="Tahoma" panose="020B0604030504040204" pitchFamily="34" charset="0"/>
+              </a:defRPr>
+            </a:lvl3pPr>
+            <a:lvl4pPr marL="1600200" indent="-228600">
+              <a:spcBef>
+                <a:spcPct val="20000"/>
+              </a:spcBef>
+              <a:buClr>
+                <a:schemeClr val="accent2"/>
+              </a:buClr>
+              <a:buSzPct val="55000"/>
+              <a:buFont typeface="Wingdings" pitchFamily="2" charset="2"/>
+              <a:buChar char="n"/>
+              <a:defRPr sz="2000">
+                <a:solidFill>
+                  <a:schemeClr val="tx1"/>
+                </a:solidFill>
+                <a:latin typeface="Tahoma" panose="020B0604030504040204" pitchFamily="34" charset="0"/>
+              </a:defRPr>
+            </a:lvl4pPr>
+            <a:lvl5pPr marL="2057400" indent="-228600">
+              <a:spcBef>
+                <a:spcPct val="20000"/>
+              </a:spcBef>
+              <a:buClr>
+                <a:schemeClr val="accent1"/>
+              </a:buClr>
+              <a:buSzPct val="50000"/>
+              <a:buFont typeface="Wingdings" pitchFamily="2" charset="2"/>
+              <a:buChar char="n"/>
+              <a:defRPr sz="2000">
+                <a:solidFill>
+                  <a:schemeClr val="tx1"/>
+                </a:solidFill>
+                <a:latin typeface="Tahoma" panose="020B0604030504040204" pitchFamily="34" charset="0"/>
+              </a:defRPr>
+            </a:lvl5pPr>
+            <a:lvl6pPr marL="2514600" indent="-228600" eaLnBrk="0" fontAlgn="base" hangingPunct="0">
+              <a:spcBef>
+                <a:spcPct val="20000"/>
+              </a:spcBef>
+              <a:spcAft>
+                <a:spcPct val="0"/>
+              </a:spcAft>
+              <a:buClr>
+                <a:schemeClr val="accent1"/>
+              </a:buClr>
+              <a:buSzPct val="50000"/>
+              <a:buFont typeface="Wingdings" pitchFamily="2" charset="2"/>
+              <a:buChar char="n"/>
+              <a:defRPr sz="2000">
+                <a:solidFill>
+                  <a:schemeClr val="tx1"/>
+                </a:solidFill>
+                <a:latin typeface="Tahoma" panose="020B0604030504040204" pitchFamily="34" charset="0"/>
+              </a:defRPr>
+            </a:lvl6pPr>
+            <a:lvl7pPr marL="2971800" indent="-228600" eaLnBrk="0" fontAlgn="base" hangingPunct="0">
+              <a:spcBef>
+                <a:spcPct val="20000"/>
+              </a:spcBef>
+              <a:spcAft>
+                <a:spcPct val="0"/>
+              </a:spcAft>
+              <a:buClr>
+                <a:schemeClr val="accent1"/>
+              </a:buClr>
+              <a:buSzPct val="50000"/>
+              <a:buFont typeface="Wingdings" pitchFamily="2" charset="2"/>
+              <a:buChar char="n"/>
+              <a:defRPr sz="2000">
+                <a:solidFill>
+                  <a:schemeClr val="tx1"/>
+                </a:solidFill>
+                <a:latin typeface="Tahoma" panose="020B0604030504040204" pitchFamily="34" charset="0"/>
+              </a:defRPr>
+            </a:lvl7pPr>
+            <a:lvl8pPr marL="3429000" indent="-228600" eaLnBrk="0" fontAlgn="base" hangingPunct="0">
+              <a:spcBef>
+                <a:spcPct val="20000"/>
+              </a:spcBef>
+              <a:spcAft>
+                <a:spcPct val="0"/>
+              </a:spcAft>
+              <a:buClr>
+                <a:schemeClr val="accent1"/>
+              </a:buClr>
+              <a:buSzPct val="50000"/>
+              <a:buFont typeface="Wingdings" pitchFamily="2" charset="2"/>
+              <a:buChar char="n"/>
+              <a:defRPr sz="2000">
+                <a:solidFill>
+                  <a:schemeClr val="tx1"/>
+                </a:solidFill>
+                <a:latin typeface="Tahoma" panose="020B0604030504040204" pitchFamily="34" charset="0"/>
+              </a:defRPr>
+            </a:lvl8pPr>
+            <a:lvl9pPr marL="3886200" indent="-228600" eaLnBrk="0" fontAlgn="base" hangingPunct="0">
+              <a:spcBef>
+                <a:spcPct val="20000"/>
+              </a:spcBef>
+              <a:spcAft>
+                <a:spcPct val="0"/>
+              </a:spcAft>
+              <a:buClr>
+                <a:schemeClr val="accent1"/>
+              </a:buClr>
+              <a:buSzPct val="50000"/>
+              <a:buFont typeface="Wingdings" pitchFamily="2" charset="2"/>
+              <a:buChar char="n"/>
+              <a:defRPr sz="2000">
+                <a:solidFill>
+                  <a:schemeClr val="tx1"/>
+                </a:solidFill>
+                <a:latin typeface="Tahoma" panose="020B0604030504040204" pitchFamily="34" charset="0"/>
+              </a:defRPr>
+            </a:lvl9pPr>
+          </a:lstStyle>
+          <a:p>
+            <a:pPr>
+              <a:spcBef>
+                <a:spcPct val="0"/>
+              </a:spcBef>
+              <a:buClrTx/>
+              <a:buSzTx/>
+              <a:buFontTx/>
+              <a:buNone/>
+            </a:pPr>
+            <a:fld id="{1413008D-A49D-3141-A2BE-857F969DDFC6}" type="slidenum">
+              <a:rPr lang="en-US" altLang="en-US" sz="1200"/>
+              <a:pPr>
+                <a:spcBef>
+                  <a:spcPct val="0"/>
+                </a:spcBef>
+                <a:buClrTx/>
+                <a:buSzTx/>
+                <a:buFontTx/>
+                <a:buNone/>
+              </a:pPr>
+              <a:t>38</a:t>
+            </a:fld>
+            <a:endParaRPr lang="en-US" altLang="en-US" sz="1200"/>
+          </a:p>
+        </p:txBody>
+      </p:sp>
+      <p:sp>
+        <p:nvSpPr>
+          <p:cNvPr id="26626" name="Rectangle 2">
+            <a:extLst>
+              <a:ext uri="{FF2B5EF4-FFF2-40B4-BE49-F238E27FC236}">
+                <a16:creationId xmlns:a16="http://schemas.microsoft.com/office/drawing/2014/main" id="{197D2835-D865-D842-9CE0-44E999FD0E9A}"/>
+              </a:ext>
+            </a:extLst>
+          </p:cNvPr>
+          <p:cNvSpPr>
+            <a:spLocks noGrp="1" noChangeArrowheads="1"/>
+          </p:cNvSpPr>
+          <p:nvPr>
+            <p:ph type="title"/>
+          </p:nvPr>
+        </p:nvSpPr>
+        <p:spPr>
+          <a:xfrm>
+            <a:off x="1619250" y="762000"/>
+            <a:ext cx="8591550" cy="609600"/>
+          </a:xfrm>
+        </p:spPr>
+        <p:txBody>
+          <a:bodyPr/>
+          <a:lstStyle/>
+          <a:p>
+            <a:pPr eaLnBrk="1" hangingPunct="1"/>
+            <a:r>
+              <a:rPr lang="en-US" altLang="en-US" dirty="0"/>
+              <a:t>How to Handle Noisy Data?</a:t>
+            </a:r>
+          </a:p>
+        </p:txBody>
+      </p:sp>
+      <p:sp>
+        <p:nvSpPr>
+          <p:cNvPr id="26627" name="Rectangle 3">
+            <a:extLst>
+              <a:ext uri="{FF2B5EF4-FFF2-40B4-BE49-F238E27FC236}">
+                <a16:creationId xmlns:a16="http://schemas.microsoft.com/office/drawing/2014/main" id="{EE92CE72-7FFB-7A4D-AABB-880481746382}"/>
+              </a:ext>
+            </a:extLst>
+          </p:cNvPr>
+          <p:cNvSpPr>
+            <a:spLocks noGrp="1" noChangeArrowheads="1"/>
+          </p:cNvSpPr>
+          <p:nvPr>
+            <p:ph type="body" idx="1"/>
+          </p:nvPr>
+        </p:nvSpPr>
+        <p:spPr>
+          <a:xfrm>
+            <a:off x="877378" y="1733909"/>
+            <a:ext cx="10854548" cy="2096219"/>
+          </a:xfrm>
+        </p:spPr>
+        <p:txBody>
+          <a:bodyPr>
+            <a:normAutofit/>
+          </a:bodyPr>
+          <a:lstStyle/>
+          <a:p>
+            <a:pPr eaLnBrk="1" hangingPunct="1"/>
+            <a:r>
+              <a:rPr lang="en-US" altLang="en-US" sz="2800" dirty="0">
+                <a:solidFill>
+                  <a:schemeClr val="accent2"/>
+                </a:solidFill>
+              </a:rPr>
+              <a:t>Combined computer and human inspection</a:t>
+            </a:r>
+          </a:p>
+          <a:p>
+            <a:pPr eaLnBrk="1" hangingPunct="1"/>
+            <a:r>
+              <a:rPr lang="en-US" altLang="en-US" sz="1900" dirty="0">
+                <a:solidFill>
+                  <a:schemeClr val="accent2"/>
+                </a:solidFill>
+              </a:rPr>
+              <a:t>(human in the loop </a:t>
+            </a:r>
+            <a:r>
+              <a:rPr lang="en-US" altLang="en-US" sz="1900" dirty="0">
+                <a:solidFill>
+                  <a:schemeClr val="accent2"/>
+                </a:solidFill>
+                <a:sym typeface="Wingdings" pitchFamily="2" charset="2"/>
+              </a:rPr>
+              <a:t> combine domain experts’ perspectives</a:t>
+            </a:r>
+            <a:r>
+              <a:rPr lang="en-US" altLang="en-US" sz="1900" dirty="0">
+                <a:solidFill>
+                  <a:schemeClr val="accent2"/>
+                </a:solidFill>
+              </a:rPr>
+              <a:t>)</a:t>
+            </a:r>
+          </a:p>
+          <a:p>
+            <a:pPr lvl="1" eaLnBrk="1" hangingPunct="1"/>
+            <a:r>
+              <a:rPr lang="en-US" altLang="en-US" sz="2400" dirty="0"/>
+              <a:t>detect suspicious values and check by human (e.g., deal with possible outliers)</a:t>
+            </a:r>
+          </a:p>
+        </p:txBody>
+      </p:sp>
+      <p:pic>
+        <p:nvPicPr>
+          <p:cNvPr id="50178" name="Picture 2" descr="Outlier Detection with Isolation Forest | by Eryk Lewinson | Towards Data  Science">
+            <a:extLst>
+              <a:ext uri="{FF2B5EF4-FFF2-40B4-BE49-F238E27FC236}">
+                <a16:creationId xmlns:a16="http://schemas.microsoft.com/office/drawing/2014/main" id="{0999C166-3E94-204B-94D0-DBA889DAEE9B}"/>
+              </a:ext>
+            </a:extLst>
+          </p:cNvPr>
+          <p:cNvPicPr>
+            <a:picLocks noChangeAspect="1" noChangeArrowheads="1"/>
+          </p:cNvPicPr>
+          <p:nvPr/>
+        </p:nvPicPr>
+        <p:blipFill rotWithShape="1">
+          <a:blip r:embed="rId3">
+            <a:extLst>
+              <a:ext uri="{28A0092B-C50C-407E-A947-70E740481C1C}">
+                <a14:useLocalDpi xmlns:a14="http://schemas.microsoft.com/office/drawing/2010/main" val="0"/>
+              </a:ext>
+            </a:extLst>
+          </a:blip>
+          <a:srcRect r="19863" b="3415"/>
+          <a:stretch/>
+        </p:blipFill>
+        <p:spPr bwMode="auto">
+          <a:xfrm>
+            <a:off x="3169937" y="3489595"/>
+            <a:ext cx="4855833" cy="3368405"/>
+          </a:xfrm>
+          <a:prstGeom prst="rect">
+            <a:avLst/>
+          </a:prstGeom>
+          <a:noFill/>
+          <a:extLst>
+            <a:ext uri="{909E8E84-426E-40DD-AFC4-6F175D3DCCD1}">
+              <a14:hiddenFill xmlns:a14="http://schemas.microsoft.com/office/drawing/2010/main">
+                <a:solidFill>
+                  <a:srgbClr val="FFFFFF"/>
+                </a:solidFill>
+              </a14:hiddenFill>
+            </a:ext>
+          </a:extLst>
+        </p:spPr>
+      </p:pic>
+    </p:spTree>
+    <p:extLst>
+      <p:ext uri="{BB962C8B-B14F-4D97-AF65-F5344CB8AC3E}">
+        <p14:creationId xmlns:p14="http://schemas.microsoft.com/office/powerpoint/2010/main" val="861659110"/>
       </p:ext>
     </p:extLst>
   </p:cSld>
@@ -14179,7 +16940,7 @@
         <p:spPr>
           <a:xfrm>
             <a:off x="581192" y="2039816"/>
-            <a:ext cx="9198287" cy="1815882"/>
+            <a:ext cx="8267328" cy="1815882"/>
           </a:xfrm>
           <a:prstGeom prst="rect">
             <a:avLst/>
@@ -14194,7 +16955,7 @@
           <a:p>
             <a:r>
               <a:rPr lang="en-US" sz="2800" dirty="0"/>
-              <a:t>Missing values impact training and prediction</a:t>
+              <a:t>Missing values impact both training and prediction</a:t>
             </a:r>
           </a:p>
           <a:p>
@@ -14216,7 +16977,7 @@
             </a:r>
             <a:r>
               <a:rPr lang="en-US" sz="2800" dirty="0"/>
-              <a:t>: “unknown” values</a:t>
+              <a:t>: unknown values</a:t>
             </a:r>
           </a:p>
           <a:p>
@@ -14235,7 +16996,7 @@
             </a:r>
             <a:r>
               <a:rPr lang="en-US" sz="2800" dirty="0"/>
-              <a:t>: input at prediction time with “unknown” values</a:t>
+              <a:t>:  input for prediction has unknown values</a:t>
             </a:r>
           </a:p>
         </p:txBody>
@@ -15482,26 +18243,95 @@
           </p:cNvPicPr>
           <p:nvPr/>
         </p:nvPicPr>
-        <p:blipFill>
+        <p:blipFill rotWithShape="1">
           <a:blip r:embed="rId2"/>
-          <a:stretch>
-            <a:fillRect/>
-          </a:stretch>
+          <a:srcRect b="28723"/>
+          <a:stretch/>
         </p:blipFill>
         <p:spPr>
           <a:xfrm>
             <a:off x="1866265" y="2049274"/>
-            <a:ext cx="8459470" cy="4598255"/>
+            <a:ext cx="8459470" cy="3277469"/>
           </a:xfrm>
           <a:prstGeom prst="rect">
             <a:avLst/>
           </a:prstGeom>
         </p:spPr>
       </p:pic>
+      <p:sp>
+        <p:nvSpPr>
+          <p:cNvPr id="3" name="TextBox 2">
+            <a:extLst>
+              <a:ext uri="{FF2B5EF4-FFF2-40B4-BE49-F238E27FC236}">
+                <a16:creationId xmlns:a16="http://schemas.microsoft.com/office/drawing/2014/main" id="{B50D8691-274C-9949-9338-C6D728ED8099}"/>
+              </a:ext>
+            </a:extLst>
+          </p:cNvPr>
+          <p:cNvSpPr txBox="1"/>
+          <p:nvPr/>
+        </p:nvSpPr>
+        <p:spPr>
+          <a:xfrm>
+            <a:off x="2129590" y="5660061"/>
+            <a:ext cx="3222357" cy="369332"/>
+          </a:xfrm>
+          <a:prstGeom prst="rect">
+            <a:avLst/>
+          </a:prstGeom>
+          <a:noFill/>
+        </p:spPr>
+        <p:txBody>
+          <a:bodyPr wrap="none" rtlCol="0">
+            <a:spAutoFit/>
+          </a:bodyPr>
+          <a:lstStyle/>
+          <a:p>
+            <a:r>
+              <a:rPr lang="en-US" dirty="0"/>
+              <a:t>Original data with missing values</a:t>
+            </a:r>
+          </a:p>
+        </p:txBody>
+      </p:sp>
+      <p:sp>
+        <p:nvSpPr>
+          <p:cNvPr id="5" name="TextBox 4">
+            <a:extLst>
+              <a:ext uri="{FF2B5EF4-FFF2-40B4-BE49-F238E27FC236}">
+                <a16:creationId xmlns:a16="http://schemas.microsoft.com/office/drawing/2014/main" id="{C213DB4D-2BF0-B240-B6F9-F30B7BE73158}"/>
+              </a:ext>
+            </a:extLst>
+          </p:cNvPr>
+          <p:cNvSpPr txBox="1"/>
+          <p:nvPr/>
+        </p:nvSpPr>
+        <p:spPr>
+          <a:xfrm>
+            <a:off x="6577264" y="5631673"/>
+            <a:ext cx="3160032" cy="369332"/>
+          </a:xfrm>
+          <a:prstGeom prst="rect">
+            <a:avLst/>
+          </a:prstGeom>
+          <a:noFill/>
+        </p:spPr>
+        <p:txBody>
+          <a:bodyPr wrap="none" rtlCol="0">
+            <a:spAutoFit/>
+          </a:bodyPr>
+          <a:lstStyle/>
+          <a:p>
+            <a:r>
+              <a:rPr lang="en-US" dirty="0"/>
+              <a:t>Data without any missing values</a:t>
+            </a:r>
+          </a:p>
+        </p:txBody>
+      </p:sp>
     </p:spTree>
     <p:extLst>
       <p:ext uri="{BB962C8B-B14F-4D97-AF65-F5344CB8AC3E}">
-        <p14:creationId xmlns:p14="http://schemas.microsoft.com/office/powerpoint/2010/main" val="2993264480"/>
+        <p14:creationId xmlns:p14="http://schemas.microsoft.com/office/powerpoint/2010/main" val="2790546560"/>
       </p:ext>
     </p:extLst>
   </p:cSld>
@@ -15778,4 +18608,299 @@
     </a:ext>
   </a:extLst>
 </a:theme>
+</file>
+
+<file path=ppt/theme/theme2.xml><?xml version="1.0" encoding="utf-8"?>
+<a:theme xmlns:a="http://schemas.openxmlformats.org/drawingml/2006/main" name="Office Theme">
+  <a:themeElements>
+    <a:clrScheme name="Office">
+      <a:dk1>
+        <a:sysClr val="windowText" lastClr="000000"/>
+      </a:dk1>
+      <a:lt1>
+        <a:sysClr val="window" lastClr="FFFFFF"/>
+      </a:lt1>
+      <a:dk2>
+        <a:srgbClr val="44546A"/>
+      </a:dk2>
+      <a:lt2>
+        <a:srgbClr val="E7E6E6"/>
+      </a:lt2>
+      <a:accent1>
+        <a:srgbClr val="4472C4"/>
+      </a:accent1>
+      <a:accent2>
+        <a:srgbClr val="ED7D31"/>
+      </a:accent2>
+      <a:accent3>
+        <a:srgbClr val="A5A5A5"/>
+      </a:accent3>
+      <a:accent4>
+        <a:srgbClr val="FFC000"/>
+      </a:accent4>
+      <a:accent5>
+        <a:srgbClr val="5B9BD5"/>
+      </a:accent5>
+      <a:accent6>
+        <a:srgbClr val="70AD47"/>
+      </a:accent6>
+      <a:hlink>
+        <a:srgbClr val="0563C1"/>
+      </a:hlink>
+      <a:folHlink>
+        <a:srgbClr val="954F72"/>
+      </a:folHlink>
+    </a:clrScheme>
+    <a:fontScheme name="Office">
+      <a:majorFont>
+        <a:latin typeface="Calibri Light" panose="020F0302020204030204"/>
+        <a:ea typeface=""/>
+        <a:cs typeface=""/>
+        <a:font script="Jpan" typeface="游ゴシック Light"/>
+        <a:font script="Hang" typeface="맑은 고딕"/>
+        <a:font script="Hans" typeface="等线 Light"/>
+        <a:font script="Hant" typeface="新細明體"/>
+        <a:font script="Arab" typeface="Times New Roman"/>
+        <a:font script="Hebr" typeface="Times New Roman"/>
+        <a:font script="Thai" typeface="Angsana New"/>
+        <a:font script="Ethi" typeface="Nyala"/>
+        <a:font script="Beng" typeface="Vrinda"/>
+        <a:font script="Gujr" typeface="Shruti"/>
+        <a:font script="Khmr" typeface="MoolBoran"/>
+        <a:font script="Knda" typeface="Tunga"/>
+        <a:font script="Guru" typeface="Raavi"/>
+        <a:font script="Cans" typeface="Euphemia"/>
+        <a:font script="Cher" typeface="Plantagenet Cherokee"/>
+        <a:font script="Yiii" typeface="Microsoft Yi Baiti"/>
+        <a:font script="Tibt" typeface="Microsoft Himalaya"/>
+        <a:font script="Thaa" typeface="MV Boli"/>
+        <a:font script="Deva" typeface="Mangal"/>
+        <a:font script="Telu" typeface="Gautami"/>
+        <a:font script="Taml" typeface="Latha"/>
+        <a:font script="Syrc" typeface="Estrangelo Edessa"/>
+        <a:font script="Orya" typeface="Kalinga"/>
+        <a:font script="Mlym" typeface="Kartika"/>
+        <a:font script="Laoo" typeface="DokChampa"/>
+        <a:font script="Sinh" typeface="Iskoola Pota"/>
+        <a:font script="Mong" typeface="Mongolian Baiti"/>
+        <a:font script="Viet" typeface="Times New Roman"/>
+        <a:font script="Uigh" typeface="Microsoft Uighur"/>
+        <a:font script="Geor" typeface="Sylfaen"/>
+        <a:font script="Armn" typeface="Arial"/>
+        <a:font script="Bugi" typeface="Leelawadee UI"/>
+        <a:font script="Bopo" typeface="Microsoft JhengHei"/>
+        <a:font script="Java" typeface="Javanese Text"/>
+        <a:font script="Lisu" typeface="Segoe UI"/>
+        <a:font script="Mymr" typeface="Myanmar Text"/>
+        <a:font script="Nkoo" typeface="Ebrima"/>
+        <a:font script="Olck" typeface="Nirmala UI"/>
+        <a:font script="Osma" typeface="Ebrima"/>
+        <a:font script="Phag" typeface="Phagspa"/>
+        <a:font script="Syrn" typeface="Estrangelo Edessa"/>
+        <a:font script="Syrj" typeface="Estrangelo Edessa"/>
+        <a:font script="Syre" typeface="Estrangelo Edessa"/>
+        <a:font script="Sora" typeface="Nirmala UI"/>
+        <a:font script="Tale" typeface="Microsoft Tai Le"/>
+        <a:font script="Talu" typeface="Microsoft New Tai Lue"/>
+        <a:font script="Tfng" typeface="Ebrima"/>
+      </a:majorFont>
+      <a:minorFont>
+        <a:latin typeface="Calibri" panose="020F0502020204030204"/>
+        <a:ea typeface=""/>
+        <a:cs typeface=""/>
+        <a:font script="Jpan" typeface="游ゴシック"/>
+        <a:font script="Hang" typeface="맑은 고딕"/>
+        <a:font script="Hans" typeface="等线"/>
+        <a:font script="Hant" typeface="新細明體"/>
+        <a:font script="Arab" typeface="Arial"/>
+        <a:font script="Hebr" typeface="Arial"/>
+        <a:font script="Thai" typeface="Cordia New"/>
+        <a:font script="Ethi" typeface="Nyala"/>
+        <a:font script="Beng" typeface="Vrinda"/>
+        <a:font script="Gujr" typeface="Shruti"/>
+        <a:font script="Khmr" typeface="DaunPenh"/>
+        <a:font script="Knda" typeface="Tunga"/>
+        <a:font script="Guru" typeface="Raavi"/>
+        <a:font script="Cans" typeface="Euphemia"/>
+        <a:font script="Cher" typeface="Plantagenet Cherokee"/>
+        <a:font script="Yiii" typeface="Microsoft Yi Baiti"/>
+        <a:font script="Tibt" typeface="Microsoft Himalaya"/>
+        <a:font script="Thaa" typeface="MV Boli"/>
+        <a:font script="Deva" typeface="Mangal"/>
+        <a:font script="Telu" typeface="Gautami"/>
+        <a:font script="Taml" typeface="Latha"/>
+        <a:font script="Syrc" typeface="Estrangelo Edessa"/>
+        <a:font script="Orya" typeface="Kalinga"/>
+        <a:font script="Mlym" typeface="Kartika"/>
+        <a:font script="Laoo" typeface="DokChampa"/>
+        <a:font script="Sinh" typeface="Iskoola Pota"/>
+        <a:font script="Mong" typeface="Mongolian Baiti"/>
+        <a:font script="Viet" typeface="Arial"/>
+        <a:font script="Uigh" typeface="Microsoft Uighur"/>
+        <a:font script="Geor" typeface="Sylfaen"/>
+        <a:font script="Armn" typeface="Arial"/>
+        <a:font script="Bugi" typeface="Leelawadee UI"/>
+        <a:font script="Bopo" typeface="Microsoft JhengHei"/>
+        <a:font script="Java" typeface="Javanese Text"/>
+        <a:font script="Lisu" typeface="Segoe UI"/>
+        <a:font script="Mymr" typeface="Myanmar Text"/>
+        <a:font script="Nkoo" typeface="Ebrima"/>
+        <a:font script="Olck" typeface="Nirmala UI"/>
+        <a:font script="Osma" typeface="Ebrima"/>
+        <a:font script="Phag" typeface="Phagspa"/>
+        <a:font script="Syrn" typeface="Estrangelo Edessa"/>
+        <a:font script="Syrj" typeface="Estrangelo Edessa"/>
+        <a:font script="Syre" typeface="Estrangelo Edessa"/>
+        <a:font script="Sora" typeface="Nirmala UI"/>
+        <a:font script="Tale" typeface="Microsoft Tai Le"/>
+        <a:font script="Talu" typeface="Microsoft New Tai Lue"/>
+        <a:font script="Tfng" typeface="Ebrima"/>
+      </a:minorFont>
+    </a:fontScheme>
+    <a:fmtScheme name="Office">
+      <a:fillStyleLst>
+        <a:solidFill>
+          <a:schemeClr val="phClr"/>
+        </a:solidFill>
+        <a:gradFill rotWithShape="1">
+          <a:gsLst>
+            <a:gs pos="0">
+              <a:schemeClr val="phClr">
+                <a:lumMod val="110000"/>
+                <a:satMod val="105000"/>
+                <a:tint val="67000"/>
+              </a:schemeClr>
+            </a:gs>
+            <a:gs pos="50000">
+              <a:schemeClr val="phClr">
+                <a:lumMod val="105000"/>
+                <a:satMod val="103000"/>
+                <a:tint val="73000"/>
+              </a:schemeClr>
+            </a:gs>
+            <a:gs pos="100000">
+              <a:schemeClr val="phClr">
+                <a:lumMod val="105000"/>
+                <a:satMod val="109000"/>
+                <a:tint val="81000"/>
+              </a:schemeClr>
+            </a:gs>
+          </a:gsLst>
+          <a:lin ang="5400000" scaled="0"/>
+        </a:gradFill>
+        <a:gradFill rotWithShape="1">
+          <a:gsLst>
+            <a:gs pos="0">
+              <a:schemeClr val="phClr">
+                <a:satMod val="103000"/>
+                <a:lumMod val="102000"/>
+                <a:tint val="94000"/>
+              </a:schemeClr>
+            </a:gs>
+            <a:gs pos="50000">
+              <a:schemeClr val="phClr">
+                <a:satMod val="110000"/>
+                <a:lumMod val="100000"/>
+                <a:shade val="100000"/>
+              </a:schemeClr>
+            </a:gs>
+            <a:gs pos="100000">
+              <a:schemeClr val="phClr">
+                <a:lumMod val="99000"/>
+                <a:satMod val="120000"/>
+                <a:shade val="78000"/>
+              </a:schemeClr>
+            </a:gs>
+          </a:gsLst>
+          <a:lin ang="5400000" scaled="0"/>
+        </a:gradFill>
+      </a:fillStyleLst>
+      <a:lnStyleLst>
+        <a:ln w="6350" cap="flat" cmpd="sng" algn="ctr">
+          <a:solidFill>
+            <a:schemeClr val="phClr"/>
+          </a:solidFill>
+          <a:prstDash val="solid"/>
+          <a:miter lim="800000"/>
+        </a:ln>
+        <a:ln w="12700" cap="flat" cmpd="sng" algn="ctr">
+          <a:solidFill>
+            <a:schemeClr val="phClr"/>
+          </a:solidFill>
+          <a:prstDash val="solid"/>
+          <a:miter lim="800000"/>
+        </a:ln>
+        <a:ln w="19050" cap="flat" cmpd="sng" algn="ctr">
+          <a:solidFill>
+            <a:schemeClr val="phClr"/>
+          </a:solidFill>
+          <a:prstDash val="solid"/>
+          <a:miter lim="800000"/>
+        </a:ln>
+      </a:lnStyleLst>
+      <a:effectStyleLst>
+        <a:effectStyle>
+          <a:effectLst/>
+        </a:effectStyle>
+        <a:effectStyle>
+          <a:effectLst/>
+        </a:effectStyle>
+        <a:effectStyle>
+          <a:effectLst>
+            <a:outerShdw blurRad="57150" dist="19050" dir="5400000" algn="ctr" rotWithShape="0">
+              <a:srgbClr val="000000">
+                <a:alpha val="63000"/>
+              </a:srgbClr>
+            </a:outerShdw>
+          </a:effectLst>
+        </a:effectStyle>
+      </a:effectStyleLst>
+      <a:bgFillStyleLst>
+        <a:solidFill>
+          <a:schemeClr val="phClr"/>
+        </a:solidFill>
+        <a:solidFill>
+          <a:schemeClr val="phClr">
+            <a:tint val="95000"/>
+            <a:satMod val="170000"/>
+          </a:schemeClr>
+        </a:solidFill>
+        <a:gradFill rotWithShape="1">
+          <a:gsLst>
+            <a:gs pos="0">
+              <a:schemeClr val="phClr">
+                <a:tint val="93000"/>
+                <a:satMod val="150000"/>
+                <a:shade val="98000"/>
+                <a:lumMod val="102000"/>
+              </a:schemeClr>
+            </a:gs>
+            <a:gs pos="50000">
+              <a:schemeClr val="phClr">
+                <a:tint val="98000"/>
+                <a:satMod val="130000"/>
+                <a:shade val="90000"/>
+                <a:lumMod val="103000"/>
+              </a:schemeClr>
+            </a:gs>
+            <a:gs pos="100000">
+              <a:schemeClr val="phClr">
+                <a:shade val="63000"/>
+                <a:satMod val="120000"/>
+              </a:schemeClr>
+            </a:gs>
+          </a:gsLst>
+          <a:lin ang="5400000" scaled="0"/>
+        </a:gradFill>
+      </a:bgFillStyleLst>
+    </a:fmtScheme>
+  </a:themeElements>
+  <a:objectDefaults/>
+  <a:extraClrSchemeLst/>
+  <a:extLst>
+    <a:ext uri="{05A4C25C-085E-4340-85A3-A5531E510DB2}">
+      <thm15:themeFamily xmlns:thm15="http://schemas.microsoft.com/office/thememl/2012/main" name="Office Theme" id="{62F939B6-93AF-4DB8-9C6B-D6C7DFDC589F}" vid="{4A3C46E8-61CC-4603-A589-7422A47A8E4A}"/>
+    </a:ext>
+  </a:extLst>
+</a:theme>
 </file>